--- a/6023_Algor_Gems_(2025)/Day2Day/W04 (threading)/6023_W04_Threading_Notes.pptx
+++ b/6023_Algor_Gems_(2025)/Day2Day/W04 (threading)/6023_W04_Threading_Notes.pptx
@@ -5,14 +5,17 @@
     <p:sldMasterId id="2147483756" r:id="rId1"/>
   </p:sldMasterIdLst>
   <p:notesMasterIdLst>
-    <p:notesMasterId r:id="rId7"/>
+    <p:notesMasterId r:id="rId10"/>
   </p:notesMasterIdLst>
   <p:sldIdLst>
     <p:sldId id="256" r:id="rId2"/>
-    <p:sldId id="463" r:id="rId3"/>
-    <p:sldId id="464" r:id="rId4"/>
-    <p:sldId id="466" r:id="rId5"/>
-    <p:sldId id="465" r:id="rId6"/>
+    <p:sldId id="467" r:id="rId3"/>
+    <p:sldId id="468" r:id="rId4"/>
+    <p:sldId id="469" r:id="rId5"/>
+    <p:sldId id="466" r:id="rId6"/>
+    <p:sldId id="463" r:id="rId7"/>
+    <p:sldId id="464" r:id="rId8"/>
+    <p:sldId id="465" r:id="rId9"/>
   </p:sldIdLst>
   <p:sldSz cx="9144000" cy="5143500" type="screen16x9"/>
   <p:notesSz cx="6858000" cy="9144000"/>
@@ -227,7 +230,7 @@
             <a:fld id="{3D3F9196-5FBD-45F8-86BD-A3D90AC79AC7}" type="datetimeFigureOut">
               <a:rPr lang="en-CA" smtClean="0"/>
               <a:pPr/>
-              <a:t>2024-02-12</a:t>
+              <a:t>2025-02-05</a:t>
             </a:fld>
             <a:endParaRPr lang="en-CA"/>
           </a:p>
@@ -3792,7 +3795,13 @@
   <p:cSld>
     <p:spTree>
       <p:nvGrpSpPr>
-        <p:cNvPr id="1" name=""/>
+        <p:cNvPr id="1" name="">
+          <a:extLst>
+            <a:ext uri="{FF2B5EF4-FFF2-40B4-BE49-F238E27FC236}">
+              <a16:creationId xmlns:a16="http://schemas.microsoft.com/office/drawing/2014/main" id="{F9376AE5-21F3-9032-4AA5-A58B5EFCA0FC}"/>
+            </a:ext>
+          </a:extLst>
+        </p:cNvPr>
         <p:cNvGrpSpPr/>
         <p:nvPr/>
       </p:nvGrpSpPr>
@@ -3806,7 +3815,13 @@
       </p:grpSpPr>
       <p:sp>
         <p:nvSpPr>
-          <p:cNvPr id="27650" name="Rectangle 2"/>
+          <p:cNvPr id="27650" name="Rectangle 2">
+            <a:extLst>
+              <a:ext uri="{FF2B5EF4-FFF2-40B4-BE49-F238E27FC236}">
+                <a16:creationId xmlns:a16="http://schemas.microsoft.com/office/drawing/2014/main" id="{216D3704-76B4-07A5-3300-A0DD49EB37F8}"/>
+              </a:ext>
+            </a:extLst>
+          </p:cNvPr>
           <p:cNvSpPr>
             <a:spLocks noGrp="1" noChangeArrowheads="1"/>
           </p:cNvSpPr>
@@ -3821,14 +3836,20 @@
           <a:p>
             <a:r>
               <a:rPr lang="en-US" dirty="0"/>
-              <a:t>Semaphore and Mutex</a:t>
+              <a:t>Threading basics</a:t>
             </a:r>
           </a:p>
         </p:txBody>
       </p:sp>
       <p:sp>
         <p:nvSpPr>
-          <p:cNvPr id="27651" name="Rectangle 3"/>
+          <p:cNvPr id="27651" name="Rectangle 3">
+            <a:extLst>
+              <a:ext uri="{FF2B5EF4-FFF2-40B4-BE49-F238E27FC236}">
+                <a16:creationId xmlns:a16="http://schemas.microsoft.com/office/drawing/2014/main" id="{1CBB98D1-5AB7-DE5D-890D-8E54777A870D}"/>
+              </a:ext>
+            </a:extLst>
+          </p:cNvPr>
           <p:cNvSpPr>
             <a:spLocks noGrp="1" noChangeArrowheads="1"/>
           </p:cNvSpPr>
@@ -3838,8 +3859,8 @@
         </p:nvSpPr>
         <p:spPr>
           <a:xfrm>
-            <a:off x="457200" y="1276350"/>
-            <a:ext cx="8229600" cy="3469207"/>
+            <a:off x="152400" y="1276350"/>
+            <a:ext cx="8534400" cy="3469207"/>
           </a:xfrm>
         </p:spPr>
         <p:txBody>
@@ -3854,8 +3875,16 @@
               </a:lnSpc>
             </a:pPr>
             <a:r>
-              <a:rPr lang="en-US" sz="2000" dirty="0"/>
-              <a:t>Shared “flag” or counter that more than one thread has access to</a:t>
+              <a:rPr lang="en-US" sz="2400" dirty="0"/>
+              <a:t>There are a number of ways “to thread”, not just the “create thread”/</a:t>
+            </a:r>
+            <a:r>
+              <a:rPr lang="en-US" sz="2400" dirty="0" err="1"/>
+              <a:t>JavaThread</a:t>
+            </a:r>
+            <a:r>
+              <a:rPr lang="en-US" sz="2400" dirty="0"/>
+              <a:t>/C++11 type.</a:t>
             </a:r>
           </a:p>
           <a:p>
@@ -3865,10 +3894,368 @@
               </a:lnSpc>
             </a:pPr>
             <a:r>
+              <a:rPr lang="en-US" sz="2400" dirty="0"/>
+              <a:t>But:</a:t>
+            </a:r>
+          </a:p>
+          <a:p>
+            <a:pPr lvl="1">
+              <a:lnSpc>
+                <a:spcPct val="90000"/>
+              </a:lnSpc>
+            </a:pPr>
+            <a:r>
               <a:rPr lang="en-US" sz="2000" dirty="0"/>
-              <a:t>Could be a Boolean sort of thing (true/false or on/off or locked/unlocked)</a:t>
-            </a:r>
-          </a:p>
+              <a:t>Think of the thing you are trying to do and place that into a function.</a:t>
+            </a:r>
+          </a:p>
+          <a:p>
+            <a:pPr lvl="1">
+              <a:lnSpc>
+                <a:spcPct val="90000"/>
+              </a:lnSpc>
+            </a:pPr>
+            <a:r>
+              <a:rPr lang="en-US" sz="2000" dirty="0"/>
+              <a:t>Even if it’s not literally a function, getting it to it’s “lowest”/”smallest”/”most detail” aspect will really help</a:t>
+            </a:r>
+          </a:p>
+          <a:p>
+            <a:pPr lvl="1">
+              <a:lnSpc>
+                <a:spcPct val="90000"/>
+              </a:lnSpc>
+            </a:pPr>
+            <a:r>
+              <a:rPr lang="en-US" sz="2000" dirty="0"/>
+              <a:t>For us, literally think about placing what we are doing into a function</a:t>
+            </a:r>
+          </a:p>
+          <a:p>
+            <a:pPr lvl="1">
+              <a:lnSpc>
+                <a:spcPct val="90000"/>
+              </a:lnSpc>
+            </a:pPr>
+            <a:endParaRPr lang="en-US" sz="1600" dirty="0"/>
+          </a:p>
+        </p:txBody>
+      </p:sp>
+    </p:spTree>
+    <p:extLst>
+      <p:ext uri="{BB962C8B-B14F-4D97-AF65-F5344CB8AC3E}">
+        <p14:creationId xmlns:p14="http://schemas.microsoft.com/office/powerpoint/2010/main" val="1375283883"/>
+      </p:ext>
+    </p:extLst>
+  </p:cSld>
+  <p:clrMapOvr>
+    <a:masterClrMapping/>
+  </p:clrMapOvr>
+  <p:timing>
+    <p:tnLst>
+      <p:par>
+        <p:cTn id="1" dur="indefinite" restart="never" nodeType="tmRoot">
+          <p:childTnLst>
+            <p:seq concurrent="1" nextAc="seek">
+              <p:cTn id="2" dur="indefinite" nodeType="mainSeq">
+                <p:childTnLst>
+                  <p:par>
+                    <p:cTn id="3" fill="hold">
+                      <p:stCondLst>
+                        <p:cond delay="indefinite"/>
+                      </p:stCondLst>
+                      <p:childTnLst>
+                        <p:par>
+                          <p:cTn id="4" fill="hold">
+                            <p:stCondLst>
+                              <p:cond delay="0"/>
+                            </p:stCondLst>
+                            <p:childTnLst>
+                              <p:par>
+                                <p:cTn id="5" presetID="1" presetClass="entr" presetSubtype="0" fill="hold" grpId="0" nodeType="clickEffect">
+                                  <p:stCondLst>
+                                    <p:cond delay="0"/>
+                                  </p:stCondLst>
+                                  <p:childTnLst>
+                                    <p:set>
+                                      <p:cBhvr>
+                                        <p:cTn id="6" dur="1" fill="hold">
+                                          <p:stCondLst>
+                                            <p:cond delay="0"/>
+                                          </p:stCondLst>
+                                        </p:cTn>
+                                        <p:tgtEl>
+                                          <p:spTgt spid="27651">
+                                            <p:txEl>
+                                              <p:pRg st="0" end="0"/>
+                                            </p:txEl>
+                                          </p:spTgt>
+                                        </p:tgtEl>
+                                        <p:attrNameLst>
+                                          <p:attrName>style.visibility</p:attrName>
+                                        </p:attrNameLst>
+                                      </p:cBhvr>
+                                      <p:to>
+                                        <p:strVal val="visible"/>
+                                      </p:to>
+                                    </p:set>
+                                  </p:childTnLst>
+                                </p:cTn>
+                              </p:par>
+                            </p:childTnLst>
+                          </p:cTn>
+                        </p:par>
+                      </p:childTnLst>
+                    </p:cTn>
+                  </p:par>
+                  <p:par>
+                    <p:cTn id="7" fill="hold">
+                      <p:stCondLst>
+                        <p:cond delay="indefinite"/>
+                      </p:stCondLst>
+                      <p:childTnLst>
+                        <p:par>
+                          <p:cTn id="8" fill="hold">
+                            <p:stCondLst>
+                              <p:cond delay="0"/>
+                            </p:stCondLst>
+                            <p:childTnLst>
+                              <p:par>
+                                <p:cTn id="9" presetID="1" presetClass="entr" presetSubtype="0" fill="hold" grpId="0" nodeType="clickEffect">
+                                  <p:stCondLst>
+                                    <p:cond delay="0"/>
+                                  </p:stCondLst>
+                                  <p:childTnLst>
+                                    <p:set>
+                                      <p:cBhvr>
+                                        <p:cTn id="10" dur="1" fill="hold">
+                                          <p:stCondLst>
+                                            <p:cond delay="0"/>
+                                          </p:stCondLst>
+                                        </p:cTn>
+                                        <p:tgtEl>
+                                          <p:spTgt spid="27651">
+                                            <p:txEl>
+                                              <p:pRg st="1" end="1"/>
+                                            </p:txEl>
+                                          </p:spTgt>
+                                        </p:tgtEl>
+                                        <p:attrNameLst>
+                                          <p:attrName>style.visibility</p:attrName>
+                                        </p:attrNameLst>
+                                      </p:cBhvr>
+                                      <p:to>
+                                        <p:strVal val="visible"/>
+                                      </p:to>
+                                    </p:set>
+                                  </p:childTnLst>
+                                </p:cTn>
+                              </p:par>
+                              <p:par>
+                                <p:cTn id="11" presetID="1" presetClass="entr" presetSubtype="0" fill="hold" grpId="0" nodeType="withEffect">
+                                  <p:stCondLst>
+                                    <p:cond delay="0"/>
+                                  </p:stCondLst>
+                                  <p:childTnLst>
+                                    <p:set>
+                                      <p:cBhvr>
+                                        <p:cTn id="12" dur="1" fill="hold">
+                                          <p:stCondLst>
+                                            <p:cond delay="0"/>
+                                          </p:stCondLst>
+                                        </p:cTn>
+                                        <p:tgtEl>
+                                          <p:spTgt spid="27651">
+                                            <p:txEl>
+                                              <p:pRg st="2" end="2"/>
+                                            </p:txEl>
+                                          </p:spTgt>
+                                        </p:tgtEl>
+                                        <p:attrNameLst>
+                                          <p:attrName>style.visibility</p:attrName>
+                                        </p:attrNameLst>
+                                      </p:cBhvr>
+                                      <p:to>
+                                        <p:strVal val="visible"/>
+                                      </p:to>
+                                    </p:set>
+                                  </p:childTnLst>
+                                </p:cTn>
+                              </p:par>
+                              <p:par>
+                                <p:cTn id="13" presetID="1" presetClass="entr" presetSubtype="0" fill="hold" grpId="0" nodeType="withEffect">
+                                  <p:stCondLst>
+                                    <p:cond delay="0"/>
+                                  </p:stCondLst>
+                                  <p:childTnLst>
+                                    <p:set>
+                                      <p:cBhvr>
+                                        <p:cTn id="14" dur="1" fill="hold">
+                                          <p:stCondLst>
+                                            <p:cond delay="0"/>
+                                          </p:stCondLst>
+                                        </p:cTn>
+                                        <p:tgtEl>
+                                          <p:spTgt spid="27651">
+                                            <p:txEl>
+                                              <p:pRg st="3" end="3"/>
+                                            </p:txEl>
+                                          </p:spTgt>
+                                        </p:tgtEl>
+                                        <p:attrNameLst>
+                                          <p:attrName>style.visibility</p:attrName>
+                                        </p:attrNameLst>
+                                      </p:cBhvr>
+                                      <p:to>
+                                        <p:strVal val="visible"/>
+                                      </p:to>
+                                    </p:set>
+                                  </p:childTnLst>
+                                </p:cTn>
+                              </p:par>
+                              <p:par>
+                                <p:cTn id="15" presetID="1" presetClass="entr" presetSubtype="0" fill="hold" grpId="0" nodeType="withEffect">
+                                  <p:stCondLst>
+                                    <p:cond delay="0"/>
+                                  </p:stCondLst>
+                                  <p:childTnLst>
+                                    <p:set>
+                                      <p:cBhvr>
+                                        <p:cTn id="16" dur="1" fill="hold">
+                                          <p:stCondLst>
+                                            <p:cond delay="0"/>
+                                          </p:stCondLst>
+                                        </p:cTn>
+                                        <p:tgtEl>
+                                          <p:spTgt spid="27651">
+                                            <p:txEl>
+                                              <p:pRg st="4" end="4"/>
+                                            </p:txEl>
+                                          </p:spTgt>
+                                        </p:tgtEl>
+                                        <p:attrNameLst>
+                                          <p:attrName>style.visibility</p:attrName>
+                                        </p:attrNameLst>
+                                      </p:cBhvr>
+                                      <p:to>
+                                        <p:strVal val="visible"/>
+                                      </p:to>
+                                    </p:set>
+                                  </p:childTnLst>
+                                </p:cTn>
+                              </p:par>
+                            </p:childTnLst>
+                          </p:cTn>
+                        </p:par>
+                      </p:childTnLst>
+                    </p:cTn>
+                  </p:par>
+                </p:childTnLst>
+              </p:cTn>
+              <p:prevCondLst>
+                <p:cond evt="onPrev" delay="0">
+                  <p:tgtEl>
+                    <p:sldTgt/>
+                  </p:tgtEl>
+                </p:cond>
+              </p:prevCondLst>
+              <p:nextCondLst>
+                <p:cond evt="onNext" delay="0">
+                  <p:tgtEl>
+                    <p:sldTgt/>
+                  </p:tgtEl>
+                </p:cond>
+              </p:nextCondLst>
+            </p:seq>
+          </p:childTnLst>
+        </p:cTn>
+      </p:par>
+    </p:tnLst>
+    <p:bldLst>
+      <p:bldP spid="27651" grpId="0" build="p"/>
+    </p:bldLst>
+  </p:timing>
+</p:sld>
+</file>
+
+<file path=ppt/slides/slide3.xml><?xml version="1.0" encoding="utf-8"?>
+<p:sld xmlns:a="http://schemas.openxmlformats.org/drawingml/2006/main" xmlns:r="http://schemas.openxmlformats.org/officeDocument/2006/relationships" xmlns:p="http://schemas.openxmlformats.org/presentationml/2006/main">
+  <p:cSld>
+    <p:spTree>
+      <p:nvGrpSpPr>
+        <p:cNvPr id="1" name="">
+          <a:extLst>
+            <a:ext uri="{FF2B5EF4-FFF2-40B4-BE49-F238E27FC236}">
+              <a16:creationId xmlns:a16="http://schemas.microsoft.com/office/drawing/2014/main" id="{F9376AE5-21F3-9032-4AA5-A58B5EFCA0FC}"/>
+            </a:ext>
+          </a:extLst>
+        </p:cNvPr>
+        <p:cNvGrpSpPr/>
+        <p:nvPr/>
+      </p:nvGrpSpPr>
+      <p:grpSpPr>
+        <a:xfrm>
+          <a:off x="0" y="0"/>
+          <a:ext cx="0" cy="0"/>
+          <a:chOff x="0" y="0"/>
+          <a:chExt cx="0" cy="0"/>
+        </a:xfrm>
+      </p:grpSpPr>
+      <p:sp>
+        <p:nvSpPr>
+          <p:cNvPr id="27650" name="Rectangle 2">
+            <a:extLst>
+              <a:ext uri="{FF2B5EF4-FFF2-40B4-BE49-F238E27FC236}">
+                <a16:creationId xmlns:a16="http://schemas.microsoft.com/office/drawing/2014/main" id="{216D3704-76B4-07A5-3300-A0DD49EB37F8}"/>
+              </a:ext>
+            </a:extLst>
+          </p:cNvPr>
+          <p:cNvSpPr>
+            <a:spLocks noGrp="1" noChangeArrowheads="1"/>
+          </p:cNvSpPr>
+          <p:nvPr>
+            <p:ph type="title"/>
+          </p:nvPr>
+        </p:nvSpPr>
+        <p:spPr/>
+        <p:txBody>
+          <a:bodyPr/>
+          <a:lstStyle/>
+          <a:p>
+            <a:r>
+              <a:rPr lang="en-US" dirty="0"/>
+              <a:t>Threading basics…</a:t>
+            </a:r>
+          </a:p>
+        </p:txBody>
+      </p:sp>
+      <p:sp>
+        <p:nvSpPr>
+          <p:cNvPr id="27651" name="Rectangle 3">
+            <a:extLst>
+              <a:ext uri="{FF2B5EF4-FFF2-40B4-BE49-F238E27FC236}">
+                <a16:creationId xmlns:a16="http://schemas.microsoft.com/office/drawing/2014/main" id="{1CBB98D1-5AB7-DE5D-890D-8E54777A870D}"/>
+              </a:ext>
+            </a:extLst>
+          </p:cNvPr>
+          <p:cNvSpPr>
+            <a:spLocks noGrp="1" noChangeArrowheads="1"/>
+          </p:cNvSpPr>
+          <p:nvPr>
+            <p:ph type="body" idx="1"/>
+          </p:nvPr>
+        </p:nvSpPr>
+        <p:spPr>
+          <a:xfrm>
+            <a:off x="152400" y="1276350"/>
+            <a:ext cx="8534400" cy="3469207"/>
+          </a:xfrm>
+        </p:spPr>
+        <p:txBody>
+          <a:bodyPr>
+            <a:normAutofit lnSpcReduction="10000"/>
+          </a:bodyPr>
+          <a:lstStyle/>
           <a:p>
             <a:pPr>
               <a:lnSpc>
@@ -3876,8 +4263,8 @@
               </a:lnSpc>
             </a:pPr>
             <a:r>
-              <a:rPr lang="en-US" sz="2000" dirty="0"/>
-              <a:t>Could be something like a counter</a:t>
+              <a:rPr lang="en-US" sz="2400" dirty="0"/>
+              <a:t>Once in a function, we call that function by the thread</a:t>
             </a:r>
           </a:p>
           <a:p>
@@ -3886,11 +4273,773 @@
                 <a:spcPct val="90000"/>
               </a:lnSpc>
             </a:pPr>
-            <a:endParaRPr lang="en-US" sz="2000" dirty="0"/>
+            <a:r>
+              <a:rPr lang="en-US" sz="2400" dirty="0"/>
+              <a:t>Keep in mind that we have to use a specific signature for this:</a:t>
+            </a:r>
+          </a:p>
+          <a:p>
+            <a:pPr>
+              <a:lnSpc>
+                <a:spcPct val="90000"/>
+              </a:lnSpc>
+            </a:pPr>
+            <a:r>
+              <a:rPr lang="en-US" sz="2400" dirty="0"/>
+              <a:t>For </a:t>
+            </a:r>
+            <a:r>
+              <a:rPr lang="en-US" sz="2400" dirty="0" err="1"/>
+              <a:t>CreateThread</a:t>
+            </a:r>
+            <a:r>
+              <a:rPr lang="en-US" sz="2400" dirty="0"/>
+              <a:t>() in Win32 it’s:</a:t>
+            </a:r>
+          </a:p>
+          <a:p>
+            <a:pPr lvl="1">
+              <a:lnSpc>
+                <a:spcPct val="90000"/>
+              </a:lnSpc>
+            </a:pPr>
+            <a:r>
+              <a:rPr lang="en-US" sz="2400" b="1" dirty="0"/>
+              <a:t>DWORD WINAPI </a:t>
+            </a:r>
+            <a:r>
+              <a:rPr lang="en-US" sz="2400" b="1" dirty="0" err="1"/>
+              <a:t>ThreadProc</a:t>
+            </a:r>
+            <a:r>
+              <a:rPr lang="en-US" sz="2400" b="1" dirty="0"/>
+              <a:t>(LPVOID </a:t>
+            </a:r>
+            <a:r>
+              <a:rPr lang="en-US" sz="2400" b="1" dirty="0" err="1"/>
+              <a:t>lpParameter</a:t>
+            </a:r>
+            <a:r>
+              <a:rPr lang="en-US" sz="2400" b="1" dirty="0"/>
+              <a:t> );</a:t>
+            </a:r>
+          </a:p>
+          <a:p>
+            <a:pPr>
+              <a:lnSpc>
+                <a:spcPct val="90000"/>
+              </a:lnSpc>
+            </a:pPr>
+            <a:r>
+              <a:rPr lang="en-US" sz="2400" dirty="0"/>
+              <a:t>For _</a:t>
+            </a:r>
+            <a:r>
+              <a:rPr lang="en-US" sz="2400" dirty="0" err="1"/>
+              <a:t>beginthreadex</a:t>
+            </a:r>
+            <a:r>
+              <a:rPr lang="en-US" sz="2400" dirty="0"/>
+              <a:t>() it’s:</a:t>
+            </a:r>
+          </a:p>
+          <a:p>
+            <a:pPr lvl="1">
+              <a:lnSpc>
+                <a:spcPct val="90000"/>
+              </a:lnSpc>
+            </a:pPr>
+            <a:r>
+              <a:rPr lang="en-US" sz="2400" b="1" dirty="0"/>
+              <a:t>unsigned __</a:t>
+            </a:r>
+            <a:r>
+              <a:rPr lang="en-US" sz="2400" b="1" dirty="0" err="1"/>
+              <a:t>stdcall</a:t>
+            </a:r>
+            <a:r>
+              <a:rPr lang="en-US" sz="2400" b="1" dirty="0"/>
+              <a:t> </a:t>
+            </a:r>
+            <a:r>
+              <a:rPr lang="en-US" sz="2400" b="1" dirty="0" err="1"/>
+              <a:t>threadFunction</a:t>
+            </a:r>
+            <a:r>
+              <a:rPr lang="en-US" sz="2400" b="1" dirty="0"/>
+              <a:t>( void* </a:t>
+            </a:r>
+            <a:r>
+              <a:rPr lang="en-US" sz="2400" b="1" dirty="0" err="1"/>
+              <a:t>pArguments</a:t>
+            </a:r>
+            <a:r>
+              <a:rPr lang="en-US" sz="2400" b="1" dirty="0"/>
+              <a:t> )</a:t>
+            </a:r>
+          </a:p>
+          <a:p>
+            <a:pPr>
+              <a:lnSpc>
+                <a:spcPct val="90000"/>
+              </a:lnSpc>
+            </a:pPr>
+            <a:r>
+              <a:rPr lang="en-US" sz="2400" dirty="0"/>
+              <a:t>Return value is for the thread, not your function</a:t>
+            </a:r>
+          </a:p>
+          <a:p>
+            <a:pPr>
+              <a:lnSpc>
+                <a:spcPct val="90000"/>
+              </a:lnSpc>
+            </a:pPr>
+            <a:r>
+              <a:rPr lang="en-US" sz="2400" dirty="0"/>
+              <a:t>Pass/return everything through void* param</a:t>
+            </a:r>
+          </a:p>
+          <a:p>
+            <a:pPr>
+              <a:lnSpc>
+                <a:spcPct val="90000"/>
+              </a:lnSpc>
+            </a:pPr>
+            <a:r>
+              <a:rPr lang="en-US" sz="2400" dirty="0"/>
+              <a:t>Make a structure to contain everything you are passing/returning</a:t>
+            </a:r>
           </a:p>
         </p:txBody>
       </p:sp>
     </p:spTree>
+    <p:extLst>
+      <p:ext uri="{BB962C8B-B14F-4D97-AF65-F5344CB8AC3E}">
+        <p14:creationId xmlns:p14="http://schemas.microsoft.com/office/powerpoint/2010/main" val="1984108143"/>
+      </p:ext>
+    </p:extLst>
+  </p:cSld>
+  <p:clrMapOvr>
+    <a:masterClrMapping/>
+  </p:clrMapOvr>
+  <p:timing>
+    <p:tnLst>
+      <p:par>
+        <p:cTn id="1" dur="indefinite" restart="never" nodeType="tmRoot">
+          <p:childTnLst>
+            <p:seq concurrent="1" nextAc="seek">
+              <p:cTn id="2" dur="indefinite" nodeType="mainSeq">
+                <p:childTnLst>
+                  <p:par>
+                    <p:cTn id="3" fill="hold">
+                      <p:stCondLst>
+                        <p:cond delay="indefinite"/>
+                      </p:stCondLst>
+                      <p:childTnLst>
+                        <p:par>
+                          <p:cTn id="4" fill="hold">
+                            <p:stCondLst>
+                              <p:cond delay="0"/>
+                            </p:stCondLst>
+                            <p:childTnLst>
+                              <p:par>
+                                <p:cTn id="5" presetID="1" presetClass="entr" presetSubtype="0" fill="hold" grpId="0" nodeType="clickEffect">
+                                  <p:stCondLst>
+                                    <p:cond delay="0"/>
+                                  </p:stCondLst>
+                                  <p:childTnLst>
+                                    <p:set>
+                                      <p:cBhvr>
+                                        <p:cTn id="6" dur="1" fill="hold">
+                                          <p:stCondLst>
+                                            <p:cond delay="0"/>
+                                          </p:stCondLst>
+                                        </p:cTn>
+                                        <p:tgtEl>
+                                          <p:spTgt spid="27651">
+                                            <p:txEl>
+                                              <p:pRg st="0" end="0"/>
+                                            </p:txEl>
+                                          </p:spTgt>
+                                        </p:tgtEl>
+                                        <p:attrNameLst>
+                                          <p:attrName>style.visibility</p:attrName>
+                                        </p:attrNameLst>
+                                      </p:cBhvr>
+                                      <p:to>
+                                        <p:strVal val="visible"/>
+                                      </p:to>
+                                    </p:set>
+                                  </p:childTnLst>
+                                </p:cTn>
+                              </p:par>
+                            </p:childTnLst>
+                          </p:cTn>
+                        </p:par>
+                      </p:childTnLst>
+                    </p:cTn>
+                  </p:par>
+                  <p:par>
+                    <p:cTn id="7" fill="hold">
+                      <p:stCondLst>
+                        <p:cond delay="indefinite"/>
+                      </p:stCondLst>
+                      <p:childTnLst>
+                        <p:par>
+                          <p:cTn id="8" fill="hold">
+                            <p:stCondLst>
+                              <p:cond delay="0"/>
+                            </p:stCondLst>
+                            <p:childTnLst>
+                              <p:par>
+                                <p:cTn id="9" presetID="1" presetClass="entr" presetSubtype="0" fill="hold" grpId="0" nodeType="clickEffect">
+                                  <p:stCondLst>
+                                    <p:cond delay="0"/>
+                                  </p:stCondLst>
+                                  <p:childTnLst>
+                                    <p:set>
+                                      <p:cBhvr>
+                                        <p:cTn id="10" dur="1" fill="hold">
+                                          <p:stCondLst>
+                                            <p:cond delay="0"/>
+                                          </p:stCondLst>
+                                        </p:cTn>
+                                        <p:tgtEl>
+                                          <p:spTgt spid="27651">
+                                            <p:txEl>
+                                              <p:pRg st="1" end="1"/>
+                                            </p:txEl>
+                                          </p:spTgt>
+                                        </p:tgtEl>
+                                        <p:attrNameLst>
+                                          <p:attrName>style.visibility</p:attrName>
+                                        </p:attrNameLst>
+                                      </p:cBhvr>
+                                      <p:to>
+                                        <p:strVal val="visible"/>
+                                      </p:to>
+                                    </p:set>
+                                  </p:childTnLst>
+                                </p:cTn>
+                              </p:par>
+                            </p:childTnLst>
+                          </p:cTn>
+                        </p:par>
+                      </p:childTnLst>
+                    </p:cTn>
+                  </p:par>
+                  <p:par>
+                    <p:cTn id="11" fill="hold">
+                      <p:stCondLst>
+                        <p:cond delay="indefinite"/>
+                      </p:stCondLst>
+                      <p:childTnLst>
+                        <p:par>
+                          <p:cTn id="12" fill="hold">
+                            <p:stCondLst>
+                              <p:cond delay="0"/>
+                            </p:stCondLst>
+                            <p:childTnLst>
+                              <p:par>
+                                <p:cTn id="13" presetID="1" presetClass="entr" presetSubtype="0" fill="hold" grpId="0" nodeType="clickEffect">
+                                  <p:stCondLst>
+                                    <p:cond delay="0"/>
+                                  </p:stCondLst>
+                                  <p:childTnLst>
+                                    <p:set>
+                                      <p:cBhvr>
+                                        <p:cTn id="14" dur="1" fill="hold">
+                                          <p:stCondLst>
+                                            <p:cond delay="0"/>
+                                          </p:stCondLst>
+                                        </p:cTn>
+                                        <p:tgtEl>
+                                          <p:spTgt spid="27651">
+                                            <p:txEl>
+                                              <p:pRg st="2" end="2"/>
+                                            </p:txEl>
+                                          </p:spTgt>
+                                        </p:tgtEl>
+                                        <p:attrNameLst>
+                                          <p:attrName>style.visibility</p:attrName>
+                                        </p:attrNameLst>
+                                      </p:cBhvr>
+                                      <p:to>
+                                        <p:strVal val="visible"/>
+                                      </p:to>
+                                    </p:set>
+                                  </p:childTnLst>
+                                </p:cTn>
+                              </p:par>
+                              <p:par>
+                                <p:cTn id="15" presetID="1" presetClass="entr" presetSubtype="0" fill="hold" grpId="0" nodeType="withEffect">
+                                  <p:stCondLst>
+                                    <p:cond delay="0"/>
+                                  </p:stCondLst>
+                                  <p:childTnLst>
+                                    <p:set>
+                                      <p:cBhvr>
+                                        <p:cTn id="16" dur="1" fill="hold">
+                                          <p:stCondLst>
+                                            <p:cond delay="0"/>
+                                          </p:stCondLst>
+                                        </p:cTn>
+                                        <p:tgtEl>
+                                          <p:spTgt spid="27651">
+                                            <p:txEl>
+                                              <p:pRg st="3" end="3"/>
+                                            </p:txEl>
+                                          </p:spTgt>
+                                        </p:tgtEl>
+                                        <p:attrNameLst>
+                                          <p:attrName>style.visibility</p:attrName>
+                                        </p:attrNameLst>
+                                      </p:cBhvr>
+                                      <p:to>
+                                        <p:strVal val="visible"/>
+                                      </p:to>
+                                    </p:set>
+                                  </p:childTnLst>
+                                </p:cTn>
+                              </p:par>
+                            </p:childTnLst>
+                          </p:cTn>
+                        </p:par>
+                      </p:childTnLst>
+                    </p:cTn>
+                  </p:par>
+                  <p:par>
+                    <p:cTn id="17" fill="hold">
+                      <p:stCondLst>
+                        <p:cond delay="indefinite"/>
+                      </p:stCondLst>
+                      <p:childTnLst>
+                        <p:par>
+                          <p:cTn id="18" fill="hold">
+                            <p:stCondLst>
+                              <p:cond delay="0"/>
+                            </p:stCondLst>
+                            <p:childTnLst>
+                              <p:par>
+                                <p:cTn id="19" presetID="1" presetClass="entr" presetSubtype="0" fill="hold" grpId="0" nodeType="clickEffect">
+                                  <p:stCondLst>
+                                    <p:cond delay="0"/>
+                                  </p:stCondLst>
+                                  <p:childTnLst>
+                                    <p:set>
+                                      <p:cBhvr>
+                                        <p:cTn id="20" dur="1" fill="hold">
+                                          <p:stCondLst>
+                                            <p:cond delay="0"/>
+                                          </p:stCondLst>
+                                        </p:cTn>
+                                        <p:tgtEl>
+                                          <p:spTgt spid="27651">
+                                            <p:txEl>
+                                              <p:pRg st="4" end="4"/>
+                                            </p:txEl>
+                                          </p:spTgt>
+                                        </p:tgtEl>
+                                        <p:attrNameLst>
+                                          <p:attrName>style.visibility</p:attrName>
+                                        </p:attrNameLst>
+                                      </p:cBhvr>
+                                      <p:to>
+                                        <p:strVal val="visible"/>
+                                      </p:to>
+                                    </p:set>
+                                  </p:childTnLst>
+                                </p:cTn>
+                              </p:par>
+                              <p:par>
+                                <p:cTn id="21" presetID="1" presetClass="entr" presetSubtype="0" fill="hold" grpId="0" nodeType="withEffect">
+                                  <p:stCondLst>
+                                    <p:cond delay="0"/>
+                                  </p:stCondLst>
+                                  <p:childTnLst>
+                                    <p:set>
+                                      <p:cBhvr>
+                                        <p:cTn id="22" dur="1" fill="hold">
+                                          <p:stCondLst>
+                                            <p:cond delay="0"/>
+                                          </p:stCondLst>
+                                        </p:cTn>
+                                        <p:tgtEl>
+                                          <p:spTgt spid="27651">
+                                            <p:txEl>
+                                              <p:pRg st="5" end="5"/>
+                                            </p:txEl>
+                                          </p:spTgt>
+                                        </p:tgtEl>
+                                        <p:attrNameLst>
+                                          <p:attrName>style.visibility</p:attrName>
+                                        </p:attrNameLst>
+                                      </p:cBhvr>
+                                      <p:to>
+                                        <p:strVal val="visible"/>
+                                      </p:to>
+                                    </p:set>
+                                  </p:childTnLst>
+                                </p:cTn>
+                              </p:par>
+                            </p:childTnLst>
+                          </p:cTn>
+                        </p:par>
+                      </p:childTnLst>
+                    </p:cTn>
+                  </p:par>
+                  <p:par>
+                    <p:cTn id="23" fill="hold">
+                      <p:stCondLst>
+                        <p:cond delay="indefinite"/>
+                      </p:stCondLst>
+                      <p:childTnLst>
+                        <p:par>
+                          <p:cTn id="24" fill="hold">
+                            <p:stCondLst>
+                              <p:cond delay="0"/>
+                            </p:stCondLst>
+                            <p:childTnLst>
+                              <p:par>
+                                <p:cTn id="25" presetID="1" presetClass="entr" presetSubtype="0" fill="hold" grpId="0" nodeType="clickEffect">
+                                  <p:stCondLst>
+                                    <p:cond delay="0"/>
+                                  </p:stCondLst>
+                                  <p:childTnLst>
+                                    <p:set>
+                                      <p:cBhvr>
+                                        <p:cTn id="26" dur="1" fill="hold">
+                                          <p:stCondLst>
+                                            <p:cond delay="0"/>
+                                          </p:stCondLst>
+                                        </p:cTn>
+                                        <p:tgtEl>
+                                          <p:spTgt spid="27651">
+                                            <p:txEl>
+                                              <p:pRg st="6" end="6"/>
+                                            </p:txEl>
+                                          </p:spTgt>
+                                        </p:tgtEl>
+                                        <p:attrNameLst>
+                                          <p:attrName>style.visibility</p:attrName>
+                                        </p:attrNameLst>
+                                      </p:cBhvr>
+                                      <p:to>
+                                        <p:strVal val="visible"/>
+                                      </p:to>
+                                    </p:set>
+                                  </p:childTnLst>
+                                </p:cTn>
+                              </p:par>
+                            </p:childTnLst>
+                          </p:cTn>
+                        </p:par>
+                      </p:childTnLst>
+                    </p:cTn>
+                  </p:par>
+                  <p:par>
+                    <p:cTn id="27" fill="hold">
+                      <p:stCondLst>
+                        <p:cond delay="indefinite"/>
+                      </p:stCondLst>
+                      <p:childTnLst>
+                        <p:par>
+                          <p:cTn id="28" fill="hold">
+                            <p:stCondLst>
+                              <p:cond delay="0"/>
+                            </p:stCondLst>
+                            <p:childTnLst>
+                              <p:par>
+                                <p:cTn id="29" presetID="1" presetClass="entr" presetSubtype="0" fill="hold" grpId="0" nodeType="clickEffect">
+                                  <p:stCondLst>
+                                    <p:cond delay="0"/>
+                                  </p:stCondLst>
+                                  <p:childTnLst>
+                                    <p:set>
+                                      <p:cBhvr>
+                                        <p:cTn id="30" dur="1" fill="hold">
+                                          <p:stCondLst>
+                                            <p:cond delay="0"/>
+                                          </p:stCondLst>
+                                        </p:cTn>
+                                        <p:tgtEl>
+                                          <p:spTgt spid="27651">
+                                            <p:txEl>
+                                              <p:pRg st="7" end="7"/>
+                                            </p:txEl>
+                                          </p:spTgt>
+                                        </p:tgtEl>
+                                        <p:attrNameLst>
+                                          <p:attrName>style.visibility</p:attrName>
+                                        </p:attrNameLst>
+                                      </p:cBhvr>
+                                      <p:to>
+                                        <p:strVal val="visible"/>
+                                      </p:to>
+                                    </p:set>
+                                  </p:childTnLst>
+                                </p:cTn>
+                              </p:par>
+                            </p:childTnLst>
+                          </p:cTn>
+                        </p:par>
+                      </p:childTnLst>
+                    </p:cTn>
+                  </p:par>
+                  <p:par>
+                    <p:cTn id="31" fill="hold">
+                      <p:stCondLst>
+                        <p:cond delay="indefinite"/>
+                      </p:stCondLst>
+                      <p:childTnLst>
+                        <p:par>
+                          <p:cTn id="32" fill="hold">
+                            <p:stCondLst>
+                              <p:cond delay="0"/>
+                            </p:stCondLst>
+                            <p:childTnLst>
+                              <p:par>
+                                <p:cTn id="33" presetID="1" presetClass="entr" presetSubtype="0" fill="hold" grpId="0" nodeType="clickEffect">
+                                  <p:stCondLst>
+                                    <p:cond delay="0"/>
+                                  </p:stCondLst>
+                                  <p:childTnLst>
+                                    <p:set>
+                                      <p:cBhvr>
+                                        <p:cTn id="34" dur="1" fill="hold">
+                                          <p:stCondLst>
+                                            <p:cond delay="0"/>
+                                          </p:stCondLst>
+                                        </p:cTn>
+                                        <p:tgtEl>
+                                          <p:spTgt spid="27651">
+                                            <p:txEl>
+                                              <p:pRg st="8" end="8"/>
+                                            </p:txEl>
+                                          </p:spTgt>
+                                        </p:tgtEl>
+                                        <p:attrNameLst>
+                                          <p:attrName>style.visibility</p:attrName>
+                                        </p:attrNameLst>
+                                      </p:cBhvr>
+                                      <p:to>
+                                        <p:strVal val="visible"/>
+                                      </p:to>
+                                    </p:set>
+                                  </p:childTnLst>
+                                </p:cTn>
+                              </p:par>
+                            </p:childTnLst>
+                          </p:cTn>
+                        </p:par>
+                      </p:childTnLst>
+                    </p:cTn>
+                  </p:par>
+                </p:childTnLst>
+              </p:cTn>
+              <p:prevCondLst>
+                <p:cond evt="onPrev" delay="0">
+                  <p:tgtEl>
+                    <p:sldTgt/>
+                  </p:tgtEl>
+                </p:cond>
+              </p:prevCondLst>
+              <p:nextCondLst>
+                <p:cond evt="onNext" delay="0">
+                  <p:tgtEl>
+                    <p:sldTgt/>
+                  </p:tgtEl>
+                </p:cond>
+              </p:nextCondLst>
+            </p:seq>
+          </p:childTnLst>
+        </p:cTn>
+      </p:par>
+    </p:tnLst>
+    <p:bldLst>
+      <p:bldP spid="27651" grpId="0" build="p"/>
+    </p:bldLst>
+  </p:timing>
+</p:sld>
+</file>
+
+<file path=ppt/slides/slide4.xml><?xml version="1.0" encoding="utf-8"?>
+<p:sld xmlns:a="http://schemas.openxmlformats.org/drawingml/2006/main" xmlns:r="http://schemas.openxmlformats.org/officeDocument/2006/relationships" xmlns:p="http://schemas.openxmlformats.org/presentationml/2006/main">
+  <p:cSld>
+    <p:spTree>
+      <p:nvGrpSpPr>
+        <p:cNvPr id="1" name="">
+          <a:extLst>
+            <a:ext uri="{FF2B5EF4-FFF2-40B4-BE49-F238E27FC236}">
+              <a16:creationId xmlns:a16="http://schemas.microsoft.com/office/drawing/2014/main" id="{F9376AE5-21F3-9032-4AA5-A58B5EFCA0FC}"/>
+            </a:ext>
+          </a:extLst>
+        </p:cNvPr>
+        <p:cNvGrpSpPr/>
+        <p:nvPr/>
+      </p:nvGrpSpPr>
+      <p:grpSpPr>
+        <a:xfrm>
+          <a:off x="0" y="0"/>
+          <a:ext cx="0" cy="0"/>
+          <a:chOff x="0" y="0"/>
+          <a:chExt cx="0" cy="0"/>
+        </a:xfrm>
+      </p:grpSpPr>
+      <p:sp>
+        <p:nvSpPr>
+          <p:cNvPr id="27650" name="Rectangle 2">
+            <a:extLst>
+              <a:ext uri="{FF2B5EF4-FFF2-40B4-BE49-F238E27FC236}">
+                <a16:creationId xmlns:a16="http://schemas.microsoft.com/office/drawing/2014/main" id="{216D3704-76B4-07A5-3300-A0DD49EB37F8}"/>
+              </a:ext>
+            </a:extLst>
+          </p:cNvPr>
+          <p:cNvSpPr>
+            <a:spLocks noGrp="1" noChangeArrowheads="1"/>
+          </p:cNvSpPr>
+          <p:nvPr>
+            <p:ph type="title"/>
+          </p:nvPr>
+        </p:nvSpPr>
+        <p:spPr/>
+        <p:txBody>
+          <a:bodyPr/>
+          <a:lstStyle/>
+          <a:p>
+            <a:r>
+              <a:rPr lang="en-US" dirty="0"/>
+              <a:t>Warnings, etc.</a:t>
+            </a:r>
+          </a:p>
+        </p:txBody>
+      </p:sp>
+      <p:sp>
+        <p:nvSpPr>
+          <p:cNvPr id="27651" name="Rectangle 3">
+            <a:extLst>
+              <a:ext uri="{FF2B5EF4-FFF2-40B4-BE49-F238E27FC236}">
+                <a16:creationId xmlns:a16="http://schemas.microsoft.com/office/drawing/2014/main" id="{1CBB98D1-5AB7-DE5D-890D-8E54777A870D}"/>
+              </a:ext>
+            </a:extLst>
+          </p:cNvPr>
+          <p:cNvSpPr>
+            <a:spLocks noGrp="1" noChangeArrowheads="1"/>
+          </p:cNvSpPr>
+          <p:nvPr>
+            <p:ph type="body" idx="1"/>
+          </p:nvPr>
+        </p:nvSpPr>
+        <p:spPr>
+          <a:xfrm>
+            <a:off x="152400" y="1276350"/>
+            <a:ext cx="8534400" cy="3469207"/>
+          </a:xfrm>
+        </p:spPr>
+        <p:txBody>
+          <a:bodyPr>
+            <a:normAutofit/>
+          </a:bodyPr>
+          <a:lstStyle/>
+          <a:p>
+            <a:pPr>
+              <a:lnSpc>
+                <a:spcPct val="90000"/>
+              </a:lnSpc>
+            </a:pPr>
+            <a:r>
+              <a:rPr lang="en-US" sz="2400" dirty="0"/>
+              <a:t>STL is </a:t>
+            </a:r>
+            <a:r>
+              <a:rPr lang="en-US" sz="2400" b="1" u="sng" dirty="0"/>
+              <a:t>*NOT*</a:t>
+            </a:r>
+            <a:r>
+              <a:rPr lang="en-US" sz="2400" dirty="0"/>
+              <a:t> thread safe. Never was. Never will be.</a:t>
+            </a:r>
+          </a:p>
+          <a:p>
+            <a:pPr>
+              <a:lnSpc>
+                <a:spcPct val="90000"/>
+              </a:lnSpc>
+            </a:pPr>
+            <a:r>
+              <a:rPr lang="en-US" sz="2400" dirty="0"/>
+              <a:t>I/O is also not thread safe. </a:t>
+            </a:r>
+          </a:p>
+          <a:p>
+            <a:pPr>
+              <a:lnSpc>
+                <a:spcPct val="90000"/>
+              </a:lnSpc>
+            </a:pPr>
+            <a:r>
+              <a:rPr lang="en-US" sz="2400" dirty="0"/>
+              <a:t>Threads run in unpredictable order.</a:t>
+            </a:r>
+          </a:p>
+          <a:p>
+            <a:pPr>
+              <a:lnSpc>
+                <a:spcPct val="90000"/>
+              </a:lnSpc>
+            </a:pPr>
+            <a:r>
+              <a:rPr lang="en-US" sz="2400" dirty="0"/>
+              <a:t>Nothing is thread safe (usually)</a:t>
+            </a:r>
+          </a:p>
+          <a:p>
+            <a:pPr>
+              <a:lnSpc>
+                <a:spcPct val="90000"/>
+              </a:lnSpc>
+            </a:pPr>
+            <a:r>
+              <a:rPr lang="en-US" sz="2400" dirty="0"/>
+              <a:t>Almost always we are protecting DATA, but we are using a function or method to “protect” it.</a:t>
+            </a:r>
+          </a:p>
+          <a:p>
+            <a:pPr lvl="1">
+              <a:lnSpc>
+                <a:spcPct val="90000"/>
+              </a:lnSpc>
+            </a:pPr>
+            <a:r>
+              <a:rPr lang="en-US" sz="2000" dirty="0"/>
+              <a:t>Think: I’m protecting/controlling/whatever THIS DATA</a:t>
+            </a:r>
+          </a:p>
+          <a:p>
+            <a:pPr lvl="1">
+              <a:lnSpc>
+                <a:spcPct val="90000"/>
+              </a:lnSpc>
+            </a:pPr>
+            <a:r>
+              <a:rPr lang="en-US" sz="2000" dirty="0"/>
+              <a:t>You use a critical section to protect it (</a:t>
+            </a:r>
+            <a:r>
+              <a:rPr lang="en-US" sz="2000"/>
+              <a:t>and that’s CODE)</a:t>
+            </a:r>
+            <a:endParaRPr lang="en-US" sz="2000" dirty="0"/>
+          </a:p>
+        </p:txBody>
+      </p:sp>
+    </p:spTree>
+    <p:extLst>
+      <p:ext uri="{BB962C8B-B14F-4D97-AF65-F5344CB8AC3E}">
+        <p14:creationId xmlns:p14="http://schemas.microsoft.com/office/powerpoint/2010/main" val="2007980035"/>
+      </p:ext>
+    </p:extLst>
   </p:cSld>
   <p:clrMapOvr>
     <a:masterClrMapping/>
@@ -4050,398 +5199,27 @@
                       </p:childTnLst>
                     </p:cTn>
                   </p:par>
-                </p:childTnLst>
-              </p:cTn>
-              <p:prevCondLst>
-                <p:cond evt="onPrev" delay="0">
-                  <p:tgtEl>
-                    <p:sldTgt/>
-                  </p:tgtEl>
-                </p:cond>
-              </p:prevCondLst>
-              <p:nextCondLst>
-                <p:cond evt="onNext" delay="0">
-                  <p:tgtEl>
-                    <p:sldTgt/>
-                  </p:tgtEl>
-                </p:cond>
-              </p:nextCondLst>
-            </p:seq>
-          </p:childTnLst>
-        </p:cTn>
-      </p:par>
-    </p:tnLst>
-    <p:bldLst>
-      <p:bldP spid="27651" grpId="0" build="p"/>
-    </p:bldLst>
-  </p:timing>
-</p:sld>
-</file>
-
-<file path=ppt/slides/slide3.xml><?xml version="1.0" encoding="utf-8"?>
-<p:sld xmlns:a="http://schemas.openxmlformats.org/drawingml/2006/main" xmlns:r="http://schemas.openxmlformats.org/officeDocument/2006/relationships" xmlns:p="http://schemas.openxmlformats.org/presentationml/2006/main">
-  <p:cSld>
-    <p:spTree>
-      <p:nvGrpSpPr>
-        <p:cNvPr id="1" name="">
-          <a:extLst>
-            <a:ext uri="{FF2B5EF4-FFF2-40B4-BE49-F238E27FC236}">
-              <a16:creationId xmlns:a16="http://schemas.microsoft.com/office/drawing/2014/main" id="{831B5A21-7824-71B4-CF0E-62542436BFE6}"/>
-            </a:ext>
-          </a:extLst>
-        </p:cNvPr>
-        <p:cNvGrpSpPr/>
-        <p:nvPr/>
-      </p:nvGrpSpPr>
-      <p:grpSpPr>
-        <a:xfrm>
-          <a:off x="0" y="0"/>
-          <a:ext cx="0" cy="0"/>
-          <a:chOff x="0" y="0"/>
-          <a:chExt cx="0" cy="0"/>
-        </a:xfrm>
-      </p:grpSpPr>
-      <p:sp>
-        <p:nvSpPr>
-          <p:cNvPr id="27650" name="Rectangle 2">
-            <a:extLst>
-              <a:ext uri="{FF2B5EF4-FFF2-40B4-BE49-F238E27FC236}">
-                <a16:creationId xmlns:a16="http://schemas.microsoft.com/office/drawing/2014/main" id="{807696E8-3E0A-1FBD-94F8-AA8023C766C2}"/>
-              </a:ext>
-            </a:extLst>
-          </p:cNvPr>
-          <p:cNvSpPr>
-            <a:spLocks noGrp="1" noChangeArrowheads="1"/>
-          </p:cNvSpPr>
-          <p:nvPr>
-            <p:ph type="title"/>
-          </p:nvPr>
-        </p:nvSpPr>
-        <p:spPr/>
-        <p:txBody>
-          <a:bodyPr/>
-          <a:lstStyle/>
-          <a:p>
-            <a:r>
-              <a:rPr lang="en-US" dirty="0"/>
-              <a:t>Tools and tips</a:t>
-            </a:r>
-          </a:p>
-        </p:txBody>
-      </p:sp>
-      <p:sp>
-        <p:nvSpPr>
-          <p:cNvPr id="27651" name="Rectangle 3">
-            <a:extLst>
-              <a:ext uri="{FF2B5EF4-FFF2-40B4-BE49-F238E27FC236}">
-                <a16:creationId xmlns:a16="http://schemas.microsoft.com/office/drawing/2014/main" id="{F1156010-7160-C094-0896-E1EB9426A0F5}"/>
-              </a:ext>
-            </a:extLst>
-          </p:cNvPr>
-          <p:cNvSpPr>
-            <a:spLocks noGrp="1" noChangeArrowheads="1"/>
-          </p:cNvSpPr>
-          <p:nvPr>
-            <p:ph type="body" idx="1"/>
-          </p:nvPr>
-        </p:nvSpPr>
-        <p:spPr>
-          <a:xfrm>
-            <a:off x="152400" y="1276350"/>
-            <a:ext cx="8534400" cy="3469207"/>
-          </a:xfrm>
-        </p:spPr>
-        <p:txBody>
-          <a:bodyPr>
-            <a:normAutofit/>
-          </a:bodyPr>
-          <a:lstStyle/>
-          <a:p>
-            <a:pPr>
-              <a:lnSpc>
-                <a:spcPct val="90000"/>
-              </a:lnSpc>
-            </a:pPr>
-            <a:r>
-              <a:rPr lang="en-US" sz="1800" dirty="0"/>
-              <a:t>If threads are using their own info only, that’s ideal</a:t>
-            </a:r>
-          </a:p>
-          <a:p>
-            <a:pPr lvl="1">
-              <a:lnSpc>
-                <a:spcPct val="90000"/>
-              </a:lnSpc>
-            </a:pPr>
-            <a:r>
-              <a:rPr lang="en-US" sz="1600" dirty="0"/>
-              <a:t>5 soft body objects, spawn a thread to do the </a:t>
-            </a:r>
-            <a:r>
-              <a:rPr lang="en-US" sz="1600" dirty="0" err="1"/>
-              <a:t>Verlet</a:t>
-            </a:r>
-            <a:r>
-              <a:rPr lang="en-US" sz="1600" dirty="0"/>
-              <a:t> integration for each object</a:t>
-            </a:r>
-          </a:p>
-          <a:p>
-            <a:pPr lvl="1">
-              <a:lnSpc>
-                <a:spcPct val="90000"/>
-              </a:lnSpc>
-            </a:pPr>
-            <a:r>
-              <a:rPr lang="en-US" sz="1600" dirty="0"/>
-              <a:t>Each thread only “touches” its own data</a:t>
-            </a:r>
-          </a:p>
-          <a:p>
-            <a:pPr>
-              <a:lnSpc>
-                <a:spcPct val="90000"/>
-              </a:lnSpc>
-            </a:pPr>
-            <a:r>
-              <a:rPr lang="en-US" sz="1800" dirty="0"/>
-              <a:t>If the threads are READING (read only) the data, then outputting their own results</a:t>
-            </a:r>
-          </a:p>
-          <a:p>
-            <a:pPr>
-              <a:lnSpc>
-                <a:spcPct val="90000"/>
-              </a:lnSpc>
-            </a:pPr>
-            <a:r>
-              <a:rPr lang="en-US" sz="1800" dirty="0"/>
-              <a:t>We can “lock” whole parts of data (variables, containers (vector, etc.)) using:</a:t>
-            </a:r>
-          </a:p>
-          <a:p>
-            <a:pPr lvl="1">
-              <a:lnSpc>
-                <a:spcPct val="90000"/>
-              </a:lnSpc>
-            </a:pPr>
-            <a:r>
-              <a:rPr lang="en-US" sz="1400" dirty="0"/>
-              <a:t>Heavy like: semaphores, mutex, etc.</a:t>
-            </a:r>
-          </a:p>
-          <a:p>
-            <a:pPr lvl="1">
-              <a:lnSpc>
-                <a:spcPct val="90000"/>
-              </a:lnSpc>
-            </a:pPr>
-            <a:r>
-              <a:rPr lang="en-US" sz="1400" dirty="0"/>
-              <a:t>Critical Sections</a:t>
-            </a:r>
-          </a:p>
-          <a:p>
-            <a:pPr lvl="1">
-              <a:lnSpc>
-                <a:spcPct val="90000"/>
-              </a:lnSpc>
-            </a:pPr>
-            <a:r>
-              <a:rPr lang="en-US" sz="1400" dirty="0"/>
-              <a:t>Something small like an int, then </a:t>
-            </a:r>
-            <a:r>
-              <a:rPr lang="en-US" sz="1400" dirty="0" err="1"/>
-              <a:t>InterlockedExchange</a:t>
-            </a:r>
-            <a:r>
-              <a:rPr lang="en-US" sz="1400" dirty="0"/>
-              <a:t> (‘atomic’) instructions are an option</a:t>
-            </a:r>
-          </a:p>
-          <a:p>
-            <a:pPr>
-              <a:lnSpc>
-                <a:spcPct val="90000"/>
-              </a:lnSpc>
-            </a:pPr>
-            <a:r>
-              <a:rPr lang="en-US" sz="1800" dirty="0"/>
-              <a:t>Using a combo of this where things are “buffered” </a:t>
-            </a:r>
-          </a:p>
-          <a:p>
-            <a:pPr lvl="1">
-              <a:lnSpc>
-                <a:spcPct val="90000"/>
-              </a:lnSpc>
-            </a:pPr>
-            <a:r>
-              <a:rPr lang="en-US" sz="1400" dirty="0"/>
-              <a:t>One thread is writing to a buffer (its “write buffer”) while another is reading from a separate (often “slightly older data” buffer), then we swap them out.</a:t>
-            </a:r>
-          </a:p>
-          <a:p>
-            <a:pPr>
-              <a:lnSpc>
-                <a:spcPct val="90000"/>
-              </a:lnSpc>
-            </a:pPr>
-            <a:endParaRPr lang="en-US" sz="2000" dirty="0"/>
-          </a:p>
-        </p:txBody>
-      </p:sp>
-    </p:spTree>
-    <p:extLst>
-      <p:ext uri="{BB962C8B-B14F-4D97-AF65-F5344CB8AC3E}">
-        <p14:creationId xmlns:p14="http://schemas.microsoft.com/office/powerpoint/2010/main" val="498129078"/>
-      </p:ext>
-    </p:extLst>
-  </p:cSld>
-  <p:clrMapOvr>
-    <a:masterClrMapping/>
-  </p:clrMapOvr>
-  <p:timing>
-    <p:tnLst>
-      <p:par>
-        <p:cTn id="1" dur="indefinite" restart="never" nodeType="tmRoot">
-          <p:childTnLst>
-            <p:seq concurrent="1" nextAc="seek">
-              <p:cTn id="2" dur="indefinite" nodeType="mainSeq">
-                <p:childTnLst>
                   <p:par>
-                    <p:cTn id="3" fill="hold">
+                    <p:cTn id="15" fill="hold">
                       <p:stCondLst>
                         <p:cond delay="indefinite"/>
                       </p:stCondLst>
                       <p:childTnLst>
                         <p:par>
-                          <p:cTn id="4" fill="hold">
+                          <p:cTn id="16" fill="hold">
                             <p:stCondLst>
                               <p:cond delay="0"/>
                             </p:stCondLst>
                             <p:childTnLst>
                               <p:par>
-                                <p:cTn id="5" presetID="1" presetClass="entr" presetSubtype="0" fill="hold" grpId="0" nodeType="clickEffect">
+                                <p:cTn id="17" presetID="1" presetClass="entr" presetSubtype="0" fill="hold" grpId="0" nodeType="clickEffect">
                                   <p:stCondLst>
                                     <p:cond delay="0"/>
                                   </p:stCondLst>
                                   <p:childTnLst>
                                     <p:set>
                                       <p:cBhvr>
-                                        <p:cTn id="6" dur="1" fill="hold">
-                                          <p:stCondLst>
-                                            <p:cond delay="0"/>
-                                          </p:stCondLst>
-                                        </p:cTn>
-                                        <p:tgtEl>
-                                          <p:spTgt spid="27651">
-                                            <p:txEl>
-                                              <p:pRg st="0" end="0"/>
-                                            </p:txEl>
-                                          </p:spTgt>
-                                        </p:tgtEl>
-                                        <p:attrNameLst>
-                                          <p:attrName>style.visibility</p:attrName>
-                                        </p:attrNameLst>
-                                      </p:cBhvr>
-                                      <p:to>
-                                        <p:strVal val="visible"/>
-                                      </p:to>
-                                    </p:set>
-                                  </p:childTnLst>
-                                </p:cTn>
-                              </p:par>
-                              <p:par>
-                                <p:cTn id="7" presetID="1" presetClass="entr" presetSubtype="0" fill="hold" grpId="0" nodeType="withEffect">
-                                  <p:stCondLst>
-                                    <p:cond delay="0"/>
-                                  </p:stCondLst>
-                                  <p:childTnLst>
-                                    <p:set>
-                                      <p:cBhvr>
-                                        <p:cTn id="8" dur="1" fill="hold">
-                                          <p:stCondLst>
-                                            <p:cond delay="0"/>
-                                          </p:stCondLst>
-                                        </p:cTn>
-                                        <p:tgtEl>
-                                          <p:spTgt spid="27651">
-                                            <p:txEl>
-                                              <p:pRg st="1" end="1"/>
-                                            </p:txEl>
-                                          </p:spTgt>
-                                        </p:tgtEl>
-                                        <p:attrNameLst>
-                                          <p:attrName>style.visibility</p:attrName>
-                                        </p:attrNameLst>
-                                      </p:cBhvr>
-                                      <p:to>
-                                        <p:strVal val="visible"/>
-                                      </p:to>
-                                    </p:set>
-                                  </p:childTnLst>
-                                </p:cTn>
-                              </p:par>
-                              <p:par>
-                                <p:cTn id="9" presetID="1" presetClass="entr" presetSubtype="0" fill="hold" grpId="0" nodeType="withEffect">
-                                  <p:stCondLst>
-                                    <p:cond delay="0"/>
-                                  </p:stCondLst>
-                                  <p:childTnLst>
-                                    <p:set>
-                                      <p:cBhvr>
-                                        <p:cTn id="10" dur="1" fill="hold">
-                                          <p:stCondLst>
-                                            <p:cond delay="0"/>
-                                          </p:stCondLst>
-                                        </p:cTn>
-                                        <p:tgtEl>
-                                          <p:spTgt spid="27651">
-                                            <p:txEl>
-                                              <p:pRg st="2" end="2"/>
-                                            </p:txEl>
-                                          </p:spTgt>
-                                        </p:tgtEl>
-                                        <p:attrNameLst>
-                                          <p:attrName>style.visibility</p:attrName>
-                                        </p:attrNameLst>
-                                      </p:cBhvr>
-                                      <p:to>
-                                        <p:strVal val="visible"/>
-                                      </p:to>
-                                    </p:set>
-                                  </p:childTnLst>
-                                </p:cTn>
-                              </p:par>
-                            </p:childTnLst>
-                          </p:cTn>
-                        </p:par>
-                      </p:childTnLst>
-                    </p:cTn>
-                  </p:par>
-                  <p:par>
-                    <p:cTn id="11" fill="hold">
-                      <p:stCondLst>
-                        <p:cond delay="indefinite"/>
-                      </p:stCondLst>
-                      <p:childTnLst>
-                        <p:par>
-                          <p:cTn id="12" fill="hold">
-                            <p:stCondLst>
-                              <p:cond delay="0"/>
-                            </p:stCondLst>
-                            <p:childTnLst>
-                              <p:par>
-                                <p:cTn id="13" presetID="1" presetClass="entr" presetSubtype="0" fill="hold" grpId="0" nodeType="clickEffect">
-                                  <p:stCondLst>
-                                    <p:cond delay="0"/>
-                                  </p:stCondLst>
-                                  <p:childTnLst>
-                                    <p:set>
-                                      <p:cBhvr>
-                                        <p:cTn id="14" dur="1" fill="hold">
+                                        <p:cTn id="18" dur="1" fill="hold">
                                           <p:stCondLst>
                                             <p:cond delay="0"/>
                                           </p:stCondLst>
@@ -4471,81 +5249,19 @@
                     </p:cTn>
                   </p:par>
                   <p:par>
-                    <p:cTn id="15" fill="hold">
+                    <p:cTn id="19" fill="hold">
                       <p:stCondLst>
                         <p:cond delay="indefinite"/>
                       </p:stCondLst>
                       <p:childTnLst>
                         <p:par>
-                          <p:cTn id="16" fill="hold">
+                          <p:cTn id="20" fill="hold">
                             <p:stCondLst>
                               <p:cond delay="0"/>
                             </p:stCondLst>
                             <p:childTnLst>
                               <p:par>
-                                <p:cTn id="17" presetID="1" presetClass="entr" presetSubtype="0" fill="hold" grpId="0" nodeType="clickEffect">
-                                  <p:stCondLst>
-                                    <p:cond delay="0"/>
-                                  </p:stCondLst>
-                                  <p:childTnLst>
-                                    <p:set>
-                                      <p:cBhvr>
-                                        <p:cTn id="18" dur="1" fill="hold">
-                                          <p:stCondLst>
-                                            <p:cond delay="0"/>
-                                          </p:stCondLst>
-                                        </p:cTn>
-                                        <p:tgtEl>
-                                          <p:spTgt spid="27651">
-                                            <p:txEl>
-                                              <p:pRg st="4" end="4"/>
-                                            </p:txEl>
-                                          </p:spTgt>
-                                        </p:tgtEl>
-                                        <p:attrNameLst>
-                                          <p:attrName>style.visibility</p:attrName>
-                                        </p:attrNameLst>
-                                      </p:cBhvr>
-                                      <p:to>
-                                        <p:strVal val="visible"/>
-                                      </p:to>
-                                    </p:set>
-                                  </p:childTnLst>
-                                </p:cTn>
-                              </p:par>
-                              <p:par>
-                                <p:cTn id="19" presetID="1" presetClass="entr" presetSubtype="0" fill="hold" grpId="0" nodeType="withEffect">
-                                  <p:stCondLst>
-                                    <p:cond delay="0"/>
-                                  </p:stCondLst>
-                                  <p:childTnLst>
-                                    <p:set>
-                                      <p:cBhvr>
-                                        <p:cTn id="20" dur="1" fill="hold">
-                                          <p:stCondLst>
-                                            <p:cond delay="0"/>
-                                          </p:stCondLst>
-                                        </p:cTn>
-                                        <p:tgtEl>
-                                          <p:spTgt spid="27651">
-                                            <p:txEl>
-                                              <p:pRg st="5" end="5"/>
-                                            </p:txEl>
-                                          </p:spTgt>
-                                        </p:tgtEl>
-                                        <p:attrNameLst>
-                                          <p:attrName>style.visibility</p:attrName>
-                                        </p:attrNameLst>
-                                      </p:cBhvr>
-                                      <p:to>
-                                        <p:strVal val="visible"/>
-                                      </p:to>
-                                    </p:set>
-                                  </p:childTnLst>
-                                </p:cTn>
-                              </p:par>
-                              <p:par>
-                                <p:cTn id="21" presetID="1" presetClass="entr" presetSubtype="0" fill="hold" grpId="0" nodeType="withEffect">
+                                <p:cTn id="21" presetID="1" presetClass="entr" presetSubtype="0" fill="hold" grpId="0" nodeType="clickEffect">
                                   <p:stCondLst>
                                     <p:cond delay="0"/>
                                   </p:stCondLst>
@@ -4560,7 +5276,7 @@
                                         <p:tgtEl>
                                           <p:spTgt spid="27651">
                                             <p:txEl>
-                                              <p:pRg st="6" end="6"/>
+                                              <p:pRg st="4" end="4"/>
                                             </p:txEl>
                                           </p:spTgt>
                                         </p:tgtEl>
@@ -4591,56 +5307,7 @@
                                         <p:tgtEl>
                                           <p:spTgt spid="27651">
                                             <p:txEl>
-                                              <p:pRg st="7" end="7"/>
-                                            </p:txEl>
-                                          </p:spTgt>
-                                        </p:tgtEl>
-                                        <p:attrNameLst>
-                                          <p:attrName>style.visibility</p:attrName>
-                                        </p:attrNameLst>
-                                      </p:cBhvr>
-                                      <p:to>
-                                        <p:strVal val="visible"/>
-                                      </p:to>
-                                    </p:set>
-                                  </p:childTnLst>
-                                </p:cTn>
-                              </p:par>
-                            </p:childTnLst>
-                          </p:cTn>
-                        </p:par>
-                      </p:childTnLst>
-                    </p:cTn>
-                  </p:par>
-                  <p:par>
-                    <p:cTn id="25" fill="hold">
-                      <p:stCondLst>
-                        <p:cond delay="indefinite"/>
-                      </p:stCondLst>
-                      <p:childTnLst>
-                        <p:par>
-                          <p:cTn id="26" fill="hold">
-                            <p:stCondLst>
-                              <p:cond delay="0"/>
-                            </p:stCondLst>
-                            <p:childTnLst>
-                              <p:par>
-                                <p:cTn id="27" presetID="1" presetClass="entr" presetSubtype="0" fill="hold" grpId="0" nodeType="clickEffect">
-                                  <p:stCondLst>
-                                    <p:cond delay="0"/>
-                                  </p:stCondLst>
-                                  <p:childTnLst>
-                                    <p:set>
-                                      <p:cBhvr>
-                                        <p:cTn id="28" dur="1" fill="hold">
-                                          <p:stCondLst>
-                                            <p:cond delay="0"/>
-                                          </p:stCondLst>
-                                        </p:cTn>
-                                        <p:tgtEl>
-                                          <p:spTgt spid="27651">
-                                            <p:txEl>
-                                              <p:pRg st="8" end="8"/>
+                                              <p:pRg st="5" end="5"/>
                                             </p:txEl>
                                           </p:spTgt>
                                         </p:tgtEl>
@@ -4656,14 +5323,14 @@
                                 </p:cTn>
                               </p:par>
                               <p:par>
-                                <p:cTn id="29" presetID="1" presetClass="entr" presetSubtype="0" fill="hold" grpId="0" nodeType="withEffect">
+                                <p:cTn id="25" presetID="1" presetClass="entr" presetSubtype="0" fill="hold" grpId="0" nodeType="withEffect">
                                   <p:stCondLst>
                                     <p:cond delay="0"/>
                                   </p:stCondLst>
                                   <p:childTnLst>
                                     <p:set>
                                       <p:cBhvr>
-                                        <p:cTn id="30" dur="1" fill="hold">
+                                        <p:cTn id="26" dur="1" fill="hold">
                                           <p:stCondLst>
                                             <p:cond delay="0"/>
                                           </p:stCondLst>
@@ -4671,7 +5338,7 @@
                                         <p:tgtEl>
                                           <p:spTgt spid="27651">
                                             <p:txEl>
-                                              <p:pRg st="9" end="9"/>
+                                              <p:pRg st="6" end="6"/>
                                             </p:txEl>
                                           </p:spTgt>
                                         </p:tgtEl>
@@ -4720,7 +5387,7 @@
 </p:sld>
 </file>
 
-<file path=ppt/slides/slide4.xml><?xml version="1.0" encoding="utf-8"?>
+<file path=ppt/slides/slide5.xml><?xml version="1.0" encoding="utf-8"?>
 <p:sld xmlns:a="http://schemas.openxmlformats.org/drawingml/2006/main" xmlns:r="http://schemas.openxmlformats.org/officeDocument/2006/relationships" xmlns:p="http://schemas.openxmlformats.org/presentationml/2006/main">
   <p:cSld>
     <p:spTree>
@@ -5388,7 +6055,1267 @@
 </p:sld>
 </file>
 
-<file path=ppt/slides/slide5.xml><?xml version="1.0" encoding="utf-8"?>
+<file path=ppt/slides/slide6.xml><?xml version="1.0" encoding="utf-8"?>
+<p:sld xmlns:a="http://schemas.openxmlformats.org/drawingml/2006/main" xmlns:r="http://schemas.openxmlformats.org/officeDocument/2006/relationships" xmlns:p="http://schemas.openxmlformats.org/presentationml/2006/main">
+  <p:cSld>
+    <p:spTree>
+      <p:nvGrpSpPr>
+        <p:cNvPr id="1" name=""/>
+        <p:cNvGrpSpPr/>
+        <p:nvPr/>
+      </p:nvGrpSpPr>
+      <p:grpSpPr>
+        <a:xfrm>
+          <a:off x="0" y="0"/>
+          <a:ext cx="0" cy="0"/>
+          <a:chOff x="0" y="0"/>
+          <a:chExt cx="0" cy="0"/>
+        </a:xfrm>
+      </p:grpSpPr>
+      <p:sp>
+        <p:nvSpPr>
+          <p:cNvPr id="27650" name="Rectangle 2"/>
+          <p:cNvSpPr>
+            <a:spLocks noGrp="1" noChangeArrowheads="1"/>
+          </p:cNvSpPr>
+          <p:nvPr>
+            <p:ph type="title"/>
+          </p:nvPr>
+        </p:nvSpPr>
+        <p:spPr/>
+        <p:txBody>
+          <a:bodyPr/>
+          <a:lstStyle/>
+          <a:p>
+            <a:r>
+              <a:rPr lang="en-US" dirty="0"/>
+              <a:t>Semaphore and Mutex</a:t>
+            </a:r>
+          </a:p>
+        </p:txBody>
+      </p:sp>
+      <p:sp>
+        <p:nvSpPr>
+          <p:cNvPr id="27651" name="Rectangle 3"/>
+          <p:cNvSpPr>
+            <a:spLocks noGrp="1" noChangeArrowheads="1"/>
+          </p:cNvSpPr>
+          <p:nvPr>
+            <p:ph type="body" idx="1"/>
+          </p:nvPr>
+        </p:nvSpPr>
+        <p:spPr>
+          <a:xfrm>
+            <a:off x="457200" y="1276350"/>
+            <a:ext cx="8229600" cy="3469207"/>
+          </a:xfrm>
+        </p:spPr>
+        <p:txBody>
+          <a:bodyPr>
+            <a:normAutofit/>
+          </a:bodyPr>
+          <a:lstStyle/>
+          <a:p>
+            <a:pPr>
+              <a:lnSpc>
+                <a:spcPct val="90000"/>
+              </a:lnSpc>
+            </a:pPr>
+            <a:r>
+              <a:rPr lang="en-US" sz="2000" dirty="0"/>
+              <a:t>Shared “flag” or counter that more than one thread has access to</a:t>
+            </a:r>
+          </a:p>
+          <a:p>
+            <a:pPr>
+              <a:lnSpc>
+                <a:spcPct val="90000"/>
+              </a:lnSpc>
+            </a:pPr>
+            <a:r>
+              <a:rPr lang="en-US" sz="2000" dirty="0"/>
+              <a:t>Could be a Boolean sort of thing (true/false or on/off or locked/unlocked)</a:t>
+            </a:r>
+          </a:p>
+          <a:p>
+            <a:pPr>
+              <a:lnSpc>
+                <a:spcPct val="90000"/>
+              </a:lnSpc>
+            </a:pPr>
+            <a:r>
+              <a:rPr lang="en-US" sz="2000" dirty="0"/>
+              <a:t>Could be something like a counter</a:t>
+            </a:r>
+          </a:p>
+          <a:p>
+            <a:pPr>
+              <a:lnSpc>
+                <a:spcPct val="90000"/>
+              </a:lnSpc>
+            </a:pPr>
+            <a:r>
+              <a:rPr lang="en-US" sz="2000" dirty="0"/>
+              <a:t>“classic” things like Semaphores, Mutexes, etc. are “heavier” things that often run in the kernel (OS) and take far longer than something like a Critical Section or an “atomic” (we’ll see them in a moment).</a:t>
+            </a:r>
+          </a:p>
+          <a:p>
+            <a:pPr lvl="1">
+              <a:lnSpc>
+                <a:spcPct val="90000"/>
+              </a:lnSpc>
+            </a:pPr>
+            <a:r>
+              <a:rPr lang="en-US" sz="1600" dirty="0" err="1"/>
+              <a:t>WaitForSingleObject</a:t>
+            </a:r>
+            <a:r>
+              <a:rPr lang="en-US" sz="1600" dirty="0"/>
+              <a:t>(), </a:t>
+            </a:r>
+            <a:r>
+              <a:rPr lang="en-US" sz="1600" dirty="0" err="1"/>
+              <a:t>WaitForMultipleObjects</a:t>
+            </a:r>
+            <a:r>
+              <a:rPr lang="en-US" sz="1600" dirty="0"/>
+              <a:t>()…</a:t>
+            </a:r>
+          </a:p>
+          <a:p>
+            <a:pPr lvl="1">
+              <a:lnSpc>
+                <a:spcPct val="90000"/>
+              </a:lnSpc>
+            </a:pPr>
+            <a:r>
+              <a:rPr lang="en-US" sz="1600" dirty="0"/>
+              <a:t>Literally Semaphores and </a:t>
+            </a:r>
+            <a:r>
+              <a:rPr lang="en-US" sz="1600" dirty="0" err="1"/>
+              <a:t>Mutextes</a:t>
+            </a:r>
+            <a:endParaRPr lang="en-US" sz="1600" dirty="0"/>
+          </a:p>
+          <a:p>
+            <a:pPr lvl="1">
+              <a:lnSpc>
+                <a:spcPct val="90000"/>
+              </a:lnSpc>
+            </a:pPr>
+            <a:r>
+              <a:rPr lang="en-US" sz="1600" dirty="0"/>
+              <a:t>Spin Locks that are kernel mode</a:t>
+            </a:r>
+          </a:p>
+          <a:p>
+            <a:pPr>
+              <a:lnSpc>
+                <a:spcPct val="90000"/>
+              </a:lnSpc>
+            </a:pPr>
+            <a:r>
+              <a:rPr lang="en-US" sz="2000" dirty="0"/>
+              <a:t>Generally, we’d use these with processes, not threads</a:t>
+            </a:r>
+          </a:p>
+          <a:p>
+            <a:pPr>
+              <a:lnSpc>
+                <a:spcPct val="90000"/>
+              </a:lnSpc>
+            </a:pPr>
+            <a:r>
+              <a:rPr lang="en-US" sz="2000" dirty="0" err="1"/>
+              <a:t>Eg</a:t>
+            </a:r>
+            <a:r>
+              <a:rPr lang="en-US" sz="2000" dirty="0"/>
+              <a:t>: Two processes (applications) accessing the same file…</a:t>
+            </a:r>
+          </a:p>
+          <a:p>
+            <a:pPr>
+              <a:lnSpc>
+                <a:spcPct val="90000"/>
+              </a:lnSpc>
+            </a:pPr>
+            <a:endParaRPr lang="en-US" sz="2000" dirty="0"/>
+          </a:p>
+        </p:txBody>
+      </p:sp>
+    </p:spTree>
+  </p:cSld>
+  <p:clrMapOvr>
+    <a:masterClrMapping/>
+  </p:clrMapOvr>
+  <p:timing>
+    <p:tnLst>
+      <p:par>
+        <p:cTn id="1" dur="indefinite" restart="never" nodeType="tmRoot">
+          <p:childTnLst>
+            <p:seq concurrent="1" nextAc="seek">
+              <p:cTn id="2" dur="indefinite" nodeType="mainSeq">
+                <p:childTnLst>
+                  <p:par>
+                    <p:cTn id="3" fill="hold">
+                      <p:stCondLst>
+                        <p:cond delay="indefinite"/>
+                      </p:stCondLst>
+                      <p:childTnLst>
+                        <p:par>
+                          <p:cTn id="4" fill="hold">
+                            <p:stCondLst>
+                              <p:cond delay="0"/>
+                            </p:stCondLst>
+                            <p:childTnLst>
+                              <p:par>
+                                <p:cTn id="5" presetID="1" presetClass="entr" presetSubtype="0" fill="hold" grpId="0" nodeType="clickEffect">
+                                  <p:stCondLst>
+                                    <p:cond delay="0"/>
+                                  </p:stCondLst>
+                                  <p:childTnLst>
+                                    <p:set>
+                                      <p:cBhvr>
+                                        <p:cTn id="6" dur="1" fill="hold">
+                                          <p:stCondLst>
+                                            <p:cond delay="0"/>
+                                          </p:stCondLst>
+                                        </p:cTn>
+                                        <p:tgtEl>
+                                          <p:spTgt spid="27651">
+                                            <p:txEl>
+                                              <p:pRg st="0" end="0"/>
+                                            </p:txEl>
+                                          </p:spTgt>
+                                        </p:tgtEl>
+                                        <p:attrNameLst>
+                                          <p:attrName>style.visibility</p:attrName>
+                                        </p:attrNameLst>
+                                      </p:cBhvr>
+                                      <p:to>
+                                        <p:strVal val="visible"/>
+                                      </p:to>
+                                    </p:set>
+                                  </p:childTnLst>
+                                </p:cTn>
+                              </p:par>
+                            </p:childTnLst>
+                          </p:cTn>
+                        </p:par>
+                      </p:childTnLst>
+                    </p:cTn>
+                  </p:par>
+                  <p:par>
+                    <p:cTn id="7" fill="hold">
+                      <p:stCondLst>
+                        <p:cond delay="indefinite"/>
+                      </p:stCondLst>
+                      <p:childTnLst>
+                        <p:par>
+                          <p:cTn id="8" fill="hold">
+                            <p:stCondLst>
+                              <p:cond delay="0"/>
+                            </p:stCondLst>
+                            <p:childTnLst>
+                              <p:par>
+                                <p:cTn id="9" presetID="1" presetClass="entr" presetSubtype="0" fill="hold" grpId="0" nodeType="clickEffect">
+                                  <p:stCondLst>
+                                    <p:cond delay="0"/>
+                                  </p:stCondLst>
+                                  <p:childTnLst>
+                                    <p:set>
+                                      <p:cBhvr>
+                                        <p:cTn id="10" dur="1" fill="hold">
+                                          <p:stCondLst>
+                                            <p:cond delay="0"/>
+                                          </p:stCondLst>
+                                        </p:cTn>
+                                        <p:tgtEl>
+                                          <p:spTgt spid="27651">
+                                            <p:txEl>
+                                              <p:pRg st="1" end="1"/>
+                                            </p:txEl>
+                                          </p:spTgt>
+                                        </p:tgtEl>
+                                        <p:attrNameLst>
+                                          <p:attrName>style.visibility</p:attrName>
+                                        </p:attrNameLst>
+                                      </p:cBhvr>
+                                      <p:to>
+                                        <p:strVal val="visible"/>
+                                      </p:to>
+                                    </p:set>
+                                  </p:childTnLst>
+                                </p:cTn>
+                              </p:par>
+                            </p:childTnLst>
+                          </p:cTn>
+                        </p:par>
+                      </p:childTnLst>
+                    </p:cTn>
+                  </p:par>
+                  <p:par>
+                    <p:cTn id="11" fill="hold">
+                      <p:stCondLst>
+                        <p:cond delay="indefinite"/>
+                      </p:stCondLst>
+                      <p:childTnLst>
+                        <p:par>
+                          <p:cTn id="12" fill="hold">
+                            <p:stCondLst>
+                              <p:cond delay="0"/>
+                            </p:stCondLst>
+                            <p:childTnLst>
+                              <p:par>
+                                <p:cTn id="13" presetID="1" presetClass="entr" presetSubtype="0" fill="hold" grpId="0" nodeType="clickEffect">
+                                  <p:stCondLst>
+                                    <p:cond delay="0"/>
+                                  </p:stCondLst>
+                                  <p:childTnLst>
+                                    <p:set>
+                                      <p:cBhvr>
+                                        <p:cTn id="14" dur="1" fill="hold">
+                                          <p:stCondLst>
+                                            <p:cond delay="0"/>
+                                          </p:stCondLst>
+                                        </p:cTn>
+                                        <p:tgtEl>
+                                          <p:spTgt spid="27651">
+                                            <p:txEl>
+                                              <p:pRg st="2" end="2"/>
+                                            </p:txEl>
+                                          </p:spTgt>
+                                        </p:tgtEl>
+                                        <p:attrNameLst>
+                                          <p:attrName>style.visibility</p:attrName>
+                                        </p:attrNameLst>
+                                      </p:cBhvr>
+                                      <p:to>
+                                        <p:strVal val="visible"/>
+                                      </p:to>
+                                    </p:set>
+                                  </p:childTnLst>
+                                </p:cTn>
+                              </p:par>
+                            </p:childTnLst>
+                          </p:cTn>
+                        </p:par>
+                      </p:childTnLst>
+                    </p:cTn>
+                  </p:par>
+                  <p:par>
+                    <p:cTn id="15" fill="hold">
+                      <p:stCondLst>
+                        <p:cond delay="indefinite"/>
+                      </p:stCondLst>
+                      <p:childTnLst>
+                        <p:par>
+                          <p:cTn id="16" fill="hold">
+                            <p:stCondLst>
+                              <p:cond delay="0"/>
+                            </p:stCondLst>
+                            <p:childTnLst>
+                              <p:par>
+                                <p:cTn id="17" presetID="1" presetClass="entr" presetSubtype="0" fill="hold" grpId="0" nodeType="clickEffect">
+                                  <p:stCondLst>
+                                    <p:cond delay="0"/>
+                                  </p:stCondLst>
+                                  <p:childTnLst>
+                                    <p:set>
+                                      <p:cBhvr>
+                                        <p:cTn id="18" dur="1" fill="hold">
+                                          <p:stCondLst>
+                                            <p:cond delay="0"/>
+                                          </p:stCondLst>
+                                        </p:cTn>
+                                        <p:tgtEl>
+                                          <p:spTgt spid="27651">
+                                            <p:txEl>
+                                              <p:pRg st="3" end="3"/>
+                                            </p:txEl>
+                                          </p:spTgt>
+                                        </p:tgtEl>
+                                        <p:attrNameLst>
+                                          <p:attrName>style.visibility</p:attrName>
+                                        </p:attrNameLst>
+                                      </p:cBhvr>
+                                      <p:to>
+                                        <p:strVal val="visible"/>
+                                      </p:to>
+                                    </p:set>
+                                  </p:childTnLst>
+                                </p:cTn>
+                              </p:par>
+                              <p:par>
+                                <p:cTn id="19" presetID="1" presetClass="entr" presetSubtype="0" fill="hold" grpId="0" nodeType="withEffect">
+                                  <p:stCondLst>
+                                    <p:cond delay="0"/>
+                                  </p:stCondLst>
+                                  <p:childTnLst>
+                                    <p:set>
+                                      <p:cBhvr>
+                                        <p:cTn id="20" dur="1" fill="hold">
+                                          <p:stCondLst>
+                                            <p:cond delay="0"/>
+                                          </p:stCondLst>
+                                        </p:cTn>
+                                        <p:tgtEl>
+                                          <p:spTgt spid="27651">
+                                            <p:txEl>
+                                              <p:pRg st="4" end="4"/>
+                                            </p:txEl>
+                                          </p:spTgt>
+                                        </p:tgtEl>
+                                        <p:attrNameLst>
+                                          <p:attrName>style.visibility</p:attrName>
+                                        </p:attrNameLst>
+                                      </p:cBhvr>
+                                      <p:to>
+                                        <p:strVal val="visible"/>
+                                      </p:to>
+                                    </p:set>
+                                  </p:childTnLst>
+                                </p:cTn>
+                              </p:par>
+                              <p:par>
+                                <p:cTn id="21" presetID="1" presetClass="entr" presetSubtype="0" fill="hold" grpId="0" nodeType="withEffect">
+                                  <p:stCondLst>
+                                    <p:cond delay="0"/>
+                                  </p:stCondLst>
+                                  <p:childTnLst>
+                                    <p:set>
+                                      <p:cBhvr>
+                                        <p:cTn id="22" dur="1" fill="hold">
+                                          <p:stCondLst>
+                                            <p:cond delay="0"/>
+                                          </p:stCondLst>
+                                        </p:cTn>
+                                        <p:tgtEl>
+                                          <p:spTgt spid="27651">
+                                            <p:txEl>
+                                              <p:pRg st="5" end="5"/>
+                                            </p:txEl>
+                                          </p:spTgt>
+                                        </p:tgtEl>
+                                        <p:attrNameLst>
+                                          <p:attrName>style.visibility</p:attrName>
+                                        </p:attrNameLst>
+                                      </p:cBhvr>
+                                      <p:to>
+                                        <p:strVal val="visible"/>
+                                      </p:to>
+                                    </p:set>
+                                  </p:childTnLst>
+                                </p:cTn>
+                              </p:par>
+                              <p:par>
+                                <p:cTn id="23" presetID="1" presetClass="entr" presetSubtype="0" fill="hold" grpId="0" nodeType="withEffect">
+                                  <p:stCondLst>
+                                    <p:cond delay="0"/>
+                                  </p:stCondLst>
+                                  <p:childTnLst>
+                                    <p:set>
+                                      <p:cBhvr>
+                                        <p:cTn id="24" dur="1" fill="hold">
+                                          <p:stCondLst>
+                                            <p:cond delay="0"/>
+                                          </p:stCondLst>
+                                        </p:cTn>
+                                        <p:tgtEl>
+                                          <p:spTgt spid="27651">
+                                            <p:txEl>
+                                              <p:pRg st="6" end="6"/>
+                                            </p:txEl>
+                                          </p:spTgt>
+                                        </p:tgtEl>
+                                        <p:attrNameLst>
+                                          <p:attrName>style.visibility</p:attrName>
+                                        </p:attrNameLst>
+                                      </p:cBhvr>
+                                      <p:to>
+                                        <p:strVal val="visible"/>
+                                      </p:to>
+                                    </p:set>
+                                  </p:childTnLst>
+                                </p:cTn>
+                              </p:par>
+                            </p:childTnLst>
+                          </p:cTn>
+                        </p:par>
+                      </p:childTnLst>
+                    </p:cTn>
+                  </p:par>
+                  <p:par>
+                    <p:cTn id="25" fill="hold">
+                      <p:stCondLst>
+                        <p:cond delay="indefinite"/>
+                      </p:stCondLst>
+                      <p:childTnLst>
+                        <p:par>
+                          <p:cTn id="26" fill="hold">
+                            <p:stCondLst>
+                              <p:cond delay="0"/>
+                            </p:stCondLst>
+                            <p:childTnLst>
+                              <p:par>
+                                <p:cTn id="27" presetID="1" presetClass="entr" presetSubtype="0" fill="hold" grpId="0" nodeType="clickEffect">
+                                  <p:stCondLst>
+                                    <p:cond delay="0"/>
+                                  </p:stCondLst>
+                                  <p:childTnLst>
+                                    <p:set>
+                                      <p:cBhvr>
+                                        <p:cTn id="28" dur="1" fill="hold">
+                                          <p:stCondLst>
+                                            <p:cond delay="0"/>
+                                          </p:stCondLst>
+                                        </p:cTn>
+                                        <p:tgtEl>
+                                          <p:spTgt spid="27651">
+                                            <p:txEl>
+                                              <p:pRg st="7" end="7"/>
+                                            </p:txEl>
+                                          </p:spTgt>
+                                        </p:tgtEl>
+                                        <p:attrNameLst>
+                                          <p:attrName>style.visibility</p:attrName>
+                                        </p:attrNameLst>
+                                      </p:cBhvr>
+                                      <p:to>
+                                        <p:strVal val="visible"/>
+                                      </p:to>
+                                    </p:set>
+                                  </p:childTnLst>
+                                </p:cTn>
+                              </p:par>
+                            </p:childTnLst>
+                          </p:cTn>
+                        </p:par>
+                      </p:childTnLst>
+                    </p:cTn>
+                  </p:par>
+                  <p:par>
+                    <p:cTn id="29" fill="hold">
+                      <p:stCondLst>
+                        <p:cond delay="indefinite"/>
+                      </p:stCondLst>
+                      <p:childTnLst>
+                        <p:par>
+                          <p:cTn id="30" fill="hold">
+                            <p:stCondLst>
+                              <p:cond delay="0"/>
+                            </p:stCondLst>
+                            <p:childTnLst>
+                              <p:par>
+                                <p:cTn id="31" presetID="1" presetClass="entr" presetSubtype="0" fill="hold" grpId="0" nodeType="clickEffect">
+                                  <p:stCondLst>
+                                    <p:cond delay="0"/>
+                                  </p:stCondLst>
+                                  <p:childTnLst>
+                                    <p:set>
+                                      <p:cBhvr>
+                                        <p:cTn id="32" dur="1" fill="hold">
+                                          <p:stCondLst>
+                                            <p:cond delay="0"/>
+                                          </p:stCondLst>
+                                        </p:cTn>
+                                        <p:tgtEl>
+                                          <p:spTgt spid="27651">
+                                            <p:txEl>
+                                              <p:pRg st="8" end="8"/>
+                                            </p:txEl>
+                                          </p:spTgt>
+                                        </p:tgtEl>
+                                        <p:attrNameLst>
+                                          <p:attrName>style.visibility</p:attrName>
+                                        </p:attrNameLst>
+                                      </p:cBhvr>
+                                      <p:to>
+                                        <p:strVal val="visible"/>
+                                      </p:to>
+                                    </p:set>
+                                  </p:childTnLst>
+                                </p:cTn>
+                              </p:par>
+                            </p:childTnLst>
+                          </p:cTn>
+                        </p:par>
+                      </p:childTnLst>
+                    </p:cTn>
+                  </p:par>
+                </p:childTnLst>
+              </p:cTn>
+              <p:prevCondLst>
+                <p:cond evt="onPrev" delay="0">
+                  <p:tgtEl>
+                    <p:sldTgt/>
+                  </p:tgtEl>
+                </p:cond>
+              </p:prevCondLst>
+              <p:nextCondLst>
+                <p:cond evt="onNext" delay="0">
+                  <p:tgtEl>
+                    <p:sldTgt/>
+                  </p:tgtEl>
+                </p:cond>
+              </p:nextCondLst>
+            </p:seq>
+          </p:childTnLst>
+        </p:cTn>
+      </p:par>
+    </p:tnLst>
+    <p:bldLst>
+      <p:bldP spid="27651" grpId="0" build="p"/>
+    </p:bldLst>
+  </p:timing>
+</p:sld>
+</file>
+
+<file path=ppt/slides/slide7.xml><?xml version="1.0" encoding="utf-8"?>
+<p:sld xmlns:a="http://schemas.openxmlformats.org/drawingml/2006/main" xmlns:r="http://schemas.openxmlformats.org/officeDocument/2006/relationships" xmlns:p="http://schemas.openxmlformats.org/presentationml/2006/main">
+  <p:cSld>
+    <p:spTree>
+      <p:nvGrpSpPr>
+        <p:cNvPr id="1" name="">
+          <a:extLst>
+            <a:ext uri="{FF2B5EF4-FFF2-40B4-BE49-F238E27FC236}">
+              <a16:creationId xmlns:a16="http://schemas.microsoft.com/office/drawing/2014/main" id="{831B5A21-7824-71B4-CF0E-62542436BFE6}"/>
+            </a:ext>
+          </a:extLst>
+        </p:cNvPr>
+        <p:cNvGrpSpPr/>
+        <p:nvPr/>
+      </p:nvGrpSpPr>
+      <p:grpSpPr>
+        <a:xfrm>
+          <a:off x="0" y="0"/>
+          <a:ext cx="0" cy="0"/>
+          <a:chOff x="0" y="0"/>
+          <a:chExt cx="0" cy="0"/>
+        </a:xfrm>
+      </p:grpSpPr>
+      <p:sp>
+        <p:nvSpPr>
+          <p:cNvPr id="27650" name="Rectangle 2">
+            <a:extLst>
+              <a:ext uri="{FF2B5EF4-FFF2-40B4-BE49-F238E27FC236}">
+                <a16:creationId xmlns:a16="http://schemas.microsoft.com/office/drawing/2014/main" id="{807696E8-3E0A-1FBD-94F8-AA8023C766C2}"/>
+              </a:ext>
+            </a:extLst>
+          </p:cNvPr>
+          <p:cNvSpPr>
+            <a:spLocks noGrp="1" noChangeArrowheads="1"/>
+          </p:cNvSpPr>
+          <p:nvPr>
+            <p:ph type="title"/>
+          </p:nvPr>
+        </p:nvSpPr>
+        <p:spPr/>
+        <p:txBody>
+          <a:bodyPr/>
+          <a:lstStyle/>
+          <a:p>
+            <a:r>
+              <a:rPr lang="en-US" dirty="0"/>
+              <a:t>Tools and tips</a:t>
+            </a:r>
+          </a:p>
+        </p:txBody>
+      </p:sp>
+      <p:sp>
+        <p:nvSpPr>
+          <p:cNvPr id="27651" name="Rectangle 3">
+            <a:extLst>
+              <a:ext uri="{FF2B5EF4-FFF2-40B4-BE49-F238E27FC236}">
+                <a16:creationId xmlns:a16="http://schemas.microsoft.com/office/drawing/2014/main" id="{F1156010-7160-C094-0896-E1EB9426A0F5}"/>
+              </a:ext>
+            </a:extLst>
+          </p:cNvPr>
+          <p:cNvSpPr>
+            <a:spLocks noGrp="1" noChangeArrowheads="1"/>
+          </p:cNvSpPr>
+          <p:nvPr>
+            <p:ph type="body" idx="1"/>
+          </p:nvPr>
+        </p:nvSpPr>
+        <p:spPr>
+          <a:xfrm>
+            <a:off x="152400" y="1276350"/>
+            <a:ext cx="8534400" cy="3469207"/>
+          </a:xfrm>
+        </p:spPr>
+        <p:txBody>
+          <a:bodyPr>
+            <a:normAutofit/>
+          </a:bodyPr>
+          <a:lstStyle/>
+          <a:p>
+            <a:pPr>
+              <a:lnSpc>
+                <a:spcPct val="90000"/>
+              </a:lnSpc>
+            </a:pPr>
+            <a:r>
+              <a:rPr lang="en-US" sz="1800" dirty="0"/>
+              <a:t>If threads are using their own info only, that’s ideal</a:t>
+            </a:r>
+          </a:p>
+          <a:p>
+            <a:pPr lvl="1">
+              <a:lnSpc>
+                <a:spcPct val="90000"/>
+              </a:lnSpc>
+            </a:pPr>
+            <a:r>
+              <a:rPr lang="en-US" sz="1600" dirty="0"/>
+              <a:t>5 soft body objects, spawn a thread to do the </a:t>
+            </a:r>
+            <a:r>
+              <a:rPr lang="en-US" sz="1600" dirty="0" err="1"/>
+              <a:t>Verlet</a:t>
+            </a:r>
+            <a:r>
+              <a:rPr lang="en-US" sz="1600" dirty="0"/>
+              <a:t> integration for each object</a:t>
+            </a:r>
+          </a:p>
+          <a:p>
+            <a:pPr lvl="1">
+              <a:lnSpc>
+                <a:spcPct val="90000"/>
+              </a:lnSpc>
+            </a:pPr>
+            <a:r>
+              <a:rPr lang="en-US" sz="1600" dirty="0"/>
+              <a:t>Each thread only “touches” its own data</a:t>
+            </a:r>
+          </a:p>
+          <a:p>
+            <a:pPr>
+              <a:lnSpc>
+                <a:spcPct val="90000"/>
+              </a:lnSpc>
+            </a:pPr>
+            <a:r>
+              <a:rPr lang="en-US" sz="1800" dirty="0"/>
+              <a:t>If the threads are READING (read only) the data, then outputting their own results</a:t>
+            </a:r>
+          </a:p>
+          <a:p>
+            <a:pPr>
+              <a:lnSpc>
+                <a:spcPct val="90000"/>
+              </a:lnSpc>
+            </a:pPr>
+            <a:r>
+              <a:rPr lang="en-US" sz="1800" dirty="0"/>
+              <a:t>We can “lock” whole parts of data (variables, containers (vector, etc.)) using:</a:t>
+            </a:r>
+          </a:p>
+          <a:p>
+            <a:pPr lvl="1">
+              <a:lnSpc>
+                <a:spcPct val="90000"/>
+              </a:lnSpc>
+            </a:pPr>
+            <a:r>
+              <a:rPr lang="en-US" sz="1400" dirty="0"/>
+              <a:t>Heavy like: semaphores, mutex, etc.</a:t>
+            </a:r>
+          </a:p>
+          <a:p>
+            <a:pPr lvl="1">
+              <a:lnSpc>
+                <a:spcPct val="90000"/>
+              </a:lnSpc>
+            </a:pPr>
+            <a:r>
+              <a:rPr lang="en-US" sz="1400" dirty="0"/>
+              <a:t>Critical Sections</a:t>
+            </a:r>
+          </a:p>
+          <a:p>
+            <a:pPr lvl="1">
+              <a:lnSpc>
+                <a:spcPct val="90000"/>
+              </a:lnSpc>
+            </a:pPr>
+            <a:r>
+              <a:rPr lang="en-US" sz="1400" dirty="0"/>
+              <a:t>Something small like an int, then </a:t>
+            </a:r>
+            <a:r>
+              <a:rPr lang="en-US" sz="1400" dirty="0" err="1"/>
+              <a:t>InterlockedExchange</a:t>
+            </a:r>
+            <a:r>
+              <a:rPr lang="en-US" sz="1400" dirty="0"/>
+              <a:t> (‘atomic’) instructions are an option</a:t>
+            </a:r>
+          </a:p>
+          <a:p>
+            <a:pPr>
+              <a:lnSpc>
+                <a:spcPct val="90000"/>
+              </a:lnSpc>
+            </a:pPr>
+            <a:r>
+              <a:rPr lang="en-US" sz="1800" dirty="0"/>
+              <a:t>Using a combo of this where things are “buffered” </a:t>
+            </a:r>
+          </a:p>
+          <a:p>
+            <a:pPr lvl="1">
+              <a:lnSpc>
+                <a:spcPct val="90000"/>
+              </a:lnSpc>
+            </a:pPr>
+            <a:r>
+              <a:rPr lang="en-US" sz="1400" dirty="0"/>
+              <a:t>One thread is writing to a buffer (its “write buffer”) while another is reading from a separate (often “slightly older data” buffer), then we swap them out.</a:t>
+            </a:r>
+          </a:p>
+          <a:p>
+            <a:pPr>
+              <a:lnSpc>
+                <a:spcPct val="90000"/>
+              </a:lnSpc>
+            </a:pPr>
+            <a:endParaRPr lang="en-US" sz="2000" dirty="0"/>
+          </a:p>
+        </p:txBody>
+      </p:sp>
+    </p:spTree>
+    <p:extLst>
+      <p:ext uri="{BB962C8B-B14F-4D97-AF65-F5344CB8AC3E}">
+        <p14:creationId xmlns:p14="http://schemas.microsoft.com/office/powerpoint/2010/main" val="498129078"/>
+      </p:ext>
+    </p:extLst>
+  </p:cSld>
+  <p:clrMapOvr>
+    <a:masterClrMapping/>
+  </p:clrMapOvr>
+  <p:timing>
+    <p:tnLst>
+      <p:par>
+        <p:cTn id="1" dur="indefinite" restart="never" nodeType="tmRoot">
+          <p:childTnLst>
+            <p:seq concurrent="1" nextAc="seek">
+              <p:cTn id="2" dur="indefinite" nodeType="mainSeq">
+                <p:childTnLst>
+                  <p:par>
+                    <p:cTn id="3" fill="hold">
+                      <p:stCondLst>
+                        <p:cond delay="indefinite"/>
+                      </p:stCondLst>
+                      <p:childTnLst>
+                        <p:par>
+                          <p:cTn id="4" fill="hold">
+                            <p:stCondLst>
+                              <p:cond delay="0"/>
+                            </p:stCondLst>
+                            <p:childTnLst>
+                              <p:par>
+                                <p:cTn id="5" presetID="1" presetClass="entr" presetSubtype="0" fill="hold" grpId="0" nodeType="clickEffect">
+                                  <p:stCondLst>
+                                    <p:cond delay="0"/>
+                                  </p:stCondLst>
+                                  <p:childTnLst>
+                                    <p:set>
+                                      <p:cBhvr>
+                                        <p:cTn id="6" dur="1" fill="hold">
+                                          <p:stCondLst>
+                                            <p:cond delay="0"/>
+                                          </p:stCondLst>
+                                        </p:cTn>
+                                        <p:tgtEl>
+                                          <p:spTgt spid="27651">
+                                            <p:txEl>
+                                              <p:pRg st="0" end="0"/>
+                                            </p:txEl>
+                                          </p:spTgt>
+                                        </p:tgtEl>
+                                        <p:attrNameLst>
+                                          <p:attrName>style.visibility</p:attrName>
+                                        </p:attrNameLst>
+                                      </p:cBhvr>
+                                      <p:to>
+                                        <p:strVal val="visible"/>
+                                      </p:to>
+                                    </p:set>
+                                  </p:childTnLst>
+                                </p:cTn>
+                              </p:par>
+                              <p:par>
+                                <p:cTn id="7" presetID="1" presetClass="entr" presetSubtype="0" fill="hold" grpId="0" nodeType="withEffect">
+                                  <p:stCondLst>
+                                    <p:cond delay="0"/>
+                                  </p:stCondLst>
+                                  <p:childTnLst>
+                                    <p:set>
+                                      <p:cBhvr>
+                                        <p:cTn id="8" dur="1" fill="hold">
+                                          <p:stCondLst>
+                                            <p:cond delay="0"/>
+                                          </p:stCondLst>
+                                        </p:cTn>
+                                        <p:tgtEl>
+                                          <p:spTgt spid="27651">
+                                            <p:txEl>
+                                              <p:pRg st="1" end="1"/>
+                                            </p:txEl>
+                                          </p:spTgt>
+                                        </p:tgtEl>
+                                        <p:attrNameLst>
+                                          <p:attrName>style.visibility</p:attrName>
+                                        </p:attrNameLst>
+                                      </p:cBhvr>
+                                      <p:to>
+                                        <p:strVal val="visible"/>
+                                      </p:to>
+                                    </p:set>
+                                  </p:childTnLst>
+                                </p:cTn>
+                              </p:par>
+                              <p:par>
+                                <p:cTn id="9" presetID="1" presetClass="entr" presetSubtype="0" fill="hold" grpId="0" nodeType="withEffect">
+                                  <p:stCondLst>
+                                    <p:cond delay="0"/>
+                                  </p:stCondLst>
+                                  <p:childTnLst>
+                                    <p:set>
+                                      <p:cBhvr>
+                                        <p:cTn id="10" dur="1" fill="hold">
+                                          <p:stCondLst>
+                                            <p:cond delay="0"/>
+                                          </p:stCondLst>
+                                        </p:cTn>
+                                        <p:tgtEl>
+                                          <p:spTgt spid="27651">
+                                            <p:txEl>
+                                              <p:pRg st="2" end="2"/>
+                                            </p:txEl>
+                                          </p:spTgt>
+                                        </p:tgtEl>
+                                        <p:attrNameLst>
+                                          <p:attrName>style.visibility</p:attrName>
+                                        </p:attrNameLst>
+                                      </p:cBhvr>
+                                      <p:to>
+                                        <p:strVal val="visible"/>
+                                      </p:to>
+                                    </p:set>
+                                  </p:childTnLst>
+                                </p:cTn>
+                              </p:par>
+                            </p:childTnLst>
+                          </p:cTn>
+                        </p:par>
+                      </p:childTnLst>
+                    </p:cTn>
+                  </p:par>
+                  <p:par>
+                    <p:cTn id="11" fill="hold">
+                      <p:stCondLst>
+                        <p:cond delay="indefinite"/>
+                      </p:stCondLst>
+                      <p:childTnLst>
+                        <p:par>
+                          <p:cTn id="12" fill="hold">
+                            <p:stCondLst>
+                              <p:cond delay="0"/>
+                            </p:stCondLst>
+                            <p:childTnLst>
+                              <p:par>
+                                <p:cTn id="13" presetID="1" presetClass="entr" presetSubtype="0" fill="hold" grpId="0" nodeType="clickEffect">
+                                  <p:stCondLst>
+                                    <p:cond delay="0"/>
+                                  </p:stCondLst>
+                                  <p:childTnLst>
+                                    <p:set>
+                                      <p:cBhvr>
+                                        <p:cTn id="14" dur="1" fill="hold">
+                                          <p:stCondLst>
+                                            <p:cond delay="0"/>
+                                          </p:stCondLst>
+                                        </p:cTn>
+                                        <p:tgtEl>
+                                          <p:spTgt spid="27651">
+                                            <p:txEl>
+                                              <p:pRg st="3" end="3"/>
+                                            </p:txEl>
+                                          </p:spTgt>
+                                        </p:tgtEl>
+                                        <p:attrNameLst>
+                                          <p:attrName>style.visibility</p:attrName>
+                                        </p:attrNameLst>
+                                      </p:cBhvr>
+                                      <p:to>
+                                        <p:strVal val="visible"/>
+                                      </p:to>
+                                    </p:set>
+                                  </p:childTnLst>
+                                </p:cTn>
+                              </p:par>
+                            </p:childTnLst>
+                          </p:cTn>
+                        </p:par>
+                      </p:childTnLst>
+                    </p:cTn>
+                  </p:par>
+                  <p:par>
+                    <p:cTn id="15" fill="hold">
+                      <p:stCondLst>
+                        <p:cond delay="indefinite"/>
+                      </p:stCondLst>
+                      <p:childTnLst>
+                        <p:par>
+                          <p:cTn id="16" fill="hold">
+                            <p:stCondLst>
+                              <p:cond delay="0"/>
+                            </p:stCondLst>
+                            <p:childTnLst>
+                              <p:par>
+                                <p:cTn id="17" presetID="1" presetClass="entr" presetSubtype="0" fill="hold" grpId="0" nodeType="clickEffect">
+                                  <p:stCondLst>
+                                    <p:cond delay="0"/>
+                                  </p:stCondLst>
+                                  <p:childTnLst>
+                                    <p:set>
+                                      <p:cBhvr>
+                                        <p:cTn id="18" dur="1" fill="hold">
+                                          <p:stCondLst>
+                                            <p:cond delay="0"/>
+                                          </p:stCondLst>
+                                        </p:cTn>
+                                        <p:tgtEl>
+                                          <p:spTgt spid="27651">
+                                            <p:txEl>
+                                              <p:pRg st="4" end="4"/>
+                                            </p:txEl>
+                                          </p:spTgt>
+                                        </p:tgtEl>
+                                        <p:attrNameLst>
+                                          <p:attrName>style.visibility</p:attrName>
+                                        </p:attrNameLst>
+                                      </p:cBhvr>
+                                      <p:to>
+                                        <p:strVal val="visible"/>
+                                      </p:to>
+                                    </p:set>
+                                  </p:childTnLst>
+                                </p:cTn>
+                              </p:par>
+                              <p:par>
+                                <p:cTn id="19" presetID="1" presetClass="entr" presetSubtype="0" fill="hold" grpId="0" nodeType="withEffect">
+                                  <p:stCondLst>
+                                    <p:cond delay="0"/>
+                                  </p:stCondLst>
+                                  <p:childTnLst>
+                                    <p:set>
+                                      <p:cBhvr>
+                                        <p:cTn id="20" dur="1" fill="hold">
+                                          <p:stCondLst>
+                                            <p:cond delay="0"/>
+                                          </p:stCondLst>
+                                        </p:cTn>
+                                        <p:tgtEl>
+                                          <p:spTgt spid="27651">
+                                            <p:txEl>
+                                              <p:pRg st="5" end="5"/>
+                                            </p:txEl>
+                                          </p:spTgt>
+                                        </p:tgtEl>
+                                        <p:attrNameLst>
+                                          <p:attrName>style.visibility</p:attrName>
+                                        </p:attrNameLst>
+                                      </p:cBhvr>
+                                      <p:to>
+                                        <p:strVal val="visible"/>
+                                      </p:to>
+                                    </p:set>
+                                  </p:childTnLst>
+                                </p:cTn>
+                              </p:par>
+                              <p:par>
+                                <p:cTn id="21" presetID="1" presetClass="entr" presetSubtype="0" fill="hold" grpId="0" nodeType="withEffect">
+                                  <p:stCondLst>
+                                    <p:cond delay="0"/>
+                                  </p:stCondLst>
+                                  <p:childTnLst>
+                                    <p:set>
+                                      <p:cBhvr>
+                                        <p:cTn id="22" dur="1" fill="hold">
+                                          <p:stCondLst>
+                                            <p:cond delay="0"/>
+                                          </p:stCondLst>
+                                        </p:cTn>
+                                        <p:tgtEl>
+                                          <p:spTgt spid="27651">
+                                            <p:txEl>
+                                              <p:pRg st="6" end="6"/>
+                                            </p:txEl>
+                                          </p:spTgt>
+                                        </p:tgtEl>
+                                        <p:attrNameLst>
+                                          <p:attrName>style.visibility</p:attrName>
+                                        </p:attrNameLst>
+                                      </p:cBhvr>
+                                      <p:to>
+                                        <p:strVal val="visible"/>
+                                      </p:to>
+                                    </p:set>
+                                  </p:childTnLst>
+                                </p:cTn>
+                              </p:par>
+                              <p:par>
+                                <p:cTn id="23" presetID="1" presetClass="entr" presetSubtype="0" fill="hold" grpId="0" nodeType="withEffect">
+                                  <p:stCondLst>
+                                    <p:cond delay="0"/>
+                                  </p:stCondLst>
+                                  <p:childTnLst>
+                                    <p:set>
+                                      <p:cBhvr>
+                                        <p:cTn id="24" dur="1" fill="hold">
+                                          <p:stCondLst>
+                                            <p:cond delay="0"/>
+                                          </p:stCondLst>
+                                        </p:cTn>
+                                        <p:tgtEl>
+                                          <p:spTgt spid="27651">
+                                            <p:txEl>
+                                              <p:pRg st="7" end="7"/>
+                                            </p:txEl>
+                                          </p:spTgt>
+                                        </p:tgtEl>
+                                        <p:attrNameLst>
+                                          <p:attrName>style.visibility</p:attrName>
+                                        </p:attrNameLst>
+                                      </p:cBhvr>
+                                      <p:to>
+                                        <p:strVal val="visible"/>
+                                      </p:to>
+                                    </p:set>
+                                  </p:childTnLst>
+                                </p:cTn>
+                              </p:par>
+                            </p:childTnLst>
+                          </p:cTn>
+                        </p:par>
+                      </p:childTnLst>
+                    </p:cTn>
+                  </p:par>
+                  <p:par>
+                    <p:cTn id="25" fill="hold">
+                      <p:stCondLst>
+                        <p:cond delay="indefinite"/>
+                      </p:stCondLst>
+                      <p:childTnLst>
+                        <p:par>
+                          <p:cTn id="26" fill="hold">
+                            <p:stCondLst>
+                              <p:cond delay="0"/>
+                            </p:stCondLst>
+                            <p:childTnLst>
+                              <p:par>
+                                <p:cTn id="27" presetID="1" presetClass="entr" presetSubtype="0" fill="hold" grpId="0" nodeType="clickEffect">
+                                  <p:stCondLst>
+                                    <p:cond delay="0"/>
+                                  </p:stCondLst>
+                                  <p:childTnLst>
+                                    <p:set>
+                                      <p:cBhvr>
+                                        <p:cTn id="28" dur="1" fill="hold">
+                                          <p:stCondLst>
+                                            <p:cond delay="0"/>
+                                          </p:stCondLst>
+                                        </p:cTn>
+                                        <p:tgtEl>
+                                          <p:spTgt spid="27651">
+                                            <p:txEl>
+                                              <p:pRg st="8" end="8"/>
+                                            </p:txEl>
+                                          </p:spTgt>
+                                        </p:tgtEl>
+                                        <p:attrNameLst>
+                                          <p:attrName>style.visibility</p:attrName>
+                                        </p:attrNameLst>
+                                      </p:cBhvr>
+                                      <p:to>
+                                        <p:strVal val="visible"/>
+                                      </p:to>
+                                    </p:set>
+                                  </p:childTnLst>
+                                </p:cTn>
+                              </p:par>
+                              <p:par>
+                                <p:cTn id="29" presetID="1" presetClass="entr" presetSubtype="0" fill="hold" grpId="0" nodeType="withEffect">
+                                  <p:stCondLst>
+                                    <p:cond delay="0"/>
+                                  </p:stCondLst>
+                                  <p:childTnLst>
+                                    <p:set>
+                                      <p:cBhvr>
+                                        <p:cTn id="30" dur="1" fill="hold">
+                                          <p:stCondLst>
+                                            <p:cond delay="0"/>
+                                          </p:stCondLst>
+                                        </p:cTn>
+                                        <p:tgtEl>
+                                          <p:spTgt spid="27651">
+                                            <p:txEl>
+                                              <p:pRg st="9" end="9"/>
+                                            </p:txEl>
+                                          </p:spTgt>
+                                        </p:tgtEl>
+                                        <p:attrNameLst>
+                                          <p:attrName>style.visibility</p:attrName>
+                                        </p:attrNameLst>
+                                      </p:cBhvr>
+                                      <p:to>
+                                        <p:strVal val="visible"/>
+                                      </p:to>
+                                    </p:set>
+                                  </p:childTnLst>
+                                </p:cTn>
+                              </p:par>
+                            </p:childTnLst>
+                          </p:cTn>
+                        </p:par>
+                      </p:childTnLst>
+                    </p:cTn>
+                  </p:par>
+                </p:childTnLst>
+              </p:cTn>
+              <p:prevCondLst>
+                <p:cond evt="onPrev" delay="0">
+                  <p:tgtEl>
+                    <p:sldTgt/>
+                  </p:tgtEl>
+                </p:cond>
+              </p:prevCondLst>
+              <p:nextCondLst>
+                <p:cond evt="onNext" delay="0">
+                  <p:tgtEl>
+                    <p:sldTgt/>
+                  </p:tgtEl>
+                </p:cond>
+              </p:nextCondLst>
+            </p:seq>
+          </p:childTnLst>
+        </p:cTn>
+      </p:par>
+    </p:tnLst>
+    <p:bldLst>
+      <p:bldP spid="27651" grpId="0" build="p"/>
+    </p:bldLst>
+  </p:timing>
+</p:sld>
+</file>
+
+<file path=ppt/slides/slide8.xml><?xml version="1.0" encoding="utf-8"?>
 <p:sld xmlns:a="http://schemas.openxmlformats.org/drawingml/2006/main" xmlns:r="http://schemas.openxmlformats.org/officeDocument/2006/relationships" xmlns:p="http://schemas.openxmlformats.org/presentationml/2006/main">
   <p:cSld>
     <p:spTree>

--- a/6023_Algor_Gems_(2025)/Day2Day/W04 (threading)/6023_W04_Threading_Notes.pptx
+++ b/6023_Algor_Gems_(2025)/Day2Day/W04 (threading)/6023_W04_Threading_Notes.pptx
@@ -5,7 +5,7 @@
     <p:sldMasterId id="2147483756" r:id="rId1"/>
   </p:sldMasterIdLst>
   <p:notesMasterIdLst>
-    <p:notesMasterId r:id="rId10"/>
+    <p:notesMasterId r:id="rId11"/>
   </p:notesMasterIdLst>
   <p:sldIdLst>
     <p:sldId id="256" r:id="rId2"/>
@@ -13,9 +13,10 @@
     <p:sldId id="468" r:id="rId4"/>
     <p:sldId id="469" r:id="rId5"/>
     <p:sldId id="466" r:id="rId6"/>
-    <p:sldId id="463" r:id="rId7"/>
-    <p:sldId id="464" r:id="rId8"/>
-    <p:sldId id="465" r:id="rId9"/>
+    <p:sldId id="470" r:id="rId7"/>
+    <p:sldId id="463" r:id="rId8"/>
+    <p:sldId id="464" r:id="rId9"/>
+    <p:sldId id="465" r:id="rId10"/>
   </p:sldIdLst>
   <p:sldSz cx="9144000" cy="5143500" type="screen16x9"/>
   <p:notesSz cx="6858000" cy="9144000"/>
@@ -6060,6 +6061,674 @@
   <p:cSld>
     <p:spTree>
       <p:nvGrpSpPr>
+        <p:cNvPr id="1" name="">
+          <a:extLst>
+            <a:ext uri="{FF2B5EF4-FFF2-40B4-BE49-F238E27FC236}">
+              <a16:creationId xmlns:a16="http://schemas.microsoft.com/office/drawing/2014/main" id="{F9376AE5-21F3-9032-4AA5-A58B5EFCA0FC}"/>
+            </a:ext>
+          </a:extLst>
+        </p:cNvPr>
+        <p:cNvGrpSpPr/>
+        <p:nvPr/>
+      </p:nvGrpSpPr>
+      <p:grpSpPr>
+        <a:xfrm>
+          <a:off x="0" y="0"/>
+          <a:ext cx="0" cy="0"/>
+          <a:chOff x="0" y="0"/>
+          <a:chExt cx="0" cy="0"/>
+        </a:xfrm>
+      </p:grpSpPr>
+      <p:sp>
+        <p:nvSpPr>
+          <p:cNvPr id="27650" name="Rectangle 2">
+            <a:extLst>
+              <a:ext uri="{FF2B5EF4-FFF2-40B4-BE49-F238E27FC236}">
+                <a16:creationId xmlns:a16="http://schemas.microsoft.com/office/drawing/2014/main" id="{216D3704-76B4-07A5-3300-A0DD49EB37F8}"/>
+              </a:ext>
+            </a:extLst>
+          </p:cNvPr>
+          <p:cNvSpPr>
+            <a:spLocks noGrp="1" noChangeArrowheads="1"/>
+          </p:cNvSpPr>
+          <p:nvPr>
+            <p:ph type="title"/>
+          </p:nvPr>
+        </p:nvSpPr>
+        <p:spPr/>
+        <p:txBody>
+          <a:bodyPr/>
+          <a:lstStyle/>
+          <a:p>
+            <a:r>
+              <a:rPr lang="en-US" dirty="0"/>
+              <a:t>Tools and tips</a:t>
+            </a:r>
+          </a:p>
+        </p:txBody>
+      </p:sp>
+      <p:sp>
+        <p:nvSpPr>
+          <p:cNvPr id="27651" name="Rectangle 3">
+            <a:extLst>
+              <a:ext uri="{FF2B5EF4-FFF2-40B4-BE49-F238E27FC236}">
+                <a16:creationId xmlns:a16="http://schemas.microsoft.com/office/drawing/2014/main" id="{1CBB98D1-5AB7-DE5D-890D-8E54777A870D}"/>
+              </a:ext>
+            </a:extLst>
+          </p:cNvPr>
+          <p:cNvSpPr>
+            <a:spLocks noGrp="1" noChangeArrowheads="1"/>
+          </p:cNvSpPr>
+          <p:nvPr>
+            <p:ph type="body" idx="1"/>
+          </p:nvPr>
+        </p:nvSpPr>
+        <p:spPr>
+          <a:xfrm>
+            <a:off x="152400" y="1276350"/>
+            <a:ext cx="8534400" cy="3469207"/>
+          </a:xfrm>
+        </p:spPr>
+        <p:txBody>
+          <a:bodyPr>
+            <a:normAutofit/>
+          </a:bodyPr>
+          <a:lstStyle/>
+          <a:p>
+            <a:pPr>
+              <a:lnSpc>
+                <a:spcPct val="90000"/>
+              </a:lnSpc>
+            </a:pPr>
+            <a:r>
+              <a:rPr lang="en-US" sz="1800" dirty="0"/>
+              <a:t>Each thread runs a function: have to have a function (C++ similar, but a method)</a:t>
+            </a:r>
+          </a:p>
+          <a:p>
+            <a:pPr>
+              <a:lnSpc>
+                <a:spcPct val="90000"/>
+              </a:lnSpc>
+            </a:pPr>
+            <a:r>
+              <a:rPr lang="en-US" sz="1800" dirty="0"/>
+              <a:t>Think about a non-threaded approach where you do your “work” inside a function, THEN think about threading it.</a:t>
+            </a:r>
+          </a:p>
+          <a:p>
+            <a:pPr>
+              <a:lnSpc>
+                <a:spcPct val="90000"/>
+              </a:lnSpc>
+            </a:pPr>
+            <a:r>
+              <a:rPr lang="en-US" sz="1800" dirty="0"/>
+              <a:t>With locks (Critical sections, interlocked exchange, mutex, etc.): </a:t>
+            </a:r>
+          </a:p>
+          <a:p>
+            <a:pPr lvl="1">
+              <a:lnSpc>
+                <a:spcPct val="90000"/>
+              </a:lnSpc>
+            </a:pPr>
+            <a:r>
+              <a:rPr lang="en-US" sz="1600" dirty="0">
+                <a:highlight>
+                  <a:srgbClr val="FFFF00"/>
+                </a:highlight>
+              </a:rPr>
+              <a:t>Think about the DATA you are protecting, NOT the code you are running</a:t>
+            </a:r>
+          </a:p>
+          <a:p>
+            <a:pPr>
+              <a:lnSpc>
+                <a:spcPct val="90000"/>
+              </a:lnSpc>
+            </a:pPr>
+            <a:r>
+              <a:rPr lang="en-US" sz="2000" dirty="0"/>
+              <a:t>To isolate data, you can:</a:t>
+            </a:r>
+          </a:p>
+          <a:p>
+            <a:pPr lvl="1">
+              <a:lnSpc>
+                <a:spcPct val="90000"/>
+              </a:lnSpc>
+            </a:pPr>
+            <a:r>
+              <a:rPr lang="en-US" sz="1600" dirty="0"/>
+              <a:t>Surround the data with a lock (see above)</a:t>
+            </a:r>
+          </a:p>
+          <a:p>
+            <a:pPr lvl="1">
+              <a:lnSpc>
+                <a:spcPct val="90000"/>
+              </a:lnSpc>
+            </a:pPr>
+            <a:r>
+              <a:rPr lang="en-US" sz="1600" dirty="0"/>
+              <a:t>“Buffer” the data: one is only reading, while one is writing</a:t>
+            </a:r>
+          </a:p>
+          <a:p>
+            <a:pPr lvl="2">
+              <a:lnSpc>
+                <a:spcPct val="90000"/>
+              </a:lnSpc>
+            </a:pPr>
+            <a:r>
+              <a:rPr lang="en-US" sz="1400" dirty="0"/>
+              <a:t>Maybe switch these buffers when done</a:t>
+            </a:r>
+          </a:p>
+          <a:p>
+            <a:pPr>
+              <a:lnSpc>
+                <a:spcPct val="90000"/>
+              </a:lnSpc>
+            </a:pPr>
+            <a:r>
+              <a:rPr lang="en-US" sz="2000" dirty="0"/>
+              <a:t>Be “in and out” as fast as possible, ideally not needing any sort of locking</a:t>
+            </a:r>
+          </a:p>
+          <a:p>
+            <a:pPr>
+              <a:lnSpc>
+                <a:spcPct val="90000"/>
+              </a:lnSpc>
+            </a:pPr>
+            <a:r>
+              <a:rPr lang="en-US" sz="2000" dirty="0"/>
+              <a:t>Multithreading the Entire Destiny Engine: h</a:t>
+            </a:r>
+            <a:r>
+              <a:rPr lang="en-US" sz="2000" dirty="0">
+                <a:hlinkClick r:id="rId2"/>
+              </a:rPr>
+              <a:t>ttps://www.youtube.com/watch?v=v2Q_zHG3vqg&amp;ab_channel=GDC</a:t>
+            </a:r>
+            <a:r>
+              <a:rPr lang="en-US" sz="2000" dirty="0"/>
+              <a:t> </a:t>
+            </a:r>
+          </a:p>
+        </p:txBody>
+      </p:sp>
+    </p:spTree>
+    <p:extLst>
+      <p:ext uri="{BB962C8B-B14F-4D97-AF65-F5344CB8AC3E}">
+        <p14:creationId xmlns:p14="http://schemas.microsoft.com/office/powerpoint/2010/main" val="1238541566"/>
+      </p:ext>
+    </p:extLst>
+  </p:cSld>
+  <p:clrMapOvr>
+    <a:masterClrMapping/>
+  </p:clrMapOvr>
+  <p:timing>
+    <p:tnLst>
+      <p:par>
+        <p:cTn id="1" dur="indefinite" restart="never" nodeType="tmRoot">
+          <p:childTnLst>
+            <p:seq concurrent="1" nextAc="seek">
+              <p:cTn id="2" dur="indefinite" nodeType="mainSeq">
+                <p:childTnLst>
+                  <p:par>
+                    <p:cTn id="3" fill="hold">
+                      <p:stCondLst>
+                        <p:cond delay="indefinite"/>
+                      </p:stCondLst>
+                      <p:childTnLst>
+                        <p:par>
+                          <p:cTn id="4" fill="hold">
+                            <p:stCondLst>
+                              <p:cond delay="0"/>
+                            </p:stCondLst>
+                            <p:childTnLst>
+                              <p:par>
+                                <p:cTn id="5" presetID="1" presetClass="entr" presetSubtype="0" fill="hold" grpId="0" nodeType="clickEffect">
+                                  <p:stCondLst>
+                                    <p:cond delay="0"/>
+                                  </p:stCondLst>
+                                  <p:childTnLst>
+                                    <p:set>
+                                      <p:cBhvr>
+                                        <p:cTn id="6" dur="1" fill="hold">
+                                          <p:stCondLst>
+                                            <p:cond delay="0"/>
+                                          </p:stCondLst>
+                                        </p:cTn>
+                                        <p:tgtEl>
+                                          <p:spTgt spid="27651">
+                                            <p:txEl>
+                                              <p:pRg st="0" end="0"/>
+                                            </p:txEl>
+                                          </p:spTgt>
+                                        </p:tgtEl>
+                                        <p:attrNameLst>
+                                          <p:attrName>style.visibility</p:attrName>
+                                        </p:attrNameLst>
+                                      </p:cBhvr>
+                                      <p:to>
+                                        <p:strVal val="visible"/>
+                                      </p:to>
+                                    </p:set>
+                                  </p:childTnLst>
+                                </p:cTn>
+                              </p:par>
+                            </p:childTnLst>
+                          </p:cTn>
+                        </p:par>
+                      </p:childTnLst>
+                    </p:cTn>
+                  </p:par>
+                  <p:par>
+                    <p:cTn id="7" fill="hold">
+                      <p:stCondLst>
+                        <p:cond delay="indefinite"/>
+                      </p:stCondLst>
+                      <p:childTnLst>
+                        <p:par>
+                          <p:cTn id="8" fill="hold">
+                            <p:stCondLst>
+                              <p:cond delay="0"/>
+                            </p:stCondLst>
+                            <p:childTnLst>
+                              <p:par>
+                                <p:cTn id="9" presetID="1" presetClass="entr" presetSubtype="0" fill="hold" grpId="0" nodeType="clickEffect">
+                                  <p:stCondLst>
+                                    <p:cond delay="0"/>
+                                  </p:stCondLst>
+                                  <p:childTnLst>
+                                    <p:set>
+                                      <p:cBhvr>
+                                        <p:cTn id="10" dur="1" fill="hold">
+                                          <p:stCondLst>
+                                            <p:cond delay="0"/>
+                                          </p:stCondLst>
+                                        </p:cTn>
+                                        <p:tgtEl>
+                                          <p:spTgt spid="27651">
+                                            <p:txEl>
+                                              <p:pRg st="1" end="1"/>
+                                            </p:txEl>
+                                          </p:spTgt>
+                                        </p:tgtEl>
+                                        <p:attrNameLst>
+                                          <p:attrName>style.visibility</p:attrName>
+                                        </p:attrNameLst>
+                                      </p:cBhvr>
+                                      <p:to>
+                                        <p:strVal val="visible"/>
+                                      </p:to>
+                                    </p:set>
+                                  </p:childTnLst>
+                                </p:cTn>
+                              </p:par>
+                            </p:childTnLst>
+                          </p:cTn>
+                        </p:par>
+                      </p:childTnLst>
+                    </p:cTn>
+                  </p:par>
+                  <p:par>
+                    <p:cTn id="11" fill="hold">
+                      <p:stCondLst>
+                        <p:cond delay="indefinite"/>
+                      </p:stCondLst>
+                      <p:childTnLst>
+                        <p:par>
+                          <p:cTn id="12" fill="hold">
+                            <p:stCondLst>
+                              <p:cond delay="0"/>
+                            </p:stCondLst>
+                            <p:childTnLst>
+                              <p:par>
+                                <p:cTn id="13" presetID="1" presetClass="entr" presetSubtype="0" fill="hold" grpId="0" nodeType="clickEffect">
+                                  <p:stCondLst>
+                                    <p:cond delay="0"/>
+                                  </p:stCondLst>
+                                  <p:childTnLst>
+                                    <p:set>
+                                      <p:cBhvr>
+                                        <p:cTn id="14" dur="1" fill="hold">
+                                          <p:stCondLst>
+                                            <p:cond delay="0"/>
+                                          </p:stCondLst>
+                                        </p:cTn>
+                                        <p:tgtEl>
+                                          <p:spTgt spid="27651">
+                                            <p:txEl>
+                                              <p:pRg st="2" end="2"/>
+                                            </p:txEl>
+                                          </p:spTgt>
+                                        </p:tgtEl>
+                                        <p:attrNameLst>
+                                          <p:attrName>style.visibility</p:attrName>
+                                        </p:attrNameLst>
+                                      </p:cBhvr>
+                                      <p:to>
+                                        <p:strVal val="visible"/>
+                                      </p:to>
+                                    </p:set>
+                                  </p:childTnLst>
+                                </p:cTn>
+                              </p:par>
+                              <p:par>
+                                <p:cTn id="15" presetID="1" presetClass="entr" presetSubtype="0" fill="hold" grpId="0" nodeType="withEffect">
+                                  <p:stCondLst>
+                                    <p:cond delay="0"/>
+                                  </p:stCondLst>
+                                  <p:childTnLst>
+                                    <p:set>
+                                      <p:cBhvr>
+                                        <p:cTn id="16" dur="1" fill="hold">
+                                          <p:stCondLst>
+                                            <p:cond delay="0"/>
+                                          </p:stCondLst>
+                                        </p:cTn>
+                                        <p:tgtEl>
+                                          <p:spTgt spid="27651">
+                                            <p:txEl>
+                                              <p:pRg st="3" end="3"/>
+                                            </p:txEl>
+                                          </p:spTgt>
+                                        </p:tgtEl>
+                                        <p:attrNameLst>
+                                          <p:attrName>style.visibility</p:attrName>
+                                        </p:attrNameLst>
+                                      </p:cBhvr>
+                                      <p:to>
+                                        <p:strVal val="visible"/>
+                                      </p:to>
+                                    </p:set>
+                                  </p:childTnLst>
+                                </p:cTn>
+                              </p:par>
+                            </p:childTnLst>
+                          </p:cTn>
+                        </p:par>
+                      </p:childTnLst>
+                    </p:cTn>
+                  </p:par>
+                  <p:par>
+                    <p:cTn id="17" fill="hold">
+                      <p:stCondLst>
+                        <p:cond delay="indefinite"/>
+                      </p:stCondLst>
+                      <p:childTnLst>
+                        <p:par>
+                          <p:cTn id="18" fill="hold">
+                            <p:stCondLst>
+                              <p:cond delay="0"/>
+                            </p:stCondLst>
+                            <p:childTnLst>
+                              <p:par>
+                                <p:cTn id="19" presetID="1" presetClass="entr" presetSubtype="0" fill="hold" grpId="0" nodeType="clickEffect">
+                                  <p:stCondLst>
+                                    <p:cond delay="0"/>
+                                  </p:stCondLst>
+                                  <p:childTnLst>
+                                    <p:set>
+                                      <p:cBhvr>
+                                        <p:cTn id="20" dur="1" fill="hold">
+                                          <p:stCondLst>
+                                            <p:cond delay="0"/>
+                                          </p:stCondLst>
+                                        </p:cTn>
+                                        <p:tgtEl>
+                                          <p:spTgt spid="27651">
+                                            <p:txEl>
+                                              <p:pRg st="4" end="4"/>
+                                            </p:txEl>
+                                          </p:spTgt>
+                                        </p:tgtEl>
+                                        <p:attrNameLst>
+                                          <p:attrName>style.visibility</p:attrName>
+                                        </p:attrNameLst>
+                                      </p:cBhvr>
+                                      <p:to>
+                                        <p:strVal val="visible"/>
+                                      </p:to>
+                                    </p:set>
+                                  </p:childTnLst>
+                                </p:cTn>
+                              </p:par>
+                              <p:par>
+                                <p:cTn id="21" presetID="1" presetClass="entr" presetSubtype="0" fill="hold" grpId="0" nodeType="withEffect">
+                                  <p:stCondLst>
+                                    <p:cond delay="0"/>
+                                  </p:stCondLst>
+                                  <p:childTnLst>
+                                    <p:set>
+                                      <p:cBhvr>
+                                        <p:cTn id="22" dur="1" fill="hold">
+                                          <p:stCondLst>
+                                            <p:cond delay="0"/>
+                                          </p:stCondLst>
+                                        </p:cTn>
+                                        <p:tgtEl>
+                                          <p:spTgt spid="27651">
+                                            <p:txEl>
+                                              <p:pRg st="5" end="5"/>
+                                            </p:txEl>
+                                          </p:spTgt>
+                                        </p:tgtEl>
+                                        <p:attrNameLst>
+                                          <p:attrName>style.visibility</p:attrName>
+                                        </p:attrNameLst>
+                                      </p:cBhvr>
+                                      <p:to>
+                                        <p:strVal val="visible"/>
+                                      </p:to>
+                                    </p:set>
+                                  </p:childTnLst>
+                                </p:cTn>
+                              </p:par>
+                              <p:par>
+                                <p:cTn id="23" presetID="1" presetClass="entr" presetSubtype="0" fill="hold" grpId="0" nodeType="withEffect">
+                                  <p:stCondLst>
+                                    <p:cond delay="0"/>
+                                  </p:stCondLst>
+                                  <p:childTnLst>
+                                    <p:set>
+                                      <p:cBhvr>
+                                        <p:cTn id="24" dur="1" fill="hold">
+                                          <p:stCondLst>
+                                            <p:cond delay="0"/>
+                                          </p:stCondLst>
+                                        </p:cTn>
+                                        <p:tgtEl>
+                                          <p:spTgt spid="27651">
+                                            <p:txEl>
+                                              <p:pRg st="6" end="6"/>
+                                            </p:txEl>
+                                          </p:spTgt>
+                                        </p:tgtEl>
+                                        <p:attrNameLst>
+                                          <p:attrName>style.visibility</p:attrName>
+                                        </p:attrNameLst>
+                                      </p:cBhvr>
+                                      <p:to>
+                                        <p:strVal val="visible"/>
+                                      </p:to>
+                                    </p:set>
+                                  </p:childTnLst>
+                                </p:cTn>
+                              </p:par>
+                              <p:par>
+                                <p:cTn id="25" presetID="1" presetClass="entr" presetSubtype="0" fill="hold" grpId="0" nodeType="withEffect">
+                                  <p:stCondLst>
+                                    <p:cond delay="0"/>
+                                  </p:stCondLst>
+                                  <p:childTnLst>
+                                    <p:set>
+                                      <p:cBhvr>
+                                        <p:cTn id="26" dur="1" fill="hold">
+                                          <p:stCondLst>
+                                            <p:cond delay="0"/>
+                                          </p:stCondLst>
+                                        </p:cTn>
+                                        <p:tgtEl>
+                                          <p:spTgt spid="27651">
+                                            <p:txEl>
+                                              <p:pRg st="7" end="7"/>
+                                            </p:txEl>
+                                          </p:spTgt>
+                                        </p:tgtEl>
+                                        <p:attrNameLst>
+                                          <p:attrName>style.visibility</p:attrName>
+                                        </p:attrNameLst>
+                                      </p:cBhvr>
+                                      <p:to>
+                                        <p:strVal val="visible"/>
+                                      </p:to>
+                                    </p:set>
+                                  </p:childTnLst>
+                                </p:cTn>
+                              </p:par>
+                            </p:childTnLst>
+                          </p:cTn>
+                        </p:par>
+                      </p:childTnLst>
+                    </p:cTn>
+                  </p:par>
+                  <p:par>
+                    <p:cTn id="27" fill="hold">
+                      <p:stCondLst>
+                        <p:cond delay="indefinite"/>
+                      </p:stCondLst>
+                      <p:childTnLst>
+                        <p:par>
+                          <p:cTn id="28" fill="hold">
+                            <p:stCondLst>
+                              <p:cond delay="0"/>
+                            </p:stCondLst>
+                            <p:childTnLst>
+                              <p:par>
+                                <p:cTn id="29" presetID="1" presetClass="entr" presetSubtype="0" fill="hold" grpId="0" nodeType="clickEffect">
+                                  <p:stCondLst>
+                                    <p:cond delay="0"/>
+                                  </p:stCondLst>
+                                  <p:childTnLst>
+                                    <p:set>
+                                      <p:cBhvr>
+                                        <p:cTn id="30" dur="1" fill="hold">
+                                          <p:stCondLst>
+                                            <p:cond delay="0"/>
+                                          </p:stCondLst>
+                                        </p:cTn>
+                                        <p:tgtEl>
+                                          <p:spTgt spid="27651">
+                                            <p:txEl>
+                                              <p:pRg st="8" end="8"/>
+                                            </p:txEl>
+                                          </p:spTgt>
+                                        </p:tgtEl>
+                                        <p:attrNameLst>
+                                          <p:attrName>style.visibility</p:attrName>
+                                        </p:attrNameLst>
+                                      </p:cBhvr>
+                                      <p:to>
+                                        <p:strVal val="visible"/>
+                                      </p:to>
+                                    </p:set>
+                                  </p:childTnLst>
+                                </p:cTn>
+                              </p:par>
+                            </p:childTnLst>
+                          </p:cTn>
+                        </p:par>
+                      </p:childTnLst>
+                    </p:cTn>
+                  </p:par>
+                  <p:par>
+                    <p:cTn id="31" fill="hold">
+                      <p:stCondLst>
+                        <p:cond delay="indefinite"/>
+                      </p:stCondLst>
+                      <p:childTnLst>
+                        <p:par>
+                          <p:cTn id="32" fill="hold">
+                            <p:stCondLst>
+                              <p:cond delay="0"/>
+                            </p:stCondLst>
+                            <p:childTnLst>
+                              <p:par>
+                                <p:cTn id="33" presetID="1" presetClass="entr" presetSubtype="0" fill="hold" grpId="0" nodeType="clickEffect">
+                                  <p:stCondLst>
+                                    <p:cond delay="0"/>
+                                  </p:stCondLst>
+                                  <p:childTnLst>
+                                    <p:set>
+                                      <p:cBhvr>
+                                        <p:cTn id="34" dur="1" fill="hold">
+                                          <p:stCondLst>
+                                            <p:cond delay="0"/>
+                                          </p:stCondLst>
+                                        </p:cTn>
+                                        <p:tgtEl>
+                                          <p:spTgt spid="27651">
+                                            <p:txEl>
+                                              <p:pRg st="9" end="9"/>
+                                            </p:txEl>
+                                          </p:spTgt>
+                                        </p:tgtEl>
+                                        <p:attrNameLst>
+                                          <p:attrName>style.visibility</p:attrName>
+                                        </p:attrNameLst>
+                                      </p:cBhvr>
+                                      <p:to>
+                                        <p:strVal val="visible"/>
+                                      </p:to>
+                                    </p:set>
+                                  </p:childTnLst>
+                                </p:cTn>
+                              </p:par>
+                            </p:childTnLst>
+                          </p:cTn>
+                        </p:par>
+                      </p:childTnLst>
+                    </p:cTn>
+                  </p:par>
+                </p:childTnLst>
+              </p:cTn>
+              <p:prevCondLst>
+                <p:cond evt="onPrev" delay="0">
+                  <p:tgtEl>
+                    <p:sldTgt/>
+                  </p:tgtEl>
+                </p:cond>
+              </p:prevCondLst>
+              <p:nextCondLst>
+                <p:cond evt="onNext" delay="0">
+                  <p:tgtEl>
+                    <p:sldTgt/>
+                  </p:tgtEl>
+                </p:cond>
+              </p:nextCondLst>
+            </p:seq>
+          </p:childTnLst>
+        </p:cTn>
+      </p:par>
+    </p:tnLst>
+    <p:bldLst>
+      <p:bldP spid="27651" grpId="0" build="p"/>
+    </p:bldLst>
+  </p:timing>
+</p:sld>
+</file>
+
+<file path=ppt/slides/slide7.xml><?xml version="1.0" encoding="utf-8"?>
+<p:sld xmlns:a="http://schemas.openxmlformats.org/drawingml/2006/main" xmlns:r="http://schemas.openxmlformats.org/officeDocument/2006/relationships" xmlns:p="http://schemas.openxmlformats.org/presentationml/2006/main">
+  <p:cSld>
+    <p:spTree>
+      <p:nvGrpSpPr>
         <p:cNvPr id="1" name=""/>
         <p:cNvGrpSpPr/>
         <p:nvPr/>
@@ -6673,7 +7342,7 @@
 </p:sld>
 </file>
 
-<file path=ppt/slides/slide7.xml><?xml version="1.0" encoding="utf-8"?>
+<file path=ppt/slides/slide8.xml><?xml version="1.0" encoding="utf-8"?>
 <p:sld xmlns:a="http://schemas.openxmlformats.org/drawingml/2006/main" xmlns:r="http://schemas.openxmlformats.org/officeDocument/2006/relationships" xmlns:p="http://schemas.openxmlformats.org/presentationml/2006/main">
   <p:cSld>
     <p:spTree>
@@ -7315,7 +7984,7 @@
 </p:sld>
 </file>
 
-<file path=ppt/slides/slide8.xml><?xml version="1.0" encoding="utf-8"?>
+<file path=ppt/slides/slide9.xml><?xml version="1.0" encoding="utf-8"?>
 <p:sld xmlns:a="http://schemas.openxmlformats.org/drawingml/2006/main" xmlns:r="http://schemas.openxmlformats.org/officeDocument/2006/relationships" xmlns:p="http://schemas.openxmlformats.org/presentationml/2006/main">
   <p:cSld>
     <p:spTree>

--- a/6023_Algor_Gems_(2025)/Day2Day/W04 (threading)/6023_W04_Threading_Notes.pptx
+++ b/6023_Algor_Gems_(2025)/Day2Day/W04 (threading)/6023_W04_Threading_Notes.pptx
@@ -5,7 +5,7 @@
     <p:sldMasterId id="2147483756" r:id="rId1"/>
   </p:sldMasterIdLst>
   <p:notesMasterIdLst>
-    <p:notesMasterId r:id="rId11"/>
+    <p:notesMasterId r:id="rId19"/>
   </p:notesMasterIdLst>
   <p:sldIdLst>
     <p:sldId id="256" r:id="rId2"/>
@@ -13,10 +13,18 @@
     <p:sldId id="468" r:id="rId4"/>
     <p:sldId id="469" r:id="rId5"/>
     <p:sldId id="466" r:id="rId6"/>
-    <p:sldId id="470" r:id="rId7"/>
-    <p:sldId id="463" r:id="rId8"/>
-    <p:sldId id="464" r:id="rId9"/>
-    <p:sldId id="465" r:id="rId10"/>
+    <p:sldId id="475" r:id="rId7"/>
+    <p:sldId id="474" r:id="rId8"/>
+    <p:sldId id="476" r:id="rId9"/>
+    <p:sldId id="470" r:id="rId10"/>
+    <p:sldId id="471" r:id="rId11"/>
+    <p:sldId id="472" r:id="rId12"/>
+    <p:sldId id="477" r:id="rId13"/>
+    <p:sldId id="478" r:id="rId14"/>
+    <p:sldId id="473" r:id="rId15"/>
+    <p:sldId id="463" r:id="rId16"/>
+    <p:sldId id="464" r:id="rId17"/>
+    <p:sldId id="465" r:id="rId18"/>
   </p:sldIdLst>
   <p:sldSz cx="9144000" cy="5143500" type="screen16x9"/>
   <p:notesSz cx="6858000" cy="9144000"/>
@@ -231,7 +239,7 @@
             <a:fld id="{3D3F9196-5FBD-45F8-86BD-A3D90AC79AC7}" type="datetimeFigureOut">
               <a:rPr lang="en-CA" smtClean="0"/>
               <a:pPr/>
-              <a:t>2025-02-05</a:t>
+              <a:t>2025-02-11</a:t>
             </a:fld>
             <a:endParaRPr lang="en-CA"/>
           </a:p>
@@ -3788,6 +3796,4382 @@
   <p:clrMapOvr>
     <a:masterClrMapping/>
   </p:clrMapOvr>
+</p:sld>
+</file>
+
+<file path=ppt/slides/slide10.xml><?xml version="1.0" encoding="utf-8"?>
+<p:sld xmlns:a="http://schemas.openxmlformats.org/drawingml/2006/main" xmlns:r="http://schemas.openxmlformats.org/officeDocument/2006/relationships" xmlns:p="http://schemas.openxmlformats.org/presentationml/2006/main">
+  <p:cSld>
+    <p:spTree>
+      <p:nvGrpSpPr>
+        <p:cNvPr id="1" name="">
+          <a:extLst>
+            <a:ext uri="{FF2B5EF4-FFF2-40B4-BE49-F238E27FC236}">
+              <a16:creationId xmlns:a16="http://schemas.microsoft.com/office/drawing/2014/main" id="{F9376AE5-21F3-9032-4AA5-A58B5EFCA0FC}"/>
+            </a:ext>
+          </a:extLst>
+        </p:cNvPr>
+        <p:cNvGrpSpPr/>
+        <p:nvPr/>
+      </p:nvGrpSpPr>
+      <p:grpSpPr>
+        <a:xfrm>
+          <a:off x="0" y="0"/>
+          <a:ext cx="0" cy="0"/>
+          <a:chOff x="0" y="0"/>
+          <a:chExt cx="0" cy="0"/>
+        </a:xfrm>
+      </p:grpSpPr>
+      <p:sp>
+        <p:nvSpPr>
+          <p:cNvPr id="27650" name="Rectangle 2">
+            <a:extLst>
+              <a:ext uri="{FF2B5EF4-FFF2-40B4-BE49-F238E27FC236}">
+                <a16:creationId xmlns:a16="http://schemas.microsoft.com/office/drawing/2014/main" id="{216D3704-76B4-07A5-3300-A0DD49EB37F8}"/>
+              </a:ext>
+            </a:extLst>
+          </p:cNvPr>
+          <p:cNvSpPr>
+            <a:spLocks noGrp="1" noChangeArrowheads="1"/>
+          </p:cNvSpPr>
+          <p:nvPr>
+            <p:ph type="title"/>
+          </p:nvPr>
+        </p:nvSpPr>
+        <p:spPr/>
+        <p:txBody>
+          <a:bodyPr/>
+          <a:lstStyle/>
+          <a:p>
+            <a:r>
+              <a:rPr lang="en-US" dirty="0"/>
+              <a:t>Example #1 soft body update</a:t>
+            </a:r>
+          </a:p>
+        </p:txBody>
+      </p:sp>
+      <p:sp>
+        <p:nvSpPr>
+          <p:cNvPr id="27651" name="Rectangle 3">
+            <a:extLst>
+              <a:ext uri="{FF2B5EF4-FFF2-40B4-BE49-F238E27FC236}">
+                <a16:creationId xmlns:a16="http://schemas.microsoft.com/office/drawing/2014/main" id="{1CBB98D1-5AB7-DE5D-890D-8E54777A870D}"/>
+              </a:ext>
+            </a:extLst>
+          </p:cNvPr>
+          <p:cNvSpPr>
+            <a:spLocks noGrp="1" noChangeArrowheads="1"/>
+          </p:cNvSpPr>
+          <p:nvPr>
+            <p:ph type="body" idx="1"/>
+          </p:nvPr>
+        </p:nvSpPr>
+        <p:spPr>
+          <a:xfrm>
+            <a:off x="152400" y="1276350"/>
+            <a:ext cx="8534400" cy="3469207"/>
+          </a:xfrm>
+        </p:spPr>
+        <p:txBody>
+          <a:bodyPr>
+            <a:normAutofit lnSpcReduction="10000"/>
+          </a:bodyPr>
+          <a:lstStyle/>
+          <a:p>
+            <a:pPr>
+              <a:lnSpc>
+                <a:spcPct val="90000"/>
+              </a:lnSpc>
+            </a:pPr>
+            <a:r>
+              <a:rPr lang="en-US" sz="1800" dirty="0"/>
+              <a:t>Issues and possible improvements</a:t>
+            </a:r>
+          </a:p>
+          <a:p>
+            <a:pPr lvl="1">
+              <a:lnSpc>
+                <a:spcPct val="90000"/>
+              </a:lnSpc>
+            </a:pPr>
+            <a:r>
+              <a:rPr lang="en-US" sz="1600" dirty="0"/>
+              <a:t>If the body is REALLY large and takes longer than the frame time, then you can:</a:t>
+            </a:r>
+            <a:br>
+              <a:rPr lang="en-US" sz="1600" dirty="0"/>
+            </a:br>
+            <a:r>
+              <a:rPr lang="en-US" sz="1600" dirty="0"/>
+              <a:t>(in our case one of the meshes took too long at 30-60 Hz)</a:t>
+            </a:r>
+          </a:p>
+          <a:p>
+            <a:pPr lvl="1">
+              <a:lnSpc>
+                <a:spcPct val="90000"/>
+              </a:lnSpc>
+            </a:pPr>
+            <a:r>
+              <a:rPr lang="en-US" sz="1600" dirty="0"/>
+              <a:t>Check to see if the thread update is done.</a:t>
+            </a:r>
+          </a:p>
+          <a:p>
+            <a:pPr lvl="2">
+              <a:lnSpc>
+                <a:spcPct val="90000"/>
+              </a:lnSpc>
+            </a:pPr>
+            <a:r>
+              <a:rPr lang="en-US" sz="1600" dirty="0"/>
+              <a:t>If not, use the current VAO (i.e. the “not” updated one)</a:t>
+            </a:r>
+          </a:p>
+          <a:p>
+            <a:pPr>
+              <a:lnSpc>
+                <a:spcPct val="90000"/>
+              </a:lnSpc>
+            </a:pPr>
+            <a:r>
+              <a:rPr lang="en-US" sz="1800" dirty="0"/>
+              <a:t>You could also keep the thread around, rather than creating the thread each frame</a:t>
+            </a:r>
+          </a:p>
+          <a:p>
+            <a:pPr>
+              <a:lnSpc>
+                <a:spcPct val="90000"/>
+              </a:lnSpc>
+            </a:pPr>
+            <a:r>
+              <a:rPr lang="en-US" sz="1800" dirty="0"/>
+              <a:t>You could also split the </a:t>
+            </a:r>
+            <a:r>
+              <a:rPr lang="en-US" sz="1800" dirty="0" err="1"/>
+              <a:t>Verlet</a:t>
+            </a:r>
+            <a:r>
+              <a:rPr lang="en-US" sz="1800" dirty="0"/>
+              <a:t> update across multiple threads, each thread using a different portion of the original “mesh”</a:t>
+            </a:r>
+          </a:p>
+          <a:p>
+            <a:pPr lvl="1">
+              <a:lnSpc>
+                <a:spcPct val="90000"/>
+              </a:lnSpc>
+            </a:pPr>
+            <a:r>
+              <a:rPr lang="en-US" sz="1800" dirty="0"/>
+              <a:t>i.e. you have 10 threads, so you divide the mesh into 10 parts</a:t>
+            </a:r>
+          </a:p>
+          <a:p>
+            <a:pPr lvl="1">
+              <a:lnSpc>
+                <a:spcPct val="90000"/>
+              </a:lnSpc>
+            </a:pPr>
+            <a:r>
+              <a:rPr lang="en-US" sz="1800" dirty="0"/>
+              <a:t>Each point is using the previous location to do the calculation </a:t>
+            </a:r>
+            <a:r>
+              <a:rPr lang="en-US" sz="1800" dirty="0" err="1"/>
+              <a:t>Verlet</a:t>
+            </a:r>
+            <a:r>
+              <a:rPr lang="en-US" sz="1800" dirty="0"/>
+              <a:t> update</a:t>
+            </a:r>
+          </a:p>
+          <a:p>
+            <a:pPr lvl="1">
+              <a:lnSpc>
+                <a:spcPct val="90000"/>
+              </a:lnSpc>
+            </a:pPr>
+            <a:r>
+              <a:rPr lang="en-US" sz="1800" dirty="0"/>
+              <a:t>But the constraint update can have issues since we are reading a writing to potentially all points (ends of the constraints)</a:t>
+            </a:r>
+          </a:p>
+          <a:p>
+            <a:pPr lvl="1">
+              <a:lnSpc>
+                <a:spcPct val="90000"/>
+              </a:lnSpc>
+            </a:pPr>
+            <a:r>
+              <a:rPr lang="en-US" sz="1800" dirty="0"/>
+              <a:t>Here you could use multiple buffer… (later in slide)</a:t>
+            </a:r>
+            <a:endParaRPr lang="en-US" sz="1400" dirty="0"/>
+          </a:p>
+          <a:p>
+            <a:pPr lvl="1">
+              <a:lnSpc>
+                <a:spcPct val="90000"/>
+              </a:lnSpc>
+            </a:pPr>
+            <a:endParaRPr lang="en-US" sz="1600" dirty="0"/>
+          </a:p>
+        </p:txBody>
+      </p:sp>
+    </p:spTree>
+    <p:extLst>
+      <p:ext uri="{BB962C8B-B14F-4D97-AF65-F5344CB8AC3E}">
+        <p14:creationId xmlns:p14="http://schemas.microsoft.com/office/powerpoint/2010/main" val="2192556270"/>
+      </p:ext>
+    </p:extLst>
+  </p:cSld>
+  <p:clrMapOvr>
+    <a:masterClrMapping/>
+  </p:clrMapOvr>
+  <p:timing>
+    <p:tnLst>
+      <p:par>
+        <p:cTn id="1" dur="indefinite" restart="never" nodeType="tmRoot">
+          <p:childTnLst>
+            <p:seq concurrent="1" nextAc="seek">
+              <p:cTn id="2" dur="indefinite" nodeType="mainSeq">
+                <p:childTnLst>
+                  <p:par>
+                    <p:cTn id="3" fill="hold">
+                      <p:stCondLst>
+                        <p:cond delay="indefinite"/>
+                      </p:stCondLst>
+                      <p:childTnLst>
+                        <p:par>
+                          <p:cTn id="4" fill="hold">
+                            <p:stCondLst>
+                              <p:cond delay="0"/>
+                            </p:stCondLst>
+                            <p:childTnLst>
+                              <p:par>
+                                <p:cTn id="5" presetID="1" presetClass="entr" presetSubtype="0" fill="hold" grpId="0" nodeType="clickEffect">
+                                  <p:stCondLst>
+                                    <p:cond delay="0"/>
+                                  </p:stCondLst>
+                                  <p:childTnLst>
+                                    <p:set>
+                                      <p:cBhvr>
+                                        <p:cTn id="6" dur="1" fill="hold">
+                                          <p:stCondLst>
+                                            <p:cond delay="0"/>
+                                          </p:stCondLst>
+                                        </p:cTn>
+                                        <p:tgtEl>
+                                          <p:spTgt spid="27651">
+                                            <p:txEl>
+                                              <p:pRg st="0" end="0"/>
+                                            </p:txEl>
+                                          </p:spTgt>
+                                        </p:tgtEl>
+                                        <p:attrNameLst>
+                                          <p:attrName>style.visibility</p:attrName>
+                                        </p:attrNameLst>
+                                      </p:cBhvr>
+                                      <p:to>
+                                        <p:strVal val="visible"/>
+                                      </p:to>
+                                    </p:set>
+                                  </p:childTnLst>
+                                </p:cTn>
+                              </p:par>
+                              <p:par>
+                                <p:cTn id="7" presetID="1" presetClass="entr" presetSubtype="0" fill="hold" grpId="0" nodeType="withEffect">
+                                  <p:stCondLst>
+                                    <p:cond delay="0"/>
+                                  </p:stCondLst>
+                                  <p:childTnLst>
+                                    <p:set>
+                                      <p:cBhvr>
+                                        <p:cTn id="8" dur="1" fill="hold">
+                                          <p:stCondLst>
+                                            <p:cond delay="0"/>
+                                          </p:stCondLst>
+                                        </p:cTn>
+                                        <p:tgtEl>
+                                          <p:spTgt spid="27651">
+                                            <p:txEl>
+                                              <p:pRg st="1" end="1"/>
+                                            </p:txEl>
+                                          </p:spTgt>
+                                        </p:tgtEl>
+                                        <p:attrNameLst>
+                                          <p:attrName>style.visibility</p:attrName>
+                                        </p:attrNameLst>
+                                      </p:cBhvr>
+                                      <p:to>
+                                        <p:strVal val="visible"/>
+                                      </p:to>
+                                    </p:set>
+                                  </p:childTnLst>
+                                </p:cTn>
+                              </p:par>
+                              <p:par>
+                                <p:cTn id="9" presetID="1" presetClass="entr" presetSubtype="0" fill="hold" grpId="0" nodeType="withEffect">
+                                  <p:stCondLst>
+                                    <p:cond delay="0"/>
+                                  </p:stCondLst>
+                                  <p:childTnLst>
+                                    <p:set>
+                                      <p:cBhvr>
+                                        <p:cTn id="10" dur="1" fill="hold">
+                                          <p:stCondLst>
+                                            <p:cond delay="0"/>
+                                          </p:stCondLst>
+                                        </p:cTn>
+                                        <p:tgtEl>
+                                          <p:spTgt spid="27651">
+                                            <p:txEl>
+                                              <p:pRg st="2" end="2"/>
+                                            </p:txEl>
+                                          </p:spTgt>
+                                        </p:tgtEl>
+                                        <p:attrNameLst>
+                                          <p:attrName>style.visibility</p:attrName>
+                                        </p:attrNameLst>
+                                      </p:cBhvr>
+                                      <p:to>
+                                        <p:strVal val="visible"/>
+                                      </p:to>
+                                    </p:set>
+                                  </p:childTnLst>
+                                </p:cTn>
+                              </p:par>
+                              <p:par>
+                                <p:cTn id="11" presetID="1" presetClass="entr" presetSubtype="0" fill="hold" grpId="0" nodeType="withEffect">
+                                  <p:stCondLst>
+                                    <p:cond delay="0"/>
+                                  </p:stCondLst>
+                                  <p:childTnLst>
+                                    <p:set>
+                                      <p:cBhvr>
+                                        <p:cTn id="12" dur="1" fill="hold">
+                                          <p:stCondLst>
+                                            <p:cond delay="0"/>
+                                          </p:stCondLst>
+                                        </p:cTn>
+                                        <p:tgtEl>
+                                          <p:spTgt spid="27651">
+                                            <p:txEl>
+                                              <p:pRg st="3" end="3"/>
+                                            </p:txEl>
+                                          </p:spTgt>
+                                        </p:tgtEl>
+                                        <p:attrNameLst>
+                                          <p:attrName>style.visibility</p:attrName>
+                                        </p:attrNameLst>
+                                      </p:cBhvr>
+                                      <p:to>
+                                        <p:strVal val="visible"/>
+                                      </p:to>
+                                    </p:set>
+                                  </p:childTnLst>
+                                </p:cTn>
+                              </p:par>
+                            </p:childTnLst>
+                          </p:cTn>
+                        </p:par>
+                      </p:childTnLst>
+                    </p:cTn>
+                  </p:par>
+                  <p:par>
+                    <p:cTn id="13" fill="hold">
+                      <p:stCondLst>
+                        <p:cond delay="indefinite"/>
+                      </p:stCondLst>
+                      <p:childTnLst>
+                        <p:par>
+                          <p:cTn id="14" fill="hold">
+                            <p:stCondLst>
+                              <p:cond delay="0"/>
+                            </p:stCondLst>
+                            <p:childTnLst>
+                              <p:par>
+                                <p:cTn id="15" presetID="1" presetClass="entr" presetSubtype="0" fill="hold" grpId="0" nodeType="clickEffect">
+                                  <p:stCondLst>
+                                    <p:cond delay="0"/>
+                                  </p:stCondLst>
+                                  <p:childTnLst>
+                                    <p:set>
+                                      <p:cBhvr>
+                                        <p:cTn id="16" dur="1" fill="hold">
+                                          <p:stCondLst>
+                                            <p:cond delay="0"/>
+                                          </p:stCondLst>
+                                        </p:cTn>
+                                        <p:tgtEl>
+                                          <p:spTgt spid="27651">
+                                            <p:txEl>
+                                              <p:pRg st="4" end="4"/>
+                                            </p:txEl>
+                                          </p:spTgt>
+                                        </p:tgtEl>
+                                        <p:attrNameLst>
+                                          <p:attrName>style.visibility</p:attrName>
+                                        </p:attrNameLst>
+                                      </p:cBhvr>
+                                      <p:to>
+                                        <p:strVal val="visible"/>
+                                      </p:to>
+                                    </p:set>
+                                  </p:childTnLst>
+                                </p:cTn>
+                              </p:par>
+                            </p:childTnLst>
+                          </p:cTn>
+                        </p:par>
+                      </p:childTnLst>
+                    </p:cTn>
+                  </p:par>
+                  <p:par>
+                    <p:cTn id="17" fill="hold">
+                      <p:stCondLst>
+                        <p:cond delay="indefinite"/>
+                      </p:stCondLst>
+                      <p:childTnLst>
+                        <p:par>
+                          <p:cTn id="18" fill="hold">
+                            <p:stCondLst>
+                              <p:cond delay="0"/>
+                            </p:stCondLst>
+                            <p:childTnLst>
+                              <p:par>
+                                <p:cTn id="19" presetID="1" presetClass="entr" presetSubtype="0" fill="hold" grpId="0" nodeType="clickEffect">
+                                  <p:stCondLst>
+                                    <p:cond delay="0"/>
+                                  </p:stCondLst>
+                                  <p:childTnLst>
+                                    <p:set>
+                                      <p:cBhvr>
+                                        <p:cTn id="20" dur="1" fill="hold">
+                                          <p:stCondLst>
+                                            <p:cond delay="0"/>
+                                          </p:stCondLst>
+                                        </p:cTn>
+                                        <p:tgtEl>
+                                          <p:spTgt spid="27651">
+                                            <p:txEl>
+                                              <p:pRg st="5" end="5"/>
+                                            </p:txEl>
+                                          </p:spTgt>
+                                        </p:tgtEl>
+                                        <p:attrNameLst>
+                                          <p:attrName>style.visibility</p:attrName>
+                                        </p:attrNameLst>
+                                      </p:cBhvr>
+                                      <p:to>
+                                        <p:strVal val="visible"/>
+                                      </p:to>
+                                    </p:set>
+                                  </p:childTnLst>
+                                </p:cTn>
+                              </p:par>
+                              <p:par>
+                                <p:cTn id="21" presetID="1" presetClass="entr" presetSubtype="0" fill="hold" grpId="0" nodeType="withEffect">
+                                  <p:stCondLst>
+                                    <p:cond delay="0"/>
+                                  </p:stCondLst>
+                                  <p:childTnLst>
+                                    <p:set>
+                                      <p:cBhvr>
+                                        <p:cTn id="22" dur="1" fill="hold">
+                                          <p:stCondLst>
+                                            <p:cond delay="0"/>
+                                          </p:stCondLst>
+                                        </p:cTn>
+                                        <p:tgtEl>
+                                          <p:spTgt spid="27651">
+                                            <p:txEl>
+                                              <p:pRg st="6" end="6"/>
+                                            </p:txEl>
+                                          </p:spTgt>
+                                        </p:tgtEl>
+                                        <p:attrNameLst>
+                                          <p:attrName>style.visibility</p:attrName>
+                                        </p:attrNameLst>
+                                      </p:cBhvr>
+                                      <p:to>
+                                        <p:strVal val="visible"/>
+                                      </p:to>
+                                    </p:set>
+                                  </p:childTnLst>
+                                </p:cTn>
+                              </p:par>
+                              <p:par>
+                                <p:cTn id="23" presetID="1" presetClass="entr" presetSubtype="0" fill="hold" grpId="0" nodeType="withEffect">
+                                  <p:stCondLst>
+                                    <p:cond delay="0"/>
+                                  </p:stCondLst>
+                                  <p:childTnLst>
+                                    <p:set>
+                                      <p:cBhvr>
+                                        <p:cTn id="24" dur="1" fill="hold">
+                                          <p:stCondLst>
+                                            <p:cond delay="0"/>
+                                          </p:stCondLst>
+                                        </p:cTn>
+                                        <p:tgtEl>
+                                          <p:spTgt spid="27651">
+                                            <p:txEl>
+                                              <p:pRg st="7" end="7"/>
+                                            </p:txEl>
+                                          </p:spTgt>
+                                        </p:tgtEl>
+                                        <p:attrNameLst>
+                                          <p:attrName>style.visibility</p:attrName>
+                                        </p:attrNameLst>
+                                      </p:cBhvr>
+                                      <p:to>
+                                        <p:strVal val="visible"/>
+                                      </p:to>
+                                    </p:set>
+                                  </p:childTnLst>
+                                </p:cTn>
+                              </p:par>
+                              <p:par>
+                                <p:cTn id="25" presetID="1" presetClass="entr" presetSubtype="0" fill="hold" grpId="0" nodeType="withEffect">
+                                  <p:stCondLst>
+                                    <p:cond delay="0"/>
+                                  </p:stCondLst>
+                                  <p:childTnLst>
+                                    <p:set>
+                                      <p:cBhvr>
+                                        <p:cTn id="26" dur="1" fill="hold">
+                                          <p:stCondLst>
+                                            <p:cond delay="0"/>
+                                          </p:stCondLst>
+                                        </p:cTn>
+                                        <p:tgtEl>
+                                          <p:spTgt spid="27651">
+                                            <p:txEl>
+                                              <p:pRg st="8" end="8"/>
+                                            </p:txEl>
+                                          </p:spTgt>
+                                        </p:tgtEl>
+                                        <p:attrNameLst>
+                                          <p:attrName>style.visibility</p:attrName>
+                                        </p:attrNameLst>
+                                      </p:cBhvr>
+                                      <p:to>
+                                        <p:strVal val="visible"/>
+                                      </p:to>
+                                    </p:set>
+                                  </p:childTnLst>
+                                </p:cTn>
+                              </p:par>
+                              <p:par>
+                                <p:cTn id="27" presetID="1" presetClass="entr" presetSubtype="0" fill="hold" grpId="0" nodeType="withEffect">
+                                  <p:stCondLst>
+                                    <p:cond delay="0"/>
+                                  </p:stCondLst>
+                                  <p:childTnLst>
+                                    <p:set>
+                                      <p:cBhvr>
+                                        <p:cTn id="28" dur="1" fill="hold">
+                                          <p:stCondLst>
+                                            <p:cond delay="0"/>
+                                          </p:stCondLst>
+                                        </p:cTn>
+                                        <p:tgtEl>
+                                          <p:spTgt spid="27651">
+                                            <p:txEl>
+                                              <p:pRg st="9" end="9"/>
+                                            </p:txEl>
+                                          </p:spTgt>
+                                        </p:tgtEl>
+                                        <p:attrNameLst>
+                                          <p:attrName>style.visibility</p:attrName>
+                                        </p:attrNameLst>
+                                      </p:cBhvr>
+                                      <p:to>
+                                        <p:strVal val="visible"/>
+                                      </p:to>
+                                    </p:set>
+                                  </p:childTnLst>
+                                </p:cTn>
+                              </p:par>
+                            </p:childTnLst>
+                          </p:cTn>
+                        </p:par>
+                      </p:childTnLst>
+                    </p:cTn>
+                  </p:par>
+                </p:childTnLst>
+              </p:cTn>
+              <p:prevCondLst>
+                <p:cond evt="onPrev" delay="0">
+                  <p:tgtEl>
+                    <p:sldTgt/>
+                  </p:tgtEl>
+                </p:cond>
+              </p:prevCondLst>
+              <p:nextCondLst>
+                <p:cond evt="onNext" delay="0">
+                  <p:tgtEl>
+                    <p:sldTgt/>
+                  </p:tgtEl>
+                </p:cond>
+              </p:nextCondLst>
+            </p:seq>
+          </p:childTnLst>
+        </p:cTn>
+      </p:par>
+    </p:tnLst>
+    <p:bldLst>
+      <p:bldP spid="27651" grpId="0" build="p"/>
+    </p:bldLst>
+  </p:timing>
+</p:sld>
+</file>
+
+<file path=ppt/slides/slide11.xml><?xml version="1.0" encoding="utf-8"?>
+<p:sld xmlns:a="http://schemas.openxmlformats.org/drawingml/2006/main" xmlns:r="http://schemas.openxmlformats.org/officeDocument/2006/relationships" xmlns:p="http://schemas.openxmlformats.org/presentationml/2006/main">
+  <p:cSld>
+    <p:spTree>
+      <p:nvGrpSpPr>
+        <p:cNvPr id="1" name="">
+          <a:extLst>
+            <a:ext uri="{FF2B5EF4-FFF2-40B4-BE49-F238E27FC236}">
+              <a16:creationId xmlns:a16="http://schemas.microsoft.com/office/drawing/2014/main" id="{F9376AE5-21F3-9032-4AA5-A58B5EFCA0FC}"/>
+            </a:ext>
+          </a:extLst>
+        </p:cNvPr>
+        <p:cNvGrpSpPr/>
+        <p:nvPr/>
+      </p:nvGrpSpPr>
+      <p:grpSpPr>
+        <a:xfrm>
+          <a:off x="0" y="0"/>
+          <a:ext cx="0" cy="0"/>
+          <a:chOff x="0" y="0"/>
+          <a:chExt cx="0" cy="0"/>
+        </a:xfrm>
+      </p:grpSpPr>
+      <p:sp>
+        <p:nvSpPr>
+          <p:cNvPr id="27650" name="Rectangle 2">
+            <a:extLst>
+              <a:ext uri="{FF2B5EF4-FFF2-40B4-BE49-F238E27FC236}">
+                <a16:creationId xmlns:a16="http://schemas.microsoft.com/office/drawing/2014/main" id="{216D3704-76B4-07A5-3300-A0DD49EB37F8}"/>
+              </a:ext>
+            </a:extLst>
+          </p:cNvPr>
+          <p:cNvSpPr>
+            <a:spLocks noGrp="1" noChangeArrowheads="1"/>
+          </p:cNvSpPr>
+          <p:nvPr>
+            <p:ph type="title"/>
+          </p:nvPr>
+        </p:nvSpPr>
+        <p:spPr/>
+        <p:txBody>
+          <a:bodyPr/>
+          <a:lstStyle/>
+          <a:p>
+            <a:r>
+              <a:rPr lang="en-US" dirty="0"/>
+              <a:t>Example #2 VAO async loading</a:t>
+            </a:r>
+          </a:p>
+        </p:txBody>
+      </p:sp>
+      <p:sp>
+        <p:nvSpPr>
+          <p:cNvPr id="27651" name="Rectangle 3">
+            <a:extLst>
+              <a:ext uri="{FF2B5EF4-FFF2-40B4-BE49-F238E27FC236}">
+                <a16:creationId xmlns:a16="http://schemas.microsoft.com/office/drawing/2014/main" id="{1CBB98D1-5AB7-DE5D-890D-8E54777A870D}"/>
+              </a:ext>
+            </a:extLst>
+          </p:cNvPr>
+          <p:cNvSpPr>
+            <a:spLocks noGrp="1" noChangeArrowheads="1"/>
+          </p:cNvSpPr>
+          <p:nvPr>
+            <p:ph type="body" idx="1"/>
+          </p:nvPr>
+        </p:nvSpPr>
+        <p:spPr>
+          <a:xfrm>
+            <a:off x="152400" y="1276350"/>
+            <a:ext cx="8534400" cy="3469207"/>
+          </a:xfrm>
+        </p:spPr>
+        <p:txBody>
+          <a:bodyPr>
+            <a:normAutofit/>
+          </a:bodyPr>
+          <a:lstStyle/>
+          <a:p>
+            <a:pPr>
+              <a:lnSpc>
+                <a:spcPct val="90000"/>
+              </a:lnSpc>
+            </a:pPr>
+            <a:r>
+              <a:rPr lang="en-US" sz="2000" dirty="0"/>
+              <a:t>The VAO can have two variations of loading:</a:t>
+            </a:r>
+          </a:p>
+          <a:p>
+            <a:pPr lvl="1">
+              <a:lnSpc>
+                <a:spcPct val="90000"/>
+              </a:lnSpc>
+            </a:pPr>
+            <a:r>
+              <a:rPr lang="en-US" sz="2000" dirty="0"/>
+              <a:t>Blocking (synchronous) where we wait for the file to load into the VAO</a:t>
+            </a:r>
+          </a:p>
+          <a:p>
+            <a:pPr lvl="1">
+              <a:lnSpc>
+                <a:spcPct val="90000"/>
+              </a:lnSpc>
+            </a:pPr>
+            <a:r>
+              <a:rPr lang="en-US" sz="2000" dirty="0"/>
+              <a:t>Asynchronous where we add a “load this file” to a list of files to load, then the asynchronous loader thread load this at another time</a:t>
+            </a:r>
+          </a:p>
+          <a:p>
+            <a:pPr>
+              <a:lnSpc>
+                <a:spcPct val="90000"/>
+              </a:lnSpc>
+            </a:pPr>
+            <a:r>
+              <a:rPr lang="en-US" sz="2000" dirty="0"/>
+              <a:t>Like the VAO, we make be careful to NOT load the VAO on the “file loading” thread. </a:t>
+            </a:r>
+          </a:p>
+          <a:p>
+            <a:pPr>
+              <a:lnSpc>
+                <a:spcPct val="90000"/>
+              </a:lnSpc>
+            </a:pPr>
+            <a:r>
+              <a:rPr lang="en-US" sz="2000" dirty="0"/>
+              <a:t>Also, spawning many threads to load many files can make things slower, since all the threads might be fighting for the same drive access.</a:t>
+            </a:r>
+          </a:p>
+          <a:p>
+            <a:pPr lvl="1">
+              <a:lnSpc>
+                <a:spcPct val="90000"/>
+              </a:lnSpc>
+            </a:pPr>
+            <a:endParaRPr lang="en-US" sz="1600" dirty="0"/>
+          </a:p>
+        </p:txBody>
+      </p:sp>
+    </p:spTree>
+    <p:extLst>
+      <p:ext uri="{BB962C8B-B14F-4D97-AF65-F5344CB8AC3E}">
+        <p14:creationId xmlns:p14="http://schemas.microsoft.com/office/powerpoint/2010/main" val="2678881014"/>
+      </p:ext>
+    </p:extLst>
+  </p:cSld>
+  <p:clrMapOvr>
+    <a:masterClrMapping/>
+  </p:clrMapOvr>
+  <p:timing>
+    <p:tnLst>
+      <p:par>
+        <p:cTn id="1" dur="indefinite" restart="never" nodeType="tmRoot">
+          <p:childTnLst>
+            <p:seq concurrent="1" nextAc="seek">
+              <p:cTn id="2" dur="indefinite" nodeType="mainSeq">
+                <p:childTnLst>
+                  <p:par>
+                    <p:cTn id="3" fill="hold">
+                      <p:stCondLst>
+                        <p:cond delay="indefinite"/>
+                      </p:stCondLst>
+                      <p:childTnLst>
+                        <p:par>
+                          <p:cTn id="4" fill="hold">
+                            <p:stCondLst>
+                              <p:cond delay="0"/>
+                            </p:stCondLst>
+                            <p:childTnLst>
+                              <p:par>
+                                <p:cTn id="5" presetID="1" presetClass="entr" presetSubtype="0" fill="hold" grpId="0" nodeType="clickEffect">
+                                  <p:stCondLst>
+                                    <p:cond delay="0"/>
+                                  </p:stCondLst>
+                                  <p:childTnLst>
+                                    <p:set>
+                                      <p:cBhvr>
+                                        <p:cTn id="6" dur="1" fill="hold">
+                                          <p:stCondLst>
+                                            <p:cond delay="0"/>
+                                          </p:stCondLst>
+                                        </p:cTn>
+                                        <p:tgtEl>
+                                          <p:spTgt spid="27651">
+                                            <p:txEl>
+                                              <p:pRg st="0" end="0"/>
+                                            </p:txEl>
+                                          </p:spTgt>
+                                        </p:tgtEl>
+                                        <p:attrNameLst>
+                                          <p:attrName>style.visibility</p:attrName>
+                                        </p:attrNameLst>
+                                      </p:cBhvr>
+                                      <p:to>
+                                        <p:strVal val="visible"/>
+                                      </p:to>
+                                    </p:set>
+                                  </p:childTnLst>
+                                </p:cTn>
+                              </p:par>
+                              <p:par>
+                                <p:cTn id="7" presetID="1" presetClass="entr" presetSubtype="0" fill="hold" grpId="0" nodeType="withEffect">
+                                  <p:stCondLst>
+                                    <p:cond delay="0"/>
+                                  </p:stCondLst>
+                                  <p:childTnLst>
+                                    <p:set>
+                                      <p:cBhvr>
+                                        <p:cTn id="8" dur="1" fill="hold">
+                                          <p:stCondLst>
+                                            <p:cond delay="0"/>
+                                          </p:stCondLst>
+                                        </p:cTn>
+                                        <p:tgtEl>
+                                          <p:spTgt spid="27651">
+                                            <p:txEl>
+                                              <p:pRg st="1" end="1"/>
+                                            </p:txEl>
+                                          </p:spTgt>
+                                        </p:tgtEl>
+                                        <p:attrNameLst>
+                                          <p:attrName>style.visibility</p:attrName>
+                                        </p:attrNameLst>
+                                      </p:cBhvr>
+                                      <p:to>
+                                        <p:strVal val="visible"/>
+                                      </p:to>
+                                    </p:set>
+                                  </p:childTnLst>
+                                </p:cTn>
+                              </p:par>
+                              <p:par>
+                                <p:cTn id="9" presetID="1" presetClass="entr" presetSubtype="0" fill="hold" grpId="0" nodeType="withEffect">
+                                  <p:stCondLst>
+                                    <p:cond delay="0"/>
+                                  </p:stCondLst>
+                                  <p:childTnLst>
+                                    <p:set>
+                                      <p:cBhvr>
+                                        <p:cTn id="10" dur="1" fill="hold">
+                                          <p:stCondLst>
+                                            <p:cond delay="0"/>
+                                          </p:stCondLst>
+                                        </p:cTn>
+                                        <p:tgtEl>
+                                          <p:spTgt spid="27651">
+                                            <p:txEl>
+                                              <p:pRg st="2" end="2"/>
+                                            </p:txEl>
+                                          </p:spTgt>
+                                        </p:tgtEl>
+                                        <p:attrNameLst>
+                                          <p:attrName>style.visibility</p:attrName>
+                                        </p:attrNameLst>
+                                      </p:cBhvr>
+                                      <p:to>
+                                        <p:strVal val="visible"/>
+                                      </p:to>
+                                    </p:set>
+                                  </p:childTnLst>
+                                </p:cTn>
+                              </p:par>
+                            </p:childTnLst>
+                          </p:cTn>
+                        </p:par>
+                      </p:childTnLst>
+                    </p:cTn>
+                  </p:par>
+                  <p:par>
+                    <p:cTn id="11" fill="hold">
+                      <p:stCondLst>
+                        <p:cond delay="indefinite"/>
+                      </p:stCondLst>
+                      <p:childTnLst>
+                        <p:par>
+                          <p:cTn id="12" fill="hold">
+                            <p:stCondLst>
+                              <p:cond delay="0"/>
+                            </p:stCondLst>
+                            <p:childTnLst>
+                              <p:par>
+                                <p:cTn id="13" presetID="1" presetClass="entr" presetSubtype="0" fill="hold" grpId="0" nodeType="clickEffect">
+                                  <p:stCondLst>
+                                    <p:cond delay="0"/>
+                                  </p:stCondLst>
+                                  <p:childTnLst>
+                                    <p:set>
+                                      <p:cBhvr>
+                                        <p:cTn id="14" dur="1" fill="hold">
+                                          <p:stCondLst>
+                                            <p:cond delay="0"/>
+                                          </p:stCondLst>
+                                        </p:cTn>
+                                        <p:tgtEl>
+                                          <p:spTgt spid="27651">
+                                            <p:txEl>
+                                              <p:pRg st="3" end="3"/>
+                                            </p:txEl>
+                                          </p:spTgt>
+                                        </p:tgtEl>
+                                        <p:attrNameLst>
+                                          <p:attrName>style.visibility</p:attrName>
+                                        </p:attrNameLst>
+                                      </p:cBhvr>
+                                      <p:to>
+                                        <p:strVal val="visible"/>
+                                      </p:to>
+                                    </p:set>
+                                  </p:childTnLst>
+                                </p:cTn>
+                              </p:par>
+                            </p:childTnLst>
+                          </p:cTn>
+                        </p:par>
+                      </p:childTnLst>
+                    </p:cTn>
+                  </p:par>
+                  <p:par>
+                    <p:cTn id="15" fill="hold">
+                      <p:stCondLst>
+                        <p:cond delay="indefinite"/>
+                      </p:stCondLst>
+                      <p:childTnLst>
+                        <p:par>
+                          <p:cTn id="16" fill="hold">
+                            <p:stCondLst>
+                              <p:cond delay="0"/>
+                            </p:stCondLst>
+                            <p:childTnLst>
+                              <p:par>
+                                <p:cTn id="17" presetID="1" presetClass="entr" presetSubtype="0" fill="hold" grpId="0" nodeType="clickEffect">
+                                  <p:stCondLst>
+                                    <p:cond delay="0"/>
+                                  </p:stCondLst>
+                                  <p:childTnLst>
+                                    <p:set>
+                                      <p:cBhvr>
+                                        <p:cTn id="18" dur="1" fill="hold">
+                                          <p:stCondLst>
+                                            <p:cond delay="0"/>
+                                          </p:stCondLst>
+                                        </p:cTn>
+                                        <p:tgtEl>
+                                          <p:spTgt spid="27651">
+                                            <p:txEl>
+                                              <p:pRg st="4" end="4"/>
+                                            </p:txEl>
+                                          </p:spTgt>
+                                        </p:tgtEl>
+                                        <p:attrNameLst>
+                                          <p:attrName>style.visibility</p:attrName>
+                                        </p:attrNameLst>
+                                      </p:cBhvr>
+                                      <p:to>
+                                        <p:strVal val="visible"/>
+                                      </p:to>
+                                    </p:set>
+                                  </p:childTnLst>
+                                </p:cTn>
+                              </p:par>
+                            </p:childTnLst>
+                          </p:cTn>
+                        </p:par>
+                      </p:childTnLst>
+                    </p:cTn>
+                  </p:par>
+                </p:childTnLst>
+              </p:cTn>
+              <p:prevCondLst>
+                <p:cond evt="onPrev" delay="0">
+                  <p:tgtEl>
+                    <p:sldTgt/>
+                  </p:tgtEl>
+                </p:cond>
+              </p:prevCondLst>
+              <p:nextCondLst>
+                <p:cond evt="onNext" delay="0">
+                  <p:tgtEl>
+                    <p:sldTgt/>
+                  </p:tgtEl>
+                </p:cond>
+              </p:nextCondLst>
+            </p:seq>
+          </p:childTnLst>
+        </p:cTn>
+      </p:par>
+    </p:tnLst>
+    <p:bldLst>
+      <p:bldP spid="27651" grpId="0" build="p"/>
+    </p:bldLst>
+  </p:timing>
+</p:sld>
+</file>
+
+<file path=ppt/slides/slide12.xml><?xml version="1.0" encoding="utf-8"?>
+<p:sld xmlns:a="http://schemas.openxmlformats.org/drawingml/2006/main" xmlns:r="http://schemas.openxmlformats.org/officeDocument/2006/relationships" xmlns:p="http://schemas.openxmlformats.org/presentationml/2006/main">
+  <p:cSld>
+    <p:spTree>
+      <p:nvGrpSpPr>
+        <p:cNvPr id="1" name="">
+          <a:extLst>
+            <a:ext uri="{FF2B5EF4-FFF2-40B4-BE49-F238E27FC236}">
+              <a16:creationId xmlns:a16="http://schemas.microsoft.com/office/drawing/2014/main" id="{F9376AE5-21F3-9032-4AA5-A58B5EFCA0FC}"/>
+            </a:ext>
+          </a:extLst>
+        </p:cNvPr>
+        <p:cNvGrpSpPr/>
+        <p:nvPr/>
+      </p:nvGrpSpPr>
+      <p:grpSpPr>
+        <a:xfrm>
+          <a:off x="0" y="0"/>
+          <a:ext cx="0" cy="0"/>
+          <a:chOff x="0" y="0"/>
+          <a:chExt cx="0" cy="0"/>
+        </a:xfrm>
+      </p:grpSpPr>
+      <p:sp>
+        <p:nvSpPr>
+          <p:cNvPr id="27650" name="Rectangle 2">
+            <a:extLst>
+              <a:ext uri="{FF2B5EF4-FFF2-40B4-BE49-F238E27FC236}">
+                <a16:creationId xmlns:a16="http://schemas.microsoft.com/office/drawing/2014/main" id="{216D3704-76B4-07A5-3300-A0DD49EB37F8}"/>
+              </a:ext>
+            </a:extLst>
+          </p:cNvPr>
+          <p:cNvSpPr>
+            <a:spLocks noGrp="1" noChangeArrowheads="1"/>
+          </p:cNvSpPr>
+          <p:nvPr>
+            <p:ph type="title"/>
+          </p:nvPr>
+        </p:nvSpPr>
+        <p:spPr/>
+        <p:txBody>
+          <a:bodyPr/>
+          <a:lstStyle/>
+          <a:p>
+            <a:r>
+              <a:rPr lang="en-US" dirty="0"/>
+              <a:t>Example #2 VAO async loading</a:t>
+            </a:r>
+          </a:p>
+        </p:txBody>
+      </p:sp>
+      <p:sp>
+        <p:nvSpPr>
+          <p:cNvPr id="2" name="Rectangle 1">
+            <a:extLst>
+              <a:ext uri="{FF2B5EF4-FFF2-40B4-BE49-F238E27FC236}">
+                <a16:creationId xmlns:a16="http://schemas.microsoft.com/office/drawing/2014/main" id="{3F36F8B7-9D44-6032-5325-6DC2B327FEDE}"/>
+              </a:ext>
+            </a:extLst>
+          </p:cNvPr>
+          <p:cNvSpPr/>
+          <p:nvPr/>
+        </p:nvSpPr>
+        <p:spPr>
+          <a:xfrm>
+            <a:off x="3364230" y="1356360"/>
+            <a:ext cx="2042160" cy="2434590"/>
+          </a:xfrm>
+          <a:prstGeom prst="rect">
+            <a:avLst/>
+          </a:prstGeom>
+        </p:spPr>
+        <p:style>
+          <a:lnRef idx="1">
+            <a:schemeClr val="accent1"/>
+          </a:lnRef>
+          <a:fillRef idx="3">
+            <a:schemeClr val="accent1"/>
+          </a:fillRef>
+          <a:effectRef idx="2">
+            <a:schemeClr val="accent1"/>
+          </a:effectRef>
+          <a:fontRef idx="minor">
+            <a:schemeClr val="lt1"/>
+          </a:fontRef>
+        </p:style>
+        <p:txBody>
+          <a:bodyPr rtlCol="0" anchor="ctr"/>
+          <a:lstStyle/>
+          <a:p>
+            <a:r>
+              <a:rPr lang="en-CA" dirty="0">
+                <a:solidFill>
+                  <a:schemeClr val="tx1"/>
+                </a:solidFill>
+              </a:rPr>
+              <a:t>Map: Meshes</a:t>
+            </a:r>
+          </a:p>
+          <a:p>
+            <a:pPr marL="285750" indent="-285750">
+              <a:buFont typeface="Arial" panose="020B0604020202020204" pitchFamily="34" charset="0"/>
+              <a:buChar char="•"/>
+            </a:pPr>
+            <a:r>
+              <a:rPr lang="en-CA" dirty="0">
+                <a:solidFill>
+                  <a:schemeClr val="tx1"/>
+                </a:solidFill>
+              </a:rPr>
+              <a:t>Bunny</a:t>
+            </a:r>
+          </a:p>
+          <a:p>
+            <a:pPr marL="285750" indent="-285750">
+              <a:buFont typeface="Arial" panose="020B0604020202020204" pitchFamily="34" charset="0"/>
+              <a:buChar char="•"/>
+            </a:pPr>
+            <a:r>
+              <a:rPr lang="en-CA" dirty="0">
+                <a:solidFill>
+                  <a:schemeClr val="tx1"/>
+                </a:solidFill>
+              </a:rPr>
+              <a:t>Car </a:t>
+            </a:r>
+          </a:p>
+          <a:p>
+            <a:pPr marL="742950" lvl="1" indent="-285750">
+              <a:buFont typeface="Arial" panose="020B0604020202020204" pitchFamily="34" charset="0"/>
+              <a:buChar char="•"/>
+            </a:pPr>
+            <a:r>
+              <a:rPr lang="en-CA" dirty="0">
+                <a:solidFill>
+                  <a:schemeClr val="tx1"/>
+                </a:solidFill>
+              </a:rPr>
+              <a:t>Loaded?</a:t>
+            </a:r>
+          </a:p>
+          <a:p>
+            <a:pPr marL="742950" lvl="1" indent="-285750">
+              <a:buFont typeface="Arial" panose="020B0604020202020204" pitchFamily="34" charset="0"/>
+              <a:buChar char="•"/>
+            </a:pPr>
+            <a:r>
+              <a:rPr lang="en-CA" dirty="0">
+                <a:solidFill>
+                  <a:schemeClr val="tx1"/>
+                </a:solidFill>
+              </a:rPr>
+              <a:t>In VAO?</a:t>
+            </a:r>
+          </a:p>
+          <a:p>
+            <a:pPr marL="285750" indent="-285750">
+              <a:buFont typeface="Arial" panose="020B0604020202020204" pitchFamily="34" charset="0"/>
+              <a:buChar char="•"/>
+            </a:pPr>
+            <a:r>
+              <a:rPr lang="en-CA" dirty="0">
+                <a:solidFill>
+                  <a:schemeClr val="tx1"/>
+                </a:solidFill>
+              </a:rPr>
+              <a:t>Cheese</a:t>
+            </a:r>
+          </a:p>
+          <a:p>
+            <a:pPr marL="285750" indent="-285750">
+              <a:buFont typeface="Arial" panose="020B0604020202020204" pitchFamily="34" charset="0"/>
+              <a:buChar char="•"/>
+            </a:pPr>
+            <a:r>
+              <a:rPr lang="en-CA" dirty="0">
+                <a:solidFill>
+                  <a:schemeClr val="tx1"/>
+                </a:solidFill>
+              </a:rPr>
+              <a:t>Galactica</a:t>
+            </a:r>
+          </a:p>
+          <a:p>
+            <a:endParaRPr lang="en-CA" dirty="0">
+              <a:solidFill>
+                <a:schemeClr val="tx1"/>
+              </a:solidFill>
+            </a:endParaRPr>
+          </a:p>
+          <a:p>
+            <a:endParaRPr lang="en-CA" dirty="0">
+              <a:solidFill>
+                <a:schemeClr val="tx1"/>
+              </a:solidFill>
+            </a:endParaRPr>
+          </a:p>
+        </p:txBody>
+      </p:sp>
+      <p:sp>
+        <p:nvSpPr>
+          <p:cNvPr id="3" name="Rectangle: Rounded Corners 2">
+            <a:extLst>
+              <a:ext uri="{FF2B5EF4-FFF2-40B4-BE49-F238E27FC236}">
+                <a16:creationId xmlns:a16="http://schemas.microsoft.com/office/drawing/2014/main" id="{2DC42004-1997-0FA2-6F4F-80787D289CA0}"/>
+              </a:ext>
+            </a:extLst>
+          </p:cNvPr>
+          <p:cNvSpPr/>
+          <p:nvPr/>
+        </p:nvSpPr>
+        <p:spPr>
+          <a:xfrm>
+            <a:off x="194310" y="1200150"/>
+            <a:ext cx="2369820" cy="3657600"/>
+          </a:xfrm>
+          <a:prstGeom prst="roundRect">
+            <a:avLst/>
+          </a:prstGeom>
+        </p:spPr>
+        <p:style>
+          <a:lnRef idx="1">
+            <a:schemeClr val="accent3"/>
+          </a:lnRef>
+          <a:fillRef idx="3">
+            <a:schemeClr val="accent3"/>
+          </a:fillRef>
+          <a:effectRef idx="2">
+            <a:schemeClr val="accent3"/>
+          </a:effectRef>
+          <a:fontRef idx="minor">
+            <a:schemeClr val="lt1"/>
+          </a:fontRef>
+        </p:style>
+        <p:txBody>
+          <a:bodyPr rtlCol="0" anchor="ctr"/>
+          <a:lstStyle/>
+          <a:p>
+            <a:r>
+              <a:rPr lang="en-CA" dirty="0"/>
+              <a:t>VAO Manager</a:t>
+            </a:r>
+          </a:p>
+          <a:p>
+            <a:r>
+              <a:rPr lang="en-CA" dirty="0"/>
+              <a:t>(on thread with OpenGL context)</a:t>
+            </a:r>
+          </a:p>
+          <a:p>
+            <a:endParaRPr lang="en-CA" dirty="0"/>
+          </a:p>
+          <a:p>
+            <a:pPr marL="285750" indent="-285750">
+              <a:buFont typeface="Arial" panose="020B0604020202020204" pitchFamily="34" charset="0"/>
+              <a:buChar char="•"/>
+            </a:pPr>
+            <a:r>
+              <a:rPr lang="en-CA" sz="1600" dirty="0"/>
+              <a:t>Add mesh to map</a:t>
+            </a:r>
+          </a:p>
+          <a:p>
+            <a:pPr marL="285750" indent="-285750">
+              <a:buFont typeface="Arial" panose="020B0604020202020204" pitchFamily="34" charset="0"/>
+              <a:buChar char="•"/>
+            </a:pPr>
+            <a:r>
+              <a:rPr lang="en-CA" sz="1600" dirty="0"/>
+              <a:t>Wakes up the thread periodically</a:t>
+            </a:r>
+          </a:p>
+          <a:p>
+            <a:pPr marL="285750" indent="-285750">
+              <a:buFont typeface="Arial" panose="020B0604020202020204" pitchFamily="34" charset="0"/>
+              <a:buChar char="•"/>
+            </a:pPr>
+            <a:r>
+              <a:rPr lang="en-CA" sz="1600" dirty="0"/>
+              <a:t>Copy </a:t>
+            </a:r>
+            <a:r>
+              <a:rPr lang="en-CA" sz="1600" i="1" dirty="0"/>
+              <a:t>loaded </a:t>
+            </a:r>
+            <a:r>
+              <a:rPr lang="en-CA" sz="1600" dirty="0"/>
+              <a:t>mesh onto VAO</a:t>
+            </a:r>
+            <a:endParaRPr lang="en-CA" dirty="0"/>
+          </a:p>
+          <a:p>
+            <a:endParaRPr lang="en-CA" dirty="0"/>
+          </a:p>
+          <a:p>
+            <a:endParaRPr lang="en-CA" dirty="0"/>
+          </a:p>
+        </p:txBody>
+      </p:sp>
+      <p:sp>
+        <p:nvSpPr>
+          <p:cNvPr id="4" name="Rectangle: Rounded Corners 3">
+            <a:extLst>
+              <a:ext uri="{FF2B5EF4-FFF2-40B4-BE49-F238E27FC236}">
+                <a16:creationId xmlns:a16="http://schemas.microsoft.com/office/drawing/2014/main" id="{6F285927-04E2-0025-3CF4-A3E305830E98}"/>
+              </a:ext>
+            </a:extLst>
+          </p:cNvPr>
+          <p:cNvSpPr/>
+          <p:nvPr/>
+        </p:nvSpPr>
+        <p:spPr>
+          <a:xfrm>
+            <a:off x="6545580" y="1356360"/>
+            <a:ext cx="2522220" cy="3063239"/>
+          </a:xfrm>
+          <a:prstGeom prst="roundRect">
+            <a:avLst/>
+          </a:prstGeom>
+        </p:spPr>
+        <p:style>
+          <a:lnRef idx="1">
+            <a:schemeClr val="accent3"/>
+          </a:lnRef>
+          <a:fillRef idx="3">
+            <a:schemeClr val="accent3"/>
+          </a:fillRef>
+          <a:effectRef idx="2">
+            <a:schemeClr val="accent3"/>
+          </a:effectRef>
+          <a:fontRef idx="minor">
+            <a:schemeClr val="lt1"/>
+          </a:fontRef>
+        </p:style>
+        <p:txBody>
+          <a:bodyPr rtlCol="0" anchor="ctr"/>
+          <a:lstStyle/>
+          <a:p>
+            <a:r>
+              <a:rPr lang="en-CA" dirty="0"/>
+              <a:t>File Loading thread</a:t>
+            </a:r>
+          </a:p>
+          <a:p>
+            <a:pPr marL="285750" indent="-285750">
+              <a:buFont typeface="Arial" panose="020B0604020202020204" pitchFamily="34" charset="0"/>
+              <a:buChar char="•"/>
+            </a:pPr>
+            <a:r>
+              <a:rPr lang="en-CA" sz="1800" dirty="0"/>
+              <a:t>Checks if any models </a:t>
+            </a:r>
+            <a:r>
+              <a:rPr lang="en-CA" sz="1800" i="1" dirty="0"/>
+              <a:t>aren’t </a:t>
+            </a:r>
+            <a:r>
+              <a:rPr lang="en-CA" i="1" dirty="0"/>
+              <a:t> </a:t>
+            </a:r>
+            <a:r>
+              <a:rPr lang="en-CA" dirty="0"/>
+              <a:t>- if so, it loads the model and sets the “loaded” flag</a:t>
+            </a:r>
+          </a:p>
+          <a:p>
+            <a:pPr marL="285750" indent="-285750">
+              <a:buFont typeface="Arial" panose="020B0604020202020204" pitchFamily="34" charset="0"/>
+              <a:buChar char="•"/>
+            </a:pPr>
+            <a:r>
+              <a:rPr lang="en-CA" sz="1800" dirty="0"/>
+              <a:t>Goes back to sleep</a:t>
+            </a:r>
+          </a:p>
+          <a:p>
+            <a:endParaRPr lang="en-CA" dirty="0"/>
+          </a:p>
+        </p:txBody>
+      </p:sp>
+      <p:sp>
+        <p:nvSpPr>
+          <p:cNvPr id="5" name="Arrow: Right 4">
+            <a:extLst>
+              <a:ext uri="{FF2B5EF4-FFF2-40B4-BE49-F238E27FC236}">
+                <a16:creationId xmlns:a16="http://schemas.microsoft.com/office/drawing/2014/main" id="{18D9C2DC-2FE0-B4F7-FF0B-2C65A882FD94}"/>
+              </a:ext>
+            </a:extLst>
+          </p:cNvPr>
+          <p:cNvSpPr/>
+          <p:nvPr/>
+        </p:nvSpPr>
+        <p:spPr>
+          <a:xfrm>
+            <a:off x="2564130" y="2442210"/>
+            <a:ext cx="800100" cy="457200"/>
+          </a:xfrm>
+          <a:prstGeom prst="rightArrow">
+            <a:avLst/>
+          </a:prstGeom>
+        </p:spPr>
+        <p:style>
+          <a:lnRef idx="1">
+            <a:schemeClr val="accent4"/>
+          </a:lnRef>
+          <a:fillRef idx="3">
+            <a:schemeClr val="accent4"/>
+          </a:fillRef>
+          <a:effectRef idx="2">
+            <a:schemeClr val="accent4"/>
+          </a:effectRef>
+          <a:fontRef idx="minor">
+            <a:schemeClr val="lt1"/>
+          </a:fontRef>
+        </p:style>
+        <p:txBody>
+          <a:bodyPr rtlCol="0" anchor="ctr"/>
+          <a:lstStyle/>
+          <a:p>
+            <a:pPr algn="ctr"/>
+            <a:endParaRPr lang="en-CA"/>
+          </a:p>
+        </p:txBody>
+      </p:sp>
+      <p:sp>
+        <p:nvSpPr>
+          <p:cNvPr id="6" name="Arrow: Right 5">
+            <a:extLst>
+              <a:ext uri="{FF2B5EF4-FFF2-40B4-BE49-F238E27FC236}">
+                <a16:creationId xmlns:a16="http://schemas.microsoft.com/office/drawing/2014/main" id="{DB047715-343E-1F19-5FB6-AABD081414C5}"/>
+              </a:ext>
+            </a:extLst>
+          </p:cNvPr>
+          <p:cNvSpPr/>
+          <p:nvPr/>
+        </p:nvSpPr>
+        <p:spPr>
+          <a:xfrm rot="10800000">
+            <a:off x="5406390" y="2438400"/>
+            <a:ext cx="1139190" cy="457200"/>
+          </a:xfrm>
+          <a:prstGeom prst="rightArrow">
+            <a:avLst/>
+          </a:prstGeom>
+        </p:spPr>
+        <p:style>
+          <a:lnRef idx="1">
+            <a:schemeClr val="accent4"/>
+          </a:lnRef>
+          <a:fillRef idx="3">
+            <a:schemeClr val="accent4"/>
+          </a:fillRef>
+          <a:effectRef idx="2">
+            <a:schemeClr val="accent4"/>
+          </a:effectRef>
+          <a:fontRef idx="minor">
+            <a:schemeClr val="lt1"/>
+          </a:fontRef>
+        </p:style>
+        <p:txBody>
+          <a:bodyPr rtlCol="0" anchor="ctr"/>
+          <a:lstStyle/>
+          <a:p>
+            <a:pPr algn="ctr"/>
+            <a:endParaRPr lang="en-CA"/>
+          </a:p>
+        </p:txBody>
+      </p:sp>
+    </p:spTree>
+    <p:extLst>
+      <p:ext uri="{BB962C8B-B14F-4D97-AF65-F5344CB8AC3E}">
+        <p14:creationId xmlns:p14="http://schemas.microsoft.com/office/powerpoint/2010/main" val="401485993"/>
+      </p:ext>
+    </p:extLst>
+  </p:cSld>
+  <p:clrMapOvr>
+    <a:masterClrMapping/>
+  </p:clrMapOvr>
+</p:sld>
+</file>
+
+<file path=ppt/slides/slide13.xml><?xml version="1.0" encoding="utf-8"?>
+<p:sld xmlns:a="http://schemas.openxmlformats.org/drawingml/2006/main" xmlns:r="http://schemas.openxmlformats.org/officeDocument/2006/relationships" xmlns:p="http://schemas.openxmlformats.org/presentationml/2006/main">
+  <p:cSld>
+    <p:spTree>
+      <p:nvGrpSpPr>
+        <p:cNvPr id="1" name="">
+          <a:extLst>
+            <a:ext uri="{FF2B5EF4-FFF2-40B4-BE49-F238E27FC236}">
+              <a16:creationId xmlns:a16="http://schemas.microsoft.com/office/drawing/2014/main" id="{F9376AE5-21F3-9032-4AA5-A58B5EFCA0FC}"/>
+            </a:ext>
+          </a:extLst>
+        </p:cNvPr>
+        <p:cNvGrpSpPr/>
+        <p:nvPr/>
+      </p:nvGrpSpPr>
+      <p:grpSpPr>
+        <a:xfrm>
+          <a:off x="0" y="0"/>
+          <a:ext cx="0" cy="0"/>
+          <a:chOff x="0" y="0"/>
+          <a:chExt cx="0" cy="0"/>
+        </a:xfrm>
+      </p:grpSpPr>
+      <p:sp>
+        <p:nvSpPr>
+          <p:cNvPr id="27650" name="Rectangle 2">
+            <a:extLst>
+              <a:ext uri="{FF2B5EF4-FFF2-40B4-BE49-F238E27FC236}">
+                <a16:creationId xmlns:a16="http://schemas.microsoft.com/office/drawing/2014/main" id="{216D3704-76B4-07A5-3300-A0DD49EB37F8}"/>
+              </a:ext>
+            </a:extLst>
+          </p:cNvPr>
+          <p:cNvSpPr>
+            <a:spLocks noGrp="1" noChangeArrowheads="1"/>
+          </p:cNvSpPr>
+          <p:nvPr>
+            <p:ph type="title"/>
+          </p:nvPr>
+        </p:nvSpPr>
+        <p:spPr/>
+        <p:txBody>
+          <a:bodyPr/>
+          <a:lstStyle/>
+          <a:p>
+            <a:r>
+              <a:rPr lang="en-US" dirty="0"/>
+              <a:t>Example #2 VAO async loading</a:t>
+            </a:r>
+          </a:p>
+        </p:txBody>
+      </p:sp>
+      <p:sp>
+        <p:nvSpPr>
+          <p:cNvPr id="2" name="Rectangle 1">
+            <a:extLst>
+              <a:ext uri="{FF2B5EF4-FFF2-40B4-BE49-F238E27FC236}">
+                <a16:creationId xmlns:a16="http://schemas.microsoft.com/office/drawing/2014/main" id="{3F36F8B7-9D44-6032-5325-6DC2B327FEDE}"/>
+              </a:ext>
+            </a:extLst>
+          </p:cNvPr>
+          <p:cNvSpPr/>
+          <p:nvPr/>
+        </p:nvSpPr>
+        <p:spPr>
+          <a:xfrm>
+            <a:off x="3364230" y="971550"/>
+            <a:ext cx="2198370" cy="2362200"/>
+          </a:xfrm>
+          <a:prstGeom prst="rect">
+            <a:avLst/>
+          </a:prstGeom>
+        </p:spPr>
+        <p:style>
+          <a:lnRef idx="1">
+            <a:schemeClr val="accent1"/>
+          </a:lnRef>
+          <a:fillRef idx="3">
+            <a:schemeClr val="accent1"/>
+          </a:fillRef>
+          <a:effectRef idx="2">
+            <a:schemeClr val="accent1"/>
+          </a:effectRef>
+          <a:fontRef idx="minor">
+            <a:schemeClr val="lt1"/>
+          </a:fontRef>
+        </p:style>
+        <p:txBody>
+          <a:bodyPr rtlCol="0" anchor="ctr"/>
+          <a:lstStyle/>
+          <a:p>
+            <a:r>
+              <a:rPr lang="en-CA" dirty="0">
+                <a:solidFill>
+                  <a:schemeClr val="tx1"/>
+                </a:solidFill>
+              </a:rPr>
+              <a:t>Vector/array: Meshes</a:t>
+            </a:r>
+          </a:p>
+          <a:p>
+            <a:pPr marL="342900" indent="-342900">
+              <a:buFont typeface="+mj-lt"/>
+              <a:buAutoNum type="arabicPeriod"/>
+            </a:pPr>
+            <a:r>
+              <a:rPr lang="en-CA" dirty="0">
+                <a:solidFill>
+                  <a:schemeClr val="tx1"/>
+                </a:solidFill>
+              </a:rPr>
+              <a:t>Bunny</a:t>
+            </a:r>
+          </a:p>
+          <a:p>
+            <a:pPr marL="342900" indent="-342900">
+              <a:buFont typeface="+mj-lt"/>
+              <a:buAutoNum type="arabicPeriod"/>
+            </a:pPr>
+            <a:r>
+              <a:rPr lang="en-CA" dirty="0">
+                <a:solidFill>
+                  <a:schemeClr val="tx1"/>
+                </a:solidFill>
+              </a:rPr>
+              <a:t>Car Cheese</a:t>
+            </a:r>
+          </a:p>
+          <a:p>
+            <a:pPr marL="342900" indent="-342900">
+              <a:buFont typeface="+mj-lt"/>
+              <a:buAutoNum type="arabicPeriod"/>
+            </a:pPr>
+            <a:r>
+              <a:rPr lang="en-CA" dirty="0">
+                <a:solidFill>
+                  <a:schemeClr val="tx1"/>
+                </a:solidFill>
+              </a:rPr>
+              <a:t>Galactica</a:t>
+            </a:r>
+          </a:p>
+          <a:p>
+            <a:pPr marL="342900" indent="-342900">
+              <a:buFont typeface="+mj-lt"/>
+              <a:buAutoNum type="arabicPeriod"/>
+            </a:pPr>
+            <a:r>
+              <a:rPr lang="en-CA" dirty="0">
+                <a:solidFill>
+                  <a:schemeClr val="tx1"/>
+                </a:solidFill>
+              </a:rPr>
+              <a:t> </a:t>
+            </a:r>
+          </a:p>
+          <a:p>
+            <a:pPr marL="342900" indent="-342900">
+              <a:buFont typeface="+mj-lt"/>
+              <a:buAutoNum type="arabicPeriod"/>
+            </a:pPr>
+            <a:r>
+              <a:rPr lang="en-CA" dirty="0">
+                <a:solidFill>
+                  <a:schemeClr val="tx1"/>
+                </a:solidFill>
+              </a:rPr>
+              <a:t> </a:t>
+            </a:r>
+          </a:p>
+          <a:p>
+            <a:pPr marL="342900" indent="-342900">
+              <a:buFont typeface="+mj-lt"/>
+              <a:buAutoNum type="arabicPeriod"/>
+            </a:pPr>
+            <a:r>
+              <a:rPr lang="en-CA" dirty="0">
+                <a:solidFill>
+                  <a:schemeClr val="tx1"/>
+                </a:solidFill>
+              </a:rPr>
+              <a:t> </a:t>
+            </a:r>
+          </a:p>
+          <a:p>
+            <a:endParaRPr lang="en-CA" dirty="0">
+              <a:solidFill>
+                <a:schemeClr val="tx1"/>
+              </a:solidFill>
+            </a:endParaRPr>
+          </a:p>
+        </p:txBody>
+      </p:sp>
+      <p:sp>
+        <p:nvSpPr>
+          <p:cNvPr id="3" name="Rectangle: Rounded Corners 2">
+            <a:extLst>
+              <a:ext uri="{FF2B5EF4-FFF2-40B4-BE49-F238E27FC236}">
+                <a16:creationId xmlns:a16="http://schemas.microsoft.com/office/drawing/2014/main" id="{2DC42004-1997-0FA2-6F4F-80787D289CA0}"/>
+              </a:ext>
+            </a:extLst>
+          </p:cNvPr>
+          <p:cNvSpPr/>
+          <p:nvPr/>
+        </p:nvSpPr>
+        <p:spPr>
+          <a:xfrm>
+            <a:off x="194310" y="1200150"/>
+            <a:ext cx="2369820" cy="3657600"/>
+          </a:xfrm>
+          <a:prstGeom prst="roundRect">
+            <a:avLst/>
+          </a:prstGeom>
+        </p:spPr>
+        <p:style>
+          <a:lnRef idx="1">
+            <a:schemeClr val="accent3"/>
+          </a:lnRef>
+          <a:fillRef idx="3">
+            <a:schemeClr val="accent3"/>
+          </a:fillRef>
+          <a:effectRef idx="2">
+            <a:schemeClr val="accent3"/>
+          </a:effectRef>
+          <a:fontRef idx="minor">
+            <a:schemeClr val="lt1"/>
+          </a:fontRef>
+        </p:style>
+        <p:txBody>
+          <a:bodyPr rtlCol="0" anchor="ctr"/>
+          <a:lstStyle/>
+          <a:p>
+            <a:r>
+              <a:rPr lang="en-CA" dirty="0"/>
+              <a:t>VAO Manager</a:t>
+            </a:r>
+          </a:p>
+          <a:p>
+            <a:r>
+              <a:rPr lang="en-CA" dirty="0"/>
+              <a:t>(on thread with OpenGL context)</a:t>
+            </a:r>
+          </a:p>
+          <a:p>
+            <a:endParaRPr lang="en-CA" dirty="0"/>
+          </a:p>
+          <a:p>
+            <a:endParaRPr lang="en-CA" dirty="0"/>
+          </a:p>
+          <a:p>
+            <a:endParaRPr lang="en-CA" dirty="0"/>
+          </a:p>
+        </p:txBody>
+      </p:sp>
+      <p:sp>
+        <p:nvSpPr>
+          <p:cNvPr id="4" name="Rectangle: Rounded Corners 3">
+            <a:extLst>
+              <a:ext uri="{FF2B5EF4-FFF2-40B4-BE49-F238E27FC236}">
+                <a16:creationId xmlns:a16="http://schemas.microsoft.com/office/drawing/2014/main" id="{6F285927-04E2-0025-3CF4-A3E305830E98}"/>
+              </a:ext>
+            </a:extLst>
+          </p:cNvPr>
+          <p:cNvSpPr/>
+          <p:nvPr/>
+        </p:nvSpPr>
+        <p:spPr>
+          <a:xfrm>
+            <a:off x="6545580" y="1356360"/>
+            <a:ext cx="2522220" cy="3501390"/>
+          </a:xfrm>
+          <a:prstGeom prst="roundRect">
+            <a:avLst/>
+          </a:prstGeom>
+        </p:spPr>
+        <p:style>
+          <a:lnRef idx="1">
+            <a:schemeClr val="accent3"/>
+          </a:lnRef>
+          <a:fillRef idx="3">
+            <a:schemeClr val="accent3"/>
+          </a:fillRef>
+          <a:effectRef idx="2">
+            <a:schemeClr val="accent3"/>
+          </a:effectRef>
+          <a:fontRef idx="minor">
+            <a:schemeClr val="lt1"/>
+          </a:fontRef>
+        </p:style>
+        <p:txBody>
+          <a:bodyPr rtlCol="0" anchor="ctr"/>
+          <a:lstStyle/>
+          <a:p>
+            <a:r>
+              <a:rPr lang="en-CA" dirty="0"/>
+              <a:t>File Loading thread</a:t>
+            </a:r>
+          </a:p>
+          <a:p>
+            <a:pPr marL="285750" indent="-285750">
+              <a:buFont typeface="Arial" panose="020B0604020202020204" pitchFamily="34" charset="0"/>
+              <a:buChar char="•"/>
+            </a:pPr>
+            <a:r>
+              <a:rPr lang="en-CA" sz="1800" dirty="0"/>
+              <a:t>Checks atomic index (green)</a:t>
+            </a:r>
+          </a:p>
+          <a:p>
+            <a:pPr marL="285750" indent="-285750">
+              <a:buFont typeface="Arial" panose="020B0604020202020204" pitchFamily="34" charset="0"/>
+              <a:buChar char="•"/>
+            </a:pPr>
+            <a:r>
+              <a:rPr lang="en-CA" dirty="0"/>
+              <a:t>If not -1, then loads the model into that index location</a:t>
+            </a:r>
+            <a:endParaRPr lang="en-CA" sz="1800" dirty="0"/>
+          </a:p>
+          <a:p>
+            <a:endParaRPr lang="en-CA" dirty="0"/>
+          </a:p>
+        </p:txBody>
+      </p:sp>
+      <p:sp>
+        <p:nvSpPr>
+          <p:cNvPr id="5" name="Arrow: Right 4">
+            <a:extLst>
+              <a:ext uri="{FF2B5EF4-FFF2-40B4-BE49-F238E27FC236}">
+                <a16:creationId xmlns:a16="http://schemas.microsoft.com/office/drawing/2014/main" id="{18D9C2DC-2FE0-B4F7-FF0B-2C65A882FD94}"/>
+              </a:ext>
+            </a:extLst>
+          </p:cNvPr>
+          <p:cNvSpPr/>
+          <p:nvPr/>
+        </p:nvSpPr>
+        <p:spPr>
+          <a:xfrm>
+            <a:off x="2564130" y="2442210"/>
+            <a:ext cx="800100" cy="457200"/>
+          </a:xfrm>
+          <a:prstGeom prst="rightArrow">
+            <a:avLst/>
+          </a:prstGeom>
+        </p:spPr>
+        <p:style>
+          <a:lnRef idx="1">
+            <a:schemeClr val="accent4"/>
+          </a:lnRef>
+          <a:fillRef idx="3">
+            <a:schemeClr val="accent4"/>
+          </a:fillRef>
+          <a:effectRef idx="2">
+            <a:schemeClr val="accent4"/>
+          </a:effectRef>
+          <a:fontRef idx="minor">
+            <a:schemeClr val="lt1"/>
+          </a:fontRef>
+        </p:style>
+        <p:txBody>
+          <a:bodyPr rtlCol="0" anchor="ctr"/>
+          <a:lstStyle/>
+          <a:p>
+            <a:pPr algn="ctr"/>
+            <a:endParaRPr lang="en-CA"/>
+          </a:p>
+        </p:txBody>
+      </p:sp>
+      <p:sp>
+        <p:nvSpPr>
+          <p:cNvPr id="6" name="Arrow: Right 5">
+            <a:extLst>
+              <a:ext uri="{FF2B5EF4-FFF2-40B4-BE49-F238E27FC236}">
+                <a16:creationId xmlns:a16="http://schemas.microsoft.com/office/drawing/2014/main" id="{DB047715-343E-1F19-5FB6-AABD081414C5}"/>
+              </a:ext>
+            </a:extLst>
+          </p:cNvPr>
+          <p:cNvSpPr/>
+          <p:nvPr/>
+        </p:nvSpPr>
+        <p:spPr>
+          <a:xfrm rot="10800000">
+            <a:off x="5570220" y="2476500"/>
+            <a:ext cx="982980" cy="457200"/>
+          </a:xfrm>
+          <a:prstGeom prst="rightArrow">
+            <a:avLst/>
+          </a:prstGeom>
+        </p:spPr>
+        <p:style>
+          <a:lnRef idx="1">
+            <a:schemeClr val="accent4"/>
+          </a:lnRef>
+          <a:fillRef idx="3">
+            <a:schemeClr val="accent4"/>
+          </a:fillRef>
+          <a:effectRef idx="2">
+            <a:schemeClr val="accent4"/>
+          </a:effectRef>
+          <a:fontRef idx="minor">
+            <a:schemeClr val="lt1"/>
+          </a:fontRef>
+        </p:style>
+        <p:txBody>
+          <a:bodyPr rtlCol="0" anchor="ctr"/>
+          <a:lstStyle/>
+          <a:p>
+            <a:pPr algn="ctr"/>
+            <a:endParaRPr lang="en-CA"/>
+          </a:p>
+        </p:txBody>
+      </p:sp>
+      <p:sp>
+        <p:nvSpPr>
+          <p:cNvPr id="7" name="Rectangle 6">
+            <a:extLst>
+              <a:ext uri="{FF2B5EF4-FFF2-40B4-BE49-F238E27FC236}">
+                <a16:creationId xmlns:a16="http://schemas.microsoft.com/office/drawing/2014/main" id="{E9D793EB-E797-0E24-9B3A-3D9DF7392680}"/>
+              </a:ext>
+            </a:extLst>
+          </p:cNvPr>
+          <p:cNvSpPr/>
+          <p:nvPr/>
+        </p:nvSpPr>
+        <p:spPr>
+          <a:xfrm>
+            <a:off x="3432812" y="3486150"/>
+            <a:ext cx="2042160" cy="1295399"/>
+          </a:xfrm>
+          <a:prstGeom prst="rect">
+            <a:avLst/>
+          </a:prstGeom>
+        </p:spPr>
+        <p:style>
+          <a:lnRef idx="1">
+            <a:schemeClr val="accent4"/>
+          </a:lnRef>
+          <a:fillRef idx="3">
+            <a:schemeClr val="accent4"/>
+          </a:fillRef>
+          <a:effectRef idx="2">
+            <a:schemeClr val="accent4"/>
+          </a:effectRef>
+          <a:fontRef idx="minor">
+            <a:schemeClr val="lt1"/>
+          </a:fontRef>
+        </p:style>
+        <p:txBody>
+          <a:bodyPr rtlCol="0" anchor="ctr"/>
+          <a:lstStyle/>
+          <a:p>
+            <a:r>
+              <a:rPr lang="en-CA" sz="1400" dirty="0">
+                <a:solidFill>
+                  <a:schemeClr val="tx1"/>
+                </a:solidFill>
+              </a:rPr>
+              <a:t>Index of next to load model: -1</a:t>
+            </a:r>
+          </a:p>
+          <a:p>
+            <a:r>
+              <a:rPr lang="en-CA" sz="1400" dirty="0">
+                <a:solidFill>
+                  <a:schemeClr val="tx1"/>
+                </a:solidFill>
+              </a:rPr>
+              <a:t>(“atomic”) </a:t>
+            </a:r>
+            <a:r>
+              <a:rPr lang="en-CA" sz="1400" dirty="0" err="1">
+                <a:solidFill>
+                  <a:schemeClr val="tx1"/>
+                </a:solidFill>
+              </a:rPr>
+              <a:t>InterlockedExchange</a:t>
+            </a:r>
+            <a:endParaRPr lang="en-CA" sz="1400" dirty="0">
+              <a:solidFill>
+                <a:schemeClr val="tx1"/>
+              </a:solidFill>
+            </a:endParaRPr>
+          </a:p>
+        </p:txBody>
+      </p:sp>
+      <p:sp>
+        <p:nvSpPr>
+          <p:cNvPr id="8" name="Arrow: Right 7">
+            <a:extLst>
+              <a:ext uri="{FF2B5EF4-FFF2-40B4-BE49-F238E27FC236}">
+                <a16:creationId xmlns:a16="http://schemas.microsoft.com/office/drawing/2014/main" id="{24C0EA4B-6607-A873-CD08-58BFD07EA2ED}"/>
+              </a:ext>
+            </a:extLst>
+          </p:cNvPr>
+          <p:cNvSpPr/>
+          <p:nvPr/>
+        </p:nvSpPr>
+        <p:spPr>
+          <a:xfrm>
+            <a:off x="2564130" y="4056888"/>
+            <a:ext cx="868682" cy="457200"/>
+          </a:xfrm>
+          <a:prstGeom prst="rightArrow">
+            <a:avLst/>
+          </a:prstGeom>
+        </p:spPr>
+        <p:style>
+          <a:lnRef idx="1">
+            <a:schemeClr val="accent4"/>
+          </a:lnRef>
+          <a:fillRef idx="3">
+            <a:schemeClr val="accent4"/>
+          </a:fillRef>
+          <a:effectRef idx="2">
+            <a:schemeClr val="accent4"/>
+          </a:effectRef>
+          <a:fontRef idx="minor">
+            <a:schemeClr val="lt1"/>
+          </a:fontRef>
+        </p:style>
+        <p:txBody>
+          <a:bodyPr rtlCol="0" anchor="ctr"/>
+          <a:lstStyle/>
+          <a:p>
+            <a:pPr algn="ctr"/>
+            <a:endParaRPr lang="en-CA"/>
+          </a:p>
+        </p:txBody>
+      </p:sp>
+      <p:sp>
+        <p:nvSpPr>
+          <p:cNvPr id="10" name="Arrow: Right 9">
+            <a:extLst>
+              <a:ext uri="{FF2B5EF4-FFF2-40B4-BE49-F238E27FC236}">
+                <a16:creationId xmlns:a16="http://schemas.microsoft.com/office/drawing/2014/main" id="{2843B9E5-1DA9-9F25-317B-E04269BBD9B7}"/>
+              </a:ext>
+            </a:extLst>
+          </p:cNvPr>
+          <p:cNvSpPr/>
+          <p:nvPr/>
+        </p:nvSpPr>
+        <p:spPr>
+          <a:xfrm rot="10800000">
+            <a:off x="5482592" y="4033263"/>
+            <a:ext cx="1062988" cy="457200"/>
+          </a:xfrm>
+          <a:prstGeom prst="rightArrow">
+            <a:avLst/>
+          </a:prstGeom>
+        </p:spPr>
+        <p:style>
+          <a:lnRef idx="1">
+            <a:schemeClr val="accent4"/>
+          </a:lnRef>
+          <a:fillRef idx="3">
+            <a:schemeClr val="accent4"/>
+          </a:fillRef>
+          <a:effectRef idx="2">
+            <a:schemeClr val="accent4"/>
+          </a:effectRef>
+          <a:fontRef idx="minor">
+            <a:schemeClr val="lt1"/>
+          </a:fontRef>
+        </p:style>
+        <p:txBody>
+          <a:bodyPr rtlCol="0" anchor="ctr"/>
+          <a:lstStyle/>
+          <a:p>
+            <a:pPr algn="ctr"/>
+            <a:endParaRPr lang="en-CA"/>
+          </a:p>
+        </p:txBody>
+      </p:sp>
+    </p:spTree>
+    <p:extLst>
+      <p:ext uri="{BB962C8B-B14F-4D97-AF65-F5344CB8AC3E}">
+        <p14:creationId xmlns:p14="http://schemas.microsoft.com/office/powerpoint/2010/main" val="152230934"/>
+      </p:ext>
+    </p:extLst>
+  </p:cSld>
+  <p:clrMapOvr>
+    <a:masterClrMapping/>
+  </p:clrMapOvr>
+</p:sld>
+</file>
+
+<file path=ppt/slides/slide14.xml><?xml version="1.0" encoding="utf-8"?>
+<p:sld xmlns:a="http://schemas.openxmlformats.org/drawingml/2006/main" xmlns:r="http://schemas.openxmlformats.org/officeDocument/2006/relationships" xmlns:p="http://schemas.openxmlformats.org/presentationml/2006/main">
+  <p:cSld>
+    <p:spTree>
+      <p:nvGrpSpPr>
+        <p:cNvPr id="1" name="">
+          <a:extLst>
+            <a:ext uri="{FF2B5EF4-FFF2-40B4-BE49-F238E27FC236}">
+              <a16:creationId xmlns:a16="http://schemas.microsoft.com/office/drawing/2014/main" id="{F9376AE5-21F3-9032-4AA5-A58B5EFCA0FC}"/>
+            </a:ext>
+          </a:extLst>
+        </p:cNvPr>
+        <p:cNvGrpSpPr/>
+        <p:nvPr/>
+      </p:nvGrpSpPr>
+      <p:grpSpPr>
+        <a:xfrm>
+          <a:off x="0" y="0"/>
+          <a:ext cx="0" cy="0"/>
+          <a:chOff x="0" y="0"/>
+          <a:chExt cx="0" cy="0"/>
+        </a:xfrm>
+      </p:grpSpPr>
+      <p:sp>
+        <p:nvSpPr>
+          <p:cNvPr id="27650" name="Rectangle 2">
+            <a:extLst>
+              <a:ext uri="{FF2B5EF4-FFF2-40B4-BE49-F238E27FC236}">
+                <a16:creationId xmlns:a16="http://schemas.microsoft.com/office/drawing/2014/main" id="{216D3704-76B4-07A5-3300-A0DD49EB37F8}"/>
+              </a:ext>
+            </a:extLst>
+          </p:cNvPr>
+          <p:cNvSpPr>
+            <a:spLocks noGrp="1" noChangeArrowheads="1"/>
+          </p:cNvSpPr>
+          <p:nvPr>
+            <p:ph type="title"/>
+          </p:nvPr>
+        </p:nvSpPr>
+        <p:spPr/>
+        <p:txBody>
+          <a:bodyPr/>
+          <a:lstStyle/>
+          <a:p>
+            <a:r>
+              <a:rPr lang="en-US" dirty="0"/>
+              <a:t>Example #2 VAO async loading</a:t>
+            </a:r>
+          </a:p>
+        </p:txBody>
+      </p:sp>
+      <p:sp>
+        <p:nvSpPr>
+          <p:cNvPr id="27651" name="Rectangle 3">
+            <a:extLst>
+              <a:ext uri="{FF2B5EF4-FFF2-40B4-BE49-F238E27FC236}">
+                <a16:creationId xmlns:a16="http://schemas.microsoft.com/office/drawing/2014/main" id="{1CBB98D1-5AB7-DE5D-890D-8E54777A870D}"/>
+              </a:ext>
+            </a:extLst>
+          </p:cNvPr>
+          <p:cNvSpPr>
+            <a:spLocks noGrp="1" noChangeArrowheads="1"/>
+          </p:cNvSpPr>
+          <p:nvPr>
+            <p:ph type="body" idx="1"/>
+          </p:nvPr>
+        </p:nvSpPr>
+        <p:spPr>
+          <a:xfrm>
+            <a:off x="152400" y="1276350"/>
+            <a:ext cx="8763000" cy="3469207"/>
+          </a:xfrm>
+        </p:spPr>
+        <p:txBody>
+          <a:bodyPr>
+            <a:normAutofit/>
+          </a:bodyPr>
+          <a:lstStyle/>
+          <a:p>
+            <a:pPr>
+              <a:lnSpc>
+                <a:spcPct val="90000"/>
+              </a:lnSpc>
+            </a:pPr>
+            <a:r>
+              <a:rPr lang="en-US" sz="2000" dirty="0"/>
+              <a:t>Main thread calls </a:t>
+            </a:r>
+            <a:r>
+              <a:rPr lang="en-US" sz="2000" dirty="0" err="1"/>
+              <a:t>LoadAsync</a:t>
+            </a:r>
+            <a:r>
+              <a:rPr lang="en-US" sz="2000" dirty="0"/>
+              <a:t>()</a:t>
+            </a:r>
+          </a:p>
+          <a:p>
+            <a:pPr lvl="1">
+              <a:lnSpc>
+                <a:spcPct val="90000"/>
+              </a:lnSpc>
+            </a:pPr>
+            <a:r>
+              <a:rPr lang="en-US" sz="1600" dirty="0"/>
+              <a:t>This adds a </a:t>
+            </a:r>
+            <a:r>
+              <a:rPr lang="en-US" sz="1600" dirty="0" err="1"/>
+              <a:t>sModelDrawInfo</a:t>
+            </a:r>
+            <a:r>
+              <a:rPr lang="en-US" sz="1600" dirty="0"/>
+              <a:t> thing to the map BUT says it’s NOT loaded</a:t>
+            </a:r>
+          </a:p>
+          <a:p>
+            <a:pPr>
+              <a:lnSpc>
+                <a:spcPct val="90000"/>
+              </a:lnSpc>
+            </a:pPr>
+            <a:r>
+              <a:rPr lang="en-US" sz="2000" dirty="0"/>
+              <a:t>At some point, the thread wakes up</a:t>
+            </a:r>
+          </a:p>
+          <a:p>
+            <a:pPr lvl="1">
+              <a:lnSpc>
+                <a:spcPct val="90000"/>
+              </a:lnSpc>
+            </a:pPr>
+            <a:r>
+              <a:rPr lang="en-US" sz="1600" dirty="0"/>
+              <a:t>Looks through the map of models to find any “unloaded” models</a:t>
+            </a:r>
+          </a:p>
+          <a:p>
+            <a:pPr lvl="1">
+              <a:lnSpc>
+                <a:spcPct val="90000"/>
+              </a:lnSpc>
+            </a:pPr>
+            <a:r>
+              <a:rPr lang="en-US" sz="1600" dirty="0"/>
+              <a:t>If there is one, it will load it, then update the map</a:t>
+            </a:r>
+          </a:p>
+          <a:p>
+            <a:pPr>
+              <a:lnSpc>
+                <a:spcPct val="90000"/>
+              </a:lnSpc>
+            </a:pPr>
+            <a:r>
+              <a:rPr lang="en-US" sz="2000" dirty="0"/>
+              <a:t>While this is happening, the main thread is:</a:t>
+            </a:r>
+          </a:p>
+          <a:p>
+            <a:pPr lvl="1">
+              <a:lnSpc>
+                <a:spcPct val="90000"/>
+              </a:lnSpc>
+            </a:pPr>
+            <a:r>
+              <a:rPr lang="en-US" sz="1600" dirty="0"/>
+              <a:t>Checking to see if there are LOADED models that AREN’T in the VAO yet</a:t>
+            </a:r>
+          </a:p>
+          <a:p>
+            <a:pPr lvl="1">
+              <a:lnSpc>
+                <a:spcPct val="90000"/>
+              </a:lnSpc>
+            </a:pPr>
+            <a:r>
+              <a:rPr lang="en-US" sz="1600" dirty="0"/>
+              <a:t>This is happening when </a:t>
+            </a:r>
+            <a:r>
+              <a:rPr lang="en-US" sz="1600" dirty="0" err="1"/>
+              <a:t>LoadAsynModels</a:t>
+            </a:r>
+            <a:r>
+              <a:rPr lang="en-US" sz="1600" dirty="0"/>
+              <a:t>() is called</a:t>
+            </a:r>
+          </a:p>
+          <a:p>
+            <a:pPr lvl="1">
+              <a:lnSpc>
+                <a:spcPct val="90000"/>
+              </a:lnSpc>
+            </a:pPr>
+            <a:r>
+              <a:rPr lang="en-US" sz="1600" dirty="0"/>
+              <a:t>If it finds any (loaded, but NOT in the VAO)</a:t>
+            </a:r>
+          </a:p>
+          <a:p>
+            <a:pPr lvl="1">
+              <a:lnSpc>
+                <a:spcPct val="90000"/>
+              </a:lnSpc>
+            </a:pPr>
+            <a:r>
+              <a:rPr lang="en-US" sz="1600" dirty="0"/>
+              <a:t>It loads them into the VAO (because this thread has OpenGL context)</a:t>
+            </a:r>
+          </a:p>
+          <a:p>
+            <a:pPr lvl="1">
+              <a:lnSpc>
+                <a:spcPct val="90000"/>
+              </a:lnSpc>
+            </a:pPr>
+            <a:r>
+              <a:rPr lang="en-US" sz="1600" dirty="0"/>
+              <a:t>Updates the map to indicate this</a:t>
+            </a:r>
+          </a:p>
+          <a:p>
+            <a:pPr lvl="1">
+              <a:lnSpc>
+                <a:spcPct val="90000"/>
+              </a:lnSpc>
+            </a:pPr>
+            <a:endParaRPr lang="en-US" sz="1600" dirty="0"/>
+          </a:p>
+        </p:txBody>
+      </p:sp>
+    </p:spTree>
+    <p:extLst>
+      <p:ext uri="{BB962C8B-B14F-4D97-AF65-F5344CB8AC3E}">
+        <p14:creationId xmlns:p14="http://schemas.microsoft.com/office/powerpoint/2010/main" val="4208992930"/>
+      </p:ext>
+    </p:extLst>
+  </p:cSld>
+  <p:clrMapOvr>
+    <a:masterClrMapping/>
+  </p:clrMapOvr>
+  <p:timing>
+    <p:tnLst>
+      <p:par>
+        <p:cTn id="1" dur="indefinite" restart="never" nodeType="tmRoot">
+          <p:childTnLst>
+            <p:seq concurrent="1" nextAc="seek">
+              <p:cTn id="2" dur="indefinite" nodeType="mainSeq">
+                <p:childTnLst>
+                  <p:par>
+                    <p:cTn id="3" fill="hold">
+                      <p:stCondLst>
+                        <p:cond delay="indefinite"/>
+                      </p:stCondLst>
+                      <p:childTnLst>
+                        <p:par>
+                          <p:cTn id="4" fill="hold">
+                            <p:stCondLst>
+                              <p:cond delay="0"/>
+                            </p:stCondLst>
+                            <p:childTnLst>
+                              <p:par>
+                                <p:cTn id="5" presetID="1" presetClass="entr" presetSubtype="0" fill="hold" grpId="0" nodeType="clickEffect">
+                                  <p:stCondLst>
+                                    <p:cond delay="0"/>
+                                  </p:stCondLst>
+                                  <p:childTnLst>
+                                    <p:set>
+                                      <p:cBhvr>
+                                        <p:cTn id="6" dur="1" fill="hold">
+                                          <p:stCondLst>
+                                            <p:cond delay="0"/>
+                                          </p:stCondLst>
+                                        </p:cTn>
+                                        <p:tgtEl>
+                                          <p:spTgt spid="27651">
+                                            <p:txEl>
+                                              <p:pRg st="0" end="0"/>
+                                            </p:txEl>
+                                          </p:spTgt>
+                                        </p:tgtEl>
+                                        <p:attrNameLst>
+                                          <p:attrName>style.visibility</p:attrName>
+                                        </p:attrNameLst>
+                                      </p:cBhvr>
+                                      <p:to>
+                                        <p:strVal val="visible"/>
+                                      </p:to>
+                                    </p:set>
+                                  </p:childTnLst>
+                                </p:cTn>
+                              </p:par>
+                              <p:par>
+                                <p:cTn id="7" presetID="1" presetClass="entr" presetSubtype="0" fill="hold" grpId="0" nodeType="withEffect">
+                                  <p:stCondLst>
+                                    <p:cond delay="0"/>
+                                  </p:stCondLst>
+                                  <p:childTnLst>
+                                    <p:set>
+                                      <p:cBhvr>
+                                        <p:cTn id="8" dur="1" fill="hold">
+                                          <p:stCondLst>
+                                            <p:cond delay="0"/>
+                                          </p:stCondLst>
+                                        </p:cTn>
+                                        <p:tgtEl>
+                                          <p:spTgt spid="27651">
+                                            <p:txEl>
+                                              <p:pRg st="1" end="1"/>
+                                            </p:txEl>
+                                          </p:spTgt>
+                                        </p:tgtEl>
+                                        <p:attrNameLst>
+                                          <p:attrName>style.visibility</p:attrName>
+                                        </p:attrNameLst>
+                                      </p:cBhvr>
+                                      <p:to>
+                                        <p:strVal val="visible"/>
+                                      </p:to>
+                                    </p:set>
+                                  </p:childTnLst>
+                                </p:cTn>
+                              </p:par>
+                            </p:childTnLst>
+                          </p:cTn>
+                        </p:par>
+                      </p:childTnLst>
+                    </p:cTn>
+                  </p:par>
+                  <p:par>
+                    <p:cTn id="9" fill="hold">
+                      <p:stCondLst>
+                        <p:cond delay="indefinite"/>
+                      </p:stCondLst>
+                      <p:childTnLst>
+                        <p:par>
+                          <p:cTn id="10" fill="hold">
+                            <p:stCondLst>
+                              <p:cond delay="0"/>
+                            </p:stCondLst>
+                            <p:childTnLst>
+                              <p:par>
+                                <p:cTn id="11" presetID="1" presetClass="entr" presetSubtype="0" fill="hold" grpId="0" nodeType="clickEffect">
+                                  <p:stCondLst>
+                                    <p:cond delay="0"/>
+                                  </p:stCondLst>
+                                  <p:childTnLst>
+                                    <p:set>
+                                      <p:cBhvr>
+                                        <p:cTn id="12" dur="1" fill="hold">
+                                          <p:stCondLst>
+                                            <p:cond delay="0"/>
+                                          </p:stCondLst>
+                                        </p:cTn>
+                                        <p:tgtEl>
+                                          <p:spTgt spid="27651">
+                                            <p:txEl>
+                                              <p:pRg st="2" end="2"/>
+                                            </p:txEl>
+                                          </p:spTgt>
+                                        </p:tgtEl>
+                                        <p:attrNameLst>
+                                          <p:attrName>style.visibility</p:attrName>
+                                        </p:attrNameLst>
+                                      </p:cBhvr>
+                                      <p:to>
+                                        <p:strVal val="visible"/>
+                                      </p:to>
+                                    </p:set>
+                                  </p:childTnLst>
+                                </p:cTn>
+                              </p:par>
+                              <p:par>
+                                <p:cTn id="13" presetID="1" presetClass="entr" presetSubtype="0" fill="hold" grpId="0" nodeType="withEffect">
+                                  <p:stCondLst>
+                                    <p:cond delay="0"/>
+                                  </p:stCondLst>
+                                  <p:childTnLst>
+                                    <p:set>
+                                      <p:cBhvr>
+                                        <p:cTn id="14" dur="1" fill="hold">
+                                          <p:stCondLst>
+                                            <p:cond delay="0"/>
+                                          </p:stCondLst>
+                                        </p:cTn>
+                                        <p:tgtEl>
+                                          <p:spTgt spid="27651">
+                                            <p:txEl>
+                                              <p:pRg st="3" end="3"/>
+                                            </p:txEl>
+                                          </p:spTgt>
+                                        </p:tgtEl>
+                                        <p:attrNameLst>
+                                          <p:attrName>style.visibility</p:attrName>
+                                        </p:attrNameLst>
+                                      </p:cBhvr>
+                                      <p:to>
+                                        <p:strVal val="visible"/>
+                                      </p:to>
+                                    </p:set>
+                                  </p:childTnLst>
+                                </p:cTn>
+                              </p:par>
+                              <p:par>
+                                <p:cTn id="15" presetID="1" presetClass="entr" presetSubtype="0" fill="hold" grpId="0" nodeType="withEffect">
+                                  <p:stCondLst>
+                                    <p:cond delay="0"/>
+                                  </p:stCondLst>
+                                  <p:childTnLst>
+                                    <p:set>
+                                      <p:cBhvr>
+                                        <p:cTn id="16" dur="1" fill="hold">
+                                          <p:stCondLst>
+                                            <p:cond delay="0"/>
+                                          </p:stCondLst>
+                                        </p:cTn>
+                                        <p:tgtEl>
+                                          <p:spTgt spid="27651">
+                                            <p:txEl>
+                                              <p:pRg st="4" end="4"/>
+                                            </p:txEl>
+                                          </p:spTgt>
+                                        </p:tgtEl>
+                                        <p:attrNameLst>
+                                          <p:attrName>style.visibility</p:attrName>
+                                        </p:attrNameLst>
+                                      </p:cBhvr>
+                                      <p:to>
+                                        <p:strVal val="visible"/>
+                                      </p:to>
+                                    </p:set>
+                                  </p:childTnLst>
+                                </p:cTn>
+                              </p:par>
+                            </p:childTnLst>
+                          </p:cTn>
+                        </p:par>
+                      </p:childTnLst>
+                    </p:cTn>
+                  </p:par>
+                  <p:par>
+                    <p:cTn id="17" fill="hold">
+                      <p:stCondLst>
+                        <p:cond delay="indefinite"/>
+                      </p:stCondLst>
+                      <p:childTnLst>
+                        <p:par>
+                          <p:cTn id="18" fill="hold">
+                            <p:stCondLst>
+                              <p:cond delay="0"/>
+                            </p:stCondLst>
+                            <p:childTnLst>
+                              <p:par>
+                                <p:cTn id="19" presetID="1" presetClass="entr" presetSubtype="0" fill="hold" grpId="0" nodeType="clickEffect">
+                                  <p:stCondLst>
+                                    <p:cond delay="0"/>
+                                  </p:stCondLst>
+                                  <p:childTnLst>
+                                    <p:set>
+                                      <p:cBhvr>
+                                        <p:cTn id="20" dur="1" fill="hold">
+                                          <p:stCondLst>
+                                            <p:cond delay="0"/>
+                                          </p:stCondLst>
+                                        </p:cTn>
+                                        <p:tgtEl>
+                                          <p:spTgt spid="27651">
+                                            <p:txEl>
+                                              <p:pRg st="5" end="5"/>
+                                            </p:txEl>
+                                          </p:spTgt>
+                                        </p:tgtEl>
+                                        <p:attrNameLst>
+                                          <p:attrName>style.visibility</p:attrName>
+                                        </p:attrNameLst>
+                                      </p:cBhvr>
+                                      <p:to>
+                                        <p:strVal val="visible"/>
+                                      </p:to>
+                                    </p:set>
+                                  </p:childTnLst>
+                                </p:cTn>
+                              </p:par>
+                              <p:par>
+                                <p:cTn id="21" presetID="1" presetClass="entr" presetSubtype="0" fill="hold" grpId="0" nodeType="withEffect">
+                                  <p:stCondLst>
+                                    <p:cond delay="0"/>
+                                  </p:stCondLst>
+                                  <p:childTnLst>
+                                    <p:set>
+                                      <p:cBhvr>
+                                        <p:cTn id="22" dur="1" fill="hold">
+                                          <p:stCondLst>
+                                            <p:cond delay="0"/>
+                                          </p:stCondLst>
+                                        </p:cTn>
+                                        <p:tgtEl>
+                                          <p:spTgt spid="27651">
+                                            <p:txEl>
+                                              <p:pRg st="6" end="6"/>
+                                            </p:txEl>
+                                          </p:spTgt>
+                                        </p:tgtEl>
+                                        <p:attrNameLst>
+                                          <p:attrName>style.visibility</p:attrName>
+                                        </p:attrNameLst>
+                                      </p:cBhvr>
+                                      <p:to>
+                                        <p:strVal val="visible"/>
+                                      </p:to>
+                                    </p:set>
+                                  </p:childTnLst>
+                                </p:cTn>
+                              </p:par>
+                              <p:par>
+                                <p:cTn id="23" presetID="1" presetClass="entr" presetSubtype="0" fill="hold" grpId="0" nodeType="withEffect">
+                                  <p:stCondLst>
+                                    <p:cond delay="0"/>
+                                  </p:stCondLst>
+                                  <p:childTnLst>
+                                    <p:set>
+                                      <p:cBhvr>
+                                        <p:cTn id="24" dur="1" fill="hold">
+                                          <p:stCondLst>
+                                            <p:cond delay="0"/>
+                                          </p:stCondLst>
+                                        </p:cTn>
+                                        <p:tgtEl>
+                                          <p:spTgt spid="27651">
+                                            <p:txEl>
+                                              <p:pRg st="7" end="7"/>
+                                            </p:txEl>
+                                          </p:spTgt>
+                                        </p:tgtEl>
+                                        <p:attrNameLst>
+                                          <p:attrName>style.visibility</p:attrName>
+                                        </p:attrNameLst>
+                                      </p:cBhvr>
+                                      <p:to>
+                                        <p:strVal val="visible"/>
+                                      </p:to>
+                                    </p:set>
+                                  </p:childTnLst>
+                                </p:cTn>
+                              </p:par>
+                              <p:par>
+                                <p:cTn id="25" presetID="1" presetClass="entr" presetSubtype="0" fill="hold" grpId="0" nodeType="withEffect">
+                                  <p:stCondLst>
+                                    <p:cond delay="0"/>
+                                  </p:stCondLst>
+                                  <p:childTnLst>
+                                    <p:set>
+                                      <p:cBhvr>
+                                        <p:cTn id="26" dur="1" fill="hold">
+                                          <p:stCondLst>
+                                            <p:cond delay="0"/>
+                                          </p:stCondLst>
+                                        </p:cTn>
+                                        <p:tgtEl>
+                                          <p:spTgt spid="27651">
+                                            <p:txEl>
+                                              <p:pRg st="8" end="8"/>
+                                            </p:txEl>
+                                          </p:spTgt>
+                                        </p:tgtEl>
+                                        <p:attrNameLst>
+                                          <p:attrName>style.visibility</p:attrName>
+                                        </p:attrNameLst>
+                                      </p:cBhvr>
+                                      <p:to>
+                                        <p:strVal val="visible"/>
+                                      </p:to>
+                                    </p:set>
+                                  </p:childTnLst>
+                                </p:cTn>
+                              </p:par>
+                              <p:par>
+                                <p:cTn id="27" presetID="1" presetClass="entr" presetSubtype="0" fill="hold" grpId="0" nodeType="withEffect">
+                                  <p:stCondLst>
+                                    <p:cond delay="0"/>
+                                  </p:stCondLst>
+                                  <p:childTnLst>
+                                    <p:set>
+                                      <p:cBhvr>
+                                        <p:cTn id="28" dur="1" fill="hold">
+                                          <p:stCondLst>
+                                            <p:cond delay="0"/>
+                                          </p:stCondLst>
+                                        </p:cTn>
+                                        <p:tgtEl>
+                                          <p:spTgt spid="27651">
+                                            <p:txEl>
+                                              <p:pRg st="9" end="9"/>
+                                            </p:txEl>
+                                          </p:spTgt>
+                                        </p:tgtEl>
+                                        <p:attrNameLst>
+                                          <p:attrName>style.visibility</p:attrName>
+                                        </p:attrNameLst>
+                                      </p:cBhvr>
+                                      <p:to>
+                                        <p:strVal val="visible"/>
+                                      </p:to>
+                                    </p:set>
+                                  </p:childTnLst>
+                                </p:cTn>
+                              </p:par>
+                              <p:par>
+                                <p:cTn id="29" presetID="1" presetClass="entr" presetSubtype="0" fill="hold" grpId="0" nodeType="withEffect">
+                                  <p:stCondLst>
+                                    <p:cond delay="0"/>
+                                  </p:stCondLst>
+                                  <p:childTnLst>
+                                    <p:set>
+                                      <p:cBhvr>
+                                        <p:cTn id="30" dur="1" fill="hold">
+                                          <p:stCondLst>
+                                            <p:cond delay="0"/>
+                                          </p:stCondLst>
+                                        </p:cTn>
+                                        <p:tgtEl>
+                                          <p:spTgt spid="27651">
+                                            <p:txEl>
+                                              <p:pRg st="10" end="10"/>
+                                            </p:txEl>
+                                          </p:spTgt>
+                                        </p:tgtEl>
+                                        <p:attrNameLst>
+                                          <p:attrName>style.visibility</p:attrName>
+                                        </p:attrNameLst>
+                                      </p:cBhvr>
+                                      <p:to>
+                                        <p:strVal val="visible"/>
+                                      </p:to>
+                                    </p:set>
+                                  </p:childTnLst>
+                                </p:cTn>
+                              </p:par>
+                            </p:childTnLst>
+                          </p:cTn>
+                        </p:par>
+                      </p:childTnLst>
+                    </p:cTn>
+                  </p:par>
+                </p:childTnLst>
+              </p:cTn>
+              <p:prevCondLst>
+                <p:cond evt="onPrev" delay="0">
+                  <p:tgtEl>
+                    <p:sldTgt/>
+                  </p:tgtEl>
+                </p:cond>
+              </p:prevCondLst>
+              <p:nextCondLst>
+                <p:cond evt="onNext" delay="0">
+                  <p:tgtEl>
+                    <p:sldTgt/>
+                  </p:tgtEl>
+                </p:cond>
+              </p:nextCondLst>
+            </p:seq>
+          </p:childTnLst>
+        </p:cTn>
+      </p:par>
+    </p:tnLst>
+    <p:bldLst>
+      <p:bldP spid="27651" grpId="0" build="p"/>
+    </p:bldLst>
+  </p:timing>
+</p:sld>
+</file>
+
+<file path=ppt/slides/slide15.xml><?xml version="1.0" encoding="utf-8"?>
+<p:sld xmlns:a="http://schemas.openxmlformats.org/drawingml/2006/main" xmlns:r="http://schemas.openxmlformats.org/officeDocument/2006/relationships" xmlns:p="http://schemas.openxmlformats.org/presentationml/2006/main">
+  <p:cSld>
+    <p:spTree>
+      <p:nvGrpSpPr>
+        <p:cNvPr id="1" name=""/>
+        <p:cNvGrpSpPr/>
+        <p:nvPr/>
+      </p:nvGrpSpPr>
+      <p:grpSpPr>
+        <a:xfrm>
+          <a:off x="0" y="0"/>
+          <a:ext cx="0" cy="0"/>
+          <a:chOff x="0" y="0"/>
+          <a:chExt cx="0" cy="0"/>
+        </a:xfrm>
+      </p:grpSpPr>
+      <p:sp>
+        <p:nvSpPr>
+          <p:cNvPr id="27650" name="Rectangle 2"/>
+          <p:cNvSpPr>
+            <a:spLocks noGrp="1" noChangeArrowheads="1"/>
+          </p:cNvSpPr>
+          <p:nvPr>
+            <p:ph type="title"/>
+          </p:nvPr>
+        </p:nvSpPr>
+        <p:spPr/>
+        <p:txBody>
+          <a:bodyPr/>
+          <a:lstStyle/>
+          <a:p>
+            <a:r>
+              <a:rPr lang="en-US" dirty="0"/>
+              <a:t>Semaphore and Mutex</a:t>
+            </a:r>
+          </a:p>
+        </p:txBody>
+      </p:sp>
+      <p:sp>
+        <p:nvSpPr>
+          <p:cNvPr id="27651" name="Rectangle 3"/>
+          <p:cNvSpPr>
+            <a:spLocks noGrp="1" noChangeArrowheads="1"/>
+          </p:cNvSpPr>
+          <p:nvPr>
+            <p:ph type="body" idx="1"/>
+          </p:nvPr>
+        </p:nvSpPr>
+        <p:spPr>
+          <a:xfrm>
+            <a:off x="457200" y="1276350"/>
+            <a:ext cx="8229600" cy="3469207"/>
+          </a:xfrm>
+        </p:spPr>
+        <p:txBody>
+          <a:bodyPr>
+            <a:normAutofit/>
+          </a:bodyPr>
+          <a:lstStyle/>
+          <a:p>
+            <a:pPr>
+              <a:lnSpc>
+                <a:spcPct val="90000"/>
+              </a:lnSpc>
+            </a:pPr>
+            <a:r>
+              <a:rPr lang="en-US" sz="2000" dirty="0"/>
+              <a:t>Shared “flag” or counter that more than one thread has access to</a:t>
+            </a:r>
+          </a:p>
+          <a:p>
+            <a:pPr>
+              <a:lnSpc>
+                <a:spcPct val="90000"/>
+              </a:lnSpc>
+            </a:pPr>
+            <a:r>
+              <a:rPr lang="en-US" sz="2000" dirty="0"/>
+              <a:t>Could be a Boolean sort of thing (true/false or on/off or locked/unlocked)</a:t>
+            </a:r>
+          </a:p>
+          <a:p>
+            <a:pPr>
+              <a:lnSpc>
+                <a:spcPct val="90000"/>
+              </a:lnSpc>
+            </a:pPr>
+            <a:r>
+              <a:rPr lang="en-US" sz="2000" dirty="0"/>
+              <a:t>Could be something like a counter</a:t>
+            </a:r>
+          </a:p>
+          <a:p>
+            <a:pPr>
+              <a:lnSpc>
+                <a:spcPct val="90000"/>
+              </a:lnSpc>
+            </a:pPr>
+            <a:r>
+              <a:rPr lang="en-US" sz="2000" dirty="0"/>
+              <a:t>“classic” things like Semaphores, Mutexes, etc. are “heavier” things that often run in the kernel (OS) and take far longer than something like a Critical Section or an “atomic” (we’ll see them in a moment).</a:t>
+            </a:r>
+          </a:p>
+          <a:p>
+            <a:pPr lvl="1">
+              <a:lnSpc>
+                <a:spcPct val="90000"/>
+              </a:lnSpc>
+            </a:pPr>
+            <a:r>
+              <a:rPr lang="en-US" sz="1600" dirty="0" err="1"/>
+              <a:t>WaitForSingleObject</a:t>
+            </a:r>
+            <a:r>
+              <a:rPr lang="en-US" sz="1600" dirty="0"/>
+              <a:t>(), </a:t>
+            </a:r>
+            <a:r>
+              <a:rPr lang="en-US" sz="1600" dirty="0" err="1"/>
+              <a:t>WaitForMultipleObjects</a:t>
+            </a:r>
+            <a:r>
+              <a:rPr lang="en-US" sz="1600" dirty="0"/>
+              <a:t>()…</a:t>
+            </a:r>
+          </a:p>
+          <a:p>
+            <a:pPr lvl="1">
+              <a:lnSpc>
+                <a:spcPct val="90000"/>
+              </a:lnSpc>
+            </a:pPr>
+            <a:r>
+              <a:rPr lang="en-US" sz="1600" dirty="0"/>
+              <a:t>Literally Semaphores and </a:t>
+            </a:r>
+            <a:r>
+              <a:rPr lang="en-US" sz="1600" dirty="0" err="1"/>
+              <a:t>Mutextes</a:t>
+            </a:r>
+            <a:endParaRPr lang="en-US" sz="1600" dirty="0"/>
+          </a:p>
+          <a:p>
+            <a:pPr lvl="1">
+              <a:lnSpc>
+                <a:spcPct val="90000"/>
+              </a:lnSpc>
+            </a:pPr>
+            <a:r>
+              <a:rPr lang="en-US" sz="1600" dirty="0"/>
+              <a:t>Spin Locks that are kernel mode</a:t>
+            </a:r>
+          </a:p>
+          <a:p>
+            <a:pPr>
+              <a:lnSpc>
+                <a:spcPct val="90000"/>
+              </a:lnSpc>
+            </a:pPr>
+            <a:r>
+              <a:rPr lang="en-US" sz="2000" dirty="0"/>
+              <a:t>Generally, we’d use these with processes, not threads</a:t>
+            </a:r>
+          </a:p>
+          <a:p>
+            <a:pPr>
+              <a:lnSpc>
+                <a:spcPct val="90000"/>
+              </a:lnSpc>
+            </a:pPr>
+            <a:r>
+              <a:rPr lang="en-US" sz="2000" dirty="0" err="1"/>
+              <a:t>Eg</a:t>
+            </a:r>
+            <a:r>
+              <a:rPr lang="en-US" sz="2000" dirty="0"/>
+              <a:t>: Two processes (applications) accessing the same file…</a:t>
+            </a:r>
+          </a:p>
+          <a:p>
+            <a:pPr>
+              <a:lnSpc>
+                <a:spcPct val="90000"/>
+              </a:lnSpc>
+            </a:pPr>
+            <a:endParaRPr lang="en-US" sz="2000" dirty="0"/>
+          </a:p>
+        </p:txBody>
+      </p:sp>
+    </p:spTree>
+  </p:cSld>
+  <p:clrMapOvr>
+    <a:masterClrMapping/>
+  </p:clrMapOvr>
+  <p:timing>
+    <p:tnLst>
+      <p:par>
+        <p:cTn id="1" dur="indefinite" restart="never" nodeType="tmRoot">
+          <p:childTnLst>
+            <p:seq concurrent="1" nextAc="seek">
+              <p:cTn id="2" dur="indefinite" nodeType="mainSeq">
+                <p:childTnLst>
+                  <p:par>
+                    <p:cTn id="3" fill="hold">
+                      <p:stCondLst>
+                        <p:cond delay="indefinite"/>
+                      </p:stCondLst>
+                      <p:childTnLst>
+                        <p:par>
+                          <p:cTn id="4" fill="hold">
+                            <p:stCondLst>
+                              <p:cond delay="0"/>
+                            </p:stCondLst>
+                            <p:childTnLst>
+                              <p:par>
+                                <p:cTn id="5" presetID="1" presetClass="entr" presetSubtype="0" fill="hold" grpId="0" nodeType="clickEffect">
+                                  <p:stCondLst>
+                                    <p:cond delay="0"/>
+                                  </p:stCondLst>
+                                  <p:childTnLst>
+                                    <p:set>
+                                      <p:cBhvr>
+                                        <p:cTn id="6" dur="1" fill="hold">
+                                          <p:stCondLst>
+                                            <p:cond delay="0"/>
+                                          </p:stCondLst>
+                                        </p:cTn>
+                                        <p:tgtEl>
+                                          <p:spTgt spid="27651">
+                                            <p:txEl>
+                                              <p:pRg st="0" end="0"/>
+                                            </p:txEl>
+                                          </p:spTgt>
+                                        </p:tgtEl>
+                                        <p:attrNameLst>
+                                          <p:attrName>style.visibility</p:attrName>
+                                        </p:attrNameLst>
+                                      </p:cBhvr>
+                                      <p:to>
+                                        <p:strVal val="visible"/>
+                                      </p:to>
+                                    </p:set>
+                                  </p:childTnLst>
+                                </p:cTn>
+                              </p:par>
+                            </p:childTnLst>
+                          </p:cTn>
+                        </p:par>
+                      </p:childTnLst>
+                    </p:cTn>
+                  </p:par>
+                  <p:par>
+                    <p:cTn id="7" fill="hold">
+                      <p:stCondLst>
+                        <p:cond delay="indefinite"/>
+                      </p:stCondLst>
+                      <p:childTnLst>
+                        <p:par>
+                          <p:cTn id="8" fill="hold">
+                            <p:stCondLst>
+                              <p:cond delay="0"/>
+                            </p:stCondLst>
+                            <p:childTnLst>
+                              <p:par>
+                                <p:cTn id="9" presetID="1" presetClass="entr" presetSubtype="0" fill="hold" grpId="0" nodeType="clickEffect">
+                                  <p:stCondLst>
+                                    <p:cond delay="0"/>
+                                  </p:stCondLst>
+                                  <p:childTnLst>
+                                    <p:set>
+                                      <p:cBhvr>
+                                        <p:cTn id="10" dur="1" fill="hold">
+                                          <p:stCondLst>
+                                            <p:cond delay="0"/>
+                                          </p:stCondLst>
+                                        </p:cTn>
+                                        <p:tgtEl>
+                                          <p:spTgt spid="27651">
+                                            <p:txEl>
+                                              <p:pRg st="1" end="1"/>
+                                            </p:txEl>
+                                          </p:spTgt>
+                                        </p:tgtEl>
+                                        <p:attrNameLst>
+                                          <p:attrName>style.visibility</p:attrName>
+                                        </p:attrNameLst>
+                                      </p:cBhvr>
+                                      <p:to>
+                                        <p:strVal val="visible"/>
+                                      </p:to>
+                                    </p:set>
+                                  </p:childTnLst>
+                                </p:cTn>
+                              </p:par>
+                            </p:childTnLst>
+                          </p:cTn>
+                        </p:par>
+                      </p:childTnLst>
+                    </p:cTn>
+                  </p:par>
+                  <p:par>
+                    <p:cTn id="11" fill="hold">
+                      <p:stCondLst>
+                        <p:cond delay="indefinite"/>
+                      </p:stCondLst>
+                      <p:childTnLst>
+                        <p:par>
+                          <p:cTn id="12" fill="hold">
+                            <p:stCondLst>
+                              <p:cond delay="0"/>
+                            </p:stCondLst>
+                            <p:childTnLst>
+                              <p:par>
+                                <p:cTn id="13" presetID="1" presetClass="entr" presetSubtype="0" fill="hold" grpId="0" nodeType="clickEffect">
+                                  <p:stCondLst>
+                                    <p:cond delay="0"/>
+                                  </p:stCondLst>
+                                  <p:childTnLst>
+                                    <p:set>
+                                      <p:cBhvr>
+                                        <p:cTn id="14" dur="1" fill="hold">
+                                          <p:stCondLst>
+                                            <p:cond delay="0"/>
+                                          </p:stCondLst>
+                                        </p:cTn>
+                                        <p:tgtEl>
+                                          <p:spTgt spid="27651">
+                                            <p:txEl>
+                                              <p:pRg st="2" end="2"/>
+                                            </p:txEl>
+                                          </p:spTgt>
+                                        </p:tgtEl>
+                                        <p:attrNameLst>
+                                          <p:attrName>style.visibility</p:attrName>
+                                        </p:attrNameLst>
+                                      </p:cBhvr>
+                                      <p:to>
+                                        <p:strVal val="visible"/>
+                                      </p:to>
+                                    </p:set>
+                                  </p:childTnLst>
+                                </p:cTn>
+                              </p:par>
+                            </p:childTnLst>
+                          </p:cTn>
+                        </p:par>
+                      </p:childTnLst>
+                    </p:cTn>
+                  </p:par>
+                  <p:par>
+                    <p:cTn id="15" fill="hold">
+                      <p:stCondLst>
+                        <p:cond delay="indefinite"/>
+                      </p:stCondLst>
+                      <p:childTnLst>
+                        <p:par>
+                          <p:cTn id="16" fill="hold">
+                            <p:stCondLst>
+                              <p:cond delay="0"/>
+                            </p:stCondLst>
+                            <p:childTnLst>
+                              <p:par>
+                                <p:cTn id="17" presetID="1" presetClass="entr" presetSubtype="0" fill="hold" grpId="0" nodeType="clickEffect">
+                                  <p:stCondLst>
+                                    <p:cond delay="0"/>
+                                  </p:stCondLst>
+                                  <p:childTnLst>
+                                    <p:set>
+                                      <p:cBhvr>
+                                        <p:cTn id="18" dur="1" fill="hold">
+                                          <p:stCondLst>
+                                            <p:cond delay="0"/>
+                                          </p:stCondLst>
+                                        </p:cTn>
+                                        <p:tgtEl>
+                                          <p:spTgt spid="27651">
+                                            <p:txEl>
+                                              <p:pRg st="3" end="3"/>
+                                            </p:txEl>
+                                          </p:spTgt>
+                                        </p:tgtEl>
+                                        <p:attrNameLst>
+                                          <p:attrName>style.visibility</p:attrName>
+                                        </p:attrNameLst>
+                                      </p:cBhvr>
+                                      <p:to>
+                                        <p:strVal val="visible"/>
+                                      </p:to>
+                                    </p:set>
+                                  </p:childTnLst>
+                                </p:cTn>
+                              </p:par>
+                              <p:par>
+                                <p:cTn id="19" presetID="1" presetClass="entr" presetSubtype="0" fill="hold" grpId="0" nodeType="withEffect">
+                                  <p:stCondLst>
+                                    <p:cond delay="0"/>
+                                  </p:stCondLst>
+                                  <p:childTnLst>
+                                    <p:set>
+                                      <p:cBhvr>
+                                        <p:cTn id="20" dur="1" fill="hold">
+                                          <p:stCondLst>
+                                            <p:cond delay="0"/>
+                                          </p:stCondLst>
+                                        </p:cTn>
+                                        <p:tgtEl>
+                                          <p:spTgt spid="27651">
+                                            <p:txEl>
+                                              <p:pRg st="4" end="4"/>
+                                            </p:txEl>
+                                          </p:spTgt>
+                                        </p:tgtEl>
+                                        <p:attrNameLst>
+                                          <p:attrName>style.visibility</p:attrName>
+                                        </p:attrNameLst>
+                                      </p:cBhvr>
+                                      <p:to>
+                                        <p:strVal val="visible"/>
+                                      </p:to>
+                                    </p:set>
+                                  </p:childTnLst>
+                                </p:cTn>
+                              </p:par>
+                              <p:par>
+                                <p:cTn id="21" presetID="1" presetClass="entr" presetSubtype="0" fill="hold" grpId="0" nodeType="withEffect">
+                                  <p:stCondLst>
+                                    <p:cond delay="0"/>
+                                  </p:stCondLst>
+                                  <p:childTnLst>
+                                    <p:set>
+                                      <p:cBhvr>
+                                        <p:cTn id="22" dur="1" fill="hold">
+                                          <p:stCondLst>
+                                            <p:cond delay="0"/>
+                                          </p:stCondLst>
+                                        </p:cTn>
+                                        <p:tgtEl>
+                                          <p:spTgt spid="27651">
+                                            <p:txEl>
+                                              <p:pRg st="5" end="5"/>
+                                            </p:txEl>
+                                          </p:spTgt>
+                                        </p:tgtEl>
+                                        <p:attrNameLst>
+                                          <p:attrName>style.visibility</p:attrName>
+                                        </p:attrNameLst>
+                                      </p:cBhvr>
+                                      <p:to>
+                                        <p:strVal val="visible"/>
+                                      </p:to>
+                                    </p:set>
+                                  </p:childTnLst>
+                                </p:cTn>
+                              </p:par>
+                              <p:par>
+                                <p:cTn id="23" presetID="1" presetClass="entr" presetSubtype="0" fill="hold" grpId="0" nodeType="withEffect">
+                                  <p:stCondLst>
+                                    <p:cond delay="0"/>
+                                  </p:stCondLst>
+                                  <p:childTnLst>
+                                    <p:set>
+                                      <p:cBhvr>
+                                        <p:cTn id="24" dur="1" fill="hold">
+                                          <p:stCondLst>
+                                            <p:cond delay="0"/>
+                                          </p:stCondLst>
+                                        </p:cTn>
+                                        <p:tgtEl>
+                                          <p:spTgt spid="27651">
+                                            <p:txEl>
+                                              <p:pRg st="6" end="6"/>
+                                            </p:txEl>
+                                          </p:spTgt>
+                                        </p:tgtEl>
+                                        <p:attrNameLst>
+                                          <p:attrName>style.visibility</p:attrName>
+                                        </p:attrNameLst>
+                                      </p:cBhvr>
+                                      <p:to>
+                                        <p:strVal val="visible"/>
+                                      </p:to>
+                                    </p:set>
+                                  </p:childTnLst>
+                                </p:cTn>
+                              </p:par>
+                            </p:childTnLst>
+                          </p:cTn>
+                        </p:par>
+                      </p:childTnLst>
+                    </p:cTn>
+                  </p:par>
+                  <p:par>
+                    <p:cTn id="25" fill="hold">
+                      <p:stCondLst>
+                        <p:cond delay="indefinite"/>
+                      </p:stCondLst>
+                      <p:childTnLst>
+                        <p:par>
+                          <p:cTn id="26" fill="hold">
+                            <p:stCondLst>
+                              <p:cond delay="0"/>
+                            </p:stCondLst>
+                            <p:childTnLst>
+                              <p:par>
+                                <p:cTn id="27" presetID="1" presetClass="entr" presetSubtype="0" fill="hold" grpId="0" nodeType="clickEffect">
+                                  <p:stCondLst>
+                                    <p:cond delay="0"/>
+                                  </p:stCondLst>
+                                  <p:childTnLst>
+                                    <p:set>
+                                      <p:cBhvr>
+                                        <p:cTn id="28" dur="1" fill="hold">
+                                          <p:stCondLst>
+                                            <p:cond delay="0"/>
+                                          </p:stCondLst>
+                                        </p:cTn>
+                                        <p:tgtEl>
+                                          <p:spTgt spid="27651">
+                                            <p:txEl>
+                                              <p:pRg st="7" end="7"/>
+                                            </p:txEl>
+                                          </p:spTgt>
+                                        </p:tgtEl>
+                                        <p:attrNameLst>
+                                          <p:attrName>style.visibility</p:attrName>
+                                        </p:attrNameLst>
+                                      </p:cBhvr>
+                                      <p:to>
+                                        <p:strVal val="visible"/>
+                                      </p:to>
+                                    </p:set>
+                                  </p:childTnLst>
+                                </p:cTn>
+                              </p:par>
+                            </p:childTnLst>
+                          </p:cTn>
+                        </p:par>
+                      </p:childTnLst>
+                    </p:cTn>
+                  </p:par>
+                  <p:par>
+                    <p:cTn id="29" fill="hold">
+                      <p:stCondLst>
+                        <p:cond delay="indefinite"/>
+                      </p:stCondLst>
+                      <p:childTnLst>
+                        <p:par>
+                          <p:cTn id="30" fill="hold">
+                            <p:stCondLst>
+                              <p:cond delay="0"/>
+                            </p:stCondLst>
+                            <p:childTnLst>
+                              <p:par>
+                                <p:cTn id="31" presetID="1" presetClass="entr" presetSubtype="0" fill="hold" grpId="0" nodeType="clickEffect">
+                                  <p:stCondLst>
+                                    <p:cond delay="0"/>
+                                  </p:stCondLst>
+                                  <p:childTnLst>
+                                    <p:set>
+                                      <p:cBhvr>
+                                        <p:cTn id="32" dur="1" fill="hold">
+                                          <p:stCondLst>
+                                            <p:cond delay="0"/>
+                                          </p:stCondLst>
+                                        </p:cTn>
+                                        <p:tgtEl>
+                                          <p:spTgt spid="27651">
+                                            <p:txEl>
+                                              <p:pRg st="8" end="8"/>
+                                            </p:txEl>
+                                          </p:spTgt>
+                                        </p:tgtEl>
+                                        <p:attrNameLst>
+                                          <p:attrName>style.visibility</p:attrName>
+                                        </p:attrNameLst>
+                                      </p:cBhvr>
+                                      <p:to>
+                                        <p:strVal val="visible"/>
+                                      </p:to>
+                                    </p:set>
+                                  </p:childTnLst>
+                                </p:cTn>
+                              </p:par>
+                            </p:childTnLst>
+                          </p:cTn>
+                        </p:par>
+                      </p:childTnLst>
+                    </p:cTn>
+                  </p:par>
+                </p:childTnLst>
+              </p:cTn>
+              <p:prevCondLst>
+                <p:cond evt="onPrev" delay="0">
+                  <p:tgtEl>
+                    <p:sldTgt/>
+                  </p:tgtEl>
+                </p:cond>
+              </p:prevCondLst>
+              <p:nextCondLst>
+                <p:cond evt="onNext" delay="0">
+                  <p:tgtEl>
+                    <p:sldTgt/>
+                  </p:tgtEl>
+                </p:cond>
+              </p:nextCondLst>
+            </p:seq>
+          </p:childTnLst>
+        </p:cTn>
+      </p:par>
+    </p:tnLst>
+    <p:bldLst>
+      <p:bldP spid="27651" grpId="0" build="p"/>
+    </p:bldLst>
+  </p:timing>
+</p:sld>
+</file>
+
+<file path=ppt/slides/slide16.xml><?xml version="1.0" encoding="utf-8"?>
+<p:sld xmlns:a="http://schemas.openxmlformats.org/drawingml/2006/main" xmlns:r="http://schemas.openxmlformats.org/officeDocument/2006/relationships" xmlns:p="http://schemas.openxmlformats.org/presentationml/2006/main">
+  <p:cSld>
+    <p:spTree>
+      <p:nvGrpSpPr>
+        <p:cNvPr id="1" name="">
+          <a:extLst>
+            <a:ext uri="{FF2B5EF4-FFF2-40B4-BE49-F238E27FC236}">
+              <a16:creationId xmlns:a16="http://schemas.microsoft.com/office/drawing/2014/main" id="{831B5A21-7824-71B4-CF0E-62542436BFE6}"/>
+            </a:ext>
+          </a:extLst>
+        </p:cNvPr>
+        <p:cNvGrpSpPr/>
+        <p:nvPr/>
+      </p:nvGrpSpPr>
+      <p:grpSpPr>
+        <a:xfrm>
+          <a:off x="0" y="0"/>
+          <a:ext cx="0" cy="0"/>
+          <a:chOff x="0" y="0"/>
+          <a:chExt cx="0" cy="0"/>
+        </a:xfrm>
+      </p:grpSpPr>
+      <p:sp>
+        <p:nvSpPr>
+          <p:cNvPr id="27650" name="Rectangle 2">
+            <a:extLst>
+              <a:ext uri="{FF2B5EF4-FFF2-40B4-BE49-F238E27FC236}">
+                <a16:creationId xmlns:a16="http://schemas.microsoft.com/office/drawing/2014/main" id="{807696E8-3E0A-1FBD-94F8-AA8023C766C2}"/>
+              </a:ext>
+            </a:extLst>
+          </p:cNvPr>
+          <p:cNvSpPr>
+            <a:spLocks noGrp="1" noChangeArrowheads="1"/>
+          </p:cNvSpPr>
+          <p:nvPr>
+            <p:ph type="title"/>
+          </p:nvPr>
+        </p:nvSpPr>
+        <p:spPr/>
+        <p:txBody>
+          <a:bodyPr/>
+          <a:lstStyle/>
+          <a:p>
+            <a:r>
+              <a:rPr lang="en-US" dirty="0"/>
+              <a:t>Tools and tips</a:t>
+            </a:r>
+          </a:p>
+        </p:txBody>
+      </p:sp>
+      <p:sp>
+        <p:nvSpPr>
+          <p:cNvPr id="27651" name="Rectangle 3">
+            <a:extLst>
+              <a:ext uri="{FF2B5EF4-FFF2-40B4-BE49-F238E27FC236}">
+                <a16:creationId xmlns:a16="http://schemas.microsoft.com/office/drawing/2014/main" id="{F1156010-7160-C094-0896-E1EB9426A0F5}"/>
+              </a:ext>
+            </a:extLst>
+          </p:cNvPr>
+          <p:cNvSpPr>
+            <a:spLocks noGrp="1" noChangeArrowheads="1"/>
+          </p:cNvSpPr>
+          <p:nvPr>
+            <p:ph type="body" idx="1"/>
+          </p:nvPr>
+        </p:nvSpPr>
+        <p:spPr>
+          <a:xfrm>
+            <a:off x="152400" y="1276350"/>
+            <a:ext cx="8534400" cy="3469207"/>
+          </a:xfrm>
+        </p:spPr>
+        <p:txBody>
+          <a:bodyPr>
+            <a:normAutofit/>
+          </a:bodyPr>
+          <a:lstStyle/>
+          <a:p>
+            <a:pPr>
+              <a:lnSpc>
+                <a:spcPct val="90000"/>
+              </a:lnSpc>
+            </a:pPr>
+            <a:r>
+              <a:rPr lang="en-US" sz="1800" dirty="0"/>
+              <a:t>If threads are using their own info only, that’s ideal</a:t>
+            </a:r>
+          </a:p>
+          <a:p>
+            <a:pPr lvl="1">
+              <a:lnSpc>
+                <a:spcPct val="90000"/>
+              </a:lnSpc>
+            </a:pPr>
+            <a:r>
+              <a:rPr lang="en-US" sz="1600" dirty="0"/>
+              <a:t>5 soft body objects, spawn a thread to do the </a:t>
+            </a:r>
+            <a:r>
+              <a:rPr lang="en-US" sz="1600" dirty="0" err="1"/>
+              <a:t>Verlet</a:t>
+            </a:r>
+            <a:r>
+              <a:rPr lang="en-US" sz="1600" dirty="0"/>
+              <a:t> integration for each object</a:t>
+            </a:r>
+          </a:p>
+          <a:p>
+            <a:pPr lvl="1">
+              <a:lnSpc>
+                <a:spcPct val="90000"/>
+              </a:lnSpc>
+            </a:pPr>
+            <a:r>
+              <a:rPr lang="en-US" sz="1600" dirty="0"/>
+              <a:t>Each thread only “touches” its own data</a:t>
+            </a:r>
+          </a:p>
+          <a:p>
+            <a:pPr>
+              <a:lnSpc>
+                <a:spcPct val="90000"/>
+              </a:lnSpc>
+            </a:pPr>
+            <a:r>
+              <a:rPr lang="en-US" sz="1800" dirty="0"/>
+              <a:t>If the threads are READING (read only) the data, then outputting their own results</a:t>
+            </a:r>
+          </a:p>
+          <a:p>
+            <a:pPr>
+              <a:lnSpc>
+                <a:spcPct val="90000"/>
+              </a:lnSpc>
+            </a:pPr>
+            <a:r>
+              <a:rPr lang="en-US" sz="1800" dirty="0"/>
+              <a:t>We can “lock” whole parts of data (variables, containers (vector, etc.)) using:</a:t>
+            </a:r>
+          </a:p>
+          <a:p>
+            <a:pPr lvl="1">
+              <a:lnSpc>
+                <a:spcPct val="90000"/>
+              </a:lnSpc>
+            </a:pPr>
+            <a:r>
+              <a:rPr lang="en-US" sz="1400" dirty="0"/>
+              <a:t>Heavy like: semaphores, mutex, etc.</a:t>
+            </a:r>
+          </a:p>
+          <a:p>
+            <a:pPr lvl="1">
+              <a:lnSpc>
+                <a:spcPct val="90000"/>
+              </a:lnSpc>
+            </a:pPr>
+            <a:r>
+              <a:rPr lang="en-US" sz="1400" dirty="0"/>
+              <a:t>Critical Sections</a:t>
+            </a:r>
+          </a:p>
+          <a:p>
+            <a:pPr lvl="1">
+              <a:lnSpc>
+                <a:spcPct val="90000"/>
+              </a:lnSpc>
+            </a:pPr>
+            <a:r>
+              <a:rPr lang="en-US" sz="1400" dirty="0"/>
+              <a:t>Something small like an int, then </a:t>
+            </a:r>
+            <a:r>
+              <a:rPr lang="en-US" sz="1400" dirty="0" err="1"/>
+              <a:t>InterlockedExchange</a:t>
+            </a:r>
+            <a:r>
+              <a:rPr lang="en-US" sz="1400" dirty="0"/>
+              <a:t> (‘atomic’) instructions are an option</a:t>
+            </a:r>
+          </a:p>
+          <a:p>
+            <a:pPr>
+              <a:lnSpc>
+                <a:spcPct val="90000"/>
+              </a:lnSpc>
+            </a:pPr>
+            <a:r>
+              <a:rPr lang="en-US" sz="1800" dirty="0"/>
+              <a:t>Using a combo of this where things are “buffered” </a:t>
+            </a:r>
+          </a:p>
+          <a:p>
+            <a:pPr lvl="1">
+              <a:lnSpc>
+                <a:spcPct val="90000"/>
+              </a:lnSpc>
+            </a:pPr>
+            <a:r>
+              <a:rPr lang="en-US" sz="1400" dirty="0"/>
+              <a:t>One thread is writing to a buffer (its “write buffer”) while another is reading from a separate (often “slightly older data” buffer), then we swap them out.</a:t>
+            </a:r>
+          </a:p>
+          <a:p>
+            <a:pPr>
+              <a:lnSpc>
+                <a:spcPct val="90000"/>
+              </a:lnSpc>
+            </a:pPr>
+            <a:endParaRPr lang="en-US" sz="2000" dirty="0"/>
+          </a:p>
+        </p:txBody>
+      </p:sp>
+    </p:spTree>
+    <p:extLst>
+      <p:ext uri="{BB962C8B-B14F-4D97-AF65-F5344CB8AC3E}">
+        <p14:creationId xmlns:p14="http://schemas.microsoft.com/office/powerpoint/2010/main" val="498129078"/>
+      </p:ext>
+    </p:extLst>
+  </p:cSld>
+  <p:clrMapOvr>
+    <a:masterClrMapping/>
+  </p:clrMapOvr>
+  <p:timing>
+    <p:tnLst>
+      <p:par>
+        <p:cTn id="1" dur="indefinite" restart="never" nodeType="tmRoot">
+          <p:childTnLst>
+            <p:seq concurrent="1" nextAc="seek">
+              <p:cTn id="2" dur="indefinite" nodeType="mainSeq">
+                <p:childTnLst>
+                  <p:par>
+                    <p:cTn id="3" fill="hold">
+                      <p:stCondLst>
+                        <p:cond delay="indefinite"/>
+                      </p:stCondLst>
+                      <p:childTnLst>
+                        <p:par>
+                          <p:cTn id="4" fill="hold">
+                            <p:stCondLst>
+                              <p:cond delay="0"/>
+                            </p:stCondLst>
+                            <p:childTnLst>
+                              <p:par>
+                                <p:cTn id="5" presetID="1" presetClass="entr" presetSubtype="0" fill="hold" grpId="0" nodeType="clickEffect">
+                                  <p:stCondLst>
+                                    <p:cond delay="0"/>
+                                  </p:stCondLst>
+                                  <p:childTnLst>
+                                    <p:set>
+                                      <p:cBhvr>
+                                        <p:cTn id="6" dur="1" fill="hold">
+                                          <p:stCondLst>
+                                            <p:cond delay="0"/>
+                                          </p:stCondLst>
+                                        </p:cTn>
+                                        <p:tgtEl>
+                                          <p:spTgt spid="27651">
+                                            <p:txEl>
+                                              <p:pRg st="0" end="0"/>
+                                            </p:txEl>
+                                          </p:spTgt>
+                                        </p:tgtEl>
+                                        <p:attrNameLst>
+                                          <p:attrName>style.visibility</p:attrName>
+                                        </p:attrNameLst>
+                                      </p:cBhvr>
+                                      <p:to>
+                                        <p:strVal val="visible"/>
+                                      </p:to>
+                                    </p:set>
+                                  </p:childTnLst>
+                                </p:cTn>
+                              </p:par>
+                              <p:par>
+                                <p:cTn id="7" presetID="1" presetClass="entr" presetSubtype="0" fill="hold" grpId="0" nodeType="withEffect">
+                                  <p:stCondLst>
+                                    <p:cond delay="0"/>
+                                  </p:stCondLst>
+                                  <p:childTnLst>
+                                    <p:set>
+                                      <p:cBhvr>
+                                        <p:cTn id="8" dur="1" fill="hold">
+                                          <p:stCondLst>
+                                            <p:cond delay="0"/>
+                                          </p:stCondLst>
+                                        </p:cTn>
+                                        <p:tgtEl>
+                                          <p:spTgt spid="27651">
+                                            <p:txEl>
+                                              <p:pRg st="1" end="1"/>
+                                            </p:txEl>
+                                          </p:spTgt>
+                                        </p:tgtEl>
+                                        <p:attrNameLst>
+                                          <p:attrName>style.visibility</p:attrName>
+                                        </p:attrNameLst>
+                                      </p:cBhvr>
+                                      <p:to>
+                                        <p:strVal val="visible"/>
+                                      </p:to>
+                                    </p:set>
+                                  </p:childTnLst>
+                                </p:cTn>
+                              </p:par>
+                              <p:par>
+                                <p:cTn id="9" presetID="1" presetClass="entr" presetSubtype="0" fill="hold" grpId="0" nodeType="withEffect">
+                                  <p:stCondLst>
+                                    <p:cond delay="0"/>
+                                  </p:stCondLst>
+                                  <p:childTnLst>
+                                    <p:set>
+                                      <p:cBhvr>
+                                        <p:cTn id="10" dur="1" fill="hold">
+                                          <p:stCondLst>
+                                            <p:cond delay="0"/>
+                                          </p:stCondLst>
+                                        </p:cTn>
+                                        <p:tgtEl>
+                                          <p:spTgt spid="27651">
+                                            <p:txEl>
+                                              <p:pRg st="2" end="2"/>
+                                            </p:txEl>
+                                          </p:spTgt>
+                                        </p:tgtEl>
+                                        <p:attrNameLst>
+                                          <p:attrName>style.visibility</p:attrName>
+                                        </p:attrNameLst>
+                                      </p:cBhvr>
+                                      <p:to>
+                                        <p:strVal val="visible"/>
+                                      </p:to>
+                                    </p:set>
+                                  </p:childTnLst>
+                                </p:cTn>
+                              </p:par>
+                            </p:childTnLst>
+                          </p:cTn>
+                        </p:par>
+                      </p:childTnLst>
+                    </p:cTn>
+                  </p:par>
+                  <p:par>
+                    <p:cTn id="11" fill="hold">
+                      <p:stCondLst>
+                        <p:cond delay="indefinite"/>
+                      </p:stCondLst>
+                      <p:childTnLst>
+                        <p:par>
+                          <p:cTn id="12" fill="hold">
+                            <p:stCondLst>
+                              <p:cond delay="0"/>
+                            </p:stCondLst>
+                            <p:childTnLst>
+                              <p:par>
+                                <p:cTn id="13" presetID="1" presetClass="entr" presetSubtype="0" fill="hold" grpId="0" nodeType="clickEffect">
+                                  <p:stCondLst>
+                                    <p:cond delay="0"/>
+                                  </p:stCondLst>
+                                  <p:childTnLst>
+                                    <p:set>
+                                      <p:cBhvr>
+                                        <p:cTn id="14" dur="1" fill="hold">
+                                          <p:stCondLst>
+                                            <p:cond delay="0"/>
+                                          </p:stCondLst>
+                                        </p:cTn>
+                                        <p:tgtEl>
+                                          <p:spTgt spid="27651">
+                                            <p:txEl>
+                                              <p:pRg st="3" end="3"/>
+                                            </p:txEl>
+                                          </p:spTgt>
+                                        </p:tgtEl>
+                                        <p:attrNameLst>
+                                          <p:attrName>style.visibility</p:attrName>
+                                        </p:attrNameLst>
+                                      </p:cBhvr>
+                                      <p:to>
+                                        <p:strVal val="visible"/>
+                                      </p:to>
+                                    </p:set>
+                                  </p:childTnLst>
+                                </p:cTn>
+                              </p:par>
+                            </p:childTnLst>
+                          </p:cTn>
+                        </p:par>
+                      </p:childTnLst>
+                    </p:cTn>
+                  </p:par>
+                  <p:par>
+                    <p:cTn id="15" fill="hold">
+                      <p:stCondLst>
+                        <p:cond delay="indefinite"/>
+                      </p:stCondLst>
+                      <p:childTnLst>
+                        <p:par>
+                          <p:cTn id="16" fill="hold">
+                            <p:stCondLst>
+                              <p:cond delay="0"/>
+                            </p:stCondLst>
+                            <p:childTnLst>
+                              <p:par>
+                                <p:cTn id="17" presetID="1" presetClass="entr" presetSubtype="0" fill="hold" grpId="0" nodeType="clickEffect">
+                                  <p:stCondLst>
+                                    <p:cond delay="0"/>
+                                  </p:stCondLst>
+                                  <p:childTnLst>
+                                    <p:set>
+                                      <p:cBhvr>
+                                        <p:cTn id="18" dur="1" fill="hold">
+                                          <p:stCondLst>
+                                            <p:cond delay="0"/>
+                                          </p:stCondLst>
+                                        </p:cTn>
+                                        <p:tgtEl>
+                                          <p:spTgt spid="27651">
+                                            <p:txEl>
+                                              <p:pRg st="4" end="4"/>
+                                            </p:txEl>
+                                          </p:spTgt>
+                                        </p:tgtEl>
+                                        <p:attrNameLst>
+                                          <p:attrName>style.visibility</p:attrName>
+                                        </p:attrNameLst>
+                                      </p:cBhvr>
+                                      <p:to>
+                                        <p:strVal val="visible"/>
+                                      </p:to>
+                                    </p:set>
+                                  </p:childTnLst>
+                                </p:cTn>
+                              </p:par>
+                              <p:par>
+                                <p:cTn id="19" presetID="1" presetClass="entr" presetSubtype="0" fill="hold" grpId="0" nodeType="withEffect">
+                                  <p:stCondLst>
+                                    <p:cond delay="0"/>
+                                  </p:stCondLst>
+                                  <p:childTnLst>
+                                    <p:set>
+                                      <p:cBhvr>
+                                        <p:cTn id="20" dur="1" fill="hold">
+                                          <p:stCondLst>
+                                            <p:cond delay="0"/>
+                                          </p:stCondLst>
+                                        </p:cTn>
+                                        <p:tgtEl>
+                                          <p:spTgt spid="27651">
+                                            <p:txEl>
+                                              <p:pRg st="5" end="5"/>
+                                            </p:txEl>
+                                          </p:spTgt>
+                                        </p:tgtEl>
+                                        <p:attrNameLst>
+                                          <p:attrName>style.visibility</p:attrName>
+                                        </p:attrNameLst>
+                                      </p:cBhvr>
+                                      <p:to>
+                                        <p:strVal val="visible"/>
+                                      </p:to>
+                                    </p:set>
+                                  </p:childTnLst>
+                                </p:cTn>
+                              </p:par>
+                              <p:par>
+                                <p:cTn id="21" presetID="1" presetClass="entr" presetSubtype="0" fill="hold" grpId="0" nodeType="withEffect">
+                                  <p:stCondLst>
+                                    <p:cond delay="0"/>
+                                  </p:stCondLst>
+                                  <p:childTnLst>
+                                    <p:set>
+                                      <p:cBhvr>
+                                        <p:cTn id="22" dur="1" fill="hold">
+                                          <p:stCondLst>
+                                            <p:cond delay="0"/>
+                                          </p:stCondLst>
+                                        </p:cTn>
+                                        <p:tgtEl>
+                                          <p:spTgt spid="27651">
+                                            <p:txEl>
+                                              <p:pRg st="6" end="6"/>
+                                            </p:txEl>
+                                          </p:spTgt>
+                                        </p:tgtEl>
+                                        <p:attrNameLst>
+                                          <p:attrName>style.visibility</p:attrName>
+                                        </p:attrNameLst>
+                                      </p:cBhvr>
+                                      <p:to>
+                                        <p:strVal val="visible"/>
+                                      </p:to>
+                                    </p:set>
+                                  </p:childTnLst>
+                                </p:cTn>
+                              </p:par>
+                              <p:par>
+                                <p:cTn id="23" presetID="1" presetClass="entr" presetSubtype="0" fill="hold" grpId="0" nodeType="withEffect">
+                                  <p:stCondLst>
+                                    <p:cond delay="0"/>
+                                  </p:stCondLst>
+                                  <p:childTnLst>
+                                    <p:set>
+                                      <p:cBhvr>
+                                        <p:cTn id="24" dur="1" fill="hold">
+                                          <p:stCondLst>
+                                            <p:cond delay="0"/>
+                                          </p:stCondLst>
+                                        </p:cTn>
+                                        <p:tgtEl>
+                                          <p:spTgt spid="27651">
+                                            <p:txEl>
+                                              <p:pRg st="7" end="7"/>
+                                            </p:txEl>
+                                          </p:spTgt>
+                                        </p:tgtEl>
+                                        <p:attrNameLst>
+                                          <p:attrName>style.visibility</p:attrName>
+                                        </p:attrNameLst>
+                                      </p:cBhvr>
+                                      <p:to>
+                                        <p:strVal val="visible"/>
+                                      </p:to>
+                                    </p:set>
+                                  </p:childTnLst>
+                                </p:cTn>
+                              </p:par>
+                            </p:childTnLst>
+                          </p:cTn>
+                        </p:par>
+                      </p:childTnLst>
+                    </p:cTn>
+                  </p:par>
+                  <p:par>
+                    <p:cTn id="25" fill="hold">
+                      <p:stCondLst>
+                        <p:cond delay="indefinite"/>
+                      </p:stCondLst>
+                      <p:childTnLst>
+                        <p:par>
+                          <p:cTn id="26" fill="hold">
+                            <p:stCondLst>
+                              <p:cond delay="0"/>
+                            </p:stCondLst>
+                            <p:childTnLst>
+                              <p:par>
+                                <p:cTn id="27" presetID="1" presetClass="entr" presetSubtype="0" fill="hold" grpId="0" nodeType="clickEffect">
+                                  <p:stCondLst>
+                                    <p:cond delay="0"/>
+                                  </p:stCondLst>
+                                  <p:childTnLst>
+                                    <p:set>
+                                      <p:cBhvr>
+                                        <p:cTn id="28" dur="1" fill="hold">
+                                          <p:stCondLst>
+                                            <p:cond delay="0"/>
+                                          </p:stCondLst>
+                                        </p:cTn>
+                                        <p:tgtEl>
+                                          <p:spTgt spid="27651">
+                                            <p:txEl>
+                                              <p:pRg st="8" end="8"/>
+                                            </p:txEl>
+                                          </p:spTgt>
+                                        </p:tgtEl>
+                                        <p:attrNameLst>
+                                          <p:attrName>style.visibility</p:attrName>
+                                        </p:attrNameLst>
+                                      </p:cBhvr>
+                                      <p:to>
+                                        <p:strVal val="visible"/>
+                                      </p:to>
+                                    </p:set>
+                                  </p:childTnLst>
+                                </p:cTn>
+                              </p:par>
+                              <p:par>
+                                <p:cTn id="29" presetID="1" presetClass="entr" presetSubtype="0" fill="hold" grpId="0" nodeType="withEffect">
+                                  <p:stCondLst>
+                                    <p:cond delay="0"/>
+                                  </p:stCondLst>
+                                  <p:childTnLst>
+                                    <p:set>
+                                      <p:cBhvr>
+                                        <p:cTn id="30" dur="1" fill="hold">
+                                          <p:stCondLst>
+                                            <p:cond delay="0"/>
+                                          </p:stCondLst>
+                                        </p:cTn>
+                                        <p:tgtEl>
+                                          <p:spTgt spid="27651">
+                                            <p:txEl>
+                                              <p:pRg st="9" end="9"/>
+                                            </p:txEl>
+                                          </p:spTgt>
+                                        </p:tgtEl>
+                                        <p:attrNameLst>
+                                          <p:attrName>style.visibility</p:attrName>
+                                        </p:attrNameLst>
+                                      </p:cBhvr>
+                                      <p:to>
+                                        <p:strVal val="visible"/>
+                                      </p:to>
+                                    </p:set>
+                                  </p:childTnLst>
+                                </p:cTn>
+                              </p:par>
+                            </p:childTnLst>
+                          </p:cTn>
+                        </p:par>
+                      </p:childTnLst>
+                    </p:cTn>
+                  </p:par>
+                </p:childTnLst>
+              </p:cTn>
+              <p:prevCondLst>
+                <p:cond evt="onPrev" delay="0">
+                  <p:tgtEl>
+                    <p:sldTgt/>
+                  </p:tgtEl>
+                </p:cond>
+              </p:prevCondLst>
+              <p:nextCondLst>
+                <p:cond evt="onNext" delay="0">
+                  <p:tgtEl>
+                    <p:sldTgt/>
+                  </p:tgtEl>
+                </p:cond>
+              </p:nextCondLst>
+            </p:seq>
+          </p:childTnLst>
+        </p:cTn>
+      </p:par>
+    </p:tnLst>
+    <p:bldLst>
+      <p:bldP spid="27651" grpId="0" build="p"/>
+    </p:bldLst>
+  </p:timing>
+</p:sld>
+</file>
+
+<file path=ppt/slides/slide17.xml><?xml version="1.0" encoding="utf-8"?>
+<p:sld xmlns:a="http://schemas.openxmlformats.org/drawingml/2006/main" xmlns:r="http://schemas.openxmlformats.org/officeDocument/2006/relationships" xmlns:p="http://schemas.openxmlformats.org/presentationml/2006/main">
+  <p:cSld>
+    <p:spTree>
+      <p:nvGrpSpPr>
+        <p:cNvPr id="1" name="">
+          <a:extLst>
+            <a:ext uri="{FF2B5EF4-FFF2-40B4-BE49-F238E27FC236}">
+              <a16:creationId xmlns:a16="http://schemas.microsoft.com/office/drawing/2014/main" id="{B39BB663-6FB3-D3A3-10C5-01EA6500992E}"/>
+            </a:ext>
+          </a:extLst>
+        </p:cNvPr>
+        <p:cNvGrpSpPr/>
+        <p:nvPr/>
+      </p:nvGrpSpPr>
+      <p:grpSpPr>
+        <a:xfrm>
+          <a:off x="0" y="0"/>
+          <a:ext cx="0" cy="0"/>
+          <a:chOff x="0" y="0"/>
+          <a:chExt cx="0" cy="0"/>
+        </a:xfrm>
+      </p:grpSpPr>
+      <p:sp>
+        <p:nvSpPr>
+          <p:cNvPr id="27650" name="Rectangle 2">
+            <a:extLst>
+              <a:ext uri="{FF2B5EF4-FFF2-40B4-BE49-F238E27FC236}">
+                <a16:creationId xmlns:a16="http://schemas.microsoft.com/office/drawing/2014/main" id="{390CE02E-6845-AD8F-FB6E-83015C2717A4}"/>
+              </a:ext>
+            </a:extLst>
+          </p:cNvPr>
+          <p:cNvSpPr>
+            <a:spLocks noGrp="1" noChangeArrowheads="1"/>
+          </p:cNvSpPr>
+          <p:nvPr>
+            <p:ph type="title"/>
+          </p:nvPr>
+        </p:nvSpPr>
+        <p:spPr/>
+        <p:txBody>
+          <a:bodyPr/>
+          <a:lstStyle/>
+          <a:p>
+            <a:r>
+              <a:rPr lang="en-US" dirty="0"/>
+              <a:t>Thread pool</a:t>
+            </a:r>
+          </a:p>
+        </p:txBody>
+      </p:sp>
+      <p:sp>
+        <p:nvSpPr>
+          <p:cNvPr id="27651" name="Rectangle 3">
+            <a:extLst>
+              <a:ext uri="{FF2B5EF4-FFF2-40B4-BE49-F238E27FC236}">
+                <a16:creationId xmlns:a16="http://schemas.microsoft.com/office/drawing/2014/main" id="{49C4DCFB-CAC7-6955-BBE7-739C98FE4B98}"/>
+              </a:ext>
+            </a:extLst>
+          </p:cNvPr>
+          <p:cNvSpPr>
+            <a:spLocks noGrp="1" noChangeArrowheads="1"/>
+          </p:cNvSpPr>
+          <p:nvPr>
+            <p:ph type="body" idx="1"/>
+          </p:nvPr>
+        </p:nvSpPr>
+        <p:spPr>
+          <a:xfrm>
+            <a:off x="152400" y="1276350"/>
+            <a:ext cx="8534400" cy="3469207"/>
+          </a:xfrm>
+        </p:spPr>
+        <p:txBody>
+          <a:bodyPr>
+            <a:normAutofit/>
+          </a:bodyPr>
+          <a:lstStyle/>
+          <a:p>
+            <a:pPr>
+              <a:lnSpc>
+                <a:spcPct val="90000"/>
+              </a:lnSpc>
+            </a:pPr>
+            <a:r>
+              <a:rPr lang="en-US" sz="1800" dirty="0"/>
+              <a:t>We have some threads that are hanging around to do something</a:t>
+            </a:r>
+          </a:p>
+          <a:p>
+            <a:pPr lvl="1">
+              <a:lnSpc>
+                <a:spcPct val="90000"/>
+              </a:lnSpc>
+            </a:pPr>
+            <a:r>
+              <a:rPr lang="en-US" sz="1400" dirty="0"/>
+              <a:t>They are “available” to do something when needed.</a:t>
+            </a:r>
+          </a:p>
+          <a:p>
+            <a:pPr lvl="1">
+              <a:lnSpc>
+                <a:spcPct val="90000"/>
+              </a:lnSpc>
+            </a:pPr>
+            <a:r>
+              <a:rPr lang="en-US" sz="1400" dirty="0"/>
+              <a:t>The idea is that we don’t want to call </a:t>
+            </a:r>
+            <a:r>
+              <a:rPr lang="en-US" sz="1400" dirty="0" err="1"/>
+              <a:t>CreateThread</a:t>
+            </a:r>
+            <a:r>
+              <a:rPr lang="en-US" sz="1400" dirty="0"/>
+              <a:t>() a lot because it’s expensive and also it takes a moment to “start up”</a:t>
+            </a:r>
+          </a:p>
+          <a:p>
+            <a:pPr>
+              <a:lnSpc>
+                <a:spcPct val="90000"/>
+              </a:lnSpc>
+            </a:pPr>
+            <a:r>
+              <a:rPr lang="en-US" sz="1800" dirty="0"/>
+              <a:t>Another issue is we don’t want the threads to “spin” when idle because they might use up all your CPU time. </a:t>
+            </a:r>
+          </a:p>
+          <a:p>
+            <a:pPr>
+              <a:lnSpc>
+                <a:spcPct val="90000"/>
+              </a:lnSpc>
+            </a:pPr>
+            <a:endParaRPr lang="en-US" sz="2000" dirty="0"/>
+          </a:p>
+        </p:txBody>
+      </p:sp>
+    </p:spTree>
+    <p:extLst>
+      <p:ext uri="{BB962C8B-B14F-4D97-AF65-F5344CB8AC3E}">
+        <p14:creationId xmlns:p14="http://schemas.microsoft.com/office/powerpoint/2010/main" val="3853169854"/>
+      </p:ext>
+    </p:extLst>
+  </p:cSld>
+  <p:clrMapOvr>
+    <a:masterClrMapping/>
+  </p:clrMapOvr>
+  <p:timing>
+    <p:tnLst>
+      <p:par>
+        <p:cTn id="1" dur="indefinite" restart="never" nodeType="tmRoot">
+          <p:childTnLst>
+            <p:seq concurrent="1" nextAc="seek">
+              <p:cTn id="2" dur="indefinite" nodeType="mainSeq">
+                <p:childTnLst>
+                  <p:par>
+                    <p:cTn id="3" fill="hold">
+                      <p:stCondLst>
+                        <p:cond delay="indefinite"/>
+                      </p:stCondLst>
+                      <p:childTnLst>
+                        <p:par>
+                          <p:cTn id="4" fill="hold">
+                            <p:stCondLst>
+                              <p:cond delay="0"/>
+                            </p:stCondLst>
+                            <p:childTnLst>
+                              <p:par>
+                                <p:cTn id="5" presetID="1" presetClass="entr" presetSubtype="0" fill="hold" grpId="0" nodeType="clickEffect">
+                                  <p:stCondLst>
+                                    <p:cond delay="0"/>
+                                  </p:stCondLst>
+                                  <p:childTnLst>
+                                    <p:set>
+                                      <p:cBhvr>
+                                        <p:cTn id="6" dur="1" fill="hold">
+                                          <p:stCondLst>
+                                            <p:cond delay="0"/>
+                                          </p:stCondLst>
+                                        </p:cTn>
+                                        <p:tgtEl>
+                                          <p:spTgt spid="27651">
+                                            <p:txEl>
+                                              <p:pRg st="0" end="0"/>
+                                            </p:txEl>
+                                          </p:spTgt>
+                                        </p:tgtEl>
+                                        <p:attrNameLst>
+                                          <p:attrName>style.visibility</p:attrName>
+                                        </p:attrNameLst>
+                                      </p:cBhvr>
+                                      <p:to>
+                                        <p:strVal val="visible"/>
+                                      </p:to>
+                                    </p:set>
+                                  </p:childTnLst>
+                                </p:cTn>
+                              </p:par>
+                              <p:par>
+                                <p:cTn id="7" presetID="1" presetClass="entr" presetSubtype="0" fill="hold" grpId="0" nodeType="withEffect">
+                                  <p:stCondLst>
+                                    <p:cond delay="0"/>
+                                  </p:stCondLst>
+                                  <p:childTnLst>
+                                    <p:set>
+                                      <p:cBhvr>
+                                        <p:cTn id="8" dur="1" fill="hold">
+                                          <p:stCondLst>
+                                            <p:cond delay="0"/>
+                                          </p:stCondLst>
+                                        </p:cTn>
+                                        <p:tgtEl>
+                                          <p:spTgt spid="27651">
+                                            <p:txEl>
+                                              <p:pRg st="1" end="1"/>
+                                            </p:txEl>
+                                          </p:spTgt>
+                                        </p:tgtEl>
+                                        <p:attrNameLst>
+                                          <p:attrName>style.visibility</p:attrName>
+                                        </p:attrNameLst>
+                                      </p:cBhvr>
+                                      <p:to>
+                                        <p:strVal val="visible"/>
+                                      </p:to>
+                                    </p:set>
+                                  </p:childTnLst>
+                                </p:cTn>
+                              </p:par>
+                              <p:par>
+                                <p:cTn id="9" presetID="1" presetClass="entr" presetSubtype="0" fill="hold" grpId="0" nodeType="withEffect">
+                                  <p:stCondLst>
+                                    <p:cond delay="0"/>
+                                  </p:stCondLst>
+                                  <p:childTnLst>
+                                    <p:set>
+                                      <p:cBhvr>
+                                        <p:cTn id="10" dur="1" fill="hold">
+                                          <p:stCondLst>
+                                            <p:cond delay="0"/>
+                                          </p:stCondLst>
+                                        </p:cTn>
+                                        <p:tgtEl>
+                                          <p:spTgt spid="27651">
+                                            <p:txEl>
+                                              <p:pRg st="2" end="2"/>
+                                            </p:txEl>
+                                          </p:spTgt>
+                                        </p:tgtEl>
+                                        <p:attrNameLst>
+                                          <p:attrName>style.visibility</p:attrName>
+                                        </p:attrNameLst>
+                                      </p:cBhvr>
+                                      <p:to>
+                                        <p:strVal val="visible"/>
+                                      </p:to>
+                                    </p:set>
+                                  </p:childTnLst>
+                                </p:cTn>
+                              </p:par>
+                            </p:childTnLst>
+                          </p:cTn>
+                        </p:par>
+                      </p:childTnLst>
+                    </p:cTn>
+                  </p:par>
+                  <p:par>
+                    <p:cTn id="11" fill="hold">
+                      <p:stCondLst>
+                        <p:cond delay="indefinite"/>
+                      </p:stCondLst>
+                      <p:childTnLst>
+                        <p:par>
+                          <p:cTn id="12" fill="hold">
+                            <p:stCondLst>
+                              <p:cond delay="0"/>
+                            </p:stCondLst>
+                            <p:childTnLst>
+                              <p:par>
+                                <p:cTn id="13" presetID="1" presetClass="entr" presetSubtype="0" fill="hold" grpId="0" nodeType="clickEffect">
+                                  <p:stCondLst>
+                                    <p:cond delay="0"/>
+                                  </p:stCondLst>
+                                  <p:childTnLst>
+                                    <p:set>
+                                      <p:cBhvr>
+                                        <p:cTn id="14" dur="1" fill="hold">
+                                          <p:stCondLst>
+                                            <p:cond delay="0"/>
+                                          </p:stCondLst>
+                                        </p:cTn>
+                                        <p:tgtEl>
+                                          <p:spTgt spid="27651">
+                                            <p:txEl>
+                                              <p:pRg st="3" end="3"/>
+                                            </p:txEl>
+                                          </p:spTgt>
+                                        </p:tgtEl>
+                                        <p:attrNameLst>
+                                          <p:attrName>style.visibility</p:attrName>
+                                        </p:attrNameLst>
+                                      </p:cBhvr>
+                                      <p:to>
+                                        <p:strVal val="visible"/>
+                                      </p:to>
+                                    </p:set>
+                                  </p:childTnLst>
+                                </p:cTn>
+                              </p:par>
+                            </p:childTnLst>
+                          </p:cTn>
+                        </p:par>
+                      </p:childTnLst>
+                    </p:cTn>
+                  </p:par>
+                </p:childTnLst>
+              </p:cTn>
+              <p:prevCondLst>
+                <p:cond evt="onPrev" delay="0">
+                  <p:tgtEl>
+                    <p:sldTgt/>
+                  </p:tgtEl>
+                </p:cond>
+              </p:prevCondLst>
+              <p:nextCondLst>
+                <p:cond evt="onNext" delay="0">
+                  <p:tgtEl>
+                    <p:sldTgt/>
+                  </p:tgtEl>
+                </p:cond>
+              </p:nextCondLst>
+            </p:seq>
+          </p:childTnLst>
+        </p:cTn>
+      </p:par>
+    </p:tnLst>
+    <p:bldLst>
+      <p:bldP spid="27651" grpId="0" build="p"/>
+    </p:bldLst>
+  </p:timing>
 </p:sld>
 </file>
 
@@ -5434,7 +9818,7 @@
           <a:p>
             <a:r>
               <a:rPr lang="en-US" dirty="0"/>
-              <a:t>Tools and tips</a:t>
+              <a:t>Data access</a:t>
             </a:r>
           </a:p>
         </p:txBody>
@@ -5474,6 +9858,1798 @@
             </a:pPr>
             <a:r>
               <a:rPr lang="en-US" sz="1800" dirty="0"/>
+              <a:t>Only reading (and no updates) </a:t>
+            </a:r>
+            <a:r>
+              <a:rPr lang="en-US" sz="1800" dirty="0">
+                <a:sym typeface="Wingdings" panose="05000000000000000000" pitchFamily="2" charset="2"/>
+              </a:rPr>
+              <a:t> no problems</a:t>
+            </a:r>
+          </a:p>
+          <a:p>
+            <a:pPr>
+              <a:lnSpc>
+                <a:spcPct val="90000"/>
+              </a:lnSpc>
+            </a:pPr>
+            <a:r>
+              <a:rPr lang="en-US" sz="1800" dirty="0">
+                <a:sym typeface="Wingdings" panose="05000000000000000000" pitchFamily="2" charset="2"/>
+              </a:rPr>
+              <a:t>Reading and writing to the same data  HAVE to lock it</a:t>
+            </a:r>
+          </a:p>
+          <a:p>
+            <a:pPr lvl="1">
+              <a:lnSpc>
+                <a:spcPct val="90000"/>
+              </a:lnSpc>
+            </a:pPr>
+            <a:r>
+              <a:rPr lang="en-US" sz="1600" dirty="0">
+                <a:sym typeface="Wingdings" panose="05000000000000000000" pitchFamily="2" charset="2"/>
+              </a:rPr>
+              <a:t>Or manage the access somehow</a:t>
+            </a:r>
+          </a:p>
+          <a:p>
+            <a:pPr lvl="1">
+              <a:lnSpc>
+                <a:spcPct val="90000"/>
+              </a:lnSpc>
+            </a:pPr>
+            <a:r>
+              <a:rPr lang="en-US" sz="1600" dirty="0">
+                <a:sym typeface="Wingdings" panose="05000000000000000000" pitchFamily="2" charset="2"/>
+              </a:rPr>
+              <a:t>Locking it</a:t>
+            </a:r>
+          </a:p>
+          <a:p>
+            <a:pPr lvl="1">
+              <a:lnSpc>
+                <a:spcPct val="90000"/>
+              </a:lnSpc>
+            </a:pPr>
+            <a:r>
+              <a:rPr lang="en-US" sz="1600" dirty="0">
+                <a:sym typeface="Wingdings" panose="05000000000000000000" pitchFamily="2" charset="2"/>
+              </a:rPr>
+              <a:t>Dividing it into parts (each thread uses one section of the map)</a:t>
+            </a:r>
+          </a:p>
+          <a:p>
+            <a:pPr>
+              <a:lnSpc>
+                <a:spcPct val="90000"/>
+              </a:lnSpc>
+            </a:pPr>
+            <a:r>
+              <a:rPr lang="en-US" sz="2000" dirty="0">
+                <a:sym typeface="Wingdings" panose="05000000000000000000" pitchFamily="2" charset="2"/>
+              </a:rPr>
+              <a:t>Buffer: </a:t>
+            </a:r>
+          </a:p>
+          <a:p>
+            <a:pPr lvl="1">
+              <a:lnSpc>
+                <a:spcPct val="90000"/>
+              </a:lnSpc>
+            </a:pPr>
+            <a:r>
+              <a:rPr lang="en-US" sz="1600" dirty="0">
+                <a:sym typeface="Wingdings" panose="05000000000000000000" pitchFamily="2" charset="2"/>
+              </a:rPr>
+              <a:t>You have “older” information that is being updated into a new buffer</a:t>
+            </a:r>
+          </a:p>
+          <a:p>
+            <a:pPr lvl="1">
+              <a:lnSpc>
+                <a:spcPct val="90000"/>
+              </a:lnSpc>
+            </a:pPr>
+            <a:endParaRPr lang="en-US" sz="1600" dirty="0">
+              <a:sym typeface="Wingdings" panose="05000000000000000000" pitchFamily="2" charset="2"/>
+            </a:endParaRPr>
+          </a:p>
+        </p:txBody>
+      </p:sp>
+      <p:sp>
+        <p:nvSpPr>
+          <p:cNvPr id="2" name="Rectangle 1">
+            <a:extLst>
+              <a:ext uri="{FF2B5EF4-FFF2-40B4-BE49-F238E27FC236}">
+                <a16:creationId xmlns:a16="http://schemas.microsoft.com/office/drawing/2014/main" id="{41588BE8-0800-92C7-2529-334B8D30BD6F}"/>
+              </a:ext>
+            </a:extLst>
+          </p:cNvPr>
+          <p:cNvSpPr/>
+          <p:nvPr/>
+        </p:nvSpPr>
+        <p:spPr>
+          <a:xfrm>
+            <a:off x="838200" y="3257550"/>
+            <a:ext cx="1752600" cy="1295400"/>
+          </a:xfrm>
+          <a:prstGeom prst="rect">
+            <a:avLst/>
+          </a:prstGeom>
+        </p:spPr>
+        <p:style>
+          <a:lnRef idx="2">
+            <a:schemeClr val="accent1">
+              <a:shade val="15000"/>
+            </a:schemeClr>
+          </a:lnRef>
+          <a:fillRef idx="1">
+            <a:schemeClr val="accent1"/>
+          </a:fillRef>
+          <a:effectRef idx="0">
+            <a:schemeClr val="accent1"/>
+          </a:effectRef>
+          <a:fontRef idx="minor">
+            <a:schemeClr val="lt1"/>
+          </a:fontRef>
+        </p:style>
+        <p:txBody>
+          <a:bodyPr rtlCol="0" anchor="ctr"/>
+          <a:lstStyle/>
+          <a:p>
+            <a:pPr algn="ctr"/>
+            <a:r>
+              <a:rPr lang="en-CA" dirty="0">
+                <a:solidFill>
+                  <a:schemeClr val="tx1"/>
+                </a:solidFill>
+              </a:rPr>
+              <a:t>Old positions</a:t>
+            </a:r>
+          </a:p>
+        </p:txBody>
+      </p:sp>
+      <p:sp>
+        <p:nvSpPr>
+          <p:cNvPr id="3" name="Rectangle 2">
+            <a:extLst>
+              <a:ext uri="{FF2B5EF4-FFF2-40B4-BE49-F238E27FC236}">
+                <a16:creationId xmlns:a16="http://schemas.microsoft.com/office/drawing/2014/main" id="{36D5BF93-097A-0F35-D172-EBCCE7556B9E}"/>
+              </a:ext>
+            </a:extLst>
+          </p:cNvPr>
+          <p:cNvSpPr/>
+          <p:nvPr/>
+        </p:nvSpPr>
+        <p:spPr>
+          <a:xfrm>
+            <a:off x="4076700" y="3289300"/>
+            <a:ext cx="1752600" cy="1295400"/>
+          </a:xfrm>
+          <a:prstGeom prst="rect">
+            <a:avLst/>
+          </a:prstGeom>
+        </p:spPr>
+        <p:style>
+          <a:lnRef idx="2">
+            <a:schemeClr val="accent1">
+              <a:shade val="15000"/>
+            </a:schemeClr>
+          </a:lnRef>
+          <a:fillRef idx="1">
+            <a:schemeClr val="accent1"/>
+          </a:fillRef>
+          <a:effectRef idx="0">
+            <a:schemeClr val="accent1"/>
+          </a:effectRef>
+          <a:fontRef idx="minor">
+            <a:schemeClr val="lt1"/>
+          </a:fontRef>
+        </p:style>
+        <p:txBody>
+          <a:bodyPr rtlCol="0" anchor="ctr"/>
+          <a:lstStyle/>
+          <a:p>
+            <a:pPr algn="ctr"/>
+            <a:r>
+              <a:rPr lang="en-CA" dirty="0">
+                <a:solidFill>
+                  <a:schemeClr val="tx1"/>
+                </a:solidFill>
+              </a:rPr>
+              <a:t>New constraint length &amp; </a:t>
+            </a:r>
+            <a:r>
+              <a:rPr lang="en-CA" dirty="0" err="1">
+                <a:solidFill>
+                  <a:schemeClr val="tx1"/>
+                </a:solidFill>
+              </a:rPr>
+              <a:t>collsions</a:t>
+            </a:r>
+            <a:endParaRPr lang="en-CA" dirty="0">
+              <a:solidFill>
+                <a:schemeClr val="tx1"/>
+              </a:solidFill>
+            </a:endParaRPr>
+          </a:p>
+        </p:txBody>
+      </p:sp>
+      <p:sp>
+        <p:nvSpPr>
+          <p:cNvPr id="4" name="Arrow: Right 3">
+            <a:extLst>
+              <a:ext uri="{FF2B5EF4-FFF2-40B4-BE49-F238E27FC236}">
+                <a16:creationId xmlns:a16="http://schemas.microsoft.com/office/drawing/2014/main" id="{3D991576-9032-1337-F715-7F1098936BF9}"/>
+              </a:ext>
+            </a:extLst>
+          </p:cNvPr>
+          <p:cNvSpPr/>
+          <p:nvPr/>
+        </p:nvSpPr>
+        <p:spPr>
+          <a:xfrm>
+            <a:off x="2819400" y="3716961"/>
+            <a:ext cx="1143000" cy="304800"/>
+          </a:xfrm>
+          <a:prstGeom prst="rightArrow">
+            <a:avLst/>
+          </a:prstGeom>
+        </p:spPr>
+        <p:style>
+          <a:lnRef idx="2">
+            <a:schemeClr val="accent1">
+              <a:shade val="15000"/>
+            </a:schemeClr>
+          </a:lnRef>
+          <a:fillRef idx="1">
+            <a:schemeClr val="accent1"/>
+          </a:fillRef>
+          <a:effectRef idx="0">
+            <a:schemeClr val="accent1"/>
+          </a:effectRef>
+          <a:fontRef idx="minor">
+            <a:schemeClr val="lt1"/>
+          </a:fontRef>
+        </p:style>
+        <p:txBody>
+          <a:bodyPr rtlCol="0" anchor="ctr"/>
+          <a:lstStyle/>
+          <a:p>
+            <a:pPr algn="ctr"/>
+            <a:endParaRPr lang="en-CA"/>
+          </a:p>
+        </p:txBody>
+      </p:sp>
+      <p:sp>
+        <p:nvSpPr>
+          <p:cNvPr id="5" name="Arrow: Right 4">
+            <a:extLst>
+              <a:ext uri="{FF2B5EF4-FFF2-40B4-BE49-F238E27FC236}">
+                <a16:creationId xmlns:a16="http://schemas.microsoft.com/office/drawing/2014/main" id="{D4F3DB7B-3297-A592-5834-104F7E062414}"/>
+              </a:ext>
+            </a:extLst>
+          </p:cNvPr>
+          <p:cNvSpPr/>
+          <p:nvPr/>
+        </p:nvSpPr>
+        <p:spPr>
+          <a:xfrm>
+            <a:off x="2819400" y="3295754"/>
+            <a:ext cx="1143000" cy="304800"/>
+          </a:xfrm>
+          <a:prstGeom prst="rightArrow">
+            <a:avLst/>
+          </a:prstGeom>
+        </p:spPr>
+        <p:style>
+          <a:lnRef idx="2">
+            <a:schemeClr val="accent1">
+              <a:shade val="15000"/>
+            </a:schemeClr>
+          </a:lnRef>
+          <a:fillRef idx="1">
+            <a:schemeClr val="accent1"/>
+          </a:fillRef>
+          <a:effectRef idx="0">
+            <a:schemeClr val="accent1"/>
+          </a:effectRef>
+          <a:fontRef idx="minor">
+            <a:schemeClr val="lt1"/>
+          </a:fontRef>
+        </p:style>
+        <p:txBody>
+          <a:bodyPr rtlCol="0" anchor="ctr"/>
+          <a:lstStyle/>
+          <a:p>
+            <a:pPr algn="ctr"/>
+            <a:endParaRPr lang="en-CA"/>
+          </a:p>
+        </p:txBody>
+      </p:sp>
+      <p:sp>
+        <p:nvSpPr>
+          <p:cNvPr id="6" name="Arrow: Right 5">
+            <a:extLst>
+              <a:ext uri="{FF2B5EF4-FFF2-40B4-BE49-F238E27FC236}">
+                <a16:creationId xmlns:a16="http://schemas.microsoft.com/office/drawing/2014/main" id="{E54F72DB-F882-6A45-567C-5BD3B568C437}"/>
+              </a:ext>
+            </a:extLst>
+          </p:cNvPr>
+          <p:cNvSpPr/>
+          <p:nvPr/>
+        </p:nvSpPr>
+        <p:spPr>
+          <a:xfrm>
+            <a:off x="2819400" y="4171950"/>
+            <a:ext cx="1143000" cy="304800"/>
+          </a:xfrm>
+          <a:prstGeom prst="rightArrow">
+            <a:avLst/>
+          </a:prstGeom>
+        </p:spPr>
+        <p:style>
+          <a:lnRef idx="2">
+            <a:schemeClr val="accent1">
+              <a:shade val="15000"/>
+            </a:schemeClr>
+          </a:lnRef>
+          <a:fillRef idx="1">
+            <a:schemeClr val="accent1"/>
+          </a:fillRef>
+          <a:effectRef idx="0">
+            <a:schemeClr val="accent1"/>
+          </a:effectRef>
+          <a:fontRef idx="minor">
+            <a:schemeClr val="lt1"/>
+          </a:fontRef>
+        </p:style>
+        <p:txBody>
+          <a:bodyPr rtlCol="0" anchor="ctr"/>
+          <a:lstStyle/>
+          <a:p>
+            <a:pPr algn="ctr"/>
+            <a:endParaRPr lang="en-CA"/>
+          </a:p>
+        </p:txBody>
+      </p:sp>
+      <p:sp>
+        <p:nvSpPr>
+          <p:cNvPr id="7" name="Arrow: Right 6">
+            <a:extLst>
+              <a:ext uri="{FF2B5EF4-FFF2-40B4-BE49-F238E27FC236}">
+                <a16:creationId xmlns:a16="http://schemas.microsoft.com/office/drawing/2014/main" id="{14AA29C6-3983-67D2-1A2F-29A90AF416A7}"/>
+              </a:ext>
+            </a:extLst>
+          </p:cNvPr>
+          <p:cNvSpPr/>
+          <p:nvPr/>
+        </p:nvSpPr>
+        <p:spPr>
+          <a:xfrm>
+            <a:off x="5981700" y="3752850"/>
+            <a:ext cx="1143000" cy="304800"/>
+          </a:xfrm>
+          <a:prstGeom prst="rightArrow">
+            <a:avLst/>
+          </a:prstGeom>
+        </p:spPr>
+        <p:style>
+          <a:lnRef idx="2">
+            <a:schemeClr val="accent1">
+              <a:shade val="15000"/>
+            </a:schemeClr>
+          </a:lnRef>
+          <a:fillRef idx="1">
+            <a:schemeClr val="accent1"/>
+          </a:fillRef>
+          <a:effectRef idx="0">
+            <a:schemeClr val="accent1"/>
+          </a:effectRef>
+          <a:fontRef idx="minor">
+            <a:schemeClr val="lt1"/>
+          </a:fontRef>
+        </p:style>
+        <p:txBody>
+          <a:bodyPr rtlCol="0" anchor="ctr"/>
+          <a:lstStyle/>
+          <a:p>
+            <a:pPr algn="ctr"/>
+            <a:endParaRPr lang="en-CA"/>
+          </a:p>
+        </p:txBody>
+      </p:sp>
+      <p:sp>
+        <p:nvSpPr>
+          <p:cNvPr id="8" name="Rectangle 7">
+            <a:extLst>
+              <a:ext uri="{FF2B5EF4-FFF2-40B4-BE49-F238E27FC236}">
+                <a16:creationId xmlns:a16="http://schemas.microsoft.com/office/drawing/2014/main" id="{702F72DE-B1E3-3496-1824-7AD71BED5EB3}"/>
+              </a:ext>
+            </a:extLst>
+          </p:cNvPr>
+          <p:cNvSpPr/>
+          <p:nvPr/>
+        </p:nvSpPr>
+        <p:spPr>
+          <a:xfrm>
+            <a:off x="7239000" y="3289300"/>
+            <a:ext cx="1752600" cy="1295400"/>
+          </a:xfrm>
+          <a:prstGeom prst="rect">
+            <a:avLst/>
+          </a:prstGeom>
+        </p:spPr>
+        <p:style>
+          <a:lnRef idx="2">
+            <a:schemeClr val="accent1">
+              <a:shade val="15000"/>
+            </a:schemeClr>
+          </a:lnRef>
+          <a:fillRef idx="1">
+            <a:schemeClr val="accent1"/>
+          </a:fillRef>
+          <a:effectRef idx="0">
+            <a:schemeClr val="accent1"/>
+          </a:effectRef>
+          <a:fontRef idx="minor">
+            <a:schemeClr val="lt1"/>
+          </a:fontRef>
+        </p:style>
+        <p:txBody>
+          <a:bodyPr rtlCol="0" anchor="ctr"/>
+          <a:lstStyle/>
+          <a:p>
+            <a:pPr algn="ctr"/>
+            <a:r>
+              <a:rPr lang="en-CA" dirty="0">
+                <a:solidFill>
+                  <a:schemeClr val="tx1"/>
+                </a:solidFill>
+              </a:rPr>
+              <a:t>New positions</a:t>
+            </a:r>
+          </a:p>
+        </p:txBody>
+      </p:sp>
+      <p:sp>
+        <p:nvSpPr>
+          <p:cNvPr id="9" name="Arrow: Right 8">
+            <a:extLst>
+              <a:ext uri="{FF2B5EF4-FFF2-40B4-BE49-F238E27FC236}">
+                <a16:creationId xmlns:a16="http://schemas.microsoft.com/office/drawing/2014/main" id="{85FA9638-B7B8-DE3E-2D46-288B8853F6BB}"/>
+              </a:ext>
+            </a:extLst>
+          </p:cNvPr>
+          <p:cNvSpPr/>
+          <p:nvPr/>
+        </p:nvSpPr>
+        <p:spPr>
+          <a:xfrm flipH="1">
+            <a:off x="1981200" y="4669357"/>
+            <a:ext cx="5143500" cy="342900"/>
+          </a:xfrm>
+          <a:prstGeom prst="rightArrow">
+            <a:avLst/>
+          </a:prstGeom>
+        </p:spPr>
+        <p:style>
+          <a:lnRef idx="2">
+            <a:schemeClr val="accent1">
+              <a:shade val="15000"/>
+            </a:schemeClr>
+          </a:lnRef>
+          <a:fillRef idx="1">
+            <a:schemeClr val="accent1"/>
+          </a:fillRef>
+          <a:effectRef idx="0">
+            <a:schemeClr val="accent1"/>
+          </a:effectRef>
+          <a:fontRef idx="minor">
+            <a:schemeClr val="lt1"/>
+          </a:fontRef>
+        </p:style>
+        <p:txBody>
+          <a:bodyPr rtlCol="0" anchor="ctr"/>
+          <a:lstStyle/>
+          <a:p>
+            <a:pPr algn="ctr"/>
+            <a:endParaRPr lang="en-CA"/>
+          </a:p>
+        </p:txBody>
+      </p:sp>
+    </p:spTree>
+    <p:extLst>
+      <p:ext uri="{BB962C8B-B14F-4D97-AF65-F5344CB8AC3E}">
+        <p14:creationId xmlns:p14="http://schemas.microsoft.com/office/powerpoint/2010/main" val="618943814"/>
+      </p:ext>
+    </p:extLst>
+  </p:cSld>
+  <p:clrMapOvr>
+    <a:masterClrMapping/>
+  </p:clrMapOvr>
+  <p:timing>
+    <p:tnLst>
+      <p:par>
+        <p:cTn id="1" dur="indefinite" restart="never" nodeType="tmRoot">
+          <p:childTnLst>
+            <p:seq concurrent="1" nextAc="seek">
+              <p:cTn id="2" dur="indefinite" nodeType="mainSeq">
+                <p:childTnLst>
+                  <p:par>
+                    <p:cTn id="3" fill="hold">
+                      <p:stCondLst>
+                        <p:cond delay="indefinite"/>
+                      </p:stCondLst>
+                      <p:childTnLst>
+                        <p:par>
+                          <p:cTn id="4" fill="hold">
+                            <p:stCondLst>
+                              <p:cond delay="0"/>
+                            </p:stCondLst>
+                            <p:childTnLst>
+                              <p:par>
+                                <p:cTn id="5" presetID="1" presetClass="entr" presetSubtype="0" fill="hold" grpId="0" nodeType="clickEffect">
+                                  <p:stCondLst>
+                                    <p:cond delay="0"/>
+                                  </p:stCondLst>
+                                  <p:childTnLst>
+                                    <p:set>
+                                      <p:cBhvr>
+                                        <p:cTn id="6" dur="1" fill="hold">
+                                          <p:stCondLst>
+                                            <p:cond delay="0"/>
+                                          </p:stCondLst>
+                                        </p:cTn>
+                                        <p:tgtEl>
+                                          <p:spTgt spid="27651">
+                                            <p:txEl>
+                                              <p:pRg st="0" end="0"/>
+                                            </p:txEl>
+                                          </p:spTgt>
+                                        </p:tgtEl>
+                                        <p:attrNameLst>
+                                          <p:attrName>style.visibility</p:attrName>
+                                        </p:attrNameLst>
+                                      </p:cBhvr>
+                                      <p:to>
+                                        <p:strVal val="visible"/>
+                                      </p:to>
+                                    </p:set>
+                                  </p:childTnLst>
+                                </p:cTn>
+                              </p:par>
+                            </p:childTnLst>
+                          </p:cTn>
+                        </p:par>
+                      </p:childTnLst>
+                    </p:cTn>
+                  </p:par>
+                  <p:par>
+                    <p:cTn id="7" fill="hold">
+                      <p:stCondLst>
+                        <p:cond delay="indefinite"/>
+                      </p:stCondLst>
+                      <p:childTnLst>
+                        <p:par>
+                          <p:cTn id="8" fill="hold">
+                            <p:stCondLst>
+                              <p:cond delay="0"/>
+                            </p:stCondLst>
+                            <p:childTnLst>
+                              <p:par>
+                                <p:cTn id="9" presetID="1" presetClass="entr" presetSubtype="0" fill="hold" grpId="0" nodeType="clickEffect">
+                                  <p:stCondLst>
+                                    <p:cond delay="0"/>
+                                  </p:stCondLst>
+                                  <p:childTnLst>
+                                    <p:set>
+                                      <p:cBhvr>
+                                        <p:cTn id="10" dur="1" fill="hold">
+                                          <p:stCondLst>
+                                            <p:cond delay="0"/>
+                                          </p:stCondLst>
+                                        </p:cTn>
+                                        <p:tgtEl>
+                                          <p:spTgt spid="27651">
+                                            <p:txEl>
+                                              <p:pRg st="1" end="1"/>
+                                            </p:txEl>
+                                          </p:spTgt>
+                                        </p:tgtEl>
+                                        <p:attrNameLst>
+                                          <p:attrName>style.visibility</p:attrName>
+                                        </p:attrNameLst>
+                                      </p:cBhvr>
+                                      <p:to>
+                                        <p:strVal val="visible"/>
+                                      </p:to>
+                                    </p:set>
+                                  </p:childTnLst>
+                                </p:cTn>
+                              </p:par>
+                              <p:par>
+                                <p:cTn id="11" presetID="1" presetClass="entr" presetSubtype="0" fill="hold" grpId="0" nodeType="withEffect">
+                                  <p:stCondLst>
+                                    <p:cond delay="0"/>
+                                  </p:stCondLst>
+                                  <p:childTnLst>
+                                    <p:set>
+                                      <p:cBhvr>
+                                        <p:cTn id="12" dur="1" fill="hold">
+                                          <p:stCondLst>
+                                            <p:cond delay="0"/>
+                                          </p:stCondLst>
+                                        </p:cTn>
+                                        <p:tgtEl>
+                                          <p:spTgt spid="27651">
+                                            <p:txEl>
+                                              <p:pRg st="2" end="2"/>
+                                            </p:txEl>
+                                          </p:spTgt>
+                                        </p:tgtEl>
+                                        <p:attrNameLst>
+                                          <p:attrName>style.visibility</p:attrName>
+                                        </p:attrNameLst>
+                                      </p:cBhvr>
+                                      <p:to>
+                                        <p:strVal val="visible"/>
+                                      </p:to>
+                                    </p:set>
+                                  </p:childTnLst>
+                                </p:cTn>
+                              </p:par>
+                              <p:par>
+                                <p:cTn id="13" presetID="1" presetClass="entr" presetSubtype="0" fill="hold" grpId="0" nodeType="withEffect">
+                                  <p:stCondLst>
+                                    <p:cond delay="0"/>
+                                  </p:stCondLst>
+                                  <p:childTnLst>
+                                    <p:set>
+                                      <p:cBhvr>
+                                        <p:cTn id="14" dur="1" fill="hold">
+                                          <p:stCondLst>
+                                            <p:cond delay="0"/>
+                                          </p:stCondLst>
+                                        </p:cTn>
+                                        <p:tgtEl>
+                                          <p:spTgt spid="27651">
+                                            <p:txEl>
+                                              <p:pRg st="3" end="3"/>
+                                            </p:txEl>
+                                          </p:spTgt>
+                                        </p:tgtEl>
+                                        <p:attrNameLst>
+                                          <p:attrName>style.visibility</p:attrName>
+                                        </p:attrNameLst>
+                                      </p:cBhvr>
+                                      <p:to>
+                                        <p:strVal val="visible"/>
+                                      </p:to>
+                                    </p:set>
+                                  </p:childTnLst>
+                                </p:cTn>
+                              </p:par>
+                              <p:par>
+                                <p:cTn id="15" presetID="1" presetClass="entr" presetSubtype="0" fill="hold" grpId="0" nodeType="withEffect">
+                                  <p:stCondLst>
+                                    <p:cond delay="0"/>
+                                  </p:stCondLst>
+                                  <p:childTnLst>
+                                    <p:set>
+                                      <p:cBhvr>
+                                        <p:cTn id="16" dur="1" fill="hold">
+                                          <p:stCondLst>
+                                            <p:cond delay="0"/>
+                                          </p:stCondLst>
+                                        </p:cTn>
+                                        <p:tgtEl>
+                                          <p:spTgt spid="27651">
+                                            <p:txEl>
+                                              <p:pRg st="4" end="4"/>
+                                            </p:txEl>
+                                          </p:spTgt>
+                                        </p:tgtEl>
+                                        <p:attrNameLst>
+                                          <p:attrName>style.visibility</p:attrName>
+                                        </p:attrNameLst>
+                                      </p:cBhvr>
+                                      <p:to>
+                                        <p:strVal val="visible"/>
+                                      </p:to>
+                                    </p:set>
+                                  </p:childTnLst>
+                                </p:cTn>
+                              </p:par>
+                            </p:childTnLst>
+                          </p:cTn>
+                        </p:par>
+                      </p:childTnLst>
+                    </p:cTn>
+                  </p:par>
+                  <p:par>
+                    <p:cTn id="17" fill="hold">
+                      <p:stCondLst>
+                        <p:cond delay="indefinite"/>
+                      </p:stCondLst>
+                      <p:childTnLst>
+                        <p:par>
+                          <p:cTn id="18" fill="hold">
+                            <p:stCondLst>
+                              <p:cond delay="0"/>
+                            </p:stCondLst>
+                            <p:childTnLst>
+                              <p:par>
+                                <p:cTn id="19" presetID="1" presetClass="entr" presetSubtype="0" fill="hold" grpId="0" nodeType="clickEffect">
+                                  <p:stCondLst>
+                                    <p:cond delay="0"/>
+                                  </p:stCondLst>
+                                  <p:childTnLst>
+                                    <p:set>
+                                      <p:cBhvr>
+                                        <p:cTn id="20" dur="1" fill="hold">
+                                          <p:stCondLst>
+                                            <p:cond delay="0"/>
+                                          </p:stCondLst>
+                                        </p:cTn>
+                                        <p:tgtEl>
+                                          <p:spTgt spid="27651">
+                                            <p:txEl>
+                                              <p:pRg st="5" end="5"/>
+                                            </p:txEl>
+                                          </p:spTgt>
+                                        </p:tgtEl>
+                                        <p:attrNameLst>
+                                          <p:attrName>style.visibility</p:attrName>
+                                        </p:attrNameLst>
+                                      </p:cBhvr>
+                                      <p:to>
+                                        <p:strVal val="visible"/>
+                                      </p:to>
+                                    </p:set>
+                                  </p:childTnLst>
+                                </p:cTn>
+                              </p:par>
+                              <p:par>
+                                <p:cTn id="21" presetID="1" presetClass="entr" presetSubtype="0" fill="hold" grpId="0" nodeType="withEffect">
+                                  <p:stCondLst>
+                                    <p:cond delay="0"/>
+                                  </p:stCondLst>
+                                  <p:childTnLst>
+                                    <p:set>
+                                      <p:cBhvr>
+                                        <p:cTn id="22" dur="1" fill="hold">
+                                          <p:stCondLst>
+                                            <p:cond delay="0"/>
+                                          </p:stCondLst>
+                                        </p:cTn>
+                                        <p:tgtEl>
+                                          <p:spTgt spid="27651">
+                                            <p:txEl>
+                                              <p:pRg st="6" end="6"/>
+                                            </p:txEl>
+                                          </p:spTgt>
+                                        </p:tgtEl>
+                                        <p:attrNameLst>
+                                          <p:attrName>style.visibility</p:attrName>
+                                        </p:attrNameLst>
+                                      </p:cBhvr>
+                                      <p:to>
+                                        <p:strVal val="visible"/>
+                                      </p:to>
+                                    </p:set>
+                                  </p:childTnLst>
+                                </p:cTn>
+                              </p:par>
+                            </p:childTnLst>
+                          </p:cTn>
+                        </p:par>
+                      </p:childTnLst>
+                    </p:cTn>
+                  </p:par>
+                </p:childTnLst>
+              </p:cTn>
+              <p:prevCondLst>
+                <p:cond evt="onPrev" delay="0">
+                  <p:tgtEl>
+                    <p:sldTgt/>
+                  </p:tgtEl>
+                </p:cond>
+              </p:prevCondLst>
+              <p:nextCondLst>
+                <p:cond evt="onNext" delay="0">
+                  <p:tgtEl>
+                    <p:sldTgt/>
+                  </p:tgtEl>
+                </p:cond>
+              </p:nextCondLst>
+            </p:seq>
+          </p:childTnLst>
+        </p:cTn>
+      </p:par>
+    </p:tnLst>
+    <p:bldLst>
+      <p:bldP spid="27651" grpId="0" build="p"/>
+    </p:bldLst>
+  </p:timing>
+</p:sld>
+</file>
+
+<file path=ppt/slides/slide6.xml><?xml version="1.0" encoding="utf-8"?>
+<p:sld xmlns:a="http://schemas.openxmlformats.org/drawingml/2006/main" xmlns:r="http://schemas.openxmlformats.org/officeDocument/2006/relationships" xmlns:p="http://schemas.openxmlformats.org/presentationml/2006/main">
+  <p:cSld>
+    <p:spTree>
+      <p:nvGrpSpPr>
+        <p:cNvPr id="1" name="">
+          <a:extLst>
+            <a:ext uri="{FF2B5EF4-FFF2-40B4-BE49-F238E27FC236}">
+              <a16:creationId xmlns:a16="http://schemas.microsoft.com/office/drawing/2014/main" id="{F9376AE5-21F3-9032-4AA5-A58B5EFCA0FC}"/>
+            </a:ext>
+          </a:extLst>
+        </p:cNvPr>
+        <p:cNvGrpSpPr/>
+        <p:nvPr/>
+      </p:nvGrpSpPr>
+      <p:grpSpPr>
+        <a:xfrm>
+          <a:off x="0" y="0"/>
+          <a:ext cx="0" cy="0"/>
+          <a:chOff x="0" y="0"/>
+          <a:chExt cx="0" cy="0"/>
+        </a:xfrm>
+      </p:grpSpPr>
+      <p:sp>
+        <p:nvSpPr>
+          <p:cNvPr id="27650" name="Rectangle 2">
+            <a:extLst>
+              <a:ext uri="{FF2B5EF4-FFF2-40B4-BE49-F238E27FC236}">
+                <a16:creationId xmlns:a16="http://schemas.microsoft.com/office/drawing/2014/main" id="{216D3704-76B4-07A5-3300-A0DD49EB37F8}"/>
+              </a:ext>
+            </a:extLst>
+          </p:cNvPr>
+          <p:cNvSpPr>
+            <a:spLocks noGrp="1" noChangeArrowheads="1"/>
+          </p:cNvSpPr>
+          <p:nvPr>
+            <p:ph type="title"/>
+          </p:nvPr>
+        </p:nvSpPr>
+        <p:spPr/>
+        <p:txBody>
+          <a:bodyPr/>
+          <a:lstStyle/>
+          <a:p>
+            <a:r>
+              <a:rPr lang="en-US" dirty="0"/>
+              <a:t>Data access</a:t>
+            </a:r>
+          </a:p>
+        </p:txBody>
+      </p:sp>
+      <p:sp>
+        <p:nvSpPr>
+          <p:cNvPr id="27651" name="Rectangle 3">
+            <a:extLst>
+              <a:ext uri="{FF2B5EF4-FFF2-40B4-BE49-F238E27FC236}">
+                <a16:creationId xmlns:a16="http://schemas.microsoft.com/office/drawing/2014/main" id="{1CBB98D1-5AB7-DE5D-890D-8E54777A870D}"/>
+              </a:ext>
+            </a:extLst>
+          </p:cNvPr>
+          <p:cNvSpPr>
+            <a:spLocks noGrp="1" noChangeArrowheads="1"/>
+          </p:cNvSpPr>
+          <p:nvPr>
+            <p:ph type="body" idx="1"/>
+          </p:nvPr>
+        </p:nvSpPr>
+        <p:spPr>
+          <a:xfrm>
+            <a:off x="152400" y="1276350"/>
+            <a:ext cx="8534400" cy="3581400"/>
+          </a:xfrm>
+        </p:spPr>
+        <p:txBody>
+          <a:bodyPr>
+            <a:normAutofit/>
+          </a:bodyPr>
+          <a:lstStyle/>
+          <a:p>
+            <a:pPr>
+              <a:lnSpc>
+                <a:spcPct val="90000"/>
+              </a:lnSpc>
+            </a:pPr>
+            <a:r>
+              <a:rPr lang="en-US" sz="1400" dirty="0"/>
+              <a:t>Vector of “things to do”</a:t>
+            </a:r>
+          </a:p>
+          <a:p>
+            <a:pPr>
+              <a:lnSpc>
+                <a:spcPct val="90000"/>
+              </a:lnSpc>
+            </a:pPr>
+            <a:r>
+              <a:rPr lang="en-US" sz="1400" dirty="0">
+                <a:sym typeface="Wingdings" panose="05000000000000000000" pitchFamily="2" charset="2"/>
+              </a:rPr>
+              <a:t>One thread adds things onto the “things to do” vector</a:t>
+            </a:r>
+          </a:p>
+          <a:p>
+            <a:pPr lvl="1">
+              <a:lnSpc>
+                <a:spcPct val="90000"/>
+              </a:lnSpc>
+            </a:pPr>
+            <a:r>
+              <a:rPr lang="en-US" sz="1400" dirty="0">
+                <a:sym typeface="Wingdings" panose="05000000000000000000" pitchFamily="2" charset="2"/>
+              </a:rPr>
+              <a:t>Called a “producer”</a:t>
+            </a:r>
+          </a:p>
+          <a:p>
+            <a:pPr>
+              <a:lnSpc>
+                <a:spcPct val="90000"/>
+              </a:lnSpc>
+            </a:pPr>
+            <a:r>
+              <a:rPr lang="en-US" sz="1400" dirty="0">
+                <a:sym typeface="Wingdings" panose="05000000000000000000" pitchFamily="2" charset="2"/>
+              </a:rPr>
+              <a:t>Another thread is (or many threads are) reading from this “things to do” vector</a:t>
+            </a:r>
+          </a:p>
+          <a:p>
+            <a:pPr lvl="1">
+              <a:lnSpc>
+                <a:spcPct val="90000"/>
+              </a:lnSpc>
+            </a:pPr>
+            <a:r>
+              <a:rPr lang="en-US" sz="1400" dirty="0">
+                <a:sym typeface="Wingdings" panose="05000000000000000000" pitchFamily="2" charset="2"/>
+              </a:rPr>
+              <a:t>Called a “consumer” (consumers)</a:t>
+            </a:r>
+          </a:p>
+          <a:p>
+            <a:pPr lvl="1">
+              <a:lnSpc>
+                <a:spcPct val="90000"/>
+              </a:lnSpc>
+            </a:pPr>
+            <a:r>
+              <a:rPr lang="en-US" sz="1400" dirty="0">
+                <a:sym typeface="Wingdings" panose="05000000000000000000" pitchFamily="2" charset="2"/>
+              </a:rPr>
+              <a:t>If there’s something there, it </a:t>
+            </a:r>
+            <a:r>
+              <a:rPr lang="en-US" sz="1400" u="sng" dirty="0">
+                <a:sym typeface="Wingdings" panose="05000000000000000000" pitchFamily="2" charset="2"/>
+              </a:rPr>
+              <a:t>removes</a:t>
+            </a:r>
+            <a:r>
+              <a:rPr lang="en-US" sz="1400" dirty="0">
+                <a:sym typeface="Wingdings" panose="05000000000000000000" pitchFamily="2" charset="2"/>
+              </a:rPr>
+              <a:t> it from the vector and does it</a:t>
+            </a:r>
+          </a:p>
+          <a:p>
+            <a:pPr lvl="1">
+              <a:lnSpc>
+                <a:spcPct val="90000"/>
+              </a:lnSpc>
+            </a:pPr>
+            <a:r>
+              <a:rPr lang="en-US" sz="1400" dirty="0">
+                <a:sym typeface="Wingdings" panose="05000000000000000000" pitchFamily="2" charset="2"/>
+              </a:rPr>
+              <a:t>If not, it keep checking</a:t>
+            </a:r>
+          </a:p>
+          <a:p>
+            <a:pPr>
+              <a:lnSpc>
+                <a:spcPct val="90000"/>
+              </a:lnSpc>
+            </a:pPr>
+            <a:r>
+              <a:rPr lang="en-US" sz="1400" dirty="0">
+                <a:sym typeface="Wingdings" panose="05000000000000000000" pitchFamily="2" charset="2"/>
+              </a:rPr>
+              <a:t>The issue is that BOTH are actually reading AND writing to this vector</a:t>
+            </a:r>
+          </a:p>
+          <a:p>
+            <a:pPr lvl="1">
+              <a:lnSpc>
+                <a:spcPct val="90000"/>
+              </a:lnSpc>
+            </a:pPr>
+            <a:r>
+              <a:rPr lang="en-US" sz="1400" dirty="0">
+                <a:sym typeface="Wingdings" panose="05000000000000000000" pitchFamily="2" charset="2"/>
+              </a:rPr>
+              <a:t>It seems like the producer is writing and the consumer is only reading…</a:t>
+            </a:r>
+          </a:p>
+          <a:p>
+            <a:pPr lvl="1">
+              <a:lnSpc>
+                <a:spcPct val="90000"/>
+              </a:lnSpc>
+            </a:pPr>
+            <a:r>
+              <a:rPr lang="en-US" sz="1400" dirty="0">
+                <a:sym typeface="Wingdings" panose="05000000000000000000" pitchFamily="2" charset="2"/>
+              </a:rPr>
+              <a:t>…but in fact the consumer is BOTH reading AND writing</a:t>
+            </a:r>
+          </a:p>
+          <a:p>
+            <a:pPr>
+              <a:lnSpc>
+                <a:spcPct val="90000"/>
+              </a:lnSpc>
+            </a:pPr>
+            <a:r>
+              <a:rPr lang="en-US" sz="1400" dirty="0">
+                <a:sym typeface="Wingdings" panose="05000000000000000000" pitchFamily="2" charset="2"/>
+              </a:rPr>
+              <a:t>You could Lock the vector (critical section)</a:t>
+            </a:r>
+          </a:p>
+          <a:p>
+            <a:pPr>
+              <a:lnSpc>
+                <a:spcPct val="90000"/>
+              </a:lnSpc>
+            </a:pPr>
+            <a:r>
+              <a:rPr lang="en-US" sz="1400" dirty="0">
+                <a:sym typeface="Wingdings" panose="05000000000000000000" pitchFamily="2" charset="2"/>
+              </a:rPr>
+              <a:t>OR you could use an atomic variable to indicate if there’s anything on the vector, for instance: the number of items on the vector </a:t>
+            </a:r>
+          </a:p>
+          <a:p>
+            <a:pPr>
+              <a:lnSpc>
+                <a:spcPct val="90000"/>
+              </a:lnSpc>
+            </a:pPr>
+            <a:r>
+              <a:rPr lang="en-US" sz="1400" dirty="0">
+                <a:sym typeface="Wingdings" panose="05000000000000000000" pitchFamily="2" charset="2"/>
+              </a:rPr>
+              <a:t>Maybe this atomic variable is the index of the “things to do” inside the vector</a:t>
+            </a:r>
+          </a:p>
+          <a:p>
+            <a:pPr lvl="1">
+              <a:lnSpc>
+                <a:spcPct val="90000"/>
+              </a:lnSpc>
+            </a:pPr>
+            <a:r>
+              <a:rPr lang="en-US" sz="1400" dirty="0">
+                <a:sym typeface="Wingdings" panose="05000000000000000000" pitchFamily="2" charset="2"/>
+              </a:rPr>
+              <a:t>If it’s zero, then there’s nothing to do</a:t>
+            </a:r>
+          </a:p>
+          <a:p>
+            <a:pPr lvl="1">
+              <a:lnSpc>
+                <a:spcPct val="90000"/>
+              </a:lnSpc>
+            </a:pPr>
+            <a:endParaRPr lang="en-US" sz="1400" dirty="0">
+              <a:sym typeface="Wingdings" panose="05000000000000000000" pitchFamily="2" charset="2"/>
+            </a:endParaRPr>
+          </a:p>
+        </p:txBody>
+      </p:sp>
+    </p:spTree>
+    <p:extLst>
+      <p:ext uri="{BB962C8B-B14F-4D97-AF65-F5344CB8AC3E}">
+        <p14:creationId xmlns:p14="http://schemas.microsoft.com/office/powerpoint/2010/main" val="1493644819"/>
+      </p:ext>
+    </p:extLst>
+  </p:cSld>
+  <p:clrMapOvr>
+    <a:masterClrMapping/>
+  </p:clrMapOvr>
+  <p:timing>
+    <p:tnLst>
+      <p:par>
+        <p:cTn id="1" dur="indefinite" restart="never" nodeType="tmRoot">
+          <p:childTnLst>
+            <p:seq concurrent="1" nextAc="seek">
+              <p:cTn id="2" dur="indefinite" nodeType="mainSeq">
+                <p:childTnLst>
+                  <p:par>
+                    <p:cTn id="3" fill="hold">
+                      <p:stCondLst>
+                        <p:cond delay="indefinite"/>
+                      </p:stCondLst>
+                      <p:childTnLst>
+                        <p:par>
+                          <p:cTn id="4" fill="hold">
+                            <p:stCondLst>
+                              <p:cond delay="0"/>
+                            </p:stCondLst>
+                            <p:childTnLst>
+                              <p:par>
+                                <p:cTn id="5" presetID="1" presetClass="entr" presetSubtype="0" fill="hold" grpId="0" nodeType="clickEffect">
+                                  <p:stCondLst>
+                                    <p:cond delay="0"/>
+                                  </p:stCondLst>
+                                  <p:childTnLst>
+                                    <p:set>
+                                      <p:cBhvr>
+                                        <p:cTn id="6" dur="1" fill="hold">
+                                          <p:stCondLst>
+                                            <p:cond delay="0"/>
+                                          </p:stCondLst>
+                                        </p:cTn>
+                                        <p:tgtEl>
+                                          <p:spTgt spid="27651">
+                                            <p:txEl>
+                                              <p:pRg st="0" end="0"/>
+                                            </p:txEl>
+                                          </p:spTgt>
+                                        </p:tgtEl>
+                                        <p:attrNameLst>
+                                          <p:attrName>style.visibility</p:attrName>
+                                        </p:attrNameLst>
+                                      </p:cBhvr>
+                                      <p:to>
+                                        <p:strVal val="visible"/>
+                                      </p:to>
+                                    </p:set>
+                                  </p:childTnLst>
+                                </p:cTn>
+                              </p:par>
+                            </p:childTnLst>
+                          </p:cTn>
+                        </p:par>
+                      </p:childTnLst>
+                    </p:cTn>
+                  </p:par>
+                  <p:par>
+                    <p:cTn id="7" fill="hold">
+                      <p:stCondLst>
+                        <p:cond delay="indefinite"/>
+                      </p:stCondLst>
+                      <p:childTnLst>
+                        <p:par>
+                          <p:cTn id="8" fill="hold">
+                            <p:stCondLst>
+                              <p:cond delay="0"/>
+                            </p:stCondLst>
+                            <p:childTnLst>
+                              <p:par>
+                                <p:cTn id="9" presetID="1" presetClass="entr" presetSubtype="0" fill="hold" grpId="0" nodeType="clickEffect">
+                                  <p:stCondLst>
+                                    <p:cond delay="0"/>
+                                  </p:stCondLst>
+                                  <p:childTnLst>
+                                    <p:set>
+                                      <p:cBhvr>
+                                        <p:cTn id="10" dur="1" fill="hold">
+                                          <p:stCondLst>
+                                            <p:cond delay="0"/>
+                                          </p:stCondLst>
+                                        </p:cTn>
+                                        <p:tgtEl>
+                                          <p:spTgt spid="27651">
+                                            <p:txEl>
+                                              <p:pRg st="1" end="1"/>
+                                            </p:txEl>
+                                          </p:spTgt>
+                                        </p:tgtEl>
+                                        <p:attrNameLst>
+                                          <p:attrName>style.visibility</p:attrName>
+                                        </p:attrNameLst>
+                                      </p:cBhvr>
+                                      <p:to>
+                                        <p:strVal val="visible"/>
+                                      </p:to>
+                                    </p:set>
+                                  </p:childTnLst>
+                                </p:cTn>
+                              </p:par>
+                              <p:par>
+                                <p:cTn id="11" presetID="1" presetClass="entr" presetSubtype="0" fill="hold" grpId="0" nodeType="withEffect">
+                                  <p:stCondLst>
+                                    <p:cond delay="0"/>
+                                  </p:stCondLst>
+                                  <p:childTnLst>
+                                    <p:set>
+                                      <p:cBhvr>
+                                        <p:cTn id="12" dur="1" fill="hold">
+                                          <p:stCondLst>
+                                            <p:cond delay="0"/>
+                                          </p:stCondLst>
+                                        </p:cTn>
+                                        <p:tgtEl>
+                                          <p:spTgt spid="27651">
+                                            <p:txEl>
+                                              <p:pRg st="2" end="2"/>
+                                            </p:txEl>
+                                          </p:spTgt>
+                                        </p:tgtEl>
+                                        <p:attrNameLst>
+                                          <p:attrName>style.visibility</p:attrName>
+                                        </p:attrNameLst>
+                                      </p:cBhvr>
+                                      <p:to>
+                                        <p:strVal val="visible"/>
+                                      </p:to>
+                                    </p:set>
+                                  </p:childTnLst>
+                                </p:cTn>
+                              </p:par>
+                            </p:childTnLst>
+                          </p:cTn>
+                        </p:par>
+                      </p:childTnLst>
+                    </p:cTn>
+                  </p:par>
+                  <p:par>
+                    <p:cTn id="13" fill="hold">
+                      <p:stCondLst>
+                        <p:cond delay="indefinite"/>
+                      </p:stCondLst>
+                      <p:childTnLst>
+                        <p:par>
+                          <p:cTn id="14" fill="hold">
+                            <p:stCondLst>
+                              <p:cond delay="0"/>
+                            </p:stCondLst>
+                            <p:childTnLst>
+                              <p:par>
+                                <p:cTn id="15" presetID="1" presetClass="entr" presetSubtype="0" fill="hold" grpId="0" nodeType="clickEffect">
+                                  <p:stCondLst>
+                                    <p:cond delay="0"/>
+                                  </p:stCondLst>
+                                  <p:childTnLst>
+                                    <p:set>
+                                      <p:cBhvr>
+                                        <p:cTn id="16" dur="1" fill="hold">
+                                          <p:stCondLst>
+                                            <p:cond delay="0"/>
+                                          </p:stCondLst>
+                                        </p:cTn>
+                                        <p:tgtEl>
+                                          <p:spTgt spid="27651">
+                                            <p:txEl>
+                                              <p:pRg st="3" end="3"/>
+                                            </p:txEl>
+                                          </p:spTgt>
+                                        </p:tgtEl>
+                                        <p:attrNameLst>
+                                          <p:attrName>style.visibility</p:attrName>
+                                        </p:attrNameLst>
+                                      </p:cBhvr>
+                                      <p:to>
+                                        <p:strVal val="visible"/>
+                                      </p:to>
+                                    </p:set>
+                                  </p:childTnLst>
+                                </p:cTn>
+                              </p:par>
+                              <p:par>
+                                <p:cTn id="17" presetID="1" presetClass="entr" presetSubtype="0" fill="hold" grpId="0" nodeType="withEffect">
+                                  <p:stCondLst>
+                                    <p:cond delay="0"/>
+                                  </p:stCondLst>
+                                  <p:childTnLst>
+                                    <p:set>
+                                      <p:cBhvr>
+                                        <p:cTn id="18" dur="1" fill="hold">
+                                          <p:stCondLst>
+                                            <p:cond delay="0"/>
+                                          </p:stCondLst>
+                                        </p:cTn>
+                                        <p:tgtEl>
+                                          <p:spTgt spid="27651">
+                                            <p:txEl>
+                                              <p:pRg st="4" end="4"/>
+                                            </p:txEl>
+                                          </p:spTgt>
+                                        </p:tgtEl>
+                                        <p:attrNameLst>
+                                          <p:attrName>style.visibility</p:attrName>
+                                        </p:attrNameLst>
+                                      </p:cBhvr>
+                                      <p:to>
+                                        <p:strVal val="visible"/>
+                                      </p:to>
+                                    </p:set>
+                                  </p:childTnLst>
+                                </p:cTn>
+                              </p:par>
+                              <p:par>
+                                <p:cTn id="19" presetID="1" presetClass="entr" presetSubtype="0" fill="hold" grpId="0" nodeType="withEffect">
+                                  <p:stCondLst>
+                                    <p:cond delay="0"/>
+                                  </p:stCondLst>
+                                  <p:childTnLst>
+                                    <p:set>
+                                      <p:cBhvr>
+                                        <p:cTn id="20" dur="1" fill="hold">
+                                          <p:stCondLst>
+                                            <p:cond delay="0"/>
+                                          </p:stCondLst>
+                                        </p:cTn>
+                                        <p:tgtEl>
+                                          <p:spTgt spid="27651">
+                                            <p:txEl>
+                                              <p:pRg st="5" end="5"/>
+                                            </p:txEl>
+                                          </p:spTgt>
+                                        </p:tgtEl>
+                                        <p:attrNameLst>
+                                          <p:attrName>style.visibility</p:attrName>
+                                        </p:attrNameLst>
+                                      </p:cBhvr>
+                                      <p:to>
+                                        <p:strVal val="visible"/>
+                                      </p:to>
+                                    </p:set>
+                                  </p:childTnLst>
+                                </p:cTn>
+                              </p:par>
+                              <p:par>
+                                <p:cTn id="21" presetID="1" presetClass="entr" presetSubtype="0" fill="hold" grpId="0" nodeType="withEffect">
+                                  <p:stCondLst>
+                                    <p:cond delay="0"/>
+                                  </p:stCondLst>
+                                  <p:childTnLst>
+                                    <p:set>
+                                      <p:cBhvr>
+                                        <p:cTn id="22" dur="1" fill="hold">
+                                          <p:stCondLst>
+                                            <p:cond delay="0"/>
+                                          </p:stCondLst>
+                                        </p:cTn>
+                                        <p:tgtEl>
+                                          <p:spTgt spid="27651">
+                                            <p:txEl>
+                                              <p:pRg st="6" end="6"/>
+                                            </p:txEl>
+                                          </p:spTgt>
+                                        </p:tgtEl>
+                                        <p:attrNameLst>
+                                          <p:attrName>style.visibility</p:attrName>
+                                        </p:attrNameLst>
+                                      </p:cBhvr>
+                                      <p:to>
+                                        <p:strVal val="visible"/>
+                                      </p:to>
+                                    </p:set>
+                                  </p:childTnLst>
+                                </p:cTn>
+                              </p:par>
+                            </p:childTnLst>
+                          </p:cTn>
+                        </p:par>
+                      </p:childTnLst>
+                    </p:cTn>
+                  </p:par>
+                  <p:par>
+                    <p:cTn id="23" fill="hold">
+                      <p:stCondLst>
+                        <p:cond delay="indefinite"/>
+                      </p:stCondLst>
+                      <p:childTnLst>
+                        <p:par>
+                          <p:cTn id="24" fill="hold">
+                            <p:stCondLst>
+                              <p:cond delay="0"/>
+                            </p:stCondLst>
+                            <p:childTnLst>
+                              <p:par>
+                                <p:cTn id="25" presetID="1" presetClass="entr" presetSubtype="0" fill="hold" grpId="0" nodeType="clickEffect">
+                                  <p:stCondLst>
+                                    <p:cond delay="0"/>
+                                  </p:stCondLst>
+                                  <p:childTnLst>
+                                    <p:set>
+                                      <p:cBhvr>
+                                        <p:cTn id="26" dur="1" fill="hold">
+                                          <p:stCondLst>
+                                            <p:cond delay="0"/>
+                                          </p:stCondLst>
+                                        </p:cTn>
+                                        <p:tgtEl>
+                                          <p:spTgt spid="27651">
+                                            <p:txEl>
+                                              <p:pRg st="7" end="7"/>
+                                            </p:txEl>
+                                          </p:spTgt>
+                                        </p:tgtEl>
+                                        <p:attrNameLst>
+                                          <p:attrName>style.visibility</p:attrName>
+                                        </p:attrNameLst>
+                                      </p:cBhvr>
+                                      <p:to>
+                                        <p:strVal val="visible"/>
+                                      </p:to>
+                                    </p:set>
+                                  </p:childTnLst>
+                                </p:cTn>
+                              </p:par>
+                              <p:par>
+                                <p:cTn id="27" presetID="1" presetClass="entr" presetSubtype="0" fill="hold" grpId="0" nodeType="withEffect">
+                                  <p:stCondLst>
+                                    <p:cond delay="0"/>
+                                  </p:stCondLst>
+                                  <p:childTnLst>
+                                    <p:set>
+                                      <p:cBhvr>
+                                        <p:cTn id="28" dur="1" fill="hold">
+                                          <p:stCondLst>
+                                            <p:cond delay="0"/>
+                                          </p:stCondLst>
+                                        </p:cTn>
+                                        <p:tgtEl>
+                                          <p:spTgt spid="27651">
+                                            <p:txEl>
+                                              <p:pRg st="8" end="8"/>
+                                            </p:txEl>
+                                          </p:spTgt>
+                                        </p:tgtEl>
+                                        <p:attrNameLst>
+                                          <p:attrName>style.visibility</p:attrName>
+                                        </p:attrNameLst>
+                                      </p:cBhvr>
+                                      <p:to>
+                                        <p:strVal val="visible"/>
+                                      </p:to>
+                                    </p:set>
+                                  </p:childTnLst>
+                                </p:cTn>
+                              </p:par>
+                              <p:par>
+                                <p:cTn id="29" presetID="1" presetClass="entr" presetSubtype="0" fill="hold" grpId="0" nodeType="withEffect">
+                                  <p:stCondLst>
+                                    <p:cond delay="0"/>
+                                  </p:stCondLst>
+                                  <p:childTnLst>
+                                    <p:set>
+                                      <p:cBhvr>
+                                        <p:cTn id="30" dur="1" fill="hold">
+                                          <p:stCondLst>
+                                            <p:cond delay="0"/>
+                                          </p:stCondLst>
+                                        </p:cTn>
+                                        <p:tgtEl>
+                                          <p:spTgt spid="27651">
+                                            <p:txEl>
+                                              <p:pRg st="9" end="9"/>
+                                            </p:txEl>
+                                          </p:spTgt>
+                                        </p:tgtEl>
+                                        <p:attrNameLst>
+                                          <p:attrName>style.visibility</p:attrName>
+                                        </p:attrNameLst>
+                                      </p:cBhvr>
+                                      <p:to>
+                                        <p:strVal val="visible"/>
+                                      </p:to>
+                                    </p:set>
+                                  </p:childTnLst>
+                                </p:cTn>
+                              </p:par>
+                            </p:childTnLst>
+                          </p:cTn>
+                        </p:par>
+                      </p:childTnLst>
+                    </p:cTn>
+                  </p:par>
+                  <p:par>
+                    <p:cTn id="31" fill="hold">
+                      <p:stCondLst>
+                        <p:cond delay="indefinite"/>
+                      </p:stCondLst>
+                      <p:childTnLst>
+                        <p:par>
+                          <p:cTn id="32" fill="hold">
+                            <p:stCondLst>
+                              <p:cond delay="0"/>
+                            </p:stCondLst>
+                            <p:childTnLst>
+                              <p:par>
+                                <p:cTn id="33" presetID="1" presetClass="entr" presetSubtype="0" fill="hold" grpId="0" nodeType="clickEffect">
+                                  <p:stCondLst>
+                                    <p:cond delay="0"/>
+                                  </p:stCondLst>
+                                  <p:childTnLst>
+                                    <p:set>
+                                      <p:cBhvr>
+                                        <p:cTn id="34" dur="1" fill="hold">
+                                          <p:stCondLst>
+                                            <p:cond delay="0"/>
+                                          </p:stCondLst>
+                                        </p:cTn>
+                                        <p:tgtEl>
+                                          <p:spTgt spid="27651">
+                                            <p:txEl>
+                                              <p:pRg st="10" end="10"/>
+                                            </p:txEl>
+                                          </p:spTgt>
+                                        </p:tgtEl>
+                                        <p:attrNameLst>
+                                          <p:attrName>style.visibility</p:attrName>
+                                        </p:attrNameLst>
+                                      </p:cBhvr>
+                                      <p:to>
+                                        <p:strVal val="visible"/>
+                                      </p:to>
+                                    </p:set>
+                                  </p:childTnLst>
+                                </p:cTn>
+                              </p:par>
+                            </p:childTnLst>
+                          </p:cTn>
+                        </p:par>
+                      </p:childTnLst>
+                    </p:cTn>
+                  </p:par>
+                  <p:par>
+                    <p:cTn id="35" fill="hold">
+                      <p:stCondLst>
+                        <p:cond delay="indefinite"/>
+                      </p:stCondLst>
+                      <p:childTnLst>
+                        <p:par>
+                          <p:cTn id="36" fill="hold">
+                            <p:stCondLst>
+                              <p:cond delay="0"/>
+                            </p:stCondLst>
+                            <p:childTnLst>
+                              <p:par>
+                                <p:cTn id="37" presetID="1" presetClass="entr" presetSubtype="0" fill="hold" grpId="0" nodeType="clickEffect">
+                                  <p:stCondLst>
+                                    <p:cond delay="0"/>
+                                  </p:stCondLst>
+                                  <p:childTnLst>
+                                    <p:set>
+                                      <p:cBhvr>
+                                        <p:cTn id="38" dur="1" fill="hold">
+                                          <p:stCondLst>
+                                            <p:cond delay="0"/>
+                                          </p:stCondLst>
+                                        </p:cTn>
+                                        <p:tgtEl>
+                                          <p:spTgt spid="27651">
+                                            <p:txEl>
+                                              <p:pRg st="11" end="11"/>
+                                            </p:txEl>
+                                          </p:spTgt>
+                                        </p:tgtEl>
+                                        <p:attrNameLst>
+                                          <p:attrName>style.visibility</p:attrName>
+                                        </p:attrNameLst>
+                                      </p:cBhvr>
+                                      <p:to>
+                                        <p:strVal val="visible"/>
+                                      </p:to>
+                                    </p:set>
+                                  </p:childTnLst>
+                                </p:cTn>
+                              </p:par>
+                            </p:childTnLst>
+                          </p:cTn>
+                        </p:par>
+                      </p:childTnLst>
+                    </p:cTn>
+                  </p:par>
+                  <p:par>
+                    <p:cTn id="39" fill="hold">
+                      <p:stCondLst>
+                        <p:cond delay="indefinite"/>
+                      </p:stCondLst>
+                      <p:childTnLst>
+                        <p:par>
+                          <p:cTn id="40" fill="hold">
+                            <p:stCondLst>
+                              <p:cond delay="0"/>
+                            </p:stCondLst>
+                            <p:childTnLst>
+                              <p:par>
+                                <p:cTn id="41" presetID="1" presetClass="entr" presetSubtype="0" fill="hold" grpId="0" nodeType="clickEffect">
+                                  <p:stCondLst>
+                                    <p:cond delay="0"/>
+                                  </p:stCondLst>
+                                  <p:childTnLst>
+                                    <p:set>
+                                      <p:cBhvr>
+                                        <p:cTn id="42" dur="1" fill="hold">
+                                          <p:stCondLst>
+                                            <p:cond delay="0"/>
+                                          </p:stCondLst>
+                                        </p:cTn>
+                                        <p:tgtEl>
+                                          <p:spTgt spid="27651">
+                                            <p:txEl>
+                                              <p:pRg st="12" end="12"/>
+                                            </p:txEl>
+                                          </p:spTgt>
+                                        </p:tgtEl>
+                                        <p:attrNameLst>
+                                          <p:attrName>style.visibility</p:attrName>
+                                        </p:attrNameLst>
+                                      </p:cBhvr>
+                                      <p:to>
+                                        <p:strVal val="visible"/>
+                                      </p:to>
+                                    </p:set>
+                                  </p:childTnLst>
+                                </p:cTn>
+                              </p:par>
+                              <p:par>
+                                <p:cTn id="43" presetID="1" presetClass="entr" presetSubtype="0" fill="hold" grpId="0" nodeType="withEffect">
+                                  <p:stCondLst>
+                                    <p:cond delay="0"/>
+                                  </p:stCondLst>
+                                  <p:childTnLst>
+                                    <p:set>
+                                      <p:cBhvr>
+                                        <p:cTn id="44" dur="1" fill="hold">
+                                          <p:stCondLst>
+                                            <p:cond delay="0"/>
+                                          </p:stCondLst>
+                                        </p:cTn>
+                                        <p:tgtEl>
+                                          <p:spTgt spid="27651">
+                                            <p:txEl>
+                                              <p:pRg st="13" end="13"/>
+                                            </p:txEl>
+                                          </p:spTgt>
+                                        </p:tgtEl>
+                                        <p:attrNameLst>
+                                          <p:attrName>style.visibility</p:attrName>
+                                        </p:attrNameLst>
+                                      </p:cBhvr>
+                                      <p:to>
+                                        <p:strVal val="visible"/>
+                                      </p:to>
+                                    </p:set>
+                                  </p:childTnLst>
+                                </p:cTn>
+                              </p:par>
+                            </p:childTnLst>
+                          </p:cTn>
+                        </p:par>
+                      </p:childTnLst>
+                    </p:cTn>
+                  </p:par>
+                </p:childTnLst>
+              </p:cTn>
+              <p:prevCondLst>
+                <p:cond evt="onPrev" delay="0">
+                  <p:tgtEl>
+                    <p:sldTgt/>
+                  </p:tgtEl>
+                </p:cond>
+              </p:prevCondLst>
+              <p:nextCondLst>
+                <p:cond evt="onNext" delay="0">
+                  <p:tgtEl>
+                    <p:sldTgt/>
+                  </p:tgtEl>
+                </p:cond>
+              </p:nextCondLst>
+            </p:seq>
+          </p:childTnLst>
+        </p:cTn>
+      </p:par>
+    </p:tnLst>
+    <p:bldLst>
+      <p:bldP spid="27651" grpId="0" build="p"/>
+    </p:bldLst>
+  </p:timing>
+</p:sld>
+</file>
+
+<file path=ppt/slides/slide7.xml><?xml version="1.0" encoding="utf-8"?>
+<p:sld xmlns:a="http://schemas.openxmlformats.org/drawingml/2006/main" xmlns:r="http://schemas.openxmlformats.org/officeDocument/2006/relationships" xmlns:p="http://schemas.openxmlformats.org/presentationml/2006/main">
+  <p:cSld>
+    <p:spTree>
+      <p:nvGrpSpPr>
+        <p:cNvPr id="1" name="">
+          <a:extLst>
+            <a:ext uri="{FF2B5EF4-FFF2-40B4-BE49-F238E27FC236}">
+              <a16:creationId xmlns:a16="http://schemas.microsoft.com/office/drawing/2014/main" id="{F9376AE5-21F3-9032-4AA5-A58B5EFCA0FC}"/>
+            </a:ext>
+          </a:extLst>
+        </p:cNvPr>
+        <p:cNvGrpSpPr/>
+        <p:nvPr/>
+      </p:nvGrpSpPr>
+      <p:grpSpPr>
+        <a:xfrm>
+          <a:off x="0" y="0"/>
+          <a:ext cx="0" cy="0"/>
+          <a:chOff x="0" y="0"/>
+          <a:chExt cx="0" cy="0"/>
+        </a:xfrm>
+      </p:grpSpPr>
+      <p:sp>
+        <p:nvSpPr>
+          <p:cNvPr id="27650" name="Rectangle 2">
+            <a:extLst>
+              <a:ext uri="{FF2B5EF4-FFF2-40B4-BE49-F238E27FC236}">
+                <a16:creationId xmlns:a16="http://schemas.microsoft.com/office/drawing/2014/main" id="{216D3704-76B4-07A5-3300-A0DD49EB37F8}"/>
+              </a:ext>
+            </a:extLst>
+          </p:cNvPr>
+          <p:cNvSpPr>
+            <a:spLocks noGrp="1" noChangeArrowheads="1"/>
+          </p:cNvSpPr>
+          <p:nvPr>
+            <p:ph type="title"/>
+          </p:nvPr>
+        </p:nvSpPr>
+        <p:spPr/>
+        <p:txBody>
+          <a:bodyPr/>
+          <a:lstStyle/>
+          <a:p>
+            <a:r>
+              <a:rPr lang="en-US" dirty="0"/>
+              <a:t>Tools and tips</a:t>
+            </a:r>
+          </a:p>
+        </p:txBody>
+      </p:sp>
+      <p:sp>
+        <p:nvSpPr>
+          <p:cNvPr id="27651" name="Rectangle 3">
+            <a:extLst>
+              <a:ext uri="{FF2B5EF4-FFF2-40B4-BE49-F238E27FC236}">
+                <a16:creationId xmlns:a16="http://schemas.microsoft.com/office/drawing/2014/main" id="{1CBB98D1-5AB7-DE5D-890D-8E54777A870D}"/>
+              </a:ext>
+            </a:extLst>
+          </p:cNvPr>
+          <p:cNvSpPr>
+            <a:spLocks noGrp="1" noChangeArrowheads="1"/>
+          </p:cNvSpPr>
+          <p:nvPr>
+            <p:ph type="body" idx="1"/>
+          </p:nvPr>
+        </p:nvSpPr>
+        <p:spPr>
+          <a:xfrm>
+            <a:off x="152400" y="1276350"/>
+            <a:ext cx="8534400" cy="3469207"/>
+          </a:xfrm>
+        </p:spPr>
+        <p:txBody>
+          <a:bodyPr>
+            <a:normAutofit/>
+          </a:bodyPr>
+          <a:lstStyle/>
+          <a:p>
+            <a:pPr>
+              <a:lnSpc>
+                <a:spcPct val="90000"/>
+              </a:lnSpc>
+            </a:pPr>
+            <a:r>
+              <a:rPr lang="en-US" sz="1800" dirty="0"/>
               <a:t>Each thread runs a function: have to have a function (C++ similar, but a method)</a:t>
             </a:r>
           </a:p>
@@ -5595,7 +11771,7 @@
     </p:spTree>
     <p:extLst>
       <p:ext uri="{BB962C8B-B14F-4D97-AF65-F5344CB8AC3E}">
-        <p14:creationId xmlns:p14="http://schemas.microsoft.com/office/powerpoint/2010/main" val="618943814"/>
+        <p14:creationId xmlns:p14="http://schemas.microsoft.com/office/powerpoint/2010/main" val="2532703777"/>
       </p:ext>
     </p:extLst>
   </p:cSld>
@@ -6056,7 +12232,7 @@
 </p:sld>
 </file>
 
-<file path=ppt/slides/slide6.xml><?xml version="1.0" encoding="utf-8"?>
+<file path=ppt/slides/slide8.xml><?xml version="1.0" encoding="utf-8"?>
 <p:sld xmlns:a="http://schemas.openxmlformats.org/drawingml/2006/main" xmlns:r="http://schemas.openxmlformats.org/officeDocument/2006/relationships" xmlns:p="http://schemas.openxmlformats.org/presentationml/2006/main">
   <p:cSld>
     <p:spTree>
@@ -6102,7 +12278,7 @@
           <a:p>
             <a:r>
               <a:rPr lang="en-US" dirty="0"/>
-              <a:t>Tools and tips</a:t>
+              <a:t>More tips and tricks</a:t>
             </a:r>
           </a:p>
         </p:txBody>
@@ -6135,786 +12311,178 @@
           </a:bodyPr>
           <a:lstStyle/>
           <a:p>
-            <a:pPr>
+            <a:pPr marL="118872" indent="0">
               <a:lnSpc>
                 <a:spcPct val="90000"/>
               </a:lnSpc>
+              <a:buNone/>
             </a:pPr>
             <a:r>
               <a:rPr lang="en-US" sz="1800" dirty="0"/>
-              <a:t>Each thread runs a function: have to have a function (C++ similar, but a method)</a:t>
-            </a:r>
-          </a:p>
-          <a:p>
-            <a:pPr>
+              <a:t>1. Place the code into a SEPARATE stand alone function</a:t>
+            </a:r>
+          </a:p>
+          <a:p>
+            <a:pPr marL="118872" indent="0">
               <a:lnSpc>
                 <a:spcPct val="90000"/>
               </a:lnSpc>
+              <a:buNone/>
             </a:pPr>
             <a:r>
               <a:rPr lang="en-US" sz="1800" dirty="0"/>
-              <a:t>Think about a non-threaded approach where you do your “work” inside a function, THEN think about threading it.</a:t>
-            </a:r>
-          </a:p>
-          <a:p>
-            <a:pPr>
+              <a:t>	1a. Fix all the issue around that</a:t>
+            </a:r>
+          </a:p>
+          <a:p>
+            <a:pPr marL="118872" indent="0">
               <a:lnSpc>
                 <a:spcPct val="90000"/>
               </a:lnSpc>
+              <a:buNone/>
             </a:pPr>
             <a:r>
               <a:rPr lang="en-US" sz="1800" dirty="0"/>
-              <a:t>With locks (Critical sections, interlocked exchange, mutex, etc.): </a:t>
-            </a:r>
-          </a:p>
-          <a:p>
-            <a:pPr lvl="1">
+              <a:t>	1b. How is the information shared, etc.?</a:t>
+            </a:r>
+          </a:p>
+          <a:p>
+            <a:pPr marL="118872" indent="0">
               <a:lnSpc>
                 <a:spcPct val="90000"/>
               </a:lnSpc>
-            </a:pPr>
-            <a:r>
-              <a:rPr lang="en-US" sz="1600" dirty="0">
-                <a:highlight>
-                  <a:srgbClr val="FFFF00"/>
-                </a:highlight>
-              </a:rPr>
-              <a:t>Think about the DATA you are protecting, NOT the code you are running</a:t>
-            </a:r>
-          </a:p>
-          <a:p>
-            <a:pPr>
+              <a:buNone/>
+            </a:pPr>
+            <a:r>
+              <a:rPr lang="en-US" sz="1800" dirty="0"/>
+              <a:t>2. Get that to work</a:t>
+            </a:r>
+          </a:p>
+          <a:p>
+            <a:pPr marL="118872" indent="0">
               <a:lnSpc>
                 <a:spcPct val="90000"/>
               </a:lnSpc>
-            </a:pPr>
-            <a:r>
-              <a:rPr lang="en-US" sz="2000" dirty="0"/>
-              <a:t>To isolate data, you can:</a:t>
-            </a:r>
-          </a:p>
-          <a:p>
-            <a:pPr lvl="1">
+              <a:buNone/>
+            </a:pPr>
+            <a:r>
+              <a:rPr lang="en-US" sz="1800" dirty="0"/>
+              <a:t>3. Call </a:t>
+            </a:r>
+            <a:r>
+              <a:rPr lang="en-US" sz="1800" dirty="0" err="1"/>
+              <a:t>CreateThread</a:t>
+            </a:r>
+            <a:r>
+              <a:rPr lang="en-US" sz="1800" dirty="0"/>
+              <a:t>() on that function</a:t>
+            </a:r>
+          </a:p>
+          <a:p>
+            <a:pPr marL="118872" indent="0">
               <a:lnSpc>
                 <a:spcPct val="90000"/>
               </a:lnSpc>
-            </a:pPr>
-            <a:r>
-              <a:rPr lang="en-US" sz="1600" dirty="0"/>
-              <a:t>Surround the data with a lock (see above)</a:t>
-            </a:r>
-          </a:p>
-          <a:p>
-            <a:pPr lvl="1">
+              <a:buNone/>
+            </a:pPr>
+            <a:r>
+              <a:rPr lang="en-US" sz="1800" dirty="0"/>
+              <a:t>	3a. Cry because of race conditions</a:t>
+            </a:r>
+          </a:p>
+          <a:p>
+            <a:pPr marL="118872" indent="0">
               <a:lnSpc>
                 <a:spcPct val="90000"/>
               </a:lnSpc>
-            </a:pPr>
-            <a:r>
-              <a:rPr lang="en-US" sz="1600" dirty="0"/>
-              <a:t>“Buffer” the data: one is only reading, while one is writing</a:t>
-            </a:r>
-          </a:p>
-          <a:p>
-            <a:pPr lvl="2">
+              <a:buNone/>
+            </a:pPr>
+            <a:r>
+              <a:rPr lang="en-US" sz="1800" dirty="0"/>
+              <a:t>4. Determine how you are going to control this thread, now	</a:t>
+            </a:r>
+          </a:p>
+          <a:p>
+            <a:pPr marL="118872" indent="0">
               <a:lnSpc>
                 <a:spcPct val="90000"/>
               </a:lnSpc>
-            </a:pPr>
-            <a:r>
-              <a:rPr lang="en-US" sz="1400" dirty="0"/>
-              <a:t>Maybe switch these buffers when done</a:t>
-            </a:r>
-          </a:p>
-          <a:p>
-            <a:pPr>
+              <a:buNone/>
+            </a:pPr>
+            <a:r>
+              <a:rPr lang="en-US" sz="1800" dirty="0"/>
+              <a:t>	4a. How to start?</a:t>
+            </a:r>
+          </a:p>
+          <a:p>
+            <a:pPr marL="118872" indent="0">
               <a:lnSpc>
                 <a:spcPct val="90000"/>
               </a:lnSpc>
-            </a:pPr>
-            <a:r>
-              <a:rPr lang="en-US" sz="2000" dirty="0"/>
-              <a:t>Be “in and out” as fast as possible, ideally not needing any sort of locking</a:t>
-            </a:r>
-          </a:p>
-          <a:p>
-            <a:pPr>
+              <a:buNone/>
+            </a:pPr>
+            <a:r>
+              <a:rPr lang="en-US" sz="1800" dirty="0"/>
+              <a:t>	4b. When to start?</a:t>
+            </a:r>
+          </a:p>
+          <a:p>
+            <a:pPr marL="118872" indent="0">
               <a:lnSpc>
                 <a:spcPct val="90000"/>
               </a:lnSpc>
-            </a:pPr>
-            <a:r>
-              <a:rPr lang="en-US" sz="2000" dirty="0"/>
-              <a:t>Multithreading the Entire Destiny Engine: h</a:t>
-            </a:r>
-            <a:r>
-              <a:rPr lang="en-US" sz="2000" dirty="0">
-                <a:hlinkClick r:id="rId2"/>
-              </a:rPr>
-              <a:t>ttps://www.youtube.com/watch?v=v2Q_zHG3vqg&amp;ab_channel=GDC</a:t>
-            </a:r>
-            <a:r>
-              <a:rPr lang="en-US" sz="2000" dirty="0"/>
-              <a:t> </a:t>
-            </a:r>
+              <a:buNone/>
+            </a:pPr>
+            <a:r>
+              <a:rPr lang="en-US" sz="1800" dirty="0"/>
+              <a:t>	4c. When to exit? </a:t>
+            </a:r>
+          </a:p>
+          <a:p>
+            <a:pPr marL="118872" indent="0">
+              <a:lnSpc>
+                <a:spcPct val="90000"/>
+              </a:lnSpc>
+              <a:buNone/>
+            </a:pPr>
+            <a:r>
+              <a:rPr lang="en-US" sz="1800" dirty="0"/>
+              <a:t>		does it run once, then exit?</a:t>
+            </a:r>
+          </a:p>
+          <a:p>
+            <a:pPr marL="118872" indent="0">
+              <a:lnSpc>
+                <a:spcPct val="90000"/>
+              </a:lnSpc>
+              <a:buNone/>
+            </a:pPr>
+            <a:r>
+              <a:rPr lang="en-US" sz="1800" dirty="0"/>
+              <a:t>		does it run forever --&gt; you need to call sleep()</a:t>
+            </a:r>
+          </a:p>
+          <a:p>
+            <a:pPr marL="118872" indent="0">
+              <a:lnSpc>
+                <a:spcPct val="90000"/>
+              </a:lnSpc>
+              <a:buNone/>
+            </a:pPr>
+            <a:r>
+              <a:rPr lang="en-US" sz="1800" dirty="0"/>
+              <a:t>5. More crying and swearing...</a:t>
+            </a:r>
+            <a:endParaRPr lang="en-US" sz="2000" dirty="0"/>
           </a:p>
         </p:txBody>
       </p:sp>
     </p:spTree>
     <p:extLst>
       <p:ext uri="{BB962C8B-B14F-4D97-AF65-F5344CB8AC3E}">
-        <p14:creationId xmlns:p14="http://schemas.microsoft.com/office/powerpoint/2010/main" val="1238541566"/>
+        <p14:creationId xmlns:p14="http://schemas.microsoft.com/office/powerpoint/2010/main" val="3411523580"/>
       </p:ext>
     </p:extLst>
-  </p:cSld>
-  <p:clrMapOvr>
-    <a:masterClrMapping/>
-  </p:clrMapOvr>
-  <p:timing>
-    <p:tnLst>
-      <p:par>
-        <p:cTn id="1" dur="indefinite" restart="never" nodeType="tmRoot">
-          <p:childTnLst>
-            <p:seq concurrent="1" nextAc="seek">
-              <p:cTn id="2" dur="indefinite" nodeType="mainSeq">
-                <p:childTnLst>
-                  <p:par>
-                    <p:cTn id="3" fill="hold">
-                      <p:stCondLst>
-                        <p:cond delay="indefinite"/>
-                      </p:stCondLst>
-                      <p:childTnLst>
-                        <p:par>
-                          <p:cTn id="4" fill="hold">
-                            <p:stCondLst>
-                              <p:cond delay="0"/>
-                            </p:stCondLst>
-                            <p:childTnLst>
-                              <p:par>
-                                <p:cTn id="5" presetID="1" presetClass="entr" presetSubtype="0" fill="hold" grpId="0" nodeType="clickEffect">
-                                  <p:stCondLst>
-                                    <p:cond delay="0"/>
-                                  </p:stCondLst>
-                                  <p:childTnLst>
-                                    <p:set>
-                                      <p:cBhvr>
-                                        <p:cTn id="6" dur="1" fill="hold">
-                                          <p:stCondLst>
-                                            <p:cond delay="0"/>
-                                          </p:stCondLst>
-                                        </p:cTn>
-                                        <p:tgtEl>
-                                          <p:spTgt spid="27651">
-                                            <p:txEl>
-                                              <p:pRg st="0" end="0"/>
-                                            </p:txEl>
-                                          </p:spTgt>
-                                        </p:tgtEl>
-                                        <p:attrNameLst>
-                                          <p:attrName>style.visibility</p:attrName>
-                                        </p:attrNameLst>
-                                      </p:cBhvr>
-                                      <p:to>
-                                        <p:strVal val="visible"/>
-                                      </p:to>
-                                    </p:set>
-                                  </p:childTnLst>
-                                </p:cTn>
-                              </p:par>
-                            </p:childTnLst>
-                          </p:cTn>
-                        </p:par>
-                      </p:childTnLst>
-                    </p:cTn>
-                  </p:par>
-                  <p:par>
-                    <p:cTn id="7" fill="hold">
-                      <p:stCondLst>
-                        <p:cond delay="indefinite"/>
-                      </p:stCondLst>
-                      <p:childTnLst>
-                        <p:par>
-                          <p:cTn id="8" fill="hold">
-                            <p:stCondLst>
-                              <p:cond delay="0"/>
-                            </p:stCondLst>
-                            <p:childTnLst>
-                              <p:par>
-                                <p:cTn id="9" presetID="1" presetClass="entr" presetSubtype="0" fill="hold" grpId="0" nodeType="clickEffect">
-                                  <p:stCondLst>
-                                    <p:cond delay="0"/>
-                                  </p:stCondLst>
-                                  <p:childTnLst>
-                                    <p:set>
-                                      <p:cBhvr>
-                                        <p:cTn id="10" dur="1" fill="hold">
-                                          <p:stCondLst>
-                                            <p:cond delay="0"/>
-                                          </p:stCondLst>
-                                        </p:cTn>
-                                        <p:tgtEl>
-                                          <p:spTgt spid="27651">
-                                            <p:txEl>
-                                              <p:pRg st="1" end="1"/>
-                                            </p:txEl>
-                                          </p:spTgt>
-                                        </p:tgtEl>
-                                        <p:attrNameLst>
-                                          <p:attrName>style.visibility</p:attrName>
-                                        </p:attrNameLst>
-                                      </p:cBhvr>
-                                      <p:to>
-                                        <p:strVal val="visible"/>
-                                      </p:to>
-                                    </p:set>
-                                  </p:childTnLst>
-                                </p:cTn>
-                              </p:par>
-                            </p:childTnLst>
-                          </p:cTn>
-                        </p:par>
-                      </p:childTnLst>
-                    </p:cTn>
-                  </p:par>
-                  <p:par>
-                    <p:cTn id="11" fill="hold">
-                      <p:stCondLst>
-                        <p:cond delay="indefinite"/>
-                      </p:stCondLst>
-                      <p:childTnLst>
-                        <p:par>
-                          <p:cTn id="12" fill="hold">
-                            <p:stCondLst>
-                              <p:cond delay="0"/>
-                            </p:stCondLst>
-                            <p:childTnLst>
-                              <p:par>
-                                <p:cTn id="13" presetID="1" presetClass="entr" presetSubtype="0" fill="hold" grpId="0" nodeType="clickEffect">
-                                  <p:stCondLst>
-                                    <p:cond delay="0"/>
-                                  </p:stCondLst>
-                                  <p:childTnLst>
-                                    <p:set>
-                                      <p:cBhvr>
-                                        <p:cTn id="14" dur="1" fill="hold">
-                                          <p:stCondLst>
-                                            <p:cond delay="0"/>
-                                          </p:stCondLst>
-                                        </p:cTn>
-                                        <p:tgtEl>
-                                          <p:spTgt spid="27651">
-                                            <p:txEl>
-                                              <p:pRg st="2" end="2"/>
-                                            </p:txEl>
-                                          </p:spTgt>
-                                        </p:tgtEl>
-                                        <p:attrNameLst>
-                                          <p:attrName>style.visibility</p:attrName>
-                                        </p:attrNameLst>
-                                      </p:cBhvr>
-                                      <p:to>
-                                        <p:strVal val="visible"/>
-                                      </p:to>
-                                    </p:set>
-                                  </p:childTnLst>
-                                </p:cTn>
-                              </p:par>
-                              <p:par>
-                                <p:cTn id="15" presetID="1" presetClass="entr" presetSubtype="0" fill="hold" grpId="0" nodeType="withEffect">
-                                  <p:stCondLst>
-                                    <p:cond delay="0"/>
-                                  </p:stCondLst>
-                                  <p:childTnLst>
-                                    <p:set>
-                                      <p:cBhvr>
-                                        <p:cTn id="16" dur="1" fill="hold">
-                                          <p:stCondLst>
-                                            <p:cond delay="0"/>
-                                          </p:stCondLst>
-                                        </p:cTn>
-                                        <p:tgtEl>
-                                          <p:spTgt spid="27651">
-                                            <p:txEl>
-                                              <p:pRg st="3" end="3"/>
-                                            </p:txEl>
-                                          </p:spTgt>
-                                        </p:tgtEl>
-                                        <p:attrNameLst>
-                                          <p:attrName>style.visibility</p:attrName>
-                                        </p:attrNameLst>
-                                      </p:cBhvr>
-                                      <p:to>
-                                        <p:strVal val="visible"/>
-                                      </p:to>
-                                    </p:set>
-                                  </p:childTnLst>
-                                </p:cTn>
-                              </p:par>
-                            </p:childTnLst>
-                          </p:cTn>
-                        </p:par>
-                      </p:childTnLst>
-                    </p:cTn>
-                  </p:par>
-                  <p:par>
-                    <p:cTn id="17" fill="hold">
-                      <p:stCondLst>
-                        <p:cond delay="indefinite"/>
-                      </p:stCondLst>
-                      <p:childTnLst>
-                        <p:par>
-                          <p:cTn id="18" fill="hold">
-                            <p:stCondLst>
-                              <p:cond delay="0"/>
-                            </p:stCondLst>
-                            <p:childTnLst>
-                              <p:par>
-                                <p:cTn id="19" presetID="1" presetClass="entr" presetSubtype="0" fill="hold" grpId="0" nodeType="clickEffect">
-                                  <p:stCondLst>
-                                    <p:cond delay="0"/>
-                                  </p:stCondLst>
-                                  <p:childTnLst>
-                                    <p:set>
-                                      <p:cBhvr>
-                                        <p:cTn id="20" dur="1" fill="hold">
-                                          <p:stCondLst>
-                                            <p:cond delay="0"/>
-                                          </p:stCondLst>
-                                        </p:cTn>
-                                        <p:tgtEl>
-                                          <p:spTgt spid="27651">
-                                            <p:txEl>
-                                              <p:pRg st="4" end="4"/>
-                                            </p:txEl>
-                                          </p:spTgt>
-                                        </p:tgtEl>
-                                        <p:attrNameLst>
-                                          <p:attrName>style.visibility</p:attrName>
-                                        </p:attrNameLst>
-                                      </p:cBhvr>
-                                      <p:to>
-                                        <p:strVal val="visible"/>
-                                      </p:to>
-                                    </p:set>
-                                  </p:childTnLst>
-                                </p:cTn>
-                              </p:par>
-                              <p:par>
-                                <p:cTn id="21" presetID="1" presetClass="entr" presetSubtype="0" fill="hold" grpId="0" nodeType="withEffect">
-                                  <p:stCondLst>
-                                    <p:cond delay="0"/>
-                                  </p:stCondLst>
-                                  <p:childTnLst>
-                                    <p:set>
-                                      <p:cBhvr>
-                                        <p:cTn id="22" dur="1" fill="hold">
-                                          <p:stCondLst>
-                                            <p:cond delay="0"/>
-                                          </p:stCondLst>
-                                        </p:cTn>
-                                        <p:tgtEl>
-                                          <p:spTgt spid="27651">
-                                            <p:txEl>
-                                              <p:pRg st="5" end="5"/>
-                                            </p:txEl>
-                                          </p:spTgt>
-                                        </p:tgtEl>
-                                        <p:attrNameLst>
-                                          <p:attrName>style.visibility</p:attrName>
-                                        </p:attrNameLst>
-                                      </p:cBhvr>
-                                      <p:to>
-                                        <p:strVal val="visible"/>
-                                      </p:to>
-                                    </p:set>
-                                  </p:childTnLst>
-                                </p:cTn>
-                              </p:par>
-                              <p:par>
-                                <p:cTn id="23" presetID="1" presetClass="entr" presetSubtype="0" fill="hold" grpId="0" nodeType="withEffect">
-                                  <p:stCondLst>
-                                    <p:cond delay="0"/>
-                                  </p:stCondLst>
-                                  <p:childTnLst>
-                                    <p:set>
-                                      <p:cBhvr>
-                                        <p:cTn id="24" dur="1" fill="hold">
-                                          <p:stCondLst>
-                                            <p:cond delay="0"/>
-                                          </p:stCondLst>
-                                        </p:cTn>
-                                        <p:tgtEl>
-                                          <p:spTgt spid="27651">
-                                            <p:txEl>
-                                              <p:pRg st="6" end="6"/>
-                                            </p:txEl>
-                                          </p:spTgt>
-                                        </p:tgtEl>
-                                        <p:attrNameLst>
-                                          <p:attrName>style.visibility</p:attrName>
-                                        </p:attrNameLst>
-                                      </p:cBhvr>
-                                      <p:to>
-                                        <p:strVal val="visible"/>
-                                      </p:to>
-                                    </p:set>
-                                  </p:childTnLst>
-                                </p:cTn>
-                              </p:par>
-                              <p:par>
-                                <p:cTn id="25" presetID="1" presetClass="entr" presetSubtype="0" fill="hold" grpId="0" nodeType="withEffect">
-                                  <p:stCondLst>
-                                    <p:cond delay="0"/>
-                                  </p:stCondLst>
-                                  <p:childTnLst>
-                                    <p:set>
-                                      <p:cBhvr>
-                                        <p:cTn id="26" dur="1" fill="hold">
-                                          <p:stCondLst>
-                                            <p:cond delay="0"/>
-                                          </p:stCondLst>
-                                        </p:cTn>
-                                        <p:tgtEl>
-                                          <p:spTgt spid="27651">
-                                            <p:txEl>
-                                              <p:pRg st="7" end="7"/>
-                                            </p:txEl>
-                                          </p:spTgt>
-                                        </p:tgtEl>
-                                        <p:attrNameLst>
-                                          <p:attrName>style.visibility</p:attrName>
-                                        </p:attrNameLst>
-                                      </p:cBhvr>
-                                      <p:to>
-                                        <p:strVal val="visible"/>
-                                      </p:to>
-                                    </p:set>
-                                  </p:childTnLst>
-                                </p:cTn>
-                              </p:par>
-                            </p:childTnLst>
-                          </p:cTn>
-                        </p:par>
-                      </p:childTnLst>
-                    </p:cTn>
-                  </p:par>
-                  <p:par>
-                    <p:cTn id="27" fill="hold">
-                      <p:stCondLst>
-                        <p:cond delay="indefinite"/>
-                      </p:stCondLst>
-                      <p:childTnLst>
-                        <p:par>
-                          <p:cTn id="28" fill="hold">
-                            <p:stCondLst>
-                              <p:cond delay="0"/>
-                            </p:stCondLst>
-                            <p:childTnLst>
-                              <p:par>
-                                <p:cTn id="29" presetID="1" presetClass="entr" presetSubtype="0" fill="hold" grpId="0" nodeType="clickEffect">
-                                  <p:stCondLst>
-                                    <p:cond delay="0"/>
-                                  </p:stCondLst>
-                                  <p:childTnLst>
-                                    <p:set>
-                                      <p:cBhvr>
-                                        <p:cTn id="30" dur="1" fill="hold">
-                                          <p:stCondLst>
-                                            <p:cond delay="0"/>
-                                          </p:stCondLst>
-                                        </p:cTn>
-                                        <p:tgtEl>
-                                          <p:spTgt spid="27651">
-                                            <p:txEl>
-                                              <p:pRg st="8" end="8"/>
-                                            </p:txEl>
-                                          </p:spTgt>
-                                        </p:tgtEl>
-                                        <p:attrNameLst>
-                                          <p:attrName>style.visibility</p:attrName>
-                                        </p:attrNameLst>
-                                      </p:cBhvr>
-                                      <p:to>
-                                        <p:strVal val="visible"/>
-                                      </p:to>
-                                    </p:set>
-                                  </p:childTnLst>
-                                </p:cTn>
-                              </p:par>
-                            </p:childTnLst>
-                          </p:cTn>
-                        </p:par>
-                      </p:childTnLst>
-                    </p:cTn>
-                  </p:par>
-                  <p:par>
-                    <p:cTn id="31" fill="hold">
-                      <p:stCondLst>
-                        <p:cond delay="indefinite"/>
-                      </p:stCondLst>
-                      <p:childTnLst>
-                        <p:par>
-                          <p:cTn id="32" fill="hold">
-                            <p:stCondLst>
-                              <p:cond delay="0"/>
-                            </p:stCondLst>
-                            <p:childTnLst>
-                              <p:par>
-                                <p:cTn id="33" presetID="1" presetClass="entr" presetSubtype="0" fill="hold" grpId="0" nodeType="clickEffect">
-                                  <p:stCondLst>
-                                    <p:cond delay="0"/>
-                                  </p:stCondLst>
-                                  <p:childTnLst>
-                                    <p:set>
-                                      <p:cBhvr>
-                                        <p:cTn id="34" dur="1" fill="hold">
-                                          <p:stCondLst>
-                                            <p:cond delay="0"/>
-                                          </p:stCondLst>
-                                        </p:cTn>
-                                        <p:tgtEl>
-                                          <p:spTgt spid="27651">
-                                            <p:txEl>
-                                              <p:pRg st="9" end="9"/>
-                                            </p:txEl>
-                                          </p:spTgt>
-                                        </p:tgtEl>
-                                        <p:attrNameLst>
-                                          <p:attrName>style.visibility</p:attrName>
-                                        </p:attrNameLst>
-                                      </p:cBhvr>
-                                      <p:to>
-                                        <p:strVal val="visible"/>
-                                      </p:to>
-                                    </p:set>
-                                  </p:childTnLst>
-                                </p:cTn>
-                              </p:par>
-                            </p:childTnLst>
-                          </p:cTn>
-                        </p:par>
-                      </p:childTnLst>
-                    </p:cTn>
-                  </p:par>
-                </p:childTnLst>
-              </p:cTn>
-              <p:prevCondLst>
-                <p:cond evt="onPrev" delay="0">
-                  <p:tgtEl>
-                    <p:sldTgt/>
-                  </p:tgtEl>
-                </p:cond>
-              </p:prevCondLst>
-              <p:nextCondLst>
-                <p:cond evt="onNext" delay="0">
-                  <p:tgtEl>
-                    <p:sldTgt/>
-                  </p:tgtEl>
-                </p:cond>
-              </p:nextCondLst>
-            </p:seq>
-          </p:childTnLst>
-        </p:cTn>
-      </p:par>
-    </p:tnLst>
-    <p:bldLst>
-      <p:bldP spid="27651" grpId="0" build="p"/>
-    </p:bldLst>
-  </p:timing>
-</p:sld>
-</file>
-
-<file path=ppt/slides/slide7.xml><?xml version="1.0" encoding="utf-8"?>
-<p:sld xmlns:a="http://schemas.openxmlformats.org/drawingml/2006/main" xmlns:r="http://schemas.openxmlformats.org/officeDocument/2006/relationships" xmlns:p="http://schemas.openxmlformats.org/presentationml/2006/main">
-  <p:cSld>
-    <p:spTree>
-      <p:nvGrpSpPr>
-        <p:cNvPr id="1" name=""/>
-        <p:cNvGrpSpPr/>
-        <p:nvPr/>
-      </p:nvGrpSpPr>
-      <p:grpSpPr>
-        <a:xfrm>
-          <a:off x="0" y="0"/>
-          <a:ext cx="0" cy="0"/>
-          <a:chOff x="0" y="0"/>
-          <a:chExt cx="0" cy="0"/>
-        </a:xfrm>
-      </p:grpSpPr>
-      <p:sp>
-        <p:nvSpPr>
-          <p:cNvPr id="27650" name="Rectangle 2"/>
-          <p:cNvSpPr>
-            <a:spLocks noGrp="1" noChangeArrowheads="1"/>
-          </p:cNvSpPr>
-          <p:nvPr>
-            <p:ph type="title"/>
-          </p:nvPr>
-        </p:nvSpPr>
-        <p:spPr/>
-        <p:txBody>
-          <a:bodyPr/>
-          <a:lstStyle/>
-          <a:p>
-            <a:r>
-              <a:rPr lang="en-US" dirty="0"/>
-              <a:t>Semaphore and Mutex</a:t>
-            </a:r>
-          </a:p>
-        </p:txBody>
-      </p:sp>
-      <p:sp>
-        <p:nvSpPr>
-          <p:cNvPr id="27651" name="Rectangle 3"/>
-          <p:cNvSpPr>
-            <a:spLocks noGrp="1" noChangeArrowheads="1"/>
-          </p:cNvSpPr>
-          <p:nvPr>
-            <p:ph type="body" idx="1"/>
-          </p:nvPr>
-        </p:nvSpPr>
-        <p:spPr>
-          <a:xfrm>
-            <a:off x="457200" y="1276350"/>
-            <a:ext cx="8229600" cy="3469207"/>
-          </a:xfrm>
-        </p:spPr>
-        <p:txBody>
-          <a:bodyPr>
-            <a:normAutofit/>
-          </a:bodyPr>
-          <a:lstStyle/>
-          <a:p>
-            <a:pPr>
-              <a:lnSpc>
-                <a:spcPct val="90000"/>
-              </a:lnSpc>
-            </a:pPr>
-            <a:r>
-              <a:rPr lang="en-US" sz="2000" dirty="0"/>
-              <a:t>Shared “flag” or counter that more than one thread has access to</a:t>
-            </a:r>
-          </a:p>
-          <a:p>
-            <a:pPr>
-              <a:lnSpc>
-                <a:spcPct val="90000"/>
-              </a:lnSpc>
-            </a:pPr>
-            <a:r>
-              <a:rPr lang="en-US" sz="2000" dirty="0"/>
-              <a:t>Could be a Boolean sort of thing (true/false or on/off or locked/unlocked)</a:t>
-            </a:r>
-          </a:p>
-          <a:p>
-            <a:pPr>
-              <a:lnSpc>
-                <a:spcPct val="90000"/>
-              </a:lnSpc>
-            </a:pPr>
-            <a:r>
-              <a:rPr lang="en-US" sz="2000" dirty="0"/>
-              <a:t>Could be something like a counter</a:t>
-            </a:r>
-          </a:p>
-          <a:p>
-            <a:pPr>
-              <a:lnSpc>
-                <a:spcPct val="90000"/>
-              </a:lnSpc>
-            </a:pPr>
-            <a:r>
-              <a:rPr lang="en-US" sz="2000" dirty="0"/>
-              <a:t>“classic” things like Semaphores, Mutexes, etc. are “heavier” things that often run in the kernel (OS) and take far longer than something like a Critical Section or an “atomic” (we’ll see them in a moment).</a:t>
-            </a:r>
-          </a:p>
-          <a:p>
-            <a:pPr lvl="1">
-              <a:lnSpc>
-                <a:spcPct val="90000"/>
-              </a:lnSpc>
-            </a:pPr>
-            <a:r>
-              <a:rPr lang="en-US" sz="1600" dirty="0" err="1"/>
-              <a:t>WaitForSingleObject</a:t>
-            </a:r>
-            <a:r>
-              <a:rPr lang="en-US" sz="1600" dirty="0"/>
-              <a:t>(), </a:t>
-            </a:r>
-            <a:r>
-              <a:rPr lang="en-US" sz="1600" dirty="0" err="1"/>
-              <a:t>WaitForMultipleObjects</a:t>
-            </a:r>
-            <a:r>
-              <a:rPr lang="en-US" sz="1600" dirty="0"/>
-              <a:t>()…</a:t>
-            </a:r>
-          </a:p>
-          <a:p>
-            <a:pPr lvl="1">
-              <a:lnSpc>
-                <a:spcPct val="90000"/>
-              </a:lnSpc>
-            </a:pPr>
-            <a:r>
-              <a:rPr lang="en-US" sz="1600" dirty="0"/>
-              <a:t>Literally Semaphores and </a:t>
-            </a:r>
-            <a:r>
-              <a:rPr lang="en-US" sz="1600" dirty="0" err="1"/>
-              <a:t>Mutextes</a:t>
-            </a:r>
-            <a:endParaRPr lang="en-US" sz="1600" dirty="0"/>
-          </a:p>
-          <a:p>
-            <a:pPr lvl="1">
-              <a:lnSpc>
-                <a:spcPct val="90000"/>
-              </a:lnSpc>
-            </a:pPr>
-            <a:r>
-              <a:rPr lang="en-US" sz="1600" dirty="0"/>
-              <a:t>Spin Locks that are kernel mode</a:t>
-            </a:r>
-          </a:p>
-          <a:p>
-            <a:pPr>
-              <a:lnSpc>
-                <a:spcPct val="90000"/>
-              </a:lnSpc>
-            </a:pPr>
-            <a:r>
-              <a:rPr lang="en-US" sz="2000" dirty="0"/>
-              <a:t>Generally, we’d use these with processes, not threads</a:t>
-            </a:r>
-          </a:p>
-          <a:p>
-            <a:pPr>
-              <a:lnSpc>
-                <a:spcPct val="90000"/>
-              </a:lnSpc>
-            </a:pPr>
-            <a:r>
-              <a:rPr lang="en-US" sz="2000" dirty="0" err="1"/>
-              <a:t>Eg</a:t>
-            </a:r>
-            <a:r>
-              <a:rPr lang="en-US" sz="2000" dirty="0"/>
-              <a:t>: Two processes (applications) accessing the same file…</a:t>
-            </a:r>
-          </a:p>
-          <a:p>
-            <a:pPr>
-              <a:lnSpc>
-                <a:spcPct val="90000"/>
-              </a:lnSpc>
-            </a:pPr>
-            <a:endParaRPr lang="en-US" sz="2000" dirty="0"/>
-          </a:p>
-        </p:txBody>
-      </p:sp>
-    </p:spTree>
   </p:cSld>
   <p:clrMapOvr>
     <a:masterClrMapping/>
@@ -7117,15 +12685,33 @@
                                   </p:childTnLst>
                                 </p:cTn>
                               </p:par>
+                            </p:childTnLst>
+                          </p:cTn>
+                        </p:par>
+                      </p:childTnLst>
+                    </p:cTn>
+                  </p:par>
+                  <p:par>
+                    <p:cTn id="19" fill="hold">
+                      <p:stCondLst>
+                        <p:cond delay="indefinite"/>
+                      </p:stCondLst>
+                      <p:childTnLst>
+                        <p:par>
+                          <p:cTn id="20" fill="hold">
+                            <p:stCondLst>
+                              <p:cond delay="0"/>
+                            </p:stCondLst>
+                            <p:childTnLst>
                               <p:par>
-                                <p:cTn id="19" presetID="1" presetClass="entr" presetSubtype="0" fill="hold" grpId="0" nodeType="withEffect">
+                                <p:cTn id="21" presetID="1" presetClass="entr" presetSubtype="0" fill="hold" grpId="0" nodeType="clickEffect">
                                   <p:stCondLst>
                                     <p:cond delay="0"/>
                                   </p:stCondLst>
                                   <p:childTnLst>
                                     <p:set>
                                       <p:cBhvr>
-                                        <p:cTn id="20" dur="1" fill="hold">
+                                        <p:cTn id="22" dur="1" fill="hold">
                                           <p:stCondLst>
                                             <p:cond delay="0"/>
                                           </p:stCondLst>
@@ -7148,15 +12734,33 @@
                                   </p:childTnLst>
                                 </p:cTn>
                               </p:par>
+                            </p:childTnLst>
+                          </p:cTn>
+                        </p:par>
+                      </p:childTnLst>
+                    </p:cTn>
+                  </p:par>
+                  <p:par>
+                    <p:cTn id="23" fill="hold">
+                      <p:stCondLst>
+                        <p:cond delay="indefinite"/>
+                      </p:stCondLst>
+                      <p:childTnLst>
+                        <p:par>
+                          <p:cTn id="24" fill="hold">
+                            <p:stCondLst>
+                              <p:cond delay="0"/>
+                            </p:stCondLst>
+                            <p:childTnLst>
                               <p:par>
-                                <p:cTn id="21" presetID="1" presetClass="entr" presetSubtype="0" fill="hold" grpId="0" nodeType="withEffect">
+                                <p:cTn id="25" presetID="1" presetClass="entr" presetSubtype="0" fill="hold" grpId="0" nodeType="clickEffect">
                                   <p:stCondLst>
                                     <p:cond delay="0"/>
                                   </p:stCondLst>
                                   <p:childTnLst>
                                     <p:set>
                                       <p:cBhvr>
-                                        <p:cTn id="22" dur="1" fill="hold">
+                                        <p:cTn id="26" dur="1" fill="hold">
                                           <p:stCondLst>
                                             <p:cond delay="0"/>
                                           </p:stCondLst>
@@ -7179,15 +12783,33 @@
                                   </p:childTnLst>
                                 </p:cTn>
                               </p:par>
+                            </p:childTnLst>
+                          </p:cTn>
+                        </p:par>
+                      </p:childTnLst>
+                    </p:cTn>
+                  </p:par>
+                  <p:par>
+                    <p:cTn id="27" fill="hold">
+                      <p:stCondLst>
+                        <p:cond delay="indefinite"/>
+                      </p:stCondLst>
+                      <p:childTnLst>
+                        <p:par>
+                          <p:cTn id="28" fill="hold">
+                            <p:stCondLst>
+                              <p:cond delay="0"/>
+                            </p:stCondLst>
+                            <p:childTnLst>
                               <p:par>
-                                <p:cTn id="23" presetID="1" presetClass="entr" presetSubtype="0" fill="hold" grpId="0" nodeType="withEffect">
+                                <p:cTn id="29" presetID="1" presetClass="entr" presetSubtype="0" fill="hold" grpId="0" nodeType="clickEffect">
                                   <p:stCondLst>
                                     <p:cond delay="0"/>
                                   </p:stCondLst>
                                   <p:childTnLst>
                                     <p:set>
                                       <p:cBhvr>
-                                        <p:cTn id="24" dur="1" fill="hold">
+                                        <p:cTn id="30" dur="1" fill="hold">
                                           <p:stCondLst>
                                             <p:cond delay="0"/>
                                           </p:stCondLst>
@@ -7217,26 +12839,26 @@
                     </p:cTn>
                   </p:par>
                   <p:par>
-                    <p:cTn id="25" fill="hold">
+                    <p:cTn id="31" fill="hold">
                       <p:stCondLst>
                         <p:cond delay="indefinite"/>
                       </p:stCondLst>
                       <p:childTnLst>
                         <p:par>
-                          <p:cTn id="26" fill="hold">
+                          <p:cTn id="32" fill="hold">
                             <p:stCondLst>
                               <p:cond delay="0"/>
                             </p:stCondLst>
                             <p:childTnLst>
                               <p:par>
-                                <p:cTn id="27" presetID="1" presetClass="entr" presetSubtype="0" fill="hold" grpId="0" nodeType="clickEffect">
+                                <p:cTn id="33" presetID="1" presetClass="entr" presetSubtype="0" fill="hold" grpId="0" nodeType="clickEffect">
                                   <p:stCondLst>
                                     <p:cond delay="0"/>
                                   </p:stCondLst>
                                   <p:childTnLst>
                                     <p:set>
                                       <p:cBhvr>
-                                        <p:cTn id="28" dur="1" fill="hold">
+                                        <p:cTn id="34" dur="1" fill="hold">
                                           <p:stCondLst>
                                             <p:cond delay="0"/>
                                           </p:stCondLst>
@@ -7266,26 +12888,26 @@
                     </p:cTn>
                   </p:par>
                   <p:par>
-                    <p:cTn id="29" fill="hold">
+                    <p:cTn id="35" fill="hold">
                       <p:stCondLst>
                         <p:cond delay="indefinite"/>
                       </p:stCondLst>
                       <p:childTnLst>
                         <p:par>
-                          <p:cTn id="30" fill="hold">
+                          <p:cTn id="36" fill="hold">
                             <p:stCondLst>
                               <p:cond delay="0"/>
                             </p:stCondLst>
                             <p:childTnLst>
                               <p:par>
-                                <p:cTn id="31" presetID="1" presetClass="entr" presetSubtype="0" fill="hold" grpId="0" nodeType="clickEffect">
+                                <p:cTn id="37" presetID="1" presetClass="entr" presetSubtype="0" fill="hold" grpId="0" nodeType="clickEffect">
                                   <p:stCondLst>
                                     <p:cond delay="0"/>
                                   </p:stCondLst>
                                   <p:childTnLst>
                                     <p:set>
                                       <p:cBhvr>
-                                        <p:cTn id="32" dur="1" fill="hold">
+                                        <p:cTn id="38" dur="1" fill="hold">
                                           <p:stCondLst>
                                             <p:cond delay="0"/>
                                           </p:stCondLst>
@@ -7294,6 +12916,202 @@
                                           <p:spTgt spid="27651">
                                             <p:txEl>
                                               <p:pRg st="8" end="8"/>
+                                            </p:txEl>
+                                          </p:spTgt>
+                                        </p:tgtEl>
+                                        <p:attrNameLst>
+                                          <p:attrName>style.visibility</p:attrName>
+                                        </p:attrNameLst>
+                                      </p:cBhvr>
+                                      <p:to>
+                                        <p:strVal val="visible"/>
+                                      </p:to>
+                                    </p:set>
+                                  </p:childTnLst>
+                                </p:cTn>
+                              </p:par>
+                            </p:childTnLst>
+                          </p:cTn>
+                        </p:par>
+                      </p:childTnLst>
+                    </p:cTn>
+                  </p:par>
+                  <p:par>
+                    <p:cTn id="39" fill="hold">
+                      <p:stCondLst>
+                        <p:cond delay="indefinite"/>
+                      </p:stCondLst>
+                      <p:childTnLst>
+                        <p:par>
+                          <p:cTn id="40" fill="hold">
+                            <p:stCondLst>
+                              <p:cond delay="0"/>
+                            </p:stCondLst>
+                            <p:childTnLst>
+                              <p:par>
+                                <p:cTn id="41" presetID="1" presetClass="entr" presetSubtype="0" fill="hold" grpId="0" nodeType="clickEffect">
+                                  <p:stCondLst>
+                                    <p:cond delay="0"/>
+                                  </p:stCondLst>
+                                  <p:childTnLst>
+                                    <p:set>
+                                      <p:cBhvr>
+                                        <p:cTn id="42" dur="1" fill="hold">
+                                          <p:stCondLst>
+                                            <p:cond delay="0"/>
+                                          </p:stCondLst>
+                                        </p:cTn>
+                                        <p:tgtEl>
+                                          <p:spTgt spid="27651">
+                                            <p:txEl>
+                                              <p:pRg st="9" end="9"/>
+                                            </p:txEl>
+                                          </p:spTgt>
+                                        </p:tgtEl>
+                                        <p:attrNameLst>
+                                          <p:attrName>style.visibility</p:attrName>
+                                        </p:attrNameLst>
+                                      </p:cBhvr>
+                                      <p:to>
+                                        <p:strVal val="visible"/>
+                                      </p:to>
+                                    </p:set>
+                                  </p:childTnLst>
+                                </p:cTn>
+                              </p:par>
+                            </p:childTnLst>
+                          </p:cTn>
+                        </p:par>
+                      </p:childTnLst>
+                    </p:cTn>
+                  </p:par>
+                  <p:par>
+                    <p:cTn id="43" fill="hold">
+                      <p:stCondLst>
+                        <p:cond delay="indefinite"/>
+                      </p:stCondLst>
+                      <p:childTnLst>
+                        <p:par>
+                          <p:cTn id="44" fill="hold">
+                            <p:stCondLst>
+                              <p:cond delay="0"/>
+                            </p:stCondLst>
+                            <p:childTnLst>
+                              <p:par>
+                                <p:cTn id="45" presetID="1" presetClass="entr" presetSubtype="0" fill="hold" grpId="0" nodeType="clickEffect">
+                                  <p:stCondLst>
+                                    <p:cond delay="0"/>
+                                  </p:stCondLst>
+                                  <p:childTnLst>
+                                    <p:set>
+                                      <p:cBhvr>
+                                        <p:cTn id="46" dur="1" fill="hold">
+                                          <p:stCondLst>
+                                            <p:cond delay="0"/>
+                                          </p:stCondLst>
+                                        </p:cTn>
+                                        <p:tgtEl>
+                                          <p:spTgt spid="27651">
+                                            <p:txEl>
+                                              <p:pRg st="10" end="10"/>
+                                            </p:txEl>
+                                          </p:spTgt>
+                                        </p:tgtEl>
+                                        <p:attrNameLst>
+                                          <p:attrName>style.visibility</p:attrName>
+                                        </p:attrNameLst>
+                                      </p:cBhvr>
+                                      <p:to>
+                                        <p:strVal val="visible"/>
+                                      </p:to>
+                                    </p:set>
+                                  </p:childTnLst>
+                                </p:cTn>
+                              </p:par>
+                            </p:childTnLst>
+                          </p:cTn>
+                        </p:par>
+                      </p:childTnLst>
+                    </p:cTn>
+                  </p:par>
+                  <p:par>
+                    <p:cTn id="47" fill="hold">
+                      <p:stCondLst>
+                        <p:cond delay="indefinite"/>
+                      </p:stCondLst>
+                      <p:childTnLst>
+                        <p:par>
+                          <p:cTn id="48" fill="hold">
+                            <p:stCondLst>
+                              <p:cond delay="0"/>
+                            </p:stCondLst>
+                            <p:childTnLst>
+                              <p:par>
+                                <p:cTn id="49" presetID="1" presetClass="entr" presetSubtype="0" fill="hold" grpId="0" nodeType="clickEffect">
+                                  <p:stCondLst>
+                                    <p:cond delay="0"/>
+                                  </p:stCondLst>
+                                  <p:childTnLst>
+                                    <p:set>
+                                      <p:cBhvr>
+                                        <p:cTn id="50" dur="1" fill="hold">
+                                          <p:stCondLst>
+                                            <p:cond delay="0"/>
+                                          </p:stCondLst>
+                                        </p:cTn>
+                                        <p:tgtEl>
+                                          <p:spTgt spid="27651">
+                                            <p:txEl>
+                                              <p:pRg st="11" end="11"/>
+                                            </p:txEl>
+                                          </p:spTgt>
+                                        </p:tgtEl>
+                                        <p:attrNameLst>
+                                          <p:attrName>style.visibility</p:attrName>
+                                        </p:attrNameLst>
+                                      </p:cBhvr>
+                                      <p:to>
+                                        <p:strVal val="visible"/>
+                                      </p:to>
+                                    </p:set>
+                                  </p:childTnLst>
+                                </p:cTn>
+                              </p:par>
+                            </p:childTnLst>
+                          </p:cTn>
+                        </p:par>
+                      </p:childTnLst>
+                    </p:cTn>
+                  </p:par>
+                  <p:par>
+                    <p:cTn id="51" fill="hold">
+                      <p:stCondLst>
+                        <p:cond delay="indefinite"/>
+                      </p:stCondLst>
+                      <p:childTnLst>
+                        <p:par>
+                          <p:cTn id="52" fill="hold">
+                            <p:stCondLst>
+                              <p:cond delay="0"/>
+                            </p:stCondLst>
+                            <p:childTnLst>
+                              <p:par>
+                                <p:cTn id="53" presetID="1" presetClass="entr" presetSubtype="0" fill="hold" grpId="0" nodeType="clickEffect">
+                                  <p:stCondLst>
+                                    <p:cond delay="0"/>
+                                  </p:stCondLst>
+                                  <p:childTnLst>
+                                    <p:set>
+                                      <p:cBhvr>
+                                        <p:cTn id="54" dur="1" fill="hold">
+                                          <p:stCondLst>
+                                            <p:cond delay="0"/>
+                                          </p:stCondLst>
+                                        </p:cTn>
+                                        <p:tgtEl>
+                                          <p:spTgt spid="27651">
+                                            <p:txEl>
+                                              <p:pRg st="12" end="12"/>
                                             </p:txEl>
                                           </p:spTgt>
                                         </p:tgtEl>
@@ -7342,7 +13160,7 @@
 </p:sld>
 </file>
 
-<file path=ppt/slides/slide8.xml><?xml version="1.0" encoding="utf-8"?>
+<file path=ppt/slides/slide9.xml><?xml version="1.0" encoding="utf-8"?>
 <p:sld xmlns:a="http://schemas.openxmlformats.org/drawingml/2006/main" xmlns:r="http://schemas.openxmlformats.org/officeDocument/2006/relationships" xmlns:p="http://schemas.openxmlformats.org/presentationml/2006/main">
   <p:cSld>
     <p:spTree>
@@ -7350,7 +13168,7 @@
         <p:cNvPr id="1" name="">
           <a:extLst>
             <a:ext uri="{FF2B5EF4-FFF2-40B4-BE49-F238E27FC236}">
-              <a16:creationId xmlns:a16="http://schemas.microsoft.com/office/drawing/2014/main" id="{831B5A21-7824-71B4-CF0E-62542436BFE6}"/>
+              <a16:creationId xmlns:a16="http://schemas.microsoft.com/office/drawing/2014/main" id="{F9376AE5-21F3-9032-4AA5-A58B5EFCA0FC}"/>
             </a:ext>
           </a:extLst>
         </p:cNvPr>
@@ -7370,7 +13188,7 @@
           <p:cNvPr id="27650" name="Rectangle 2">
             <a:extLst>
               <a:ext uri="{FF2B5EF4-FFF2-40B4-BE49-F238E27FC236}">
-                <a16:creationId xmlns:a16="http://schemas.microsoft.com/office/drawing/2014/main" id="{807696E8-3E0A-1FBD-94F8-AA8023C766C2}"/>
+                <a16:creationId xmlns:a16="http://schemas.microsoft.com/office/drawing/2014/main" id="{216D3704-76B4-07A5-3300-A0DD49EB37F8}"/>
               </a:ext>
             </a:extLst>
           </p:cNvPr>
@@ -7388,7 +13206,7 @@
           <a:p>
             <a:r>
               <a:rPr lang="en-US" dirty="0"/>
-              <a:t>Tools and tips</a:t>
+              <a:t>Example #1 soft body update</a:t>
             </a:r>
           </a:p>
         </p:txBody>
@@ -7398,7 +13216,7 @@
           <p:cNvPr id="27651" name="Rectangle 3">
             <a:extLst>
               <a:ext uri="{FF2B5EF4-FFF2-40B4-BE49-F238E27FC236}">
-                <a16:creationId xmlns:a16="http://schemas.microsoft.com/office/drawing/2014/main" id="{F1156010-7160-C094-0896-E1EB9426A0F5}"/>
+                <a16:creationId xmlns:a16="http://schemas.microsoft.com/office/drawing/2014/main" id="{1CBB98D1-5AB7-DE5D-890D-8E54777A870D}"/>
               </a:ext>
             </a:extLst>
           </p:cNvPr>
@@ -7428,7 +13246,7 @@
             </a:pPr>
             <a:r>
               <a:rPr lang="en-US" sz="1800" dirty="0"/>
-              <a:t>If threads are using their own info only, that’s ideal</a:t>
+              <a:t>Threading soft-body:</a:t>
             </a:r>
           </a:p>
           <a:p>
@@ -7439,7 +13257,7 @@
             </a:pPr>
             <a:r>
               <a:rPr lang="en-US" sz="1600" dirty="0"/>
-              <a:t>5 soft body objects, spawn a thread to do the </a:t>
+              <a:t>Place </a:t>
             </a:r>
             <a:r>
               <a:rPr lang="en-US" sz="1600" dirty="0" err="1"/>
@@ -7447,7 +13265,7 @@
             </a:r>
             <a:r>
               <a:rPr lang="en-US" sz="1600" dirty="0"/>
-              <a:t> integration for each object</a:t>
+              <a:t> update and collision on thread</a:t>
             </a:r>
           </a:p>
           <a:p>
@@ -7458,29 +13276,7 @@
             </a:pPr>
             <a:r>
               <a:rPr lang="en-US" sz="1600" dirty="0"/>
-              <a:t>Each thread only “touches” its own data</a:t>
-            </a:r>
-          </a:p>
-          <a:p>
-            <a:pPr>
-              <a:lnSpc>
-                <a:spcPct val="90000"/>
-              </a:lnSpc>
-            </a:pPr>
-            <a:r>
-              <a:rPr lang="en-US" sz="1800" dirty="0"/>
-              <a:t>If the threads are READING (read only) the data, then outputting their own results</a:t>
-            </a:r>
-          </a:p>
-          <a:p>
-            <a:pPr>
-              <a:lnSpc>
-                <a:spcPct val="90000"/>
-              </a:lnSpc>
-            </a:pPr>
-            <a:r>
-              <a:rPr lang="en-US" sz="1800" dirty="0"/>
-              <a:t>We can “lock” whole parts of data (variables, containers (vector, etc.)) using:</a:t>
+              <a:t>Each frame, create a new thread which will run to completion</a:t>
             </a:r>
           </a:p>
           <a:p>
@@ -7490,8 +13286,31 @@
               </a:lnSpc>
             </a:pPr>
             <a:r>
-              <a:rPr lang="en-US" sz="1400" dirty="0"/>
-              <a:t>Heavy like: semaphores, mutex, etc.</a:t>
+              <a:rPr lang="en-US" sz="1600" dirty="0"/>
+              <a:t>Do NOT update the VAO on the thread, as OpenGL can 0nly be called from the thread that “has the context”, and the </a:t>
+            </a:r>
+            <a:r>
+              <a:rPr lang="en-US" sz="1600" dirty="0" err="1"/>
+              <a:t>Verlet</a:t>
+            </a:r>
+            <a:r>
+              <a:rPr lang="en-US" sz="1600" dirty="0"/>
+              <a:t> update thread </a:t>
+            </a:r>
+            <a:r>
+              <a:rPr lang="en-US" sz="1600" i="1" dirty="0"/>
+              <a:t>doesn’t</a:t>
+            </a:r>
+          </a:p>
+          <a:p>
+            <a:pPr lvl="2">
+              <a:lnSpc>
+                <a:spcPct val="90000"/>
+              </a:lnSpc>
+            </a:pPr>
+            <a:r>
+              <a:rPr lang="en-US" sz="1600" dirty="0"/>
+              <a:t>If you call, the driver will almost certainly crash</a:t>
             </a:r>
           </a:p>
           <a:p>
@@ -7501,8 +13320,24 @@
               </a:lnSpc>
             </a:pPr>
             <a:r>
-              <a:rPr lang="en-US" sz="1400" dirty="0"/>
-              <a:t>Critical Sections</a:t>
+              <a:rPr lang="en-US" sz="1600" dirty="0"/>
+              <a:t>With the single threaded version, we updated the VAO immediately after calling the </a:t>
+            </a:r>
+            <a:r>
+              <a:rPr lang="en-US" sz="1600" dirty="0" err="1"/>
+              <a:t>Verlet</a:t>
+            </a:r>
+            <a:r>
+              <a:rPr lang="en-US" sz="1600" dirty="0"/>
+              <a:t> update, but with the threaded version, the </a:t>
+            </a:r>
+            <a:r>
+              <a:rPr lang="en-US" sz="1600" dirty="0" err="1"/>
+              <a:t>CreateThread</a:t>
+            </a:r>
+            <a:r>
+              <a:rPr lang="en-US" sz="1600" dirty="0"/>
+              <a:t>() returns immediately but the thread HASN’T done anything, yet.</a:t>
             </a:r>
           </a:p>
           <a:p>
@@ -7512,54 +13347,54 @@
               </a:lnSpc>
             </a:pPr>
             <a:r>
-              <a:rPr lang="en-US" sz="1400" dirty="0"/>
-              <a:t>Something small like an int, then </a:t>
-            </a:r>
-            <a:r>
-              <a:rPr lang="en-US" sz="1400" dirty="0" err="1"/>
-              <a:t>InterlockedExchange</a:t>
-            </a:r>
-            <a:r>
-              <a:rPr lang="en-US" sz="1400" dirty="0"/>
-              <a:t> (‘atomic’) instructions are an option</a:t>
-            </a:r>
-          </a:p>
-          <a:p>
-            <a:pPr>
+              <a:rPr lang="en-US" sz="1600" dirty="0"/>
+              <a:t>So we call the VAO update </a:t>
+            </a:r>
+            <a:r>
+              <a:rPr lang="en-US" sz="1600" i="1" dirty="0"/>
+              <a:t>before </a:t>
+            </a:r>
+            <a:r>
+              <a:rPr lang="en-US" sz="1600" dirty="0"/>
+              <a:t>creating the thread</a:t>
+            </a:r>
+          </a:p>
+          <a:p>
+            <a:pPr lvl="2">
               <a:lnSpc>
                 <a:spcPct val="90000"/>
               </a:lnSpc>
             </a:pPr>
             <a:r>
-              <a:rPr lang="en-US" sz="1800" dirty="0"/>
-              <a:t>Using a combo of this where things are “buffered” </a:t>
-            </a:r>
-          </a:p>
-          <a:p>
-            <a:pPr lvl="1">
+              <a:rPr lang="en-US" sz="1600" dirty="0"/>
+              <a:t>i.e. we are updating the </a:t>
+            </a:r>
+            <a:r>
+              <a:rPr lang="en-US" sz="1600" i="1" dirty="0"/>
+              <a:t>previous </a:t>
+            </a:r>
+            <a:r>
+              <a:rPr lang="en-US" sz="1600" dirty="0"/>
+              <a:t>body data to the VOA</a:t>
+            </a:r>
+          </a:p>
+          <a:p>
+            <a:pPr lvl="2">
               <a:lnSpc>
                 <a:spcPct val="90000"/>
               </a:lnSpc>
             </a:pPr>
             <a:r>
-              <a:rPr lang="en-US" sz="1400" dirty="0"/>
-              <a:t>One thread is writing to a buffer (its “write buffer”) while another is reading from a separate (often “slightly older data” buffer), then we swap them out.</a:t>
-            </a:r>
-          </a:p>
-          <a:p>
-            <a:pPr>
-              <a:lnSpc>
-                <a:spcPct val="90000"/>
-              </a:lnSpc>
-            </a:pPr>
-            <a:endParaRPr lang="en-US" sz="2000" dirty="0"/>
+              <a:rPr lang="en-US" sz="1600" dirty="0"/>
+              <a:t>The soft body is “one frame behind” the render</a:t>
+            </a:r>
           </a:p>
         </p:txBody>
       </p:sp>
     </p:spTree>
     <p:extLst>
       <p:ext uri="{BB962C8B-B14F-4D97-AF65-F5344CB8AC3E}">
-        <p14:creationId xmlns:p14="http://schemas.microsoft.com/office/powerpoint/2010/main" val="498129078"/>
+        <p14:creationId xmlns:p14="http://schemas.microsoft.com/office/powerpoint/2010/main" val="1238541566"/>
       </p:ext>
     </p:extLst>
   </p:cSld>
@@ -7679,33 +13514,15 @@
                                   </p:childTnLst>
                                 </p:cTn>
                               </p:par>
-                            </p:childTnLst>
-                          </p:cTn>
-                        </p:par>
-                      </p:childTnLst>
-                    </p:cTn>
-                  </p:par>
-                  <p:par>
-                    <p:cTn id="11" fill="hold">
-                      <p:stCondLst>
-                        <p:cond delay="indefinite"/>
-                      </p:stCondLst>
-                      <p:childTnLst>
-                        <p:par>
-                          <p:cTn id="12" fill="hold">
-                            <p:stCondLst>
-                              <p:cond delay="0"/>
-                            </p:stCondLst>
-                            <p:childTnLst>
                               <p:par>
-                                <p:cTn id="13" presetID="1" presetClass="entr" presetSubtype="0" fill="hold" grpId="0" nodeType="clickEffect">
+                                <p:cTn id="11" presetID="1" presetClass="entr" presetSubtype="0" fill="hold" grpId="0" nodeType="withEffect">
                                   <p:stCondLst>
                                     <p:cond delay="0"/>
                                   </p:stCondLst>
                                   <p:childTnLst>
                                     <p:set>
                                       <p:cBhvr>
-                                        <p:cTn id="14" dur="1" fill="hold">
+                                        <p:cTn id="12" dur="1" fill="hold">
                                           <p:stCondLst>
                                             <p:cond delay="0"/>
                                           </p:stCondLst>
@@ -7728,26 +13545,70 @@
                                   </p:childTnLst>
                                 </p:cTn>
                               </p:par>
-                            </p:childTnLst>
-                          </p:cTn>
-                        </p:par>
-                      </p:childTnLst>
-                    </p:cTn>
-                  </p:par>
-                  <p:par>
-                    <p:cTn id="15" fill="hold">
-                      <p:stCondLst>
-                        <p:cond delay="indefinite"/>
-                      </p:stCondLst>
-                      <p:childTnLst>
-                        <p:par>
-                          <p:cTn id="16" fill="hold">
-                            <p:stCondLst>
-                              <p:cond delay="0"/>
-                            </p:stCondLst>
-                            <p:childTnLst>
                               <p:par>
-                                <p:cTn id="17" presetID="1" presetClass="entr" presetSubtype="0" fill="hold" grpId="0" nodeType="clickEffect">
+                                <p:cTn id="13" presetID="1" presetClass="entr" presetSubtype="0" fill="hold" grpId="0" nodeType="withEffect">
+                                  <p:stCondLst>
+                                    <p:cond delay="0"/>
+                                  </p:stCondLst>
+                                  <p:childTnLst>
+                                    <p:set>
+                                      <p:cBhvr>
+                                        <p:cTn id="14" dur="1" fill="hold">
+                                          <p:stCondLst>
+                                            <p:cond delay="0"/>
+                                          </p:stCondLst>
+                                        </p:cTn>
+                                        <p:tgtEl>
+                                          <p:spTgt spid="27651">
+                                            <p:txEl>
+                                              <p:pRg st="4" end="4"/>
+                                            </p:txEl>
+                                          </p:spTgt>
+                                        </p:tgtEl>
+                                        <p:attrNameLst>
+                                          <p:attrName>style.visibility</p:attrName>
+                                        </p:attrNameLst>
+                                      </p:cBhvr>
+                                      <p:to>
+                                        <p:strVal val="visible"/>
+                                      </p:to>
+                                    </p:set>
+                                  </p:childTnLst>
+                                </p:cTn>
+                              </p:par>
+                              <p:par>
+                                <p:cTn id="15" presetID="1" presetClass="entr" presetSubtype="0" fill="hold" grpId="0" nodeType="withEffect">
+                                  <p:stCondLst>
+                                    <p:cond delay="0"/>
+                                  </p:stCondLst>
+                                  <p:childTnLst>
+                                    <p:set>
+                                      <p:cBhvr>
+                                        <p:cTn id="16" dur="1" fill="hold">
+                                          <p:stCondLst>
+                                            <p:cond delay="0"/>
+                                          </p:stCondLst>
+                                        </p:cTn>
+                                        <p:tgtEl>
+                                          <p:spTgt spid="27651">
+                                            <p:txEl>
+                                              <p:pRg st="5" end="5"/>
+                                            </p:txEl>
+                                          </p:spTgt>
+                                        </p:tgtEl>
+                                        <p:attrNameLst>
+                                          <p:attrName>style.visibility</p:attrName>
+                                        </p:attrNameLst>
+                                      </p:cBhvr>
+                                      <p:to>
+                                        <p:strVal val="visible"/>
+                                      </p:to>
+                                    </p:set>
+                                  </p:childTnLst>
+                                </p:cTn>
+                              </p:par>
+                              <p:par>
+                                <p:cTn id="17" presetID="1" presetClass="entr" presetSubtype="0" fill="hold" grpId="0" nodeType="withEffect">
                                   <p:stCondLst>
                                     <p:cond delay="0"/>
                                   </p:stCondLst>
@@ -7762,7 +13623,7 @@
                                         <p:tgtEl>
                                           <p:spTgt spid="27651">
                                             <p:txEl>
-                                              <p:pRg st="4" end="4"/>
+                                              <p:pRg st="6" end="6"/>
                                             </p:txEl>
                                           </p:spTgt>
                                         </p:tgtEl>
@@ -7793,7 +13654,7 @@
                                         <p:tgtEl>
                                           <p:spTgt spid="27651">
                                             <p:txEl>
-                                              <p:pRg st="5" end="5"/>
+                                              <p:pRg st="7" end="7"/>
                                             </p:txEl>
                                           </p:spTgt>
                                         </p:tgtEl>
@@ -7824,464 +13685,7 @@
                                         <p:tgtEl>
                                           <p:spTgt spid="27651">
                                             <p:txEl>
-                                              <p:pRg st="6" end="6"/>
-                                            </p:txEl>
-                                          </p:spTgt>
-                                        </p:tgtEl>
-                                        <p:attrNameLst>
-                                          <p:attrName>style.visibility</p:attrName>
-                                        </p:attrNameLst>
-                                      </p:cBhvr>
-                                      <p:to>
-                                        <p:strVal val="visible"/>
-                                      </p:to>
-                                    </p:set>
-                                  </p:childTnLst>
-                                </p:cTn>
-                              </p:par>
-                              <p:par>
-                                <p:cTn id="23" presetID="1" presetClass="entr" presetSubtype="0" fill="hold" grpId="0" nodeType="withEffect">
-                                  <p:stCondLst>
-                                    <p:cond delay="0"/>
-                                  </p:stCondLst>
-                                  <p:childTnLst>
-                                    <p:set>
-                                      <p:cBhvr>
-                                        <p:cTn id="24" dur="1" fill="hold">
-                                          <p:stCondLst>
-                                            <p:cond delay="0"/>
-                                          </p:stCondLst>
-                                        </p:cTn>
-                                        <p:tgtEl>
-                                          <p:spTgt spid="27651">
-                                            <p:txEl>
-                                              <p:pRg st="7" end="7"/>
-                                            </p:txEl>
-                                          </p:spTgt>
-                                        </p:tgtEl>
-                                        <p:attrNameLst>
-                                          <p:attrName>style.visibility</p:attrName>
-                                        </p:attrNameLst>
-                                      </p:cBhvr>
-                                      <p:to>
-                                        <p:strVal val="visible"/>
-                                      </p:to>
-                                    </p:set>
-                                  </p:childTnLst>
-                                </p:cTn>
-                              </p:par>
-                            </p:childTnLst>
-                          </p:cTn>
-                        </p:par>
-                      </p:childTnLst>
-                    </p:cTn>
-                  </p:par>
-                  <p:par>
-                    <p:cTn id="25" fill="hold">
-                      <p:stCondLst>
-                        <p:cond delay="indefinite"/>
-                      </p:stCondLst>
-                      <p:childTnLst>
-                        <p:par>
-                          <p:cTn id="26" fill="hold">
-                            <p:stCondLst>
-                              <p:cond delay="0"/>
-                            </p:stCondLst>
-                            <p:childTnLst>
-                              <p:par>
-                                <p:cTn id="27" presetID="1" presetClass="entr" presetSubtype="0" fill="hold" grpId="0" nodeType="clickEffect">
-                                  <p:stCondLst>
-                                    <p:cond delay="0"/>
-                                  </p:stCondLst>
-                                  <p:childTnLst>
-                                    <p:set>
-                                      <p:cBhvr>
-                                        <p:cTn id="28" dur="1" fill="hold">
-                                          <p:stCondLst>
-                                            <p:cond delay="0"/>
-                                          </p:stCondLst>
-                                        </p:cTn>
-                                        <p:tgtEl>
-                                          <p:spTgt spid="27651">
-                                            <p:txEl>
                                               <p:pRg st="8" end="8"/>
-                                            </p:txEl>
-                                          </p:spTgt>
-                                        </p:tgtEl>
-                                        <p:attrNameLst>
-                                          <p:attrName>style.visibility</p:attrName>
-                                        </p:attrNameLst>
-                                      </p:cBhvr>
-                                      <p:to>
-                                        <p:strVal val="visible"/>
-                                      </p:to>
-                                    </p:set>
-                                  </p:childTnLst>
-                                </p:cTn>
-                              </p:par>
-                              <p:par>
-                                <p:cTn id="29" presetID="1" presetClass="entr" presetSubtype="0" fill="hold" grpId="0" nodeType="withEffect">
-                                  <p:stCondLst>
-                                    <p:cond delay="0"/>
-                                  </p:stCondLst>
-                                  <p:childTnLst>
-                                    <p:set>
-                                      <p:cBhvr>
-                                        <p:cTn id="30" dur="1" fill="hold">
-                                          <p:stCondLst>
-                                            <p:cond delay="0"/>
-                                          </p:stCondLst>
-                                        </p:cTn>
-                                        <p:tgtEl>
-                                          <p:spTgt spid="27651">
-                                            <p:txEl>
-                                              <p:pRg st="9" end="9"/>
-                                            </p:txEl>
-                                          </p:spTgt>
-                                        </p:tgtEl>
-                                        <p:attrNameLst>
-                                          <p:attrName>style.visibility</p:attrName>
-                                        </p:attrNameLst>
-                                      </p:cBhvr>
-                                      <p:to>
-                                        <p:strVal val="visible"/>
-                                      </p:to>
-                                    </p:set>
-                                  </p:childTnLst>
-                                </p:cTn>
-                              </p:par>
-                            </p:childTnLst>
-                          </p:cTn>
-                        </p:par>
-                      </p:childTnLst>
-                    </p:cTn>
-                  </p:par>
-                </p:childTnLst>
-              </p:cTn>
-              <p:prevCondLst>
-                <p:cond evt="onPrev" delay="0">
-                  <p:tgtEl>
-                    <p:sldTgt/>
-                  </p:tgtEl>
-                </p:cond>
-              </p:prevCondLst>
-              <p:nextCondLst>
-                <p:cond evt="onNext" delay="0">
-                  <p:tgtEl>
-                    <p:sldTgt/>
-                  </p:tgtEl>
-                </p:cond>
-              </p:nextCondLst>
-            </p:seq>
-          </p:childTnLst>
-        </p:cTn>
-      </p:par>
-    </p:tnLst>
-    <p:bldLst>
-      <p:bldP spid="27651" grpId="0" build="p"/>
-    </p:bldLst>
-  </p:timing>
-</p:sld>
-</file>
-
-<file path=ppt/slides/slide9.xml><?xml version="1.0" encoding="utf-8"?>
-<p:sld xmlns:a="http://schemas.openxmlformats.org/drawingml/2006/main" xmlns:r="http://schemas.openxmlformats.org/officeDocument/2006/relationships" xmlns:p="http://schemas.openxmlformats.org/presentationml/2006/main">
-  <p:cSld>
-    <p:spTree>
-      <p:nvGrpSpPr>
-        <p:cNvPr id="1" name="">
-          <a:extLst>
-            <a:ext uri="{FF2B5EF4-FFF2-40B4-BE49-F238E27FC236}">
-              <a16:creationId xmlns:a16="http://schemas.microsoft.com/office/drawing/2014/main" id="{B39BB663-6FB3-D3A3-10C5-01EA6500992E}"/>
-            </a:ext>
-          </a:extLst>
-        </p:cNvPr>
-        <p:cNvGrpSpPr/>
-        <p:nvPr/>
-      </p:nvGrpSpPr>
-      <p:grpSpPr>
-        <a:xfrm>
-          <a:off x="0" y="0"/>
-          <a:ext cx="0" cy="0"/>
-          <a:chOff x="0" y="0"/>
-          <a:chExt cx="0" cy="0"/>
-        </a:xfrm>
-      </p:grpSpPr>
-      <p:sp>
-        <p:nvSpPr>
-          <p:cNvPr id="27650" name="Rectangle 2">
-            <a:extLst>
-              <a:ext uri="{FF2B5EF4-FFF2-40B4-BE49-F238E27FC236}">
-                <a16:creationId xmlns:a16="http://schemas.microsoft.com/office/drawing/2014/main" id="{390CE02E-6845-AD8F-FB6E-83015C2717A4}"/>
-              </a:ext>
-            </a:extLst>
-          </p:cNvPr>
-          <p:cNvSpPr>
-            <a:spLocks noGrp="1" noChangeArrowheads="1"/>
-          </p:cNvSpPr>
-          <p:nvPr>
-            <p:ph type="title"/>
-          </p:nvPr>
-        </p:nvSpPr>
-        <p:spPr/>
-        <p:txBody>
-          <a:bodyPr/>
-          <a:lstStyle/>
-          <a:p>
-            <a:r>
-              <a:rPr lang="en-US" dirty="0"/>
-              <a:t>Thread pool</a:t>
-            </a:r>
-          </a:p>
-        </p:txBody>
-      </p:sp>
-      <p:sp>
-        <p:nvSpPr>
-          <p:cNvPr id="27651" name="Rectangle 3">
-            <a:extLst>
-              <a:ext uri="{FF2B5EF4-FFF2-40B4-BE49-F238E27FC236}">
-                <a16:creationId xmlns:a16="http://schemas.microsoft.com/office/drawing/2014/main" id="{49C4DCFB-CAC7-6955-BBE7-739C98FE4B98}"/>
-              </a:ext>
-            </a:extLst>
-          </p:cNvPr>
-          <p:cNvSpPr>
-            <a:spLocks noGrp="1" noChangeArrowheads="1"/>
-          </p:cNvSpPr>
-          <p:nvPr>
-            <p:ph type="body" idx="1"/>
-          </p:nvPr>
-        </p:nvSpPr>
-        <p:spPr>
-          <a:xfrm>
-            <a:off x="152400" y="1276350"/>
-            <a:ext cx="8534400" cy="3469207"/>
-          </a:xfrm>
-        </p:spPr>
-        <p:txBody>
-          <a:bodyPr>
-            <a:normAutofit/>
-          </a:bodyPr>
-          <a:lstStyle/>
-          <a:p>
-            <a:pPr>
-              <a:lnSpc>
-                <a:spcPct val="90000"/>
-              </a:lnSpc>
-            </a:pPr>
-            <a:r>
-              <a:rPr lang="en-US" sz="1800" dirty="0"/>
-              <a:t>We have some threads that are hanging around to do something</a:t>
-            </a:r>
-          </a:p>
-          <a:p>
-            <a:pPr lvl="1">
-              <a:lnSpc>
-                <a:spcPct val="90000"/>
-              </a:lnSpc>
-            </a:pPr>
-            <a:r>
-              <a:rPr lang="en-US" sz="1400" dirty="0"/>
-              <a:t>They are “available” to do something when needed.</a:t>
-            </a:r>
-          </a:p>
-          <a:p>
-            <a:pPr lvl="1">
-              <a:lnSpc>
-                <a:spcPct val="90000"/>
-              </a:lnSpc>
-            </a:pPr>
-            <a:r>
-              <a:rPr lang="en-US" sz="1400" dirty="0"/>
-              <a:t>The idea is that we don’t want to call </a:t>
-            </a:r>
-            <a:r>
-              <a:rPr lang="en-US" sz="1400" dirty="0" err="1"/>
-              <a:t>CreateThread</a:t>
-            </a:r>
-            <a:r>
-              <a:rPr lang="en-US" sz="1400" dirty="0"/>
-              <a:t>() a lot because it’s expensive and also it takes a moment to “start up”</a:t>
-            </a:r>
-          </a:p>
-          <a:p>
-            <a:pPr>
-              <a:lnSpc>
-                <a:spcPct val="90000"/>
-              </a:lnSpc>
-            </a:pPr>
-            <a:r>
-              <a:rPr lang="en-US" sz="1800" dirty="0"/>
-              <a:t>Another issue is we don’t want the threads to “spin” when idle because they might use up all your CPU time. </a:t>
-            </a:r>
-          </a:p>
-          <a:p>
-            <a:pPr>
-              <a:lnSpc>
-                <a:spcPct val="90000"/>
-              </a:lnSpc>
-            </a:pPr>
-            <a:endParaRPr lang="en-US" sz="2000" dirty="0"/>
-          </a:p>
-        </p:txBody>
-      </p:sp>
-    </p:spTree>
-    <p:extLst>
-      <p:ext uri="{BB962C8B-B14F-4D97-AF65-F5344CB8AC3E}">
-        <p14:creationId xmlns:p14="http://schemas.microsoft.com/office/powerpoint/2010/main" val="3853169854"/>
-      </p:ext>
-    </p:extLst>
-  </p:cSld>
-  <p:clrMapOvr>
-    <a:masterClrMapping/>
-  </p:clrMapOvr>
-  <p:timing>
-    <p:tnLst>
-      <p:par>
-        <p:cTn id="1" dur="indefinite" restart="never" nodeType="tmRoot">
-          <p:childTnLst>
-            <p:seq concurrent="1" nextAc="seek">
-              <p:cTn id="2" dur="indefinite" nodeType="mainSeq">
-                <p:childTnLst>
-                  <p:par>
-                    <p:cTn id="3" fill="hold">
-                      <p:stCondLst>
-                        <p:cond delay="indefinite"/>
-                      </p:stCondLst>
-                      <p:childTnLst>
-                        <p:par>
-                          <p:cTn id="4" fill="hold">
-                            <p:stCondLst>
-                              <p:cond delay="0"/>
-                            </p:stCondLst>
-                            <p:childTnLst>
-                              <p:par>
-                                <p:cTn id="5" presetID="1" presetClass="entr" presetSubtype="0" fill="hold" grpId="0" nodeType="clickEffect">
-                                  <p:stCondLst>
-                                    <p:cond delay="0"/>
-                                  </p:stCondLst>
-                                  <p:childTnLst>
-                                    <p:set>
-                                      <p:cBhvr>
-                                        <p:cTn id="6" dur="1" fill="hold">
-                                          <p:stCondLst>
-                                            <p:cond delay="0"/>
-                                          </p:stCondLst>
-                                        </p:cTn>
-                                        <p:tgtEl>
-                                          <p:spTgt spid="27651">
-                                            <p:txEl>
-                                              <p:pRg st="0" end="0"/>
-                                            </p:txEl>
-                                          </p:spTgt>
-                                        </p:tgtEl>
-                                        <p:attrNameLst>
-                                          <p:attrName>style.visibility</p:attrName>
-                                        </p:attrNameLst>
-                                      </p:cBhvr>
-                                      <p:to>
-                                        <p:strVal val="visible"/>
-                                      </p:to>
-                                    </p:set>
-                                  </p:childTnLst>
-                                </p:cTn>
-                              </p:par>
-                              <p:par>
-                                <p:cTn id="7" presetID="1" presetClass="entr" presetSubtype="0" fill="hold" grpId="0" nodeType="withEffect">
-                                  <p:stCondLst>
-                                    <p:cond delay="0"/>
-                                  </p:stCondLst>
-                                  <p:childTnLst>
-                                    <p:set>
-                                      <p:cBhvr>
-                                        <p:cTn id="8" dur="1" fill="hold">
-                                          <p:stCondLst>
-                                            <p:cond delay="0"/>
-                                          </p:stCondLst>
-                                        </p:cTn>
-                                        <p:tgtEl>
-                                          <p:spTgt spid="27651">
-                                            <p:txEl>
-                                              <p:pRg st="1" end="1"/>
-                                            </p:txEl>
-                                          </p:spTgt>
-                                        </p:tgtEl>
-                                        <p:attrNameLst>
-                                          <p:attrName>style.visibility</p:attrName>
-                                        </p:attrNameLst>
-                                      </p:cBhvr>
-                                      <p:to>
-                                        <p:strVal val="visible"/>
-                                      </p:to>
-                                    </p:set>
-                                  </p:childTnLst>
-                                </p:cTn>
-                              </p:par>
-                              <p:par>
-                                <p:cTn id="9" presetID="1" presetClass="entr" presetSubtype="0" fill="hold" grpId="0" nodeType="withEffect">
-                                  <p:stCondLst>
-                                    <p:cond delay="0"/>
-                                  </p:stCondLst>
-                                  <p:childTnLst>
-                                    <p:set>
-                                      <p:cBhvr>
-                                        <p:cTn id="10" dur="1" fill="hold">
-                                          <p:stCondLst>
-                                            <p:cond delay="0"/>
-                                          </p:stCondLst>
-                                        </p:cTn>
-                                        <p:tgtEl>
-                                          <p:spTgt spid="27651">
-                                            <p:txEl>
-                                              <p:pRg st="2" end="2"/>
-                                            </p:txEl>
-                                          </p:spTgt>
-                                        </p:tgtEl>
-                                        <p:attrNameLst>
-                                          <p:attrName>style.visibility</p:attrName>
-                                        </p:attrNameLst>
-                                      </p:cBhvr>
-                                      <p:to>
-                                        <p:strVal val="visible"/>
-                                      </p:to>
-                                    </p:set>
-                                  </p:childTnLst>
-                                </p:cTn>
-                              </p:par>
-                            </p:childTnLst>
-                          </p:cTn>
-                        </p:par>
-                      </p:childTnLst>
-                    </p:cTn>
-                  </p:par>
-                  <p:par>
-                    <p:cTn id="11" fill="hold">
-                      <p:stCondLst>
-                        <p:cond delay="indefinite"/>
-                      </p:stCondLst>
-                      <p:childTnLst>
-                        <p:par>
-                          <p:cTn id="12" fill="hold">
-                            <p:stCondLst>
-                              <p:cond delay="0"/>
-                            </p:stCondLst>
-                            <p:childTnLst>
-                              <p:par>
-                                <p:cTn id="13" presetID="1" presetClass="entr" presetSubtype="0" fill="hold" grpId="0" nodeType="clickEffect">
-                                  <p:stCondLst>
-                                    <p:cond delay="0"/>
-                                  </p:stCondLst>
-                                  <p:childTnLst>
-                                    <p:set>
-                                      <p:cBhvr>
-                                        <p:cTn id="14" dur="1" fill="hold">
-                                          <p:stCondLst>
-                                            <p:cond delay="0"/>
-                                          </p:stCondLst>
-                                        </p:cTn>
-                                        <p:tgtEl>
-                                          <p:spTgt spid="27651">
-                                            <p:txEl>
-                                              <p:pRg st="3" end="3"/>
                                             </p:txEl>
                                           </p:spTgt>
                                         </p:tgtEl>
